--- a/Tugas 1/54415319_Muammar Adid Prabowo_Tentang Python_4IA17.pptx
+++ b/Tugas 1/54415319_Muammar Adid Prabowo_Tentang Python_4IA17.pptx
@@ -5,10 +5,10 @@
     <p:sldMasterId id="2147483648" r:id="rId1"/>
   </p:sldMasterIdLst>
   <p:notesMasterIdLst>
-    <p:notesMasterId r:id="rId47"/>
+    <p:notesMasterId r:id="rId63"/>
   </p:notesMasterIdLst>
   <p:handoutMasterIdLst>
-    <p:handoutMasterId r:id="rId48"/>
+    <p:handoutMasterId r:id="rId64"/>
   </p:handoutMasterIdLst>
   <p:sldIdLst>
     <p:sldId id="282" r:id="rId2"/>
@@ -54,8 +54,24 @@
     <p:sldId id="341" r:id="rId42"/>
     <p:sldId id="342" r:id="rId43"/>
     <p:sldId id="343" r:id="rId44"/>
-    <p:sldId id="285" r:id="rId45"/>
-    <p:sldId id="296" r:id="rId46"/>
+    <p:sldId id="344" r:id="rId45"/>
+    <p:sldId id="345" r:id="rId46"/>
+    <p:sldId id="346" r:id="rId47"/>
+    <p:sldId id="347" r:id="rId48"/>
+    <p:sldId id="348" r:id="rId49"/>
+    <p:sldId id="349" r:id="rId50"/>
+    <p:sldId id="350" r:id="rId51"/>
+    <p:sldId id="351" r:id="rId52"/>
+    <p:sldId id="352" r:id="rId53"/>
+    <p:sldId id="353" r:id="rId54"/>
+    <p:sldId id="354" r:id="rId55"/>
+    <p:sldId id="355" r:id="rId56"/>
+    <p:sldId id="356" r:id="rId57"/>
+    <p:sldId id="357" r:id="rId58"/>
+    <p:sldId id="358" r:id="rId59"/>
+    <p:sldId id="359" r:id="rId60"/>
+    <p:sldId id="285" r:id="rId61"/>
+    <p:sldId id="296" r:id="rId62"/>
   </p:sldIdLst>
   <p:sldSz cx="12192000" cy="6858000"/>
   <p:notesSz cx="6858000" cy="9144000"/>
@@ -192,7 +208,7 @@
           <p:cNvPr id="2" name="Header Placeholder 1">
             <a:extLst>
               <a:ext uri="{FF2B5EF4-FFF2-40B4-BE49-F238E27FC236}">
-                <a16:creationId xmlns:a16="http://schemas.microsoft.com/office/drawing/2014/main" xmlns="" id="{B76F666D-E0C2-435B-BAA8-9287F9E5D38A}"/>
+                <a16:creationId xmlns:a16="http://schemas.microsoft.com/office/drawing/2014/main" id="{B76F666D-E0C2-435B-BAA8-9287F9E5D38A}"/>
               </a:ext>
             </a:extLst>
           </p:cNvPr>
@@ -229,7 +245,7 @@
           <p:cNvPr id="3" name="Date Placeholder 2">
             <a:extLst>
               <a:ext uri="{FF2B5EF4-FFF2-40B4-BE49-F238E27FC236}">
-                <a16:creationId xmlns:a16="http://schemas.microsoft.com/office/drawing/2014/main" xmlns="" id="{19FEBCAF-CB3F-4928-91AA-D61472F880C0}"/>
+                <a16:creationId xmlns:a16="http://schemas.microsoft.com/office/drawing/2014/main" id="{19FEBCAF-CB3F-4928-91AA-D61472F880C0}"/>
               </a:ext>
             </a:extLst>
           </p:cNvPr>
@@ -259,7 +275,7 @@
           <a:p>
             <a:fld id="{EF1077DB-935E-4A0A-947A-D283B9F9F452}" type="datetimeFigureOut">
               <a:rPr lang="en-ZA" smtClean="0"/>
-              <a:t>2019/03/23</a:t>
+              <a:t>2019/03/30</a:t>
             </a:fld>
             <a:endParaRPr lang="en-ZA" dirty="0"/>
           </a:p>
@@ -270,7 +286,7 @@
           <p:cNvPr id="4" name="Footer Placeholder 3">
             <a:extLst>
               <a:ext uri="{FF2B5EF4-FFF2-40B4-BE49-F238E27FC236}">
-                <a16:creationId xmlns:a16="http://schemas.microsoft.com/office/drawing/2014/main" xmlns="" id="{69256698-63C6-4CCC-81CB-EA5604C30F1E}"/>
+                <a16:creationId xmlns:a16="http://schemas.microsoft.com/office/drawing/2014/main" id="{69256698-63C6-4CCC-81CB-EA5604C30F1E}"/>
               </a:ext>
             </a:extLst>
           </p:cNvPr>
@@ -307,7 +323,7 @@
           <p:cNvPr id="5" name="Slide Number Placeholder 4">
             <a:extLst>
               <a:ext uri="{FF2B5EF4-FFF2-40B4-BE49-F238E27FC236}">
-                <a16:creationId xmlns:a16="http://schemas.microsoft.com/office/drawing/2014/main" xmlns="" id="{B2467FDA-05D7-4760-A373-5D6AEAAF4278}"/>
+                <a16:creationId xmlns:a16="http://schemas.microsoft.com/office/drawing/2014/main" id="{B2467FDA-05D7-4760-A373-5D6AEAAF4278}"/>
               </a:ext>
             </a:extLst>
           </p:cNvPr>
@@ -436,7 +452,7 @@
           <a:p>
             <a:fld id="{2D9EC30E-1A71-4188-9BE7-E2A64929A436}" type="datetimeFigureOut">
               <a:rPr lang="en-ZA" smtClean="0"/>
-              <a:t>2019/03/23</a:t>
+              <a:t>2019/03/30</a:t>
             </a:fld>
             <a:endParaRPr lang="en-ZA" dirty="0"/>
           </a:p>
@@ -726,7 +742,7 @@
           <p:cNvPr id="2" name="Title 1">
             <a:extLst>
               <a:ext uri="{FF2B5EF4-FFF2-40B4-BE49-F238E27FC236}">
-                <a16:creationId xmlns:a16="http://schemas.microsoft.com/office/drawing/2014/main" xmlns="" id="{5FC626A5-4FF6-42BD-858A-AE4B2C23A6BC}"/>
+                <a16:creationId xmlns:a16="http://schemas.microsoft.com/office/drawing/2014/main" id="{5FC626A5-4FF6-42BD-858A-AE4B2C23A6BC}"/>
               </a:ext>
             </a:extLst>
           </p:cNvPr>
@@ -765,7 +781,7 @@
           <p:cNvPr id="5" name="Subtitle 2">
             <a:extLst>
               <a:ext uri="{FF2B5EF4-FFF2-40B4-BE49-F238E27FC236}">
-                <a16:creationId xmlns:a16="http://schemas.microsoft.com/office/drawing/2014/main" xmlns="" id="{10727B06-56A8-44A2-B6C2-9ED183D107F3}"/>
+                <a16:creationId xmlns:a16="http://schemas.microsoft.com/office/drawing/2014/main" id="{10727B06-56A8-44A2-B6C2-9ED183D107F3}"/>
               </a:ext>
             </a:extLst>
           </p:cNvPr>
@@ -821,7 +837,7 @@
           <p:cNvPr id="6" name="Slide Number Placeholder 5">
             <a:extLst>
               <a:ext uri="{FF2B5EF4-FFF2-40B4-BE49-F238E27FC236}">
-                <a16:creationId xmlns:a16="http://schemas.microsoft.com/office/drawing/2014/main" xmlns="" id="{7A47F3D0-41FC-4430-9F9E-1F78A18D65FE}"/>
+                <a16:creationId xmlns:a16="http://schemas.microsoft.com/office/drawing/2014/main" id="{7A47F3D0-41FC-4430-9F9E-1F78A18D65FE}"/>
               </a:ext>
             </a:extLst>
           </p:cNvPr>
@@ -851,7 +867,7 @@
           <p:cNvPr id="7" name="Footer Placeholder 6">
             <a:extLst>
               <a:ext uri="{FF2B5EF4-FFF2-40B4-BE49-F238E27FC236}">
-                <a16:creationId xmlns:a16="http://schemas.microsoft.com/office/drawing/2014/main" xmlns="" id="{2ED798F6-1F12-46CE-9AFD-CC66555A191D}"/>
+                <a16:creationId xmlns:a16="http://schemas.microsoft.com/office/drawing/2014/main" id="{2ED798F6-1F12-46CE-9AFD-CC66555A191D}"/>
               </a:ext>
             </a:extLst>
           </p:cNvPr>
@@ -909,7 +925,7 @@
           <p:cNvPr id="13" name="Rectangle 12">
             <a:extLst>
               <a:ext uri="{FF2B5EF4-FFF2-40B4-BE49-F238E27FC236}">
-                <a16:creationId xmlns:a16="http://schemas.microsoft.com/office/drawing/2014/main" xmlns="" id="{DD31C544-1372-4B34-8149-B6058B8CC577}"/>
+                <a16:creationId xmlns:a16="http://schemas.microsoft.com/office/drawing/2014/main" id="{DD31C544-1372-4B34-8149-B6058B8CC577}"/>
               </a:ext>
             </a:extLst>
           </p:cNvPr>
@@ -961,7 +977,7 @@
           <p:cNvPr id="14" name="Rectangle 13">
             <a:extLst>
               <a:ext uri="{FF2B5EF4-FFF2-40B4-BE49-F238E27FC236}">
-                <a16:creationId xmlns:a16="http://schemas.microsoft.com/office/drawing/2014/main" xmlns="" id="{7B2598CA-3443-4098-80E7-1F16DC9A13CC}"/>
+                <a16:creationId xmlns:a16="http://schemas.microsoft.com/office/drawing/2014/main" id="{7B2598CA-3443-4098-80E7-1F16DC9A13CC}"/>
               </a:ext>
             </a:extLst>
           </p:cNvPr>
@@ -1013,7 +1029,7 @@
           <p:cNvPr id="12" name="Picture Placeholder 11">
             <a:extLst>
               <a:ext uri="{FF2B5EF4-FFF2-40B4-BE49-F238E27FC236}">
-                <a16:creationId xmlns:a16="http://schemas.microsoft.com/office/drawing/2014/main" xmlns="" id="{BE421EAA-68E8-4AED-BA2F-01A6AC66859D}"/>
+                <a16:creationId xmlns:a16="http://schemas.microsoft.com/office/drawing/2014/main" id="{BE421EAA-68E8-4AED-BA2F-01A6AC66859D}"/>
               </a:ext>
             </a:extLst>
           </p:cNvPr>
@@ -1997,7 +2013,7 @@
           <p:cNvPr id="2" name="Title 1">
             <a:extLst>
               <a:ext uri="{FF2B5EF4-FFF2-40B4-BE49-F238E27FC236}">
-                <a16:creationId xmlns:a16="http://schemas.microsoft.com/office/drawing/2014/main" xmlns="" id="{00F23EB7-E336-46EB-A4A0-3DB7A6BF4CE1}"/>
+                <a16:creationId xmlns:a16="http://schemas.microsoft.com/office/drawing/2014/main" id="{00F23EB7-E336-46EB-A4A0-3DB7A6BF4CE1}"/>
               </a:ext>
             </a:extLst>
           </p:cNvPr>
@@ -2073,7 +2089,7 @@
           <p:cNvPr id="7" name="Text Placeholder 5">
             <a:extLst>
               <a:ext uri="{FF2B5EF4-FFF2-40B4-BE49-F238E27FC236}">
-                <a16:creationId xmlns:a16="http://schemas.microsoft.com/office/drawing/2014/main" xmlns="" id="{D907C852-B0E0-4C2E-88CE-B543605961EE}"/>
+                <a16:creationId xmlns:a16="http://schemas.microsoft.com/office/drawing/2014/main" id="{D907C852-B0E0-4C2E-88CE-B543605961EE}"/>
               </a:ext>
             </a:extLst>
           </p:cNvPr>
@@ -2135,7 +2151,7 @@
           <p:cNvPr id="8" name="Text Placeholder 6">
             <a:extLst>
               <a:ext uri="{FF2B5EF4-FFF2-40B4-BE49-F238E27FC236}">
-                <a16:creationId xmlns:a16="http://schemas.microsoft.com/office/drawing/2014/main" xmlns="" id="{D84C0BEF-F601-4B10-8AEE-4859FE996B34}"/>
+                <a16:creationId xmlns:a16="http://schemas.microsoft.com/office/drawing/2014/main" id="{D84C0BEF-F601-4B10-8AEE-4859FE996B34}"/>
               </a:ext>
             </a:extLst>
           </p:cNvPr>
@@ -2197,7 +2213,7 @@
           <p:cNvPr id="9" name="Text Placeholder 7">
             <a:extLst>
               <a:ext uri="{FF2B5EF4-FFF2-40B4-BE49-F238E27FC236}">
-                <a16:creationId xmlns:a16="http://schemas.microsoft.com/office/drawing/2014/main" xmlns="" id="{83A6EF9B-EF2F-4949-9CC4-C16BF8DC85A0}"/>
+                <a16:creationId xmlns:a16="http://schemas.microsoft.com/office/drawing/2014/main" id="{83A6EF9B-EF2F-4949-9CC4-C16BF8DC85A0}"/>
               </a:ext>
             </a:extLst>
           </p:cNvPr>
@@ -2259,7 +2275,7 @@
           <p:cNvPr id="10" name="Text Placeholder 8">
             <a:extLst>
               <a:ext uri="{FF2B5EF4-FFF2-40B4-BE49-F238E27FC236}">
-                <a16:creationId xmlns:a16="http://schemas.microsoft.com/office/drawing/2014/main" xmlns="" id="{BE8CA170-9CA9-448E-B07A-E01AB84F7FD3}"/>
+                <a16:creationId xmlns:a16="http://schemas.microsoft.com/office/drawing/2014/main" id="{BE8CA170-9CA9-448E-B07A-E01AB84F7FD3}"/>
               </a:ext>
             </a:extLst>
           </p:cNvPr>
@@ -2351,7 +2367,7 @@
           <p:cNvPr id="2" name="Title 1">
             <a:extLst>
               <a:ext uri="{FF2B5EF4-FFF2-40B4-BE49-F238E27FC236}">
-                <a16:creationId xmlns:a16="http://schemas.microsoft.com/office/drawing/2014/main" xmlns="" id="{5CFF4C50-933F-41F9-AD11-BD02410AA7D5}"/>
+                <a16:creationId xmlns:a16="http://schemas.microsoft.com/office/drawing/2014/main" id="{5CFF4C50-933F-41F9-AD11-BD02410AA7D5}"/>
               </a:ext>
             </a:extLst>
           </p:cNvPr>
@@ -2395,7 +2411,7 @@
           <p:cNvPr id="9" name="Subtitle 2">
             <a:extLst>
               <a:ext uri="{FF2B5EF4-FFF2-40B4-BE49-F238E27FC236}">
-                <a16:creationId xmlns:a16="http://schemas.microsoft.com/office/drawing/2014/main" xmlns="" id="{F94EB5D3-F8CB-4E76-8D7E-FF441818EECB}"/>
+                <a16:creationId xmlns:a16="http://schemas.microsoft.com/office/drawing/2014/main" id="{F94EB5D3-F8CB-4E76-8D7E-FF441818EECB}"/>
               </a:ext>
             </a:extLst>
           </p:cNvPr>
@@ -2451,7 +2467,7 @@
           <p:cNvPr id="3" name="Content Placeholder 2">
             <a:extLst>
               <a:ext uri="{FF2B5EF4-FFF2-40B4-BE49-F238E27FC236}">
-                <a16:creationId xmlns:a16="http://schemas.microsoft.com/office/drawing/2014/main" xmlns="" id="{B1948E38-8FB0-4E51-A01C-C88794372E50}"/>
+                <a16:creationId xmlns:a16="http://schemas.microsoft.com/office/drawing/2014/main" id="{B1948E38-8FB0-4E51-A01C-C88794372E50}"/>
               </a:ext>
             </a:extLst>
           </p:cNvPr>
@@ -2565,7 +2581,7 @@
           <p:cNvPr id="4" name="Footer Placeholder 3">
             <a:extLst>
               <a:ext uri="{FF2B5EF4-FFF2-40B4-BE49-F238E27FC236}">
-                <a16:creationId xmlns:a16="http://schemas.microsoft.com/office/drawing/2014/main" xmlns="" id="{6D4BCA97-F31B-451D-82F8-6E000DF2118A}"/>
+                <a16:creationId xmlns:a16="http://schemas.microsoft.com/office/drawing/2014/main" id="{6D4BCA97-F31B-451D-82F8-6E000DF2118A}"/>
               </a:ext>
             </a:extLst>
           </p:cNvPr>
@@ -2593,7 +2609,7 @@
           <p:cNvPr id="6" name="Slide Number Placeholder 5">
             <a:extLst>
               <a:ext uri="{FF2B5EF4-FFF2-40B4-BE49-F238E27FC236}">
-                <a16:creationId xmlns:a16="http://schemas.microsoft.com/office/drawing/2014/main" xmlns="" id="{0817AAC4-A657-4D75-A527-0307AFF2B17B}"/>
+                <a16:creationId xmlns:a16="http://schemas.microsoft.com/office/drawing/2014/main" id="{0817AAC4-A657-4D75-A527-0307AFF2B17B}"/>
               </a:ext>
             </a:extLst>
           </p:cNvPr>
@@ -2623,7 +2639,7 @@
           <p:cNvPr id="10" name="Content Placeholder 2">
             <a:extLst>
               <a:ext uri="{FF2B5EF4-FFF2-40B4-BE49-F238E27FC236}">
-                <a16:creationId xmlns:a16="http://schemas.microsoft.com/office/drawing/2014/main" xmlns="" id="{AFA90A43-BEC4-4B20-96E2-797B03FB82F2}"/>
+                <a16:creationId xmlns:a16="http://schemas.microsoft.com/office/drawing/2014/main" id="{AFA90A43-BEC4-4B20-96E2-797B03FB82F2}"/>
               </a:ext>
             </a:extLst>
           </p:cNvPr>
@@ -2737,7 +2753,7 @@
           <p:cNvPr id="12" name="Content Placeholder 2">
             <a:extLst>
               <a:ext uri="{FF2B5EF4-FFF2-40B4-BE49-F238E27FC236}">
-                <a16:creationId xmlns:a16="http://schemas.microsoft.com/office/drawing/2014/main" xmlns="" id="{8A2C2023-6C37-4611-ACAF-5F2060202836}"/>
+                <a16:creationId xmlns:a16="http://schemas.microsoft.com/office/drawing/2014/main" id="{8A2C2023-6C37-4611-ACAF-5F2060202836}"/>
               </a:ext>
             </a:extLst>
           </p:cNvPr>
@@ -2881,7 +2897,7 @@
           <p:cNvPr id="2" name="Title 1">
             <a:extLst>
               <a:ext uri="{FF2B5EF4-FFF2-40B4-BE49-F238E27FC236}">
-                <a16:creationId xmlns:a16="http://schemas.microsoft.com/office/drawing/2014/main" xmlns="" id="{5CFF4C50-933F-41F9-AD11-BD02410AA7D5}"/>
+                <a16:creationId xmlns:a16="http://schemas.microsoft.com/office/drawing/2014/main" id="{5CFF4C50-933F-41F9-AD11-BD02410AA7D5}"/>
               </a:ext>
             </a:extLst>
           </p:cNvPr>
@@ -2925,7 +2941,7 @@
           <p:cNvPr id="10" name="Subtitle 2">
             <a:extLst>
               <a:ext uri="{FF2B5EF4-FFF2-40B4-BE49-F238E27FC236}">
-                <a16:creationId xmlns:a16="http://schemas.microsoft.com/office/drawing/2014/main" xmlns="" id="{9D7ACCB5-9A86-4F46-89E2-B79F48C9EC1D}"/>
+                <a16:creationId xmlns:a16="http://schemas.microsoft.com/office/drawing/2014/main" id="{9D7ACCB5-9A86-4F46-89E2-B79F48C9EC1D}"/>
               </a:ext>
             </a:extLst>
           </p:cNvPr>
@@ -2981,7 +2997,7 @@
           <p:cNvPr id="3" name="Content Placeholder 2">
             <a:extLst>
               <a:ext uri="{FF2B5EF4-FFF2-40B4-BE49-F238E27FC236}">
-                <a16:creationId xmlns:a16="http://schemas.microsoft.com/office/drawing/2014/main" xmlns="" id="{B1948E38-8FB0-4E51-A01C-C88794372E50}"/>
+                <a16:creationId xmlns:a16="http://schemas.microsoft.com/office/drawing/2014/main" id="{B1948E38-8FB0-4E51-A01C-C88794372E50}"/>
               </a:ext>
             </a:extLst>
           </p:cNvPr>
@@ -3095,7 +3111,7 @@
           <p:cNvPr id="5" name="Text Placeholder 4">
             <a:extLst>
               <a:ext uri="{FF2B5EF4-FFF2-40B4-BE49-F238E27FC236}">
-                <a16:creationId xmlns:a16="http://schemas.microsoft.com/office/drawing/2014/main" xmlns="" id="{1F5B3657-F2AE-455A-BF81-1A0C2ACECD20}"/>
+                <a16:creationId xmlns:a16="http://schemas.microsoft.com/office/drawing/2014/main" id="{1F5B3657-F2AE-455A-BF81-1A0C2ACECD20}"/>
               </a:ext>
             </a:extLst>
           </p:cNvPr>
@@ -3158,7 +3174,7 @@
           <p:cNvPr id="13" name="Text Placeholder 5">
             <a:extLst>
               <a:ext uri="{FF2B5EF4-FFF2-40B4-BE49-F238E27FC236}">
-                <a16:creationId xmlns:a16="http://schemas.microsoft.com/office/drawing/2014/main" xmlns="" id="{6A983D98-E0AB-429A-9EC2-B50D4216D691}"/>
+                <a16:creationId xmlns:a16="http://schemas.microsoft.com/office/drawing/2014/main" id="{6A983D98-E0AB-429A-9EC2-B50D4216D691}"/>
               </a:ext>
             </a:extLst>
           </p:cNvPr>
@@ -3221,7 +3237,7 @@
           <p:cNvPr id="15" name="Text Placeholder 6">
             <a:extLst>
               <a:ext uri="{FF2B5EF4-FFF2-40B4-BE49-F238E27FC236}">
-                <a16:creationId xmlns:a16="http://schemas.microsoft.com/office/drawing/2014/main" xmlns="" id="{755213BF-EF6D-45DC-A01B-DE6C2F23A6D2}"/>
+                <a16:creationId xmlns:a16="http://schemas.microsoft.com/office/drawing/2014/main" id="{755213BF-EF6D-45DC-A01B-DE6C2F23A6D2}"/>
               </a:ext>
             </a:extLst>
           </p:cNvPr>
@@ -3284,7 +3300,7 @@
           <p:cNvPr id="17" name="Text Placeholder 7">
             <a:extLst>
               <a:ext uri="{FF2B5EF4-FFF2-40B4-BE49-F238E27FC236}">
-                <a16:creationId xmlns:a16="http://schemas.microsoft.com/office/drawing/2014/main" xmlns="" id="{77D6BBBA-F4A3-45D4-91BC-A405FFDC7C3D}"/>
+                <a16:creationId xmlns:a16="http://schemas.microsoft.com/office/drawing/2014/main" id="{77D6BBBA-F4A3-45D4-91BC-A405FFDC7C3D}"/>
               </a:ext>
             </a:extLst>
           </p:cNvPr>
@@ -3347,7 +3363,7 @@
           <p:cNvPr id="4" name="Footer Placeholder 3">
             <a:extLst>
               <a:ext uri="{FF2B5EF4-FFF2-40B4-BE49-F238E27FC236}">
-                <a16:creationId xmlns:a16="http://schemas.microsoft.com/office/drawing/2014/main" xmlns="" id="{2D09234E-176D-4BBF-9391-7B6F018C51AB}"/>
+                <a16:creationId xmlns:a16="http://schemas.microsoft.com/office/drawing/2014/main" id="{2D09234E-176D-4BBF-9391-7B6F018C51AB}"/>
               </a:ext>
             </a:extLst>
           </p:cNvPr>
@@ -3375,7 +3391,7 @@
           <p:cNvPr id="6" name="Slide Number Placeholder 5">
             <a:extLst>
               <a:ext uri="{FF2B5EF4-FFF2-40B4-BE49-F238E27FC236}">
-                <a16:creationId xmlns:a16="http://schemas.microsoft.com/office/drawing/2014/main" xmlns="" id="{009ABD5E-B8F1-4246-B167-09138760AD7D}"/>
+                <a16:creationId xmlns:a16="http://schemas.microsoft.com/office/drawing/2014/main" id="{009ABD5E-B8F1-4246-B167-09138760AD7D}"/>
               </a:ext>
             </a:extLst>
           </p:cNvPr>
@@ -3435,7 +3451,7 @@
           <p:cNvPr id="5" name="Freeform 5">
             <a:extLst>
               <a:ext uri="{FF2B5EF4-FFF2-40B4-BE49-F238E27FC236}">
-                <a16:creationId xmlns:a16="http://schemas.microsoft.com/office/drawing/2014/main" xmlns="" id="{206C51E8-C5C0-4672-B456-F44C69B074DB}"/>
+                <a16:creationId xmlns:a16="http://schemas.microsoft.com/office/drawing/2014/main" id="{206C51E8-C5C0-4672-B456-F44C69B074DB}"/>
               </a:ext>
             </a:extLst>
           </p:cNvPr>
@@ -3619,7 +3635,7 @@
           <p:cNvPr id="6" name="Freeform 5">
             <a:extLst>
               <a:ext uri="{FF2B5EF4-FFF2-40B4-BE49-F238E27FC236}">
-                <a16:creationId xmlns:a16="http://schemas.microsoft.com/office/drawing/2014/main" xmlns="" id="{9DE9AE8C-7574-4D45-B521-6B18054DA7C5}"/>
+                <a16:creationId xmlns:a16="http://schemas.microsoft.com/office/drawing/2014/main" id="{9DE9AE8C-7574-4D45-B521-6B18054DA7C5}"/>
               </a:ext>
             </a:extLst>
           </p:cNvPr>
@@ -3803,7 +3819,7 @@
           <p:cNvPr id="7" name="Freeform 5">
             <a:extLst>
               <a:ext uri="{FF2B5EF4-FFF2-40B4-BE49-F238E27FC236}">
-                <a16:creationId xmlns:a16="http://schemas.microsoft.com/office/drawing/2014/main" xmlns="" id="{EF240172-5930-4717-A0CD-A151075277D6}"/>
+                <a16:creationId xmlns:a16="http://schemas.microsoft.com/office/drawing/2014/main" id="{EF240172-5930-4717-A0CD-A151075277D6}"/>
               </a:ext>
             </a:extLst>
           </p:cNvPr>
@@ -3987,7 +4003,7 @@
           <p:cNvPr id="8" name="Freeform 5">
             <a:extLst>
               <a:ext uri="{FF2B5EF4-FFF2-40B4-BE49-F238E27FC236}">
-                <a16:creationId xmlns:a16="http://schemas.microsoft.com/office/drawing/2014/main" xmlns="" id="{7B4A83CE-8643-4697-94A9-C9F587F46E23}"/>
+                <a16:creationId xmlns:a16="http://schemas.microsoft.com/office/drawing/2014/main" id="{7B4A83CE-8643-4697-94A9-C9F587F46E23}"/>
               </a:ext>
             </a:extLst>
           </p:cNvPr>
@@ -4171,7 +4187,7 @@
           <p:cNvPr id="9" name="Freeform 5">
             <a:extLst>
               <a:ext uri="{FF2B5EF4-FFF2-40B4-BE49-F238E27FC236}">
-                <a16:creationId xmlns:a16="http://schemas.microsoft.com/office/drawing/2014/main" xmlns="" id="{B0A765A5-BBCE-405E-A4B3-80A660118E84}"/>
+                <a16:creationId xmlns:a16="http://schemas.microsoft.com/office/drawing/2014/main" id="{B0A765A5-BBCE-405E-A4B3-80A660118E84}"/>
               </a:ext>
             </a:extLst>
           </p:cNvPr>
@@ -4355,7 +4371,7 @@
           <p:cNvPr id="2" name="Title 1">
             <a:extLst>
               <a:ext uri="{FF2B5EF4-FFF2-40B4-BE49-F238E27FC236}">
-                <a16:creationId xmlns:a16="http://schemas.microsoft.com/office/drawing/2014/main" xmlns="" id="{00F23EB7-E336-46EB-A4A0-3DB7A6BF4CE1}"/>
+                <a16:creationId xmlns:a16="http://schemas.microsoft.com/office/drawing/2014/main" id="{00F23EB7-E336-46EB-A4A0-3DB7A6BF4CE1}"/>
               </a:ext>
             </a:extLst>
           </p:cNvPr>
@@ -4431,7 +4447,7 @@
           <p:cNvPr id="3" name="Subtitle 2">
             <a:extLst>
               <a:ext uri="{FF2B5EF4-FFF2-40B4-BE49-F238E27FC236}">
-                <a16:creationId xmlns:a16="http://schemas.microsoft.com/office/drawing/2014/main" xmlns="" id="{C9980B88-3F4A-4688-9ED0-17EF37E62D93}"/>
+                <a16:creationId xmlns:a16="http://schemas.microsoft.com/office/drawing/2014/main" id="{C9980B88-3F4A-4688-9ED0-17EF37E62D93}"/>
               </a:ext>
             </a:extLst>
           </p:cNvPr>
@@ -4539,7 +4555,7 @@
           <p:cNvPr id="7" name="Freeform 5">
             <a:extLst>
               <a:ext uri="{FF2B5EF4-FFF2-40B4-BE49-F238E27FC236}">
-                <a16:creationId xmlns:a16="http://schemas.microsoft.com/office/drawing/2014/main" xmlns="" id="{12B8F0DB-CC25-4CE9-A68E-CAA2FD986AF3}"/>
+                <a16:creationId xmlns:a16="http://schemas.microsoft.com/office/drawing/2014/main" id="{12B8F0DB-CC25-4CE9-A68E-CAA2FD986AF3}"/>
               </a:ext>
             </a:extLst>
           </p:cNvPr>
@@ -4723,7 +4739,7 @@
           <p:cNvPr id="8" name="Freeform 5">
             <a:extLst>
               <a:ext uri="{FF2B5EF4-FFF2-40B4-BE49-F238E27FC236}">
-                <a16:creationId xmlns:a16="http://schemas.microsoft.com/office/drawing/2014/main" xmlns="" id="{8A058973-2DC9-4087-9D57-F1D779F56CC2}"/>
+                <a16:creationId xmlns:a16="http://schemas.microsoft.com/office/drawing/2014/main" id="{8A058973-2DC9-4087-9D57-F1D779F56CC2}"/>
               </a:ext>
             </a:extLst>
           </p:cNvPr>
@@ -4907,7 +4923,7 @@
           <p:cNvPr id="9" name="Freeform 5">
             <a:extLst>
               <a:ext uri="{FF2B5EF4-FFF2-40B4-BE49-F238E27FC236}">
-                <a16:creationId xmlns:a16="http://schemas.microsoft.com/office/drawing/2014/main" xmlns="" id="{B641062D-3CD4-49D1-A621-331E29333406}"/>
+                <a16:creationId xmlns:a16="http://schemas.microsoft.com/office/drawing/2014/main" id="{B641062D-3CD4-49D1-A621-331E29333406}"/>
               </a:ext>
             </a:extLst>
           </p:cNvPr>
@@ -5091,7 +5107,7 @@
           <p:cNvPr id="10" name="Freeform 5">
             <a:extLst>
               <a:ext uri="{FF2B5EF4-FFF2-40B4-BE49-F238E27FC236}">
-                <a16:creationId xmlns:a16="http://schemas.microsoft.com/office/drawing/2014/main" xmlns="" id="{9F2C1E7C-A088-4772-84B3-15309BEADF7D}"/>
+                <a16:creationId xmlns:a16="http://schemas.microsoft.com/office/drawing/2014/main" id="{9F2C1E7C-A088-4772-84B3-15309BEADF7D}"/>
               </a:ext>
             </a:extLst>
           </p:cNvPr>
@@ -5275,7 +5291,7 @@
           <p:cNvPr id="11" name="Freeform 5">
             <a:extLst>
               <a:ext uri="{FF2B5EF4-FFF2-40B4-BE49-F238E27FC236}">
-                <a16:creationId xmlns:a16="http://schemas.microsoft.com/office/drawing/2014/main" xmlns="" id="{CA52278A-6924-4F97-A196-AE30D3DACB7A}"/>
+                <a16:creationId xmlns:a16="http://schemas.microsoft.com/office/drawing/2014/main" id="{CA52278A-6924-4F97-A196-AE30D3DACB7A}"/>
               </a:ext>
             </a:extLst>
           </p:cNvPr>
@@ -5459,7 +5475,7 @@
           <p:cNvPr id="2" name="Title 1">
             <a:extLst>
               <a:ext uri="{FF2B5EF4-FFF2-40B4-BE49-F238E27FC236}">
-                <a16:creationId xmlns:a16="http://schemas.microsoft.com/office/drawing/2014/main" xmlns="" id="{00F23EB7-E336-46EB-A4A0-3DB7A6BF4CE1}"/>
+                <a16:creationId xmlns:a16="http://schemas.microsoft.com/office/drawing/2014/main" id="{00F23EB7-E336-46EB-A4A0-3DB7A6BF4CE1}"/>
               </a:ext>
             </a:extLst>
           </p:cNvPr>
@@ -5535,7 +5551,7 @@
           <p:cNvPr id="3" name="Subtitle 2">
             <a:extLst>
               <a:ext uri="{FF2B5EF4-FFF2-40B4-BE49-F238E27FC236}">
-                <a16:creationId xmlns:a16="http://schemas.microsoft.com/office/drawing/2014/main" xmlns="" id="{C9980B88-3F4A-4688-9ED0-17EF37E62D93}"/>
+                <a16:creationId xmlns:a16="http://schemas.microsoft.com/office/drawing/2014/main" id="{C9980B88-3F4A-4688-9ED0-17EF37E62D93}"/>
               </a:ext>
             </a:extLst>
           </p:cNvPr>
@@ -5613,7 +5629,7 @@
           <p:cNvPr id="4" name="Footer Placeholder 3">
             <a:extLst>
               <a:ext uri="{FF2B5EF4-FFF2-40B4-BE49-F238E27FC236}">
-                <a16:creationId xmlns:a16="http://schemas.microsoft.com/office/drawing/2014/main" xmlns="" id="{734B1E83-6080-4D35-A216-8E5C399023B2}"/>
+                <a16:creationId xmlns:a16="http://schemas.microsoft.com/office/drawing/2014/main" id="{734B1E83-6080-4D35-A216-8E5C399023B2}"/>
               </a:ext>
             </a:extLst>
           </p:cNvPr>
@@ -5641,7 +5657,7 @@
           <p:cNvPr id="5" name="Slide Number Placeholder 4">
             <a:extLst>
               <a:ext uri="{FF2B5EF4-FFF2-40B4-BE49-F238E27FC236}">
-                <a16:creationId xmlns:a16="http://schemas.microsoft.com/office/drawing/2014/main" xmlns="" id="{0DE95353-8EE1-49C9-ADAC-E76BD49D222D}"/>
+                <a16:creationId xmlns:a16="http://schemas.microsoft.com/office/drawing/2014/main" id="{0DE95353-8EE1-49C9-ADAC-E76BD49D222D}"/>
               </a:ext>
             </a:extLst>
           </p:cNvPr>
@@ -5701,7 +5717,7 @@
           <p:cNvPr id="8" name="Freeform 5">
             <a:extLst>
               <a:ext uri="{FF2B5EF4-FFF2-40B4-BE49-F238E27FC236}">
-                <a16:creationId xmlns:a16="http://schemas.microsoft.com/office/drawing/2014/main" xmlns="" id="{8663BD7B-5136-47ED-BE0A-C6C2F5622BDC}"/>
+                <a16:creationId xmlns:a16="http://schemas.microsoft.com/office/drawing/2014/main" id="{8663BD7B-5136-47ED-BE0A-C6C2F5622BDC}"/>
               </a:ext>
             </a:extLst>
           </p:cNvPr>
@@ -5885,7 +5901,7 @@
           <p:cNvPr id="9" name="Freeform 5">
             <a:extLst>
               <a:ext uri="{FF2B5EF4-FFF2-40B4-BE49-F238E27FC236}">
-                <a16:creationId xmlns:a16="http://schemas.microsoft.com/office/drawing/2014/main" xmlns="" id="{6ABA22C7-C35B-4EC0-B7CE-54F9EEFCB71D}"/>
+                <a16:creationId xmlns:a16="http://schemas.microsoft.com/office/drawing/2014/main" id="{6ABA22C7-C35B-4EC0-B7CE-54F9EEFCB71D}"/>
               </a:ext>
             </a:extLst>
           </p:cNvPr>
@@ -6069,7 +6085,7 @@
           <p:cNvPr id="10" name="Freeform 5">
             <a:extLst>
               <a:ext uri="{FF2B5EF4-FFF2-40B4-BE49-F238E27FC236}">
-                <a16:creationId xmlns:a16="http://schemas.microsoft.com/office/drawing/2014/main" xmlns="" id="{6DAE4BC9-9CFF-4522-8216-651498F7A167}"/>
+                <a16:creationId xmlns:a16="http://schemas.microsoft.com/office/drawing/2014/main" id="{6DAE4BC9-9CFF-4522-8216-651498F7A167}"/>
               </a:ext>
             </a:extLst>
           </p:cNvPr>
@@ -6253,7 +6269,7 @@
           <p:cNvPr id="11" name="Freeform 5">
             <a:extLst>
               <a:ext uri="{FF2B5EF4-FFF2-40B4-BE49-F238E27FC236}">
-                <a16:creationId xmlns:a16="http://schemas.microsoft.com/office/drawing/2014/main" xmlns="" id="{8E822AA0-FB3E-4051-AA1F-F51204BA02A9}"/>
+                <a16:creationId xmlns:a16="http://schemas.microsoft.com/office/drawing/2014/main" id="{8E822AA0-FB3E-4051-AA1F-F51204BA02A9}"/>
               </a:ext>
             </a:extLst>
           </p:cNvPr>
@@ -6437,7 +6453,7 @@
           <p:cNvPr id="12" name="Freeform 5">
             <a:extLst>
               <a:ext uri="{FF2B5EF4-FFF2-40B4-BE49-F238E27FC236}">
-                <a16:creationId xmlns:a16="http://schemas.microsoft.com/office/drawing/2014/main" xmlns="" id="{3445288A-D169-4374-BCFD-917DD04B2B1E}"/>
+                <a16:creationId xmlns:a16="http://schemas.microsoft.com/office/drawing/2014/main" id="{3445288A-D169-4374-BCFD-917DD04B2B1E}"/>
               </a:ext>
             </a:extLst>
           </p:cNvPr>
@@ -6621,7 +6637,7 @@
           <p:cNvPr id="2" name="Title 1">
             <a:extLst>
               <a:ext uri="{FF2B5EF4-FFF2-40B4-BE49-F238E27FC236}">
-                <a16:creationId xmlns:a16="http://schemas.microsoft.com/office/drawing/2014/main" xmlns="" id="{5CFF4C50-933F-41F9-AD11-BD02410AA7D5}"/>
+                <a16:creationId xmlns:a16="http://schemas.microsoft.com/office/drawing/2014/main" id="{5CFF4C50-933F-41F9-AD11-BD02410AA7D5}"/>
               </a:ext>
             </a:extLst>
           </p:cNvPr>
@@ -6660,7 +6676,7 @@
           <p:cNvPr id="3" name="Content Placeholder 2">
             <a:extLst>
               <a:ext uri="{FF2B5EF4-FFF2-40B4-BE49-F238E27FC236}">
-                <a16:creationId xmlns:a16="http://schemas.microsoft.com/office/drawing/2014/main" xmlns="" id="{B1948E38-8FB0-4E51-A01C-C88794372E50}"/>
+                <a16:creationId xmlns:a16="http://schemas.microsoft.com/office/drawing/2014/main" id="{B1948E38-8FB0-4E51-A01C-C88794372E50}"/>
               </a:ext>
             </a:extLst>
           </p:cNvPr>
@@ -6769,7 +6785,7 @@
           <p:cNvPr id="4" name="Footer Placeholder 3">
             <a:extLst>
               <a:ext uri="{FF2B5EF4-FFF2-40B4-BE49-F238E27FC236}">
-                <a16:creationId xmlns:a16="http://schemas.microsoft.com/office/drawing/2014/main" xmlns="" id="{E8FE0EB3-0FF4-4285-B9D3-90A5751B7BBF}"/>
+                <a16:creationId xmlns:a16="http://schemas.microsoft.com/office/drawing/2014/main" id="{E8FE0EB3-0FF4-4285-B9D3-90A5751B7BBF}"/>
               </a:ext>
             </a:extLst>
           </p:cNvPr>
@@ -6797,7 +6813,7 @@
           <p:cNvPr id="5" name="Slide Number Placeholder 4">
             <a:extLst>
               <a:ext uri="{FF2B5EF4-FFF2-40B4-BE49-F238E27FC236}">
-                <a16:creationId xmlns:a16="http://schemas.microsoft.com/office/drawing/2014/main" xmlns="" id="{C8DE0AAD-6FBD-416B-A91A-21F2B737919E}"/>
+                <a16:creationId xmlns:a16="http://schemas.microsoft.com/office/drawing/2014/main" id="{C8DE0AAD-6FBD-416B-A91A-21F2B737919E}"/>
               </a:ext>
             </a:extLst>
           </p:cNvPr>
@@ -6857,7 +6873,7 @@
           <p:cNvPr id="10" name="Freeform 5">
             <a:extLst>
               <a:ext uri="{FF2B5EF4-FFF2-40B4-BE49-F238E27FC236}">
-                <a16:creationId xmlns:a16="http://schemas.microsoft.com/office/drawing/2014/main" xmlns="" id="{B4B833F7-7F09-42C1-81DA-97CA9530D528}"/>
+                <a16:creationId xmlns:a16="http://schemas.microsoft.com/office/drawing/2014/main" id="{B4B833F7-7F09-42C1-81DA-97CA9530D528}"/>
               </a:ext>
             </a:extLst>
           </p:cNvPr>
@@ -7041,7 +7057,7 @@
           <p:cNvPr id="11" name="Freeform 5">
             <a:extLst>
               <a:ext uri="{FF2B5EF4-FFF2-40B4-BE49-F238E27FC236}">
-                <a16:creationId xmlns:a16="http://schemas.microsoft.com/office/drawing/2014/main" xmlns="" id="{F4AA9899-9E92-41B5-AFEF-5F6EAB9782D5}"/>
+                <a16:creationId xmlns:a16="http://schemas.microsoft.com/office/drawing/2014/main" id="{F4AA9899-9E92-41B5-AFEF-5F6EAB9782D5}"/>
               </a:ext>
             </a:extLst>
           </p:cNvPr>
@@ -7225,7 +7241,7 @@
           <p:cNvPr id="12" name="Freeform 5">
             <a:extLst>
               <a:ext uri="{FF2B5EF4-FFF2-40B4-BE49-F238E27FC236}">
-                <a16:creationId xmlns:a16="http://schemas.microsoft.com/office/drawing/2014/main" xmlns="" id="{8950958A-6460-4594-BEAB-C7444EC61299}"/>
+                <a16:creationId xmlns:a16="http://schemas.microsoft.com/office/drawing/2014/main" id="{8950958A-6460-4594-BEAB-C7444EC61299}"/>
               </a:ext>
             </a:extLst>
           </p:cNvPr>
@@ -7409,7 +7425,7 @@
           <p:cNvPr id="13" name="Freeform 5">
             <a:extLst>
               <a:ext uri="{FF2B5EF4-FFF2-40B4-BE49-F238E27FC236}">
-                <a16:creationId xmlns:a16="http://schemas.microsoft.com/office/drawing/2014/main" xmlns="" id="{A7E15F2A-61A0-4C11-8E47-4DF7051E91D1}"/>
+                <a16:creationId xmlns:a16="http://schemas.microsoft.com/office/drawing/2014/main" id="{A7E15F2A-61A0-4C11-8E47-4DF7051E91D1}"/>
               </a:ext>
             </a:extLst>
           </p:cNvPr>
@@ -7593,7 +7609,7 @@
           <p:cNvPr id="14" name="Freeform 5">
             <a:extLst>
               <a:ext uri="{FF2B5EF4-FFF2-40B4-BE49-F238E27FC236}">
-                <a16:creationId xmlns:a16="http://schemas.microsoft.com/office/drawing/2014/main" xmlns="" id="{B5FF0CC8-80F5-42C4-80EF-E32459238B71}"/>
+                <a16:creationId xmlns:a16="http://schemas.microsoft.com/office/drawing/2014/main" id="{B5FF0CC8-80F5-42C4-80EF-E32459238B71}"/>
               </a:ext>
             </a:extLst>
           </p:cNvPr>
@@ -7777,7 +7793,7 @@
           <p:cNvPr id="2" name="Title 1">
             <a:extLst>
               <a:ext uri="{FF2B5EF4-FFF2-40B4-BE49-F238E27FC236}">
-                <a16:creationId xmlns:a16="http://schemas.microsoft.com/office/drawing/2014/main" xmlns="" id="{40EE479C-D1F6-4BAC-80D2-90EF74E3261A}"/>
+                <a16:creationId xmlns:a16="http://schemas.microsoft.com/office/drawing/2014/main" id="{40EE479C-D1F6-4BAC-80D2-90EF74E3261A}"/>
               </a:ext>
             </a:extLst>
           </p:cNvPr>
@@ -7821,7 +7837,7 @@
           <p:cNvPr id="4" name="Footer Placeholder 3">
             <a:extLst>
               <a:ext uri="{FF2B5EF4-FFF2-40B4-BE49-F238E27FC236}">
-                <a16:creationId xmlns:a16="http://schemas.microsoft.com/office/drawing/2014/main" xmlns="" id="{57847F90-9DB6-4832-9EB7-393AADAE8B70}"/>
+                <a16:creationId xmlns:a16="http://schemas.microsoft.com/office/drawing/2014/main" id="{57847F90-9DB6-4832-9EB7-393AADAE8B70}"/>
               </a:ext>
             </a:extLst>
           </p:cNvPr>
@@ -7849,7 +7865,7 @@
           <p:cNvPr id="5" name="Slide Number Placeholder 4">
             <a:extLst>
               <a:ext uri="{FF2B5EF4-FFF2-40B4-BE49-F238E27FC236}">
-                <a16:creationId xmlns:a16="http://schemas.microsoft.com/office/drawing/2014/main" xmlns="" id="{F64CFC6C-1D8B-46C9-B0F7-A8BD88D8AB46}"/>
+                <a16:creationId xmlns:a16="http://schemas.microsoft.com/office/drawing/2014/main" id="{F64CFC6C-1D8B-46C9-B0F7-A8BD88D8AB46}"/>
               </a:ext>
             </a:extLst>
           </p:cNvPr>
@@ -7879,7 +7895,7 @@
           <p:cNvPr id="9" name="Content Placeholder 3">
             <a:extLst>
               <a:ext uri="{FF2B5EF4-FFF2-40B4-BE49-F238E27FC236}">
-                <a16:creationId xmlns:a16="http://schemas.microsoft.com/office/drawing/2014/main" xmlns="" id="{2CD5709C-84DE-45F3-AE9B-8B6FD7134AB5}"/>
+                <a16:creationId xmlns:a16="http://schemas.microsoft.com/office/drawing/2014/main" id="{2CD5709C-84DE-45F3-AE9B-8B6FD7134AB5}"/>
               </a:ext>
             </a:extLst>
           </p:cNvPr>
@@ -7942,7 +7958,7 @@
           <p:cNvPr id="15" name="Content Placeholder 2">
             <a:extLst>
               <a:ext uri="{FF2B5EF4-FFF2-40B4-BE49-F238E27FC236}">
-                <a16:creationId xmlns:a16="http://schemas.microsoft.com/office/drawing/2014/main" xmlns="" id="{36BB18B1-3B7F-4B18-A1C5-BB7DA443C63F}"/>
+                <a16:creationId xmlns:a16="http://schemas.microsoft.com/office/drawing/2014/main" id="{36BB18B1-3B7F-4B18-A1C5-BB7DA443C63F}"/>
               </a:ext>
             </a:extLst>
           </p:cNvPr>
@@ -8035,7 +8051,7 @@
           <p:cNvPr id="10" name="Freeform 5">
             <a:extLst>
               <a:ext uri="{FF2B5EF4-FFF2-40B4-BE49-F238E27FC236}">
-                <a16:creationId xmlns:a16="http://schemas.microsoft.com/office/drawing/2014/main" xmlns="" id="{B4B833F7-7F09-42C1-81DA-97CA9530D528}"/>
+                <a16:creationId xmlns:a16="http://schemas.microsoft.com/office/drawing/2014/main" id="{B4B833F7-7F09-42C1-81DA-97CA9530D528}"/>
               </a:ext>
             </a:extLst>
           </p:cNvPr>
@@ -8219,7 +8235,7 @@
           <p:cNvPr id="11" name="Freeform 5">
             <a:extLst>
               <a:ext uri="{FF2B5EF4-FFF2-40B4-BE49-F238E27FC236}">
-                <a16:creationId xmlns:a16="http://schemas.microsoft.com/office/drawing/2014/main" xmlns="" id="{F4AA9899-9E92-41B5-AFEF-5F6EAB9782D5}"/>
+                <a16:creationId xmlns:a16="http://schemas.microsoft.com/office/drawing/2014/main" id="{F4AA9899-9E92-41B5-AFEF-5F6EAB9782D5}"/>
               </a:ext>
             </a:extLst>
           </p:cNvPr>
@@ -8403,7 +8419,7 @@
           <p:cNvPr id="12" name="Freeform 5">
             <a:extLst>
               <a:ext uri="{FF2B5EF4-FFF2-40B4-BE49-F238E27FC236}">
-                <a16:creationId xmlns:a16="http://schemas.microsoft.com/office/drawing/2014/main" xmlns="" id="{8950958A-6460-4594-BEAB-C7444EC61299}"/>
+                <a16:creationId xmlns:a16="http://schemas.microsoft.com/office/drawing/2014/main" id="{8950958A-6460-4594-BEAB-C7444EC61299}"/>
               </a:ext>
             </a:extLst>
           </p:cNvPr>
@@ -8587,7 +8603,7 @@
           <p:cNvPr id="13" name="Freeform 5">
             <a:extLst>
               <a:ext uri="{FF2B5EF4-FFF2-40B4-BE49-F238E27FC236}">
-                <a16:creationId xmlns:a16="http://schemas.microsoft.com/office/drawing/2014/main" xmlns="" id="{A7E15F2A-61A0-4C11-8E47-4DF7051E91D1}"/>
+                <a16:creationId xmlns:a16="http://schemas.microsoft.com/office/drawing/2014/main" id="{A7E15F2A-61A0-4C11-8E47-4DF7051E91D1}"/>
               </a:ext>
             </a:extLst>
           </p:cNvPr>
@@ -8771,7 +8787,7 @@
           <p:cNvPr id="14" name="Freeform 5">
             <a:extLst>
               <a:ext uri="{FF2B5EF4-FFF2-40B4-BE49-F238E27FC236}">
-                <a16:creationId xmlns:a16="http://schemas.microsoft.com/office/drawing/2014/main" xmlns="" id="{B5FF0CC8-80F5-42C4-80EF-E32459238B71}"/>
+                <a16:creationId xmlns:a16="http://schemas.microsoft.com/office/drawing/2014/main" id="{B5FF0CC8-80F5-42C4-80EF-E32459238B71}"/>
               </a:ext>
             </a:extLst>
           </p:cNvPr>
@@ -8955,7 +8971,7 @@
           <p:cNvPr id="2" name="Title 1">
             <a:extLst>
               <a:ext uri="{FF2B5EF4-FFF2-40B4-BE49-F238E27FC236}">
-                <a16:creationId xmlns:a16="http://schemas.microsoft.com/office/drawing/2014/main" xmlns="" id="{40EE479C-D1F6-4BAC-80D2-90EF74E3261A}"/>
+                <a16:creationId xmlns:a16="http://schemas.microsoft.com/office/drawing/2014/main" id="{40EE479C-D1F6-4BAC-80D2-90EF74E3261A}"/>
               </a:ext>
             </a:extLst>
           </p:cNvPr>
@@ -8999,7 +9015,7 @@
           <p:cNvPr id="4" name="Footer Placeholder 3">
             <a:extLst>
               <a:ext uri="{FF2B5EF4-FFF2-40B4-BE49-F238E27FC236}">
-                <a16:creationId xmlns:a16="http://schemas.microsoft.com/office/drawing/2014/main" xmlns="" id="{57847F90-9DB6-4832-9EB7-393AADAE8B70}"/>
+                <a16:creationId xmlns:a16="http://schemas.microsoft.com/office/drawing/2014/main" id="{57847F90-9DB6-4832-9EB7-393AADAE8B70}"/>
               </a:ext>
             </a:extLst>
           </p:cNvPr>
@@ -9027,7 +9043,7 @@
           <p:cNvPr id="5" name="Slide Number Placeholder 4">
             <a:extLst>
               <a:ext uri="{FF2B5EF4-FFF2-40B4-BE49-F238E27FC236}">
-                <a16:creationId xmlns:a16="http://schemas.microsoft.com/office/drawing/2014/main" xmlns="" id="{F64CFC6C-1D8B-46C9-B0F7-A8BD88D8AB46}"/>
+                <a16:creationId xmlns:a16="http://schemas.microsoft.com/office/drawing/2014/main" id="{F64CFC6C-1D8B-46C9-B0F7-A8BD88D8AB46}"/>
               </a:ext>
             </a:extLst>
           </p:cNvPr>
@@ -9057,7 +9073,7 @@
           <p:cNvPr id="15" name="Text Placeholder 2">
             <a:extLst>
               <a:ext uri="{FF2B5EF4-FFF2-40B4-BE49-F238E27FC236}">
-                <a16:creationId xmlns:a16="http://schemas.microsoft.com/office/drawing/2014/main" xmlns="" id="{3419BDFB-8FC0-4B89-A29A-8EAC95E9AB99}"/>
+                <a16:creationId xmlns:a16="http://schemas.microsoft.com/office/drawing/2014/main" id="{3419BDFB-8FC0-4B89-A29A-8EAC95E9AB99}"/>
               </a:ext>
             </a:extLst>
           </p:cNvPr>
@@ -9128,7 +9144,7 @@
           <p:cNvPr id="18" name="Text Placeholder 4">
             <a:extLst>
               <a:ext uri="{FF2B5EF4-FFF2-40B4-BE49-F238E27FC236}">
-                <a16:creationId xmlns:a16="http://schemas.microsoft.com/office/drawing/2014/main" xmlns="" id="{8E6C2CC0-9AB0-46E9-977A-EF923DCE7FAF}"/>
+                <a16:creationId xmlns:a16="http://schemas.microsoft.com/office/drawing/2014/main" id="{8E6C2CC0-9AB0-46E9-977A-EF923DCE7FAF}"/>
               </a:ext>
             </a:extLst>
           </p:cNvPr>
@@ -9199,7 +9215,7 @@
           <p:cNvPr id="19" name="Content Placeholder 5">
             <a:extLst>
               <a:ext uri="{FF2B5EF4-FFF2-40B4-BE49-F238E27FC236}">
-                <a16:creationId xmlns:a16="http://schemas.microsoft.com/office/drawing/2014/main" xmlns="" id="{28DF954C-A51E-4242-B83E-A826008F5C67}"/>
+                <a16:creationId xmlns:a16="http://schemas.microsoft.com/office/drawing/2014/main" id="{28DF954C-A51E-4242-B83E-A826008F5C67}"/>
               </a:ext>
             </a:extLst>
           </p:cNvPr>
@@ -9261,7 +9277,7 @@
           <p:cNvPr id="20" name="Content Placeholder 3">
             <a:extLst>
               <a:ext uri="{FF2B5EF4-FFF2-40B4-BE49-F238E27FC236}">
-                <a16:creationId xmlns:a16="http://schemas.microsoft.com/office/drawing/2014/main" xmlns="" id="{600E416E-6162-484A-BA4D-640FA83078A9}"/>
+                <a16:creationId xmlns:a16="http://schemas.microsoft.com/office/drawing/2014/main" id="{600E416E-6162-484A-BA4D-640FA83078A9}"/>
               </a:ext>
             </a:extLst>
           </p:cNvPr>
@@ -9354,7 +9370,7 @@
           <p:cNvPr id="10" name="Freeform 5">
             <a:extLst>
               <a:ext uri="{FF2B5EF4-FFF2-40B4-BE49-F238E27FC236}">
-                <a16:creationId xmlns:a16="http://schemas.microsoft.com/office/drawing/2014/main" xmlns="" id="{B4B833F7-7F09-42C1-81DA-97CA9530D528}"/>
+                <a16:creationId xmlns:a16="http://schemas.microsoft.com/office/drawing/2014/main" id="{B4B833F7-7F09-42C1-81DA-97CA9530D528}"/>
               </a:ext>
             </a:extLst>
           </p:cNvPr>
@@ -9538,7 +9554,7 @@
           <p:cNvPr id="11" name="Freeform 5">
             <a:extLst>
               <a:ext uri="{FF2B5EF4-FFF2-40B4-BE49-F238E27FC236}">
-                <a16:creationId xmlns:a16="http://schemas.microsoft.com/office/drawing/2014/main" xmlns="" id="{F4AA9899-9E92-41B5-AFEF-5F6EAB9782D5}"/>
+                <a16:creationId xmlns:a16="http://schemas.microsoft.com/office/drawing/2014/main" id="{F4AA9899-9E92-41B5-AFEF-5F6EAB9782D5}"/>
               </a:ext>
             </a:extLst>
           </p:cNvPr>
@@ -9722,7 +9738,7 @@
           <p:cNvPr id="12" name="Freeform 5">
             <a:extLst>
               <a:ext uri="{FF2B5EF4-FFF2-40B4-BE49-F238E27FC236}">
-                <a16:creationId xmlns:a16="http://schemas.microsoft.com/office/drawing/2014/main" xmlns="" id="{8950958A-6460-4594-BEAB-C7444EC61299}"/>
+                <a16:creationId xmlns:a16="http://schemas.microsoft.com/office/drawing/2014/main" id="{8950958A-6460-4594-BEAB-C7444EC61299}"/>
               </a:ext>
             </a:extLst>
           </p:cNvPr>
@@ -9906,7 +9922,7 @@
           <p:cNvPr id="13" name="Freeform 5">
             <a:extLst>
               <a:ext uri="{FF2B5EF4-FFF2-40B4-BE49-F238E27FC236}">
-                <a16:creationId xmlns:a16="http://schemas.microsoft.com/office/drawing/2014/main" xmlns="" id="{A7E15F2A-61A0-4C11-8E47-4DF7051E91D1}"/>
+                <a16:creationId xmlns:a16="http://schemas.microsoft.com/office/drawing/2014/main" id="{A7E15F2A-61A0-4C11-8E47-4DF7051E91D1}"/>
               </a:ext>
             </a:extLst>
           </p:cNvPr>
@@ -10090,7 +10106,7 @@
           <p:cNvPr id="14" name="Freeform 5">
             <a:extLst>
               <a:ext uri="{FF2B5EF4-FFF2-40B4-BE49-F238E27FC236}">
-                <a16:creationId xmlns:a16="http://schemas.microsoft.com/office/drawing/2014/main" xmlns="" id="{B5FF0CC8-80F5-42C4-80EF-E32459238B71}"/>
+                <a16:creationId xmlns:a16="http://schemas.microsoft.com/office/drawing/2014/main" id="{B5FF0CC8-80F5-42C4-80EF-E32459238B71}"/>
               </a:ext>
             </a:extLst>
           </p:cNvPr>
@@ -10274,7 +10290,7 @@
           <p:cNvPr id="2" name="Title 1">
             <a:extLst>
               <a:ext uri="{FF2B5EF4-FFF2-40B4-BE49-F238E27FC236}">
-                <a16:creationId xmlns:a16="http://schemas.microsoft.com/office/drawing/2014/main" xmlns="" id="{40EE479C-D1F6-4BAC-80D2-90EF74E3261A}"/>
+                <a16:creationId xmlns:a16="http://schemas.microsoft.com/office/drawing/2014/main" id="{40EE479C-D1F6-4BAC-80D2-90EF74E3261A}"/>
               </a:ext>
             </a:extLst>
           </p:cNvPr>
@@ -10314,7 +10330,7 @@
           <p:cNvPr id="4" name="Footer Placeholder 3">
             <a:extLst>
               <a:ext uri="{FF2B5EF4-FFF2-40B4-BE49-F238E27FC236}">
-                <a16:creationId xmlns:a16="http://schemas.microsoft.com/office/drawing/2014/main" xmlns="" id="{57847F90-9DB6-4832-9EB7-393AADAE8B70}"/>
+                <a16:creationId xmlns:a16="http://schemas.microsoft.com/office/drawing/2014/main" id="{57847F90-9DB6-4832-9EB7-393AADAE8B70}"/>
               </a:ext>
             </a:extLst>
           </p:cNvPr>
@@ -10342,7 +10358,7 @@
           <p:cNvPr id="5" name="Slide Number Placeholder 4">
             <a:extLst>
               <a:ext uri="{FF2B5EF4-FFF2-40B4-BE49-F238E27FC236}">
-                <a16:creationId xmlns:a16="http://schemas.microsoft.com/office/drawing/2014/main" xmlns="" id="{F64CFC6C-1D8B-46C9-B0F7-A8BD88D8AB46}"/>
+                <a16:creationId xmlns:a16="http://schemas.microsoft.com/office/drawing/2014/main" id="{F64CFC6C-1D8B-46C9-B0F7-A8BD88D8AB46}"/>
               </a:ext>
             </a:extLst>
           </p:cNvPr>
@@ -10372,7 +10388,7 @@
           <p:cNvPr id="20" name="Text Placeholder 3">
             <a:extLst>
               <a:ext uri="{FF2B5EF4-FFF2-40B4-BE49-F238E27FC236}">
-                <a16:creationId xmlns:a16="http://schemas.microsoft.com/office/drawing/2014/main" xmlns="" id="{C49FB4A2-B750-422F-96D2-A7C264295779}"/>
+                <a16:creationId xmlns:a16="http://schemas.microsoft.com/office/drawing/2014/main" id="{C49FB4A2-B750-422F-96D2-A7C264295779}"/>
               </a:ext>
             </a:extLst>
           </p:cNvPr>
@@ -10443,7 +10459,7 @@
           <p:cNvPr id="21" name="Content Placeholder 2">
             <a:extLst>
               <a:ext uri="{FF2B5EF4-FFF2-40B4-BE49-F238E27FC236}">
-                <a16:creationId xmlns:a16="http://schemas.microsoft.com/office/drawing/2014/main" xmlns="" id="{A8B59DDF-F2BC-491E-92E0-9D2C1398ECE5}"/>
+                <a16:creationId xmlns:a16="http://schemas.microsoft.com/office/drawing/2014/main" id="{A8B59DDF-F2BC-491E-92E0-9D2C1398ECE5}"/>
               </a:ext>
             </a:extLst>
           </p:cNvPr>
@@ -10564,7 +10580,7 @@
           <p:cNvPr id="10" name="Freeform 5">
             <a:extLst>
               <a:ext uri="{FF2B5EF4-FFF2-40B4-BE49-F238E27FC236}">
-                <a16:creationId xmlns:a16="http://schemas.microsoft.com/office/drawing/2014/main" xmlns="" id="{B4B833F7-7F09-42C1-81DA-97CA9530D528}"/>
+                <a16:creationId xmlns:a16="http://schemas.microsoft.com/office/drawing/2014/main" id="{B4B833F7-7F09-42C1-81DA-97CA9530D528}"/>
               </a:ext>
             </a:extLst>
           </p:cNvPr>
@@ -10748,7 +10764,7 @@
           <p:cNvPr id="11" name="Freeform 5">
             <a:extLst>
               <a:ext uri="{FF2B5EF4-FFF2-40B4-BE49-F238E27FC236}">
-                <a16:creationId xmlns:a16="http://schemas.microsoft.com/office/drawing/2014/main" xmlns="" id="{F4AA9899-9E92-41B5-AFEF-5F6EAB9782D5}"/>
+                <a16:creationId xmlns:a16="http://schemas.microsoft.com/office/drawing/2014/main" id="{F4AA9899-9E92-41B5-AFEF-5F6EAB9782D5}"/>
               </a:ext>
             </a:extLst>
           </p:cNvPr>
@@ -10932,7 +10948,7 @@
           <p:cNvPr id="12" name="Freeform 5">
             <a:extLst>
               <a:ext uri="{FF2B5EF4-FFF2-40B4-BE49-F238E27FC236}">
-                <a16:creationId xmlns:a16="http://schemas.microsoft.com/office/drawing/2014/main" xmlns="" id="{8950958A-6460-4594-BEAB-C7444EC61299}"/>
+                <a16:creationId xmlns:a16="http://schemas.microsoft.com/office/drawing/2014/main" id="{8950958A-6460-4594-BEAB-C7444EC61299}"/>
               </a:ext>
             </a:extLst>
           </p:cNvPr>
@@ -11116,7 +11132,7 @@
           <p:cNvPr id="13" name="Freeform 5">
             <a:extLst>
               <a:ext uri="{FF2B5EF4-FFF2-40B4-BE49-F238E27FC236}">
-                <a16:creationId xmlns:a16="http://schemas.microsoft.com/office/drawing/2014/main" xmlns="" id="{A7E15F2A-61A0-4C11-8E47-4DF7051E91D1}"/>
+                <a16:creationId xmlns:a16="http://schemas.microsoft.com/office/drawing/2014/main" id="{A7E15F2A-61A0-4C11-8E47-4DF7051E91D1}"/>
               </a:ext>
             </a:extLst>
           </p:cNvPr>
@@ -11300,7 +11316,7 @@
           <p:cNvPr id="14" name="Freeform 5">
             <a:extLst>
               <a:ext uri="{FF2B5EF4-FFF2-40B4-BE49-F238E27FC236}">
-                <a16:creationId xmlns:a16="http://schemas.microsoft.com/office/drawing/2014/main" xmlns="" id="{B5FF0CC8-80F5-42C4-80EF-E32459238B71}"/>
+                <a16:creationId xmlns:a16="http://schemas.microsoft.com/office/drawing/2014/main" id="{B5FF0CC8-80F5-42C4-80EF-E32459238B71}"/>
               </a:ext>
             </a:extLst>
           </p:cNvPr>
@@ -11484,7 +11500,7 @@
           <p:cNvPr id="2" name="Title 1">
             <a:extLst>
               <a:ext uri="{FF2B5EF4-FFF2-40B4-BE49-F238E27FC236}">
-                <a16:creationId xmlns:a16="http://schemas.microsoft.com/office/drawing/2014/main" xmlns="" id="{40EE479C-D1F6-4BAC-80D2-90EF74E3261A}"/>
+                <a16:creationId xmlns:a16="http://schemas.microsoft.com/office/drawing/2014/main" id="{40EE479C-D1F6-4BAC-80D2-90EF74E3261A}"/>
               </a:ext>
             </a:extLst>
           </p:cNvPr>
@@ -11524,7 +11540,7 @@
           <p:cNvPr id="4" name="Footer Placeholder 3">
             <a:extLst>
               <a:ext uri="{FF2B5EF4-FFF2-40B4-BE49-F238E27FC236}">
-                <a16:creationId xmlns:a16="http://schemas.microsoft.com/office/drawing/2014/main" xmlns="" id="{57847F90-9DB6-4832-9EB7-393AADAE8B70}"/>
+                <a16:creationId xmlns:a16="http://schemas.microsoft.com/office/drawing/2014/main" id="{57847F90-9DB6-4832-9EB7-393AADAE8B70}"/>
               </a:ext>
             </a:extLst>
           </p:cNvPr>
@@ -11552,7 +11568,7 @@
           <p:cNvPr id="5" name="Slide Number Placeholder 4">
             <a:extLst>
               <a:ext uri="{FF2B5EF4-FFF2-40B4-BE49-F238E27FC236}">
-                <a16:creationId xmlns:a16="http://schemas.microsoft.com/office/drawing/2014/main" xmlns="" id="{F64CFC6C-1D8B-46C9-B0F7-A8BD88D8AB46}"/>
+                <a16:creationId xmlns:a16="http://schemas.microsoft.com/office/drawing/2014/main" id="{F64CFC6C-1D8B-46C9-B0F7-A8BD88D8AB46}"/>
               </a:ext>
             </a:extLst>
           </p:cNvPr>
@@ -11582,7 +11598,7 @@
           <p:cNvPr id="20" name="Text Placeholder 3">
             <a:extLst>
               <a:ext uri="{FF2B5EF4-FFF2-40B4-BE49-F238E27FC236}">
-                <a16:creationId xmlns:a16="http://schemas.microsoft.com/office/drawing/2014/main" xmlns="" id="{C49FB4A2-B750-422F-96D2-A7C264295779}"/>
+                <a16:creationId xmlns:a16="http://schemas.microsoft.com/office/drawing/2014/main" id="{C49FB4A2-B750-422F-96D2-A7C264295779}"/>
               </a:ext>
             </a:extLst>
           </p:cNvPr>
@@ -11653,7 +11669,7 @@
           <p:cNvPr id="16" name="Picture Placeholder 2">
             <a:extLst>
               <a:ext uri="{FF2B5EF4-FFF2-40B4-BE49-F238E27FC236}">
-                <a16:creationId xmlns:a16="http://schemas.microsoft.com/office/drawing/2014/main" xmlns="" id="{0110E46C-B434-49FA-AA0E-D64E5786D280}"/>
+                <a16:creationId xmlns:a16="http://schemas.microsoft.com/office/drawing/2014/main" id="{0110E46C-B434-49FA-AA0E-D64E5786D280}"/>
               </a:ext>
             </a:extLst>
           </p:cNvPr>
@@ -11734,7 +11750,7 @@
           <p:cNvPr id="21" name="Picture Placeholder 20">
             <a:extLst>
               <a:ext uri="{FF2B5EF4-FFF2-40B4-BE49-F238E27FC236}">
-                <a16:creationId xmlns:a16="http://schemas.microsoft.com/office/drawing/2014/main" xmlns="" id="{9A70B137-2503-4803-9F56-620A586FA494}"/>
+                <a16:creationId xmlns:a16="http://schemas.microsoft.com/office/drawing/2014/main" id="{9A70B137-2503-4803-9F56-620A586FA494}"/>
               </a:ext>
             </a:extLst>
           </p:cNvPr>
@@ -12718,7 +12734,7 @@
           <p:cNvPr id="2" name="Title 1">
             <a:extLst>
               <a:ext uri="{FF2B5EF4-FFF2-40B4-BE49-F238E27FC236}">
-                <a16:creationId xmlns:a16="http://schemas.microsoft.com/office/drawing/2014/main" xmlns="" id="{00F23EB7-E336-46EB-A4A0-3DB7A6BF4CE1}"/>
+                <a16:creationId xmlns:a16="http://schemas.microsoft.com/office/drawing/2014/main" id="{00F23EB7-E336-46EB-A4A0-3DB7A6BF4CE1}"/>
               </a:ext>
             </a:extLst>
           </p:cNvPr>
@@ -12794,7 +12810,7 @@
           <p:cNvPr id="3" name="Subtitle 2">
             <a:extLst>
               <a:ext uri="{FF2B5EF4-FFF2-40B4-BE49-F238E27FC236}">
-                <a16:creationId xmlns:a16="http://schemas.microsoft.com/office/drawing/2014/main" xmlns="" id="{C9980B88-3F4A-4688-9ED0-17EF37E62D93}"/>
+                <a16:creationId xmlns:a16="http://schemas.microsoft.com/office/drawing/2014/main" id="{C9980B88-3F4A-4688-9ED0-17EF37E62D93}"/>
               </a:ext>
             </a:extLst>
           </p:cNvPr>
@@ -12902,7 +12918,7 @@
           <p:cNvPr id="4" name="Freeform 5">
             <a:extLst>
               <a:ext uri="{FF2B5EF4-FFF2-40B4-BE49-F238E27FC236}">
-                <a16:creationId xmlns:a16="http://schemas.microsoft.com/office/drawing/2014/main" xmlns="" id="{B0FE1C0F-474B-4310-A4A5-1EB4321DE50B}"/>
+                <a16:creationId xmlns:a16="http://schemas.microsoft.com/office/drawing/2014/main" id="{B0FE1C0F-474B-4310-A4A5-1EB4321DE50B}"/>
               </a:ext>
             </a:extLst>
           </p:cNvPr>
@@ -13086,7 +13102,7 @@
           <p:cNvPr id="5" name="Freeform 5">
             <a:extLst>
               <a:ext uri="{FF2B5EF4-FFF2-40B4-BE49-F238E27FC236}">
-                <a16:creationId xmlns:a16="http://schemas.microsoft.com/office/drawing/2014/main" xmlns="" id="{673FA99E-5E31-474E-8818-615B453CD89C}"/>
+                <a16:creationId xmlns:a16="http://schemas.microsoft.com/office/drawing/2014/main" id="{673FA99E-5E31-474E-8818-615B453CD89C}"/>
               </a:ext>
             </a:extLst>
           </p:cNvPr>
@@ -13270,7 +13286,7 @@
           <p:cNvPr id="6" name="Freeform 5">
             <a:extLst>
               <a:ext uri="{FF2B5EF4-FFF2-40B4-BE49-F238E27FC236}">
-                <a16:creationId xmlns:a16="http://schemas.microsoft.com/office/drawing/2014/main" xmlns="" id="{BA0EE7FC-884E-43B5-B6D6-9156FBE9AB59}"/>
+                <a16:creationId xmlns:a16="http://schemas.microsoft.com/office/drawing/2014/main" id="{BA0EE7FC-884E-43B5-B6D6-9156FBE9AB59}"/>
               </a:ext>
             </a:extLst>
           </p:cNvPr>
@@ -13454,7 +13470,7 @@
           <p:cNvPr id="7" name="Freeform 5">
             <a:extLst>
               <a:ext uri="{FF2B5EF4-FFF2-40B4-BE49-F238E27FC236}">
-                <a16:creationId xmlns:a16="http://schemas.microsoft.com/office/drawing/2014/main" xmlns="" id="{858C6DC6-901F-4F3E-97A4-1B55324C068B}"/>
+                <a16:creationId xmlns:a16="http://schemas.microsoft.com/office/drawing/2014/main" id="{858C6DC6-901F-4F3E-97A4-1B55324C068B}"/>
               </a:ext>
             </a:extLst>
           </p:cNvPr>
@@ -13638,7 +13654,7 @@
           <p:cNvPr id="8" name="Freeform 5">
             <a:extLst>
               <a:ext uri="{FF2B5EF4-FFF2-40B4-BE49-F238E27FC236}">
-                <a16:creationId xmlns:a16="http://schemas.microsoft.com/office/drawing/2014/main" xmlns="" id="{1041B359-9F78-4782-9C50-0B1DED37AD2C}"/>
+                <a16:creationId xmlns:a16="http://schemas.microsoft.com/office/drawing/2014/main" id="{1041B359-9F78-4782-9C50-0B1DED37AD2C}"/>
               </a:ext>
             </a:extLst>
           </p:cNvPr>
@@ -13822,7 +13838,7 @@
           <p:cNvPr id="2" name="Footer Placeholder 1">
             <a:extLst>
               <a:ext uri="{FF2B5EF4-FFF2-40B4-BE49-F238E27FC236}">
-                <a16:creationId xmlns:a16="http://schemas.microsoft.com/office/drawing/2014/main" xmlns="" id="{16D0504D-4610-4E9E-A2DB-8B701F044BBC}"/>
+                <a16:creationId xmlns:a16="http://schemas.microsoft.com/office/drawing/2014/main" id="{16D0504D-4610-4E9E-A2DB-8B701F044BBC}"/>
               </a:ext>
             </a:extLst>
           </p:cNvPr>
@@ -13850,7 +13866,7 @@
           <p:cNvPr id="3" name="Slide Number Placeholder 2">
             <a:extLst>
               <a:ext uri="{FF2B5EF4-FFF2-40B4-BE49-F238E27FC236}">
-                <a16:creationId xmlns:a16="http://schemas.microsoft.com/office/drawing/2014/main" xmlns="" id="{A95CDFA7-DEA3-4BBE-8D70-0AF654A1E6FF}"/>
+                <a16:creationId xmlns:a16="http://schemas.microsoft.com/office/drawing/2014/main" id="{A95CDFA7-DEA3-4BBE-8D70-0AF654A1E6FF}"/>
               </a:ext>
             </a:extLst>
           </p:cNvPr>
@@ -13885,7 +13901,7 @@
           <p:cNvPr id="9" name="Title 8">
             <a:extLst>
               <a:ext uri="{FF2B5EF4-FFF2-40B4-BE49-F238E27FC236}">
-                <a16:creationId xmlns:a16="http://schemas.microsoft.com/office/drawing/2014/main" xmlns="" id="{790C5B8B-2AF3-42F3-B4F8-A806BB98ACA8}"/>
+                <a16:creationId xmlns:a16="http://schemas.microsoft.com/office/drawing/2014/main" id="{790C5B8B-2AF3-42F3-B4F8-A806BB98ACA8}"/>
               </a:ext>
             </a:extLst>
           </p:cNvPr>
@@ -13943,7 +13959,7 @@
           <p:cNvPr id="4" name="Freeform 5">
             <a:extLst>
               <a:ext uri="{FF2B5EF4-FFF2-40B4-BE49-F238E27FC236}">
-                <a16:creationId xmlns:a16="http://schemas.microsoft.com/office/drawing/2014/main" xmlns="" id="{B0FE1C0F-474B-4310-A4A5-1EB4321DE50B}"/>
+                <a16:creationId xmlns:a16="http://schemas.microsoft.com/office/drawing/2014/main" id="{B0FE1C0F-474B-4310-A4A5-1EB4321DE50B}"/>
               </a:ext>
             </a:extLst>
           </p:cNvPr>
@@ -14127,7 +14143,7 @@
           <p:cNvPr id="5" name="Freeform 5">
             <a:extLst>
               <a:ext uri="{FF2B5EF4-FFF2-40B4-BE49-F238E27FC236}">
-                <a16:creationId xmlns:a16="http://schemas.microsoft.com/office/drawing/2014/main" xmlns="" id="{673FA99E-5E31-474E-8818-615B453CD89C}"/>
+                <a16:creationId xmlns:a16="http://schemas.microsoft.com/office/drawing/2014/main" id="{673FA99E-5E31-474E-8818-615B453CD89C}"/>
               </a:ext>
             </a:extLst>
           </p:cNvPr>
@@ -14311,7 +14327,7 @@
           <p:cNvPr id="6" name="Freeform 5">
             <a:extLst>
               <a:ext uri="{FF2B5EF4-FFF2-40B4-BE49-F238E27FC236}">
-                <a16:creationId xmlns:a16="http://schemas.microsoft.com/office/drawing/2014/main" xmlns="" id="{BA0EE7FC-884E-43B5-B6D6-9156FBE9AB59}"/>
+                <a16:creationId xmlns:a16="http://schemas.microsoft.com/office/drawing/2014/main" id="{BA0EE7FC-884E-43B5-B6D6-9156FBE9AB59}"/>
               </a:ext>
             </a:extLst>
           </p:cNvPr>
@@ -14495,7 +14511,7 @@
           <p:cNvPr id="7" name="Freeform 5">
             <a:extLst>
               <a:ext uri="{FF2B5EF4-FFF2-40B4-BE49-F238E27FC236}">
-                <a16:creationId xmlns:a16="http://schemas.microsoft.com/office/drawing/2014/main" xmlns="" id="{858C6DC6-901F-4F3E-97A4-1B55324C068B}"/>
+                <a16:creationId xmlns:a16="http://schemas.microsoft.com/office/drawing/2014/main" id="{858C6DC6-901F-4F3E-97A4-1B55324C068B}"/>
               </a:ext>
             </a:extLst>
           </p:cNvPr>
@@ -14679,7 +14695,7 @@
           <p:cNvPr id="8" name="Freeform 5">
             <a:extLst>
               <a:ext uri="{FF2B5EF4-FFF2-40B4-BE49-F238E27FC236}">
-                <a16:creationId xmlns:a16="http://schemas.microsoft.com/office/drawing/2014/main" xmlns="" id="{1041B359-9F78-4782-9C50-0B1DED37AD2C}"/>
+                <a16:creationId xmlns:a16="http://schemas.microsoft.com/office/drawing/2014/main" id="{1041B359-9F78-4782-9C50-0B1DED37AD2C}"/>
               </a:ext>
             </a:extLst>
           </p:cNvPr>
@@ -14863,7 +14879,7 @@
           <p:cNvPr id="2" name="Footer Placeholder 1">
             <a:extLst>
               <a:ext uri="{FF2B5EF4-FFF2-40B4-BE49-F238E27FC236}">
-                <a16:creationId xmlns:a16="http://schemas.microsoft.com/office/drawing/2014/main" xmlns="" id="{16D0504D-4610-4E9E-A2DB-8B701F044BBC}"/>
+                <a16:creationId xmlns:a16="http://schemas.microsoft.com/office/drawing/2014/main" id="{16D0504D-4610-4E9E-A2DB-8B701F044BBC}"/>
               </a:ext>
             </a:extLst>
           </p:cNvPr>
@@ -14891,7 +14907,7 @@
           <p:cNvPr id="3" name="Slide Number Placeholder 2">
             <a:extLst>
               <a:ext uri="{FF2B5EF4-FFF2-40B4-BE49-F238E27FC236}">
-                <a16:creationId xmlns:a16="http://schemas.microsoft.com/office/drawing/2014/main" xmlns="" id="{A95CDFA7-DEA3-4BBE-8D70-0AF654A1E6FF}"/>
+                <a16:creationId xmlns:a16="http://schemas.microsoft.com/office/drawing/2014/main" id="{A95CDFA7-DEA3-4BBE-8D70-0AF654A1E6FF}"/>
               </a:ext>
             </a:extLst>
           </p:cNvPr>
@@ -14956,7 +14972,7 @@
           <p:cNvPr id="11" name="Picture Placeholder 10">
             <a:extLst>
               <a:ext uri="{FF2B5EF4-FFF2-40B4-BE49-F238E27FC236}">
-                <a16:creationId xmlns:a16="http://schemas.microsoft.com/office/drawing/2014/main" xmlns="" id="{7CE129D0-CB7B-444C-AF89-B1CB663E3679}"/>
+                <a16:creationId xmlns:a16="http://schemas.microsoft.com/office/drawing/2014/main" id="{7CE129D0-CB7B-444C-AF89-B1CB663E3679}"/>
               </a:ext>
             </a:extLst>
           </p:cNvPr>
@@ -15978,7 +15994,7 @@
           <p:cNvPr id="2" name="Title 1">
             <a:extLst>
               <a:ext uri="{FF2B5EF4-FFF2-40B4-BE49-F238E27FC236}">
-                <a16:creationId xmlns:a16="http://schemas.microsoft.com/office/drawing/2014/main" xmlns="" id="{00F23EB7-E336-46EB-A4A0-3DB7A6BF4CE1}"/>
+                <a16:creationId xmlns:a16="http://schemas.microsoft.com/office/drawing/2014/main" id="{00F23EB7-E336-46EB-A4A0-3DB7A6BF4CE1}"/>
               </a:ext>
             </a:extLst>
           </p:cNvPr>
@@ -16054,7 +16070,7 @@
           <p:cNvPr id="3" name="Subtitle 2">
             <a:extLst>
               <a:ext uri="{FF2B5EF4-FFF2-40B4-BE49-F238E27FC236}">
-                <a16:creationId xmlns:a16="http://schemas.microsoft.com/office/drawing/2014/main" xmlns="" id="{C9980B88-3F4A-4688-9ED0-17EF37E62D93}"/>
+                <a16:creationId xmlns:a16="http://schemas.microsoft.com/office/drawing/2014/main" id="{C9980B88-3F4A-4688-9ED0-17EF37E62D93}"/>
               </a:ext>
             </a:extLst>
           </p:cNvPr>
@@ -16132,7 +16148,7 @@
           <p:cNvPr id="4" name="Footer Placeholder 3">
             <a:extLst>
               <a:ext uri="{FF2B5EF4-FFF2-40B4-BE49-F238E27FC236}">
-                <a16:creationId xmlns:a16="http://schemas.microsoft.com/office/drawing/2014/main" xmlns="" id="{734B1E83-6080-4D35-A216-8E5C399023B2}"/>
+                <a16:creationId xmlns:a16="http://schemas.microsoft.com/office/drawing/2014/main" id="{734B1E83-6080-4D35-A216-8E5C399023B2}"/>
               </a:ext>
             </a:extLst>
           </p:cNvPr>
@@ -16160,7 +16176,7 @@
           <p:cNvPr id="5" name="Slide Number Placeholder 4">
             <a:extLst>
               <a:ext uri="{FF2B5EF4-FFF2-40B4-BE49-F238E27FC236}">
-                <a16:creationId xmlns:a16="http://schemas.microsoft.com/office/drawing/2014/main" xmlns="" id="{0DE95353-8EE1-49C9-ADAC-E76BD49D222D}"/>
+                <a16:creationId xmlns:a16="http://schemas.microsoft.com/office/drawing/2014/main" id="{0DE95353-8EE1-49C9-ADAC-E76BD49D222D}"/>
               </a:ext>
             </a:extLst>
           </p:cNvPr>
@@ -16220,7 +16236,7 @@
           <p:cNvPr id="12" name="Picture Placeholder 11">
             <a:extLst>
               <a:ext uri="{FF2B5EF4-FFF2-40B4-BE49-F238E27FC236}">
-                <a16:creationId xmlns:a16="http://schemas.microsoft.com/office/drawing/2014/main" xmlns="" id="{7B7C90C9-77F3-4C3C-97F8-425EF81FB7A7}"/>
+                <a16:creationId xmlns:a16="http://schemas.microsoft.com/office/drawing/2014/main" id="{7B7C90C9-77F3-4C3C-97F8-425EF81FB7A7}"/>
               </a:ext>
             </a:extLst>
           </p:cNvPr>
@@ -17378,7 +17394,7 @@
           <p:cNvPr id="2" name="Title 1">
             <a:extLst>
               <a:ext uri="{FF2B5EF4-FFF2-40B4-BE49-F238E27FC236}">
-                <a16:creationId xmlns:a16="http://schemas.microsoft.com/office/drawing/2014/main" xmlns="" id="{00F23EB7-E336-46EB-A4A0-3DB7A6BF4CE1}"/>
+                <a16:creationId xmlns:a16="http://schemas.microsoft.com/office/drawing/2014/main" id="{00F23EB7-E336-46EB-A4A0-3DB7A6BF4CE1}"/>
               </a:ext>
             </a:extLst>
           </p:cNvPr>
@@ -17454,7 +17470,7 @@
           <p:cNvPr id="3" name="Subtitle 2">
             <a:extLst>
               <a:ext uri="{FF2B5EF4-FFF2-40B4-BE49-F238E27FC236}">
-                <a16:creationId xmlns:a16="http://schemas.microsoft.com/office/drawing/2014/main" xmlns="" id="{C9980B88-3F4A-4688-9ED0-17EF37E62D93}"/>
+                <a16:creationId xmlns:a16="http://schemas.microsoft.com/office/drawing/2014/main" id="{C9980B88-3F4A-4688-9ED0-17EF37E62D93}"/>
               </a:ext>
             </a:extLst>
           </p:cNvPr>
@@ -17532,7 +17548,7 @@
           <p:cNvPr id="4" name="Footer Placeholder 3">
             <a:extLst>
               <a:ext uri="{FF2B5EF4-FFF2-40B4-BE49-F238E27FC236}">
-                <a16:creationId xmlns:a16="http://schemas.microsoft.com/office/drawing/2014/main" xmlns="" id="{734B1E83-6080-4D35-A216-8E5C399023B2}"/>
+                <a16:creationId xmlns:a16="http://schemas.microsoft.com/office/drawing/2014/main" id="{734B1E83-6080-4D35-A216-8E5C399023B2}"/>
               </a:ext>
             </a:extLst>
           </p:cNvPr>
@@ -17560,7 +17576,7 @@
           <p:cNvPr id="5" name="Slide Number Placeholder 4">
             <a:extLst>
               <a:ext uri="{FF2B5EF4-FFF2-40B4-BE49-F238E27FC236}">
-                <a16:creationId xmlns:a16="http://schemas.microsoft.com/office/drawing/2014/main" xmlns="" id="{0DE95353-8EE1-49C9-ADAC-E76BD49D222D}"/>
+                <a16:creationId xmlns:a16="http://schemas.microsoft.com/office/drawing/2014/main" id="{0DE95353-8EE1-49C9-ADAC-E76BD49D222D}"/>
               </a:ext>
             </a:extLst>
           </p:cNvPr>
@@ -17620,7 +17636,7 @@
           <p:cNvPr id="11" name="Picture Placeholder 10">
             <a:extLst>
               <a:ext uri="{FF2B5EF4-FFF2-40B4-BE49-F238E27FC236}">
-                <a16:creationId xmlns:a16="http://schemas.microsoft.com/office/drawing/2014/main" xmlns="" id="{A7D77123-FDC4-48FD-9EFB-8A84F6069060}"/>
+                <a16:creationId xmlns:a16="http://schemas.microsoft.com/office/drawing/2014/main" id="{A7D77123-FDC4-48FD-9EFB-8A84F6069060}"/>
               </a:ext>
             </a:extLst>
           </p:cNvPr>
@@ -17810,7 +17826,7 @@
           <p:cNvPr id="2" name="Title 1">
             <a:extLst>
               <a:ext uri="{FF2B5EF4-FFF2-40B4-BE49-F238E27FC236}">
-                <a16:creationId xmlns:a16="http://schemas.microsoft.com/office/drawing/2014/main" xmlns="" id="{40EE479C-D1F6-4BAC-80D2-90EF74E3261A}"/>
+                <a16:creationId xmlns:a16="http://schemas.microsoft.com/office/drawing/2014/main" id="{40EE479C-D1F6-4BAC-80D2-90EF74E3261A}"/>
               </a:ext>
             </a:extLst>
           </p:cNvPr>
@@ -17855,7 +17871,7 @@
           <p:cNvPr id="10" name="Subtitle 2">
             <a:extLst>
               <a:ext uri="{FF2B5EF4-FFF2-40B4-BE49-F238E27FC236}">
-                <a16:creationId xmlns:a16="http://schemas.microsoft.com/office/drawing/2014/main" xmlns="" id="{3FAEED1D-0E66-4F74-9455-675F5CB7EAD4}"/>
+                <a16:creationId xmlns:a16="http://schemas.microsoft.com/office/drawing/2014/main" id="{3FAEED1D-0E66-4F74-9455-675F5CB7EAD4}"/>
               </a:ext>
             </a:extLst>
           </p:cNvPr>
@@ -17911,7 +17927,7 @@
           <p:cNvPr id="3" name="Content Placeholder 2">
             <a:extLst>
               <a:ext uri="{FF2B5EF4-FFF2-40B4-BE49-F238E27FC236}">
-                <a16:creationId xmlns:a16="http://schemas.microsoft.com/office/drawing/2014/main" xmlns="" id="{A22238F2-C6EC-476F-8371-119AECBA5622}"/>
+                <a16:creationId xmlns:a16="http://schemas.microsoft.com/office/drawing/2014/main" id="{A22238F2-C6EC-476F-8371-119AECBA5622}"/>
               </a:ext>
             </a:extLst>
           </p:cNvPr>
@@ -18025,7 +18041,7 @@
           <p:cNvPr id="4" name="Footer Placeholder 3">
             <a:extLst>
               <a:ext uri="{FF2B5EF4-FFF2-40B4-BE49-F238E27FC236}">
-                <a16:creationId xmlns:a16="http://schemas.microsoft.com/office/drawing/2014/main" xmlns="" id="{57847F90-9DB6-4832-9EB7-393AADAE8B70}"/>
+                <a16:creationId xmlns:a16="http://schemas.microsoft.com/office/drawing/2014/main" id="{57847F90-9DB6-4832-9EB7-393AADAE8B70}"/>
               </a:ext>
             </a:extLst>
           </p:cNvPr>
@@ -18053,7 +18069,7 @@
           <p:cNvPr id="5" name="Slide Number Placeholder 4">
             <a:extLst>
               <a:ext uri="{FF2B5EF4-FFF2-40B4-BE49-F238E27FC236}">
-                <a16:creationId xmlns:a16="http://schemas.microsoft.com/office/drawing/2014/main" xmlns="" id="{0505ED12-A431-4761-87A4-F05164BE0221}"/>
+                <a16:creationId xmlns:a16="http://schemas.microsoft.com/office/drawing/2014/main" id="{0505ED12-A431-4761-87A4-F05164BE0221}"/>
               </a:ext>
             </a:extLst>
           </p:cNvPr>
@@ -18113,7 +18129,7 @@
           <p:cNvPr id="13" name="Picture Placeholder 12">
             <a:extLst>
               <a:ext uri="{FF2B5EF4-FFF2-40B4-BE49-F238E27FC236}">
-                <a16:creationId xmlns:a16="http://schemas.microsoft.com/office/drawing/2014/main" xmlns="" id="{C64B33BB-8F3A-42CE-BBDA-D08AA3266737}"/>
+                <a16:creationId xmlns:a16="http://schemas.microsoft.com/office/drawing/2014/main" id="{C64B33BB-8F3A-42CE-BBDA-D08AA3266737}"/>
               </a:ext>
             </a:extLst>
           </p:cNvPr>
@@ -18246,7 +18262,7 @@
           <p:cNvPr id="2" name="Title 1">
             <a:extLst>
               <a:ext uri="{FF2B5EF4-FFF2-40B4-BE49-F238E27FC236}">
-                <a16:creationId xmlns:a16="http://schemas.microsoft.com/office/drawing/2014/main" xmlns="" id="{40EE479C-D1F6-4BAC-80D2-90EF74E3261A}"/>
+                <a16:creationId xmlns:a16="http://schemas.microsoft.com/office/drawing/2014/main" id="{40EE479C-D1F6-4BAC-80D2-90EF74E3261A}"/>
               </a:ext>
             </a:extLst>
           </p:cNvPr>
@@ -18291,7 +18307,7 @@
           <p:cNvPr id="10" name="Subtitle 2">
             <a:extLst>
               <a:ext uri="{FF2B5EF4-FFF2-40B4-BE49-F238E27FC236}">
-                <a16:creationId xmlns:a16="http://schemas.microsoft.com/office/drawing/2014/main" xmlns="" id="{3FAEED1D-0E66-4F74-9455-675F5CB7EAD4}"/>
+                <a16:creationId xmlns:a16="http://schemas.microsoft.com/office/drawing/2014/main" id="{3FAEED1D-0E66-4F74-9455-675F5CB7EAD4}"/>
               </a:ext>
             </a:extLst>
           </p:cNvPr>
@@ -18347,7 +18363,7 @@
           <p:cNvPr id="3" name="Content Placeholder 2">
             <a:extLst>
               <a:ext uri="{FF2B5EF4-FFF2-40B4-BE49-F238E27FC236}">
-                <a16:creationId xmlns:a16="http://schemas.microsoft.com/office/drawing/2014/main" xmlns="" id="{A22238F2-C6EC-476F-8371-119AECBA5622}"/>
+                <a16:creationId xmlns:a16="http://schemas.microsoft.com/office/drawing/2014/main" id="{A22238F2-C6EC-476F-8371-119AECBA5622}"/>
               </a:ext>
             </a:extLst>
           </p:cNvPr>
@@ -18461,7 +18477,7 @@
           <p:cNvPr id="4" name="Footer Placeholder 3">
             <a:extLst>
               <a:ext uri="{FF2B5EF4-FFF2-40B4-BE49-F238E27FC236}">
-                <a16:creationId xmlns:a16="http://schemas.microsoft.com/office/drawing/2014/main" xmlns="" id="{57847F90-9DB6-4832-9EB7-393AADAE8B70}"/>
+                <a16:creationId xmlns:a16="http://schemas.microsoft.com/office/drawing/2014/main" id="{57847F90-9DB6-4832-9EB7-393AADAE8B70}"/>
               </a:ext>
             </a:extLst>
           </p:cNvPr>
@@ -18489,7 +18505,7 @@
           <p:cNvPr id="5" name="Slide Number Placeholder 4">
             <a:extLst>
               <a:ext uri="{FF2B5EF4-FFF2-40B4-BE49-F238E27FC236}">
-                <a16:creationId xmlns:a16="http://schemas.microsoft.com/office/drawing/2014/main" xmlns="" id="{0505ED12-A431-4761-87A4-F05164BE0221}"/>
+                <a16:creationId xmlns:a16="http://schemas.microsoft.com/office/drawing/2014/main" id="{0505ED12-A431-4761-87A4-F05164BE0221}"/>
               </a:ext>
             </a:extLst>
           </p:cNvPr>
@@ -18549,7 +18565,7 @@
           <p:cNvPr id="11" name="Picture Placeholder 10">
             <a:extLst>
               <a:ext uri="{FF2B5EF4-FFF2-40B4-BE49-F238E27FC236}">
-                <a16:creationId xmlns:a16="http://schemas.microsoft.com/office/drawing/2014/main" xmlns="" id="{A7D77123-FDC4-48FD-9EFB-8A84F6069060}"/>
+                <a16:creationId xmlns:a16="http://schemas.microsoft.com/office/drawing/2014/main" id="{A7D77123-FDC4-48FD-9EFB-8A84F6069060}"/>
               </a:ext>
             </a:extLst>
           </p:cNvPr>
@@ -18739,7 +18755,7 @@
           <p:cNvPr id="2" name="Title 1">
             <a:extLst>
               <a:ext uri="{FF2B5EF4-FFF2-40B4-BE49-F238E27FC236}">
-                <a16:creationId xmlns:a16="http://schemas.microsoft.com/office/drawing/2014/main" xmlns="" id="{40EE479C-D1F6-4BAC-80D2-90EF74E3261A}"/>
+                <a16:creationId xmlns:a16="http://schemas.microsoft.com/office/drawing/2014/main" id="{40EE479C-D1F6-4BAC-80D2-90EF74E3261A}"/>
               </a:ext>
             </a:extLst>
           </p:cNvPr>
@@ -18784,7 +18800,7 @@
           <p:cNvPr id="10" name="Subtitle 2">
             <a:extLst>
               <a:ext uri="{FF2B5EF4-FFF2-40B4-BE49-F238E27FC236}">
-                <a16:creationId xmlns:a16="http://schemas.microsoft.com/office/drawing/2014/main" xmlns="" id="{3FAEED1D-0E66-4F74-9455-675F5CB7EAD4}"/>
+                <a16:creationId xmlns:a16="http://schemas.microsoft.com/office/drawing/2014/main" id="{3FAEED1D-0E66-4F74-9455-675F5CB7EAD4}"/>
               </a:ext>
             </a:extLst>
           </p:cNvPr>
@@ -18840,7 +18856,7 @@
           <p:cNvPr id="3" name="Content Placeholder 2">
             <a:extLst>
               <a:ext uri="{FF2B5EF4-FFF2-40B4-BE49-F238E27FC236}">
-                <a16:creationId xmlns:a16="http://schemas.microsoft.com/office/drawing/2014/main" xmlns="" id="{A22238F2-C6EC-476F-8371-119AECBA5622}"/>
+                <a16:creationId xmlns:a16="http://schemas.microsoft.com/office/drawing/2014/main" id="{A22238F2-C6EC-476F-8371-119AECBA5622}"/>
               </a:ext>
             </a:extLst>
           </p:cNvPr>
@@ -18954,7 +18970,7 @@
           <p:cNvPr id="4" name="Footer Placeholder 3">
             <a:extLst>
               <a:ext uri="{FF2B5EF4-FFF2-40B4-BE49-F238E27FC236}">
-                <a16:creationId xmlns:a16="http://schemas.microsoft.com/office/drawing/2014/main" xmlns="" id="{57847F90-9DB6-4832-9EB7-393AADAE8B70}"/>
+                <a16:creationId xmlns:a16="http://schemas.microsoft.com/office/drawing/2014/main" id="{57847F90-9DB6-4832-9EB7-393AADAE8B70}"/>
               </a:ext>
             </a:extLst>
           </p:cNvPr>
@@ -18982,7 +18998,7 @@
           <p:cNvPr id="5" name="Slide Number Placeholder 4">
             <a:extLst>
               <a:ext uri="{FF2B5EF4-FFF2-40B4-BE49-F238E27FC236}">
-                <a16:creationId xmlns:a16="http://schemas.microsoft.com/office/drawing/2014/main" xmlns="" id="{0505ED12-A431-4761-87A4-F05164BE0221}"/>
+                <a16:creationId xmlns:a16="http://schemas.microsoft.com/office/drawing/2014/main" id="{0505ED12-A431-4761-87A4-F05164BE0221}"/>
               </a:ext>
             </a:extLst>
           </p:cNvPr>
@@ -19012,7 +19028,7 @@
           <p:cNvPr id="8" name="Picture Placeholder 7">
             <a:extLst>
               <a:ext uri="{FF2B5EF4-FFF2-40B4-BE49-F238E27FC236}">
-                <a16:creationId xmlns:a16="http://schemas.microsoft.com/office/drawing/2014/main" xmlns="" id="{01317B12-44C8-4227-9EB8-973D2226E63F}"/>
+                <a16:creationId xmlns:a16="http://schemas.microsoft.com/office/drawing/2014/main" id="{01317B12-44C8-4227-9EB8-973D2226E63F}"/>
               </a:ext>
             </a:extLst>
           </p:cNvPr>
@@ -19202,7 +19218,7 @@
           <p:cNvPr id="9" name="Picture Placeholder 8">
             <a:extLst>
               <a:ext uri="{FF2B5EF4-FFF2-40B4-BE49-F238E27FC236}">
-                <a16:creationId xmlns:a16="http://schemas.microsoft.com/office/drawing/2014/main" xmlns="" id="{1AD2255F-36DA-4BDE-B54D-F94F14B68B6C}"/>
+                <a16:creationId xmlns:a16="http://schemas.microsoft.com/office/drawing/2014/main" id="{1AD2255F-36DA-4BDE-B54D-F94F14B68B6C}"/>
               </a:ext>
             </a:extLst>
           </p:cNvPr>
@@ -19422,7 +19438,7 @@
           <p:cNvPr id="10" name="Freeform 5">
             <a:extLst>
               <a:ext uri="{FF2B5EF4-FFF2-40B4-BE49-F238E27FC236}">
-                <a16:creationId xmlns:a16="http://schemas.microsoft.com/office/drawing/2014/main" xmlns="" id="{CD92D281-07CD-478F-9BF5-BA7D43439A3D}"/>
+                <a16:creationId xmlns:a16="http://schemas.microsoft.com/office/drawing/2014/main" id="{CD92D281-07CD-478F-9BF5-BA7D43439A3D}"/>
               </a:ext>
             </a:extLst>
           </p:cNvPr>
@@ -19606,7 +19622,7 @@
           <p:cNvPr id="11" name="Freeform 5">
             <a:extLst>
               <a:ext uri="{FF2B5EF4-FFF2-40B4-BE49-F238E27FC236}">
-                <a16:creationId xmlns:a16="http://schemas.microsoft.com/office/drawing/2014/main" xmlns="" id="{B2C53265-8805-42B3-82B4-151EFBC42731}"/>
+                <a16:creationId xmlns:a16="http://schemas.microsoft.com/office/drawing/2014/main" id="{B2C53265-8805-42B3-82B4-151EFBC42731}"/>
               </a:ext>
             </a:extLst>
           </p:cNvPr>
@@ -19790,7 +19806,7 @@
           <p:cNvPr id="13" name="Freeform 5">
             <a:extLst>
               <a:ext uri="{FF2B5EF4-FFF2-40B4-BE49-F238E27FC236}">
-                <a16:creationId xmlns:a16="http://schemas.microsoft.com/office/drawing/2014/main" xmlns="" id="{D0111EB4-98AF-4EB7-878B-31FD32A95141}"/>
+                <a16:creationId xmlns:a16="http://schemas.microsoft.com/office/drawing/2014/main" id="{D0111EB4-98AF-4EB7-878B-31FD32A95141}"/>
               </a:ext>
             </a:extLst>
           </p:cNvPr>
@@ -19974,7 +19990,7 @@
           <p:cNvPr id="14" name="Freeform 5">
             <a:extLst>
               <a:ext uri="{FF2B5EF4-FFF2-40B4-BE49-F238E27FC236}">
-                <a16:creationId xmlns:a16="http://schemas.microsoft.com/office/drawing/2014/main" xmlns="" id="{33809002-30A9-49C0-BE36-B14DD1E4D872}"/>
+                <a16:creationId xmlns:a16="http://schemas.microsoft.com/office/drawing/2014/main" id="{33809002-30A9-49C0-BE36-B14DD1E4D872}"/>
               </a:ext>
             </a:extLst>
           </p:cNvPr>
@@ -20158,7 +20174,7 @@
           <p:cNvPr id="15" name="Freeform 5">
             <a:extLst>
               <a:ext uri="{FF2B5EF4-FFF2-40B4-BE49-F238E27FC236}">
-                <a16:creationId xmlns:a16="http://schemas.microsoft.com/office/drawing/2014/main" xmlns="" id="{FFD5C582-B212-4ADA-AB1B-0481AA39C3A9}"/>
+                <a16:creationId xmlns:a16="http://schemas.microsoft.com/office/drawing/2014/main" id="{FFD5C582-B212-4ADA-AB1B-0481AA39C3A9}"/>
               </a:ext>
             </a:extLst>
           </p:cNvPr>
@@ -20342,7 +20358,7 @@
           <p:cNvPr id="2" name="Title 1">
             <a:extLst>
               <a:ext uri="{FF2B5EF4-FFF2-40B4-BE49-F238E27FC236}">
-                <a16:creationId xmlns:a16="http://schemas.microsoft.com/office/drawing/2014/main" xmlns="" id="{3F288DD7-6DAF-436D-B04A-EBCCAA36917C}"/>
+                <a16:creationId xmlns:a16="http://schemas.microsoft.com/office/drawing/2014/main" id="{3F288DD7-6DAF-436D-B04A-EBCCAA36917C}"/>
               </a:ext>
             </a:extLst>
           </p:cNvPr>
@@ -20386,7 +20402,7 @@
           <p:cNvPr id="9" name="Subtitle 2">
             <a:extLst>
               <a:ext uri="{FF2B5EF4-FFF2-40B4-BE49-F238E27FC236}">
-                <a16:creationId xmlns:a16="http://schemas.microsoft.com/office/drawing/2014/main" xmlns="" id="{E4633398-8EC3-417B-BEA6-101D8F224678}"/>
+                <a16:creationId xmlns:a16="http://schemas.microsoft.com/office/drawing/2014/main" id="{E4633398-8EC3-417B-BEA6-101D8F224678}"/>
               </a:ext>
             </a:extLst>
           </p:cNvPr>
@@ -20442,7 +20458,7 @@
           <p:cNvPr id="3" name="Comparison Left Placeholder 1">
             <a:extLst>
               <a:ext uri="{FF2B5EF4-FFF2-40B4-BE49-F238E27FC236}">
-                <a16:creationId xmlns:a16="http://schemas.microsoft.com/office/drawing/2014/main" xmlns="" id="{9322B50D-6A7D-41C6-BA57-613BC231DF36}"/>
+                <a16:creationId xmlns:a16="http://schemas.microsoft.com/office/drawing/2014/main" id="{9322B50D-6A7D-41C6-BA57-613BC231DF36}"/>
               </a:ext>
             </a:extLst>
           </p:cNvPr>
@@ -20520,7 +20536,7 @@
           <p:cNvPr id="4" name="Content Placeholder 2">
             <a:extLst>
               <a:ext uri="{FF2B5EF4-FFF2-40B4-BE49-F238E27FC236}">
-                <a16:creationId xmlns:a16="http://schemas.microsoft.com/office/drawing/2014/main" xmlns="" id="{9FD584DA-F775-47B8-A1D7-6556AD5FCBD2}"/>
+                <a16:creationId xmlns:a16="http://schemas.microsoft.com/office/drawing/2014/main" id="{9FD584DA-F775-47B8-A1D7-6556AD5FCBD2}"/>
               </a:ext>
             </a:extLst>
           </p:cNvPr>
@@ -20634,7 +20650,7 @@
           <p:cNvPr id="12" name="Comparison Left Placeholder 2">
             <a:extLst>
               <a:ext uri="{FF2B5EF4-FFF2-40B4-BE49-F238E27FC236}">
-                <a16:creationId xmlns:a16="http://schemas.microsoft.com/office/drawing/2014/main" xmlns="" id="{78A963F8-6F6E-440E-B3B3-DDE13C083A36}"/>
+                <a16:creationId xmlns:a16="http://schemas.microsoft.com/office/drawing/2014/main" id="{78A963F8-6F6E-440E-B3B3-DDE13C083A36}"/>
               </a:ext>
             </a:extLst>
           </p:cNvPr>
@@ -20673,7 +20689,7 @@
           <p:cNvPr id="8" name="Text Placeholder 4">
             <a:extLst>
               <a:ext uri="{FF2B5EF4-FFF2-40B4-BE49-F238E27FC236}">
-                <a16:creationId xmlns:a16="http://schemas.microsoft.com/office/drawing/2014/main" xmlns="" id="{DF0A5256-B267-47DA-858A-0F3867CB6139}"/>
+                <a16:creationId xmlns:a16="http://schemas.microsoft.com/office/drawing/2014/main" id="{DF0A5256-B267-47DA-858A-0F3867CB6139}"/>
               </a:ext>
             </a:extLst>
           </p:cNvPr>
@@ -20736,7 +20752,7 @@
           <p:cNvPr id="5" name="Footer Placeholder 4">
             <a:extLst>
               <a:ext uri="{FF2B5EF4-FFF2-40B4-BE49-F238E27FC236}">
-                <a16:creationId xmlns:a16="http://schemas.microsoft.com/office/drawing/2014/main" xmlns="" id="{646B8F99-FAB0-4B33-87ED-9FF46D11A907}"/>
+                <a16:creationId xmlns:a16="http://schemas.microsoft.com/office/drawing/2014/main" id="{646B8F99-FAB0-4B33-87ED-9FF46D11A907}"/>
               </a:ext>
             </a:extLst>
           </p:cNvPr>
@@ -20764,7 +20780,7 @@
           <p:cNvPr id="6" name="Slide Number Placeholder 5">
             <a:extLst>
               <a:ext uri="{FF2B5EF4-FFF2-40B4-BE49-F238E27FC236}">
-                <a16:creationId xmlns:a16="http://schemas.microsoft.com/office/drawing/2014/main" xmlns="" id="{18733E7E-50D2-4F6C-9DF2-CF4C98C4B847}"/>
+                <a16:creationId xmlns:a16="http://schemas.microsoft.com/office/drawing/2014/main" id="{18733E7E-50D2-4F6C-9DF2-CF4C98C4B847}"/>
               </a:ext>
             </a:extLst>
           </p:cNvPr>
@@ -20824,7 +20840,7 @@
           <p:cNvPr id="7" name="Picture Placeholder 6">
             <a:extLst>
               <a:ext uri="{FF2B5EF4-FFF2-40B4-BE49-F238E27FC236}">
-                <a16:creationId xmlns:a16="http://schemas.microsoft.com/office/drawing/2014/main" xmlns="" id="{890ED7CE-A9D2-4D19-B978-56BFB74E657C}"/>
+                <a16:creationId xmlns:a16="http://schemas.microsoft.com/office/drawing/2014/main" id="{890ED7CE-A9D2-4D19-B978-56BFB74E657C}"/>
               </a:ext>
             </a:extLst>
           </p:cNvPr>
@@ -20870,7 +20886,7 @@
           <p:cNvPr id="4" name="Footer Placeholder 3">
             <a:extLst>
               <a:ext uri="{FF2B5EF4-FFF2-40B4-BE49-F238E27FC236}">
-                <a16:creationId xmlns:a16="http://schemas.microsoft.com/office/drawing/2014/main" xmlns="" id="{57847F90-9DB6-4832-9EB7-393AADAE8B70}"/>
+                <a16:creationId xmlns:a16="http://schemas.microsoft.com/office/drawing/2014/main" id="{57847F90-9DB6-4832-9EB7-393AADAE8B70}"/>
               </a:ext>
             </a:extLst>
           </p:cNvPr>
@@ -20898,7 +20914,7 @@
           <p:cNvPr id="2" name="Slide Number Placeholder 1">
             <a:extLst>
               <a:ext uri="{FF2B5EF4-FFF2-40B4-BE49-F238E27FC236}">
-                <a16:creationId xmlns:a16="http://schemas.microsoft.com/office/drawing/2014/main" xmlns="" id="{8B3D119C-DBF5-4B4F-BE38-7BD7B5C8A5D0}"/>
+                <a16:creationId xmlns:a16="http://schemas.microsoft.com/office/drawing/2014/main" id="{8B3D119C-DBF5-4B4F-BE38-7BD7B5C8A5D0}"/>
               </a:ext>
             </a:extLst>
           </p:cNvPr>
@@ -20928,7 +20944,7 @@
           <p:cNvPr id="6" name="Title 1">
             <a:extLst>
               <a:ext uri="{FF2B5EF4-FFF2-40B4-BE49-F238E27FC236}">
-                <a16:creationId xmlns:a16="http://schemas.microsoft.com/office/drawing/2014/main" xmlns="" id="{BBC3BEE7-44AC-45BC-B4E7-93E3454EB83C}"/>
+                <a16:creationId xmlns:a16="http://schemas.microsoft.com/office/drawing/2014/main" id="{BBC3BEE7-44AC-45BC-B4E7-93E3454EB83C}"/>
               </a:ext>
             </a:extLst>
           </p:cNvPr>
@@ -21044,7 +21060,7 @@
           <p:cNvPr id="7" name="Rectangle 6">
             <a:extLst>
               <a:ext uri="{FF2B5EF4-FFF2-40B4-BE49-F238E27FC236}">
-                <a16:creationId xmlns:a16="http://schemas.microsoft.com/office/drawing/2014/main" xmlns="" id="{70E81F30-8FC8-4841-8404-4DC79218B945}"/>
+                <a16:creationId xmlns:a16="http://schemas.microsoft.com/office/drawing/2014/main" id="{70E81F30-8FC8-4841-8404-4DC79218B945}"/>
               </a:ext>
             </a:extLst>
           </p:cNvPr>
@@ -21096,7 +21112,7 @@
           <p:cNvPr id="25" name="Rectangle: Rounded Corners 24">
             <a:extLst>
               <a:ext uri="{FF2B5EF4-FFF2-40B4-BE49-F238E27FC236}">
-                <a16:creationId xmlns:a16="http://schemas.microsoft.com/office/drawing/2014/main" xmlns="" id="{83D29F65-481C-4C80-BB65-121E5AED26B5}"/>
+                <a16:creationId xmlns:a16="http://schemas.microsoft.com/office/drawing/2014/main" id="{83D29F65-481C-4C80-BB65-121E5AED26B5}"/>
               </a:ext>
             </a:extLst>
           </p:cNvPr>
@@ -21150,7 +21166,7 @@
           <p:cNvPr id="9" name="Rectangle 8">
             <a:extLst>
               <a:ext uri="{FF2B5EF4-FFF2-40B4-BE49-F238E27FC236}">
-                <a16:creationId xmlns:a16="http://schemas.microsoft.com/office/drawing/2014/main" xmlns="" id="{4BC39664-EB8B-4A32-915A-D4308F792772}"/>
+                <a16:creationId xmlns:a16="http://schemas.microsoft.com/office/drawing/2014/main" id="{4BC39664-EB8B-4A32-915A-D4308F792772}"/>
               </a:ext>
             </a:extLst>
           </p:cNvPr>
@@ -21202,7 +21218,7 @@
           <p:cNvPr id="15" name="Rectangle 14">
             <a:extLst>
               <a:ext uri="{FF2B5EF4-FFF2-40B4-BE49-F238E27FC236}">
-                <a16:creationId xmlns:a16="http://schemas.microsoft.com/office/drawing/2014/main" xmlns="" id="{AC6C03AE-289A-4BCC-971C-3400028C8764}"/>
+                <a16:creationId xmlns:a16="http://schemas.microsoft.com/office/drawing/2014/main" id="{AC6C03AE-289A-4BCC-971C-3400028C8764}"/>
               </a:ext>
             </a:extLst>
           </p:cNvPr>
@@ -21268,7 +21284,7 @@
           <p:cNvPr id="2" name="Title Placeholder 1">
             <a:extLst>
               <a:ext uri="{FF2B5EF4-FFF2-40B4-BE49-F238E27FC236}">
-                <a16:creationId xmlns:a16="http://schemas.microsoft.com/office/drawing/2014/main" xmlns="" id="{090F41A2-6535-4CA6-81E4-026A5B56D9D7}"/>
+                <a16:creationId xmlns:a16="http://schemas.microsoft.com/office/drawing/2014/main" id="{090F41A2-6535-4CA6-81E4-026A5B56D9D7}"/>
               </a:ext>
             </a:extLst>
           </p:cNvPr>
@@ -21307,7 +21323,7 @@
           <p:cNvPr id="3" name="Text Placeholder 2">
             <a:extLst>
               <a:ext uri="{FF2B5EF4-FFF2-40B4-BE49-F238E27FC236}">
-                <a16:creationId xmlns:a16="http://schemas.microsoft.com/office/drawing/2014/main" xmlns="" id="{213AB95C-7DD4-4796-80E4-1B7466A2A037}"/>
+                <a16:creationId xmlns:a16="http://schemas.microsoft.com/office/drawing/2014/main" id="{213AB95C-7DD4-4796-80E4-1B7466A2A037}"/>
               </a:ext>
             </a:extLst>
           </p:cNvPr>
@@ -21375,7 +21391,7 @@
           <p:cNvPr id="5" name="Footer Placeholder 4">
             <a:extLst>
               <a:ext uri="{FF2B5EF4-FFF2-40B4-BE49-F238E27FC236}">
-                <a16:creationId xmlns:a16="http://schemas.microsoft.com/office/drawing/2014/main" xmlns="" id="{58879C91-B77F-4273-9A27-A3535FB889DB}"/>
+                <a16:creationId xmlns:a16="http://schemas.microsoft.com/office/drawing/2014/main" id="{58879C91-B77F-4273-9A27-A3535FB889DB}"/>
               </a:ext>
             </a:extLst>
           </p:cNvPr>
@@ -21423,7 +21439,7 @@
           <p:cNvPr id="6" name="Slide Number Placeholder 5">
             <a:extLst>
               <a:ext uri="{FF2B5EF4-FFF2-40B4-BE49-F238E27FC236}">
-                <a16:creationId xmlns:a16="http://schemas.microsoft.com/office/drawing/2014/main" xmlns="" id="{5ECA3099-A94F-4C3E-BC29-780EDD38F722}"/>
+                <a16:creationId xmlns:a16="http://schemas.microsoft.com/office/drawing/2014/main" id="{5ECA3099-A94F-4C3E-BC29-780EDD38F722}"/>
               </a:ext>
             </a:extLst>
           </p:cNvPr>
@@ -21852,7 +21868,7 @@
           <p:cNvPr id="7" name="Picture Placeholder 6" descr="Slide image">
             <a:extLst>
               <a:ext uri="{FF2B5EF4-FFF2-40B4-BE49-F238E27FC236}">
-                <a16:creationId xmlns:a16="http://schemas.microsoft.com/office/drawing/2014/main" xmlns="" id="{FE5D908F-BAEF-2843-BC2F-691696E72E11}"/>
+                <a16:creationId xmlns:a16="http://schemas.microsoft.com/office/drawing/2014/main" id="{FE5D908F-BAEF-2843-BC2F-691696E72E11}"/>
               </a:ext>
             </a:extLst>
           </p:cNvPr>
@@ -21883,10 +21899,10 @@
           <p:cNvPr id="25" name="TextBox 24" descr="Slide accent to title box">
             <a:extLst>
               <a:ext uri="{FF2B5EF4-FFF2-40B4-BE49-F238E27FC236}">
-                <a16:creationId xmlns:a16="http://schemas.microsoft.com/office/drawing/2014/main" xmlns="" id="{7EF238CB-AB58-4787-8F9C-A1C16929A2FA}"/>
+                <a16:creationId xmlns:a16="http://schemas.microsoft.com/office/drawing/2014/main" id="{7EF238CB-AB58-4787-8F9C-A1C16929A2FA}"/>
               </a:ext>
               <a:ext uri="{C183D7F6-B498-43B3-948B-1728B52AA6E4}">
-                <adec:decorative xmlns:adec="http://schemas.microsoft.com/office/drawing/2017/decorative" xmlns="" val="1"/>
+                <adec:decorative xmlns:adec="http://schemas.microsoft.com/office/drawing/2017/decorative" val="1"/>
               </a:ext>
             </a:extLst>
           </p:cNvPr>
@@ -22024,7 +22040,7 @@
           <p:cNvPr id="3" name="Title 2">
             <a:extLst>
               <a:ext uri="{FF2B5EF4-FFF2-40B4-BE49-F238E27FC236}">
-                <a16:creationId xmlns:a16="http://schemas.microsoft.com/office/drawing/2014/main" xmlns="" id="{200B3D2B-613A-41BE-987D-E6A1324B456D}"/>
+                <a16:creationId xmlns:a16="http://schemas.microsoft.com/office/drawing/2014/main" id="{200B3D2B-613A-41BE-987D-E6A1324B456D}"/>
               </a:ext>
             </a:extLst>
           </p:cNvPr>
@@ -22092,10 +22108,10 @@
           <p:cNvPr id="20" name="Isosceles Triangle 19" descr="Slide shadow to title box">
             <a:extLst>
               <a:ext uri="{FF2B5EF4-FFF2-40B4-BE49-F238E27FC236}">
-                <a16:creationId xmlns:a16="http://schemas.microsoft.com/office/drawing/2014/main" xmlns="" id="{545D50A1-D634-4325-B06C-5450FDF7B818}"/>
+                <a16:creationId xmlns:a16="http://schemas.microsoft.com/office/drawing/2014/main" id="{545D50A1-D634-4325-B06C-5450FDF7B818}"/>
               </a:ext>
               <a:ext uri="{C183D7F6-B498-43B3-948B-1728B52AA6E4}">
-                <adec:decorative xmlns:adec="http://schemas.microsoft.com/office/drawing/2017/decorative" xmlns="" val="1"/>
+                <adec:decorative xmlns:adec="http://schemas.microsoft.com/office/drawing/2017/decorative" val="1"/>
               </a:ext>
             </a:extLst>
           </p:cNvPr>
@@ -22184,7 +22200,7 @@
           <p:cNvPr id="2" name="Title 1">
             <a:extLst>
               <a:ext uri="{FF2B5EF4-FFF2-40B4-BE49-F238E27FC236}">
-                <a16:creationId xmlns:a16="http://schemas.microsoft.com/office/drawing/2014/main" xmlns="" id="{5A6C3EE1-A9C2-41B8-96CC-E0BA0E3C264C}"/>
+                <a16:creationId xmlns:a16="http://schemas.microsoft.com/office/drawing/2014/main" id="{5A6C3EE1-A9C2-41B8-96CC-E0BA0E3C264C}"/>
               </a:ext>
             </a:extLst>
           </p:cNvPr>
@@ -22212,7 +22228,7 @@
           <p:cNvPr id="3" name="Slide Number Placeholder 2">
             <a:extLst>
               <a:ext uri="{FF2B5EF4-FFF2-40B4-BE49-F238E27FC236}">
-                <a16:creationId xmlns:a16="http://schemas.microsoft.com/office/drawing/2014/main" xmlns="" id="{EEA77FD7-0B53-442A-A1FD-804CB159D0D1}"/>
+                <a16:creationId xmlns:a16="http://schemas.microsoft.com/office/drawing/2014/main" id="{EEA77FD7-0B53-442A-A1FD-804CB159D0D1}"/>
               </a:ext>
             </a:extLst>
           </p:cNvPr>
@@ -22242,7 +22258,7 @@
           <p:cNvPr id="4" name="Text Placeholder 3">
             <a:extLst>
               <a:ext uri="{FF2B5EF4-FFF2-40B4-BE49-F238E27FC236}">
-                <a16:creationId xmlns:a16="http://schemas.microsoft.com/office/drawing/2014/main" xmlns="" id="{D090B5F4-F9B2-476C-AFA2-E6A7BAA891A3}"/>
+                <a16:creationId xmlns:a16="http://schemas.microsoft.com/office/drawing/2014/main" id="{D090B5F4-F9B2-476C-AFA2-E6A7BAA891A3}"/>
               </a:ext>
             </a:extLst>
           </p:cNvPr>
@@ -22330,7 +22346,7 @@
           <p:cNvPr id="7" name="Content Placeholder 6">
             <a:extLst>
               <a:ext uri="{FF2B5EF4-FFF2-40B4-BE49-F238E27FC236}">
-                <a16:creationId xmlns:a16="http://schemas.microsoft.com/office/drawing/2014/main" xmlns="" id="{68AD678B-5D7A-45A9-ACE9-F76B07B86C53}"/>
+                <a16:creationId xmlns:a16="http://schemas.microsoft.com/office/drawing/2014/main" id="{68AD678B-5D7A-45A9-ACE9-F76B07B86C53}"/>
               </a:ext>
             </a:extLst>
           </p:cNvPr>
@@ -22389,7 +22405,7 @@
           <p:cNvPr id="2" name="Title 1">
             <a:extLst>
               <a:ext uri="{FF2B5EF4-FFF2-40B4-BE49-F238E27FC236}">
-                <a16:creationId xmlns:a16="http://schemas.microsoft.com/office/drawing/2014/main" xmlns="" id="{61DE014F-D4EA-43ED-81AC-A4AF9E049322}"/>
+                <a16:creationId xmlns:a16="http://schemas.microsoft.com/office/drawing/2014/main" id="{61DE014F-D4EA-43ED-81AC-A4AF9E049322}"/>
               </a:ext>
             </a:extLst>
           </p:cNvPr>
@@ -22417,7 +22433,7 @@
           <p:cNvPr id="3" name="Slide Number Placeholder 2">
             <a:extLst>
               <a:ext uri="{FF2B5EF4-FFF2-40B4-BE49-F238E27FC236}">
-                <a16:creationId xmlns:a16="http://schemas.microsoft.com/office/drawing/2014/main" xmlns="" id="{28512AC2-7B05-404F-B60A-9286C3258852}"/>
+                <a16:creationId xmlns:a16="http://schemas.microsoft.com/office/drawing/2014/main" id="{28512AC2-7B05-404F-B60A-9286C3258852}"/>
               </a:ext>
             </a:extLst>
           </p:cNvPr>
@@ -22447,7 +22463,7 @@
           <p:cNvPr id="4" name="Text Placeholder 3">
             <a:extLst>
               <a:ext uri="{FF2B5EF4-FFF2-40B4-BE49-F238E27FC236}">
-                <a16:creationId xmlns:a16="http://schemas.microsoft.com/office/drawing/2014/main" xmlns="" id="{FE6DC361-227E-4A42-A344-87E3D7BFFE90}"/>
+                <a16:creationId xmlns:a16="http://schemas.microsoft.com/office/drawing/2014/main" id="{FE6DC361-227E-4A42-A344-87E3D7BFFE90}"/>
               </a:ext>
             </a:extLst>
           </p:cNvPr>
@@ -22519,7 +22535,7 @@
           <p:cNvPr id="8" name="Content Placeholder 7">
             <a:extLst>
               <a:ext uri="{FF2B5EF4-FFF2-40B4-BE49-F238E27FC236}">
-                <a16:creationId xmlns:a16="http://schemas.microsoft.com/office/drawing/2014/main" xmlns="" id="{857758F9-3DF0-4D2A-B239-4B84B0F473D8}"/>
+                <a16:creationId xmlns:a16="http://schemas.microsoft.com/office/drawing/2014/main" id="{857758F9-3DF0-4D2A-B239-4B84B0F473D8}"/>
               </a:ext>
             </a:extLst>
           </p:cNvPr>
@@ -22578,7 +22594,7 @@
           <p:cNvPr id="13" name="Picture Placeholder 12" descr="Picture placeholder">
             <a:extLst>
               <a:ext uri="{FF2B5EF4-FFF2-40B4-BE49-F238E27FC236}">
-                <a16:creationId xmlns:a16="http://schemas.microsoft.com/office/drawing/2014/main" xmlns="" id="{588C9C3E-7C4B-EA46-9848-A17249AC33B1}"/>
+                <a16:creationId xmlns:a16="http://schemas.microsoft.com/office/drawing/2014/main" id="{588C9C3E-7C4B-EA46-9848-A17249AC33B1}"/>
               </a:ext>
             </a:extLst>
           </p:cNvPr>
@@ -22609,10 +22625,10 @@
           <p:cNvPr id="15" name="Freeform 5" descr="Hollow accent">
             <a:extLst>
               <a:ext uri="{FF2B5EF4-FFF2-40B4-BE49-F238E27FC236}">
-                <a16:creationId xmlns:a16="http://schemas.microsoft.com/office/drawing/2014/main" xmlns="" id="{10117390-DCFE-4FAE-B3FD-DAECFE779A27}"/>
+                <a16:creationId xmlns:a16="http://schemas.microsoft.com/office/drawing/2014/main" id="{10117390-DCFE-4FAE-B3FD-DAECFE779A27}"/>
               </a:ext>
               <a:ext uri="{C183D7F6-B498-43B3-948B-1728B52AA6E4}">
-                <adec:decorative xmlns:adec="http://schemas.microsoft.com/office/drawing/2017/decorative" xmlns="" val="1"/>
+                <adec:decorative xmlns:adec="http://schemas.microsoft.com/office/drawing/2017/decorative" val="1"/>
               </a:ext>
             </a:extLst>
           </p:cNvPr>
@@ -22798,10 +22814,10 @@
           <p:cNvPr id="31" name="TextBox 30" descr="Flag accent to title">
             <a:extLst>
               <a:ext uri="{FF2B5EF4-FFF2-40B4-BE49-F238E27FC236}">
-                <a16:creationId xmlns:a16="http://schemas.microsoft.com/office/drawing/2014/main" xmlns="" id="{8FC2E368-898A-440B-A15C-4C5FB13C57D2}"/>
+                <a16:creationId xmlns:a16="http://schemas.microsoft.com/office/drawing/2014/main" id="{8FC2E368-898A-440B-A15C-4C5FB13C57D2}"/>
               </a:ext>
               <a:ext uri="{C183D7F6-B498-43B3-948B-1728B52AA6E4}">
-                <adec:decorative xmlns:adec="http://schemas.microsoft.com/office/drawing/2017/decorative" xmlns="" val="1"/>
+                <adec:decorative xmlns:adec="http://schemas.microsoft.com/office/drawing/2017/decorative" val="1"/>
               </a:ext>
             </a:extLst>
           </p:cNvPr>
@@ -23174,10 +23190,10 @@
           <p:cNvPr id="21" name="Isosceles Triangle 20" descr="Shadow accent to title">
             <a:extLst>
               <a:ext uri="{FF2B5EF4-FFF2-40B4-BE49-F238E27FC236}">
-                <a16:creationId xmlns:a16="http://schemas.microsoft.com/office/drawing/2014/main" xmlns="" id="{59A98ED3-718C-409B-BC1D-07842F9F58EB}"/>
+                <a16:creationId xmlns:a16="http://schemas.microsoft.com/office/drawing/2014/main" id="{59A98ED3-718C-409B-BC1D-07842F9F58EB}"/>
               </a:ext>
               <a:ext uri="{C183D7F6-B498-43B3-948B-1728B52AA6E4}">
-                <adec:decorative xmlns:adec="http://schemas.microsoft.com/office/drawing/2017/decorative" xmlns="" val="1"/>
+                <adec:decorative xmlns:adec="http://schemas.microsoft.com/office/drawing/2017/decorative" val="1"/>
               </a:ext>
             </a:extLst>
           </p:cNvPr>
@@ -23236,7 +23252,7 @@
           <p:cNvPr id="3" name="Title 2">
             <a:extLst>
               <a:ext uri="{FF2B5EF4-FFF2-40B4-BE49-F238E27FC236}">
-                <a16:creationId xmlns:a16="http://schemas.microsoft.com/office/drawing/2014/main" xmlns="" id="{200B3D2B-613A-41BE-987D-E6A1324B456D}"/>
+                <a16:creationId xmlns:a16="http://schemas.microsoft.com/office/drawing/2014/main" id="{200B3D2B-613A-41BE-987D-E6A1324B456D}"/>
               </a:ext>
             </a:extLst>
           </p:cNvPr>
@@ -23276,7 +23292,7 @@
           <p:cNvPr id="4" name="Subtitle 3">
             <a:extLst>
               <a:ext uri="{FF2B5EF4-FFF2-40B4-BE49-F238E27FC236}">
-                <a16:creationId xmlns:a16="http://schemas.microsoft.com/office/drawing/2014/main" xmlns="" id="{4772945D-CA91-4CFE-8EB7-941C7618C994}"/>
+                <a16:creationId xmlns:a16="http://schemas.microsoft.com/office/drawing/2014/main" id="{4772945D-CA91-4CFE-8EB7-941C7618C994}"/>
               </a:ext>
             </a:extLst>
           </p:cNvPr>
@@ -23317,7 +23333,7 @@
           <p:cNvPr id="5" name="Slide Number Placeholder 4">
             <a:extLst>
               <a:ext uri="{FF2B5EF4-FFF2-40B4-BE49-F238E27FC236}">
-                <a16:creationId xmlns:a16="http://schemas.microsoft.com/office/drawing/2014/main" xmlns="" id="{F6964141-6F81-4947-A236-746D94ED3F6F}"/>
+                <a16:creationId xmlns:a16="http://schemas.microsoft.com/office/drawing/2014/main" id="{F6964141-6F81-4947-A236-746D94ED3F6F}"/>
               </a:ext>
             </a:extLst>
           </p:cNvPr>
@@ -23382,7 +23398,7 @@
           <p:cNvPr id="2" name="Title 1">
             <a:extLst>
               <a:ext uri="{FF2B5EF4-FFF2-40B4-BE49-F238E27FC236}">
-                <a16:creationId xmlns:a16="http://schemas.microsoft.com/office/drawing/2014/main" xmlns="" id="{B12C1177-D39F-4B84-81A9-F660A7DA05AB}"/>
+                <a16:creationId xmlns:a16="http://schemas.microsoft.com/office/drawing/2014/main" id="{B12C1177-D39F-4B84-81A9-F660A7DA05AB}"/>
               </a:ext>
             </a:extLst>
           </p:cNvPr>
@@ -23410,7 +23426,7 @@
           <p:cNvPr id="3" name="Text Placeholder 2">
             <a:extLst>
               <a:ext uri="{FF2B5EF4-FFF2-40B4-BE49-F238E27FC236}">
-                <a16:creationId xmlns:a16="http://schemas.microsoft.com/office/drawing/2014/main" xmlns="" id="{7D05A40A-28BC-4707-A9FF-8327642FD9EE}"/>
+                <a16:creationId xmlns:a16="http://schemas.microsoft.com/office/drawing/2014/main" id="{7D05A40A-28BC-4707-A9FF-8327642FD9EE}"/>
               </a:ext>
             </a:extLst>
           </p:cNvPr>
@@ -23550,7 +23566,7 @@
           <p:cNvPr id="4" name="Slide Number Placeholder 3">
             <a:extLst>
               <a:ext uri="{FF2B5EF4-FFF2-40B4-BE49-F238E27FC236}">
-                <a16:creationId xmlns:a16="http://schemas.microsoft.com/office/drawing/2014/main" xmlns="" id="{E06984D4-DFDB-4004-A00D-2C56AD641A72}"/>
+                <a16:creationId xmlns:a16="http://schemas.microsoft.com/office/drawing/2014/main" id="{E06984D4-DFDB-4004-A00D-2C56AD641A72}"/>
               </a:ext>
             </a:extLst>
           </p:cNvPr>
@@ -23610,7 +23626,7 @@
           <p:cNvPr id="2" name="Title 1">
             <a:extLst>
               <a:ext uri="{FF2B5EF4-FFF2-40B4-BE49-F238E27FC236}">
-                <a16:creationId xmlns:a16="http://schemas.microsoft.com/office/drawing/2014/main" xmlns="" id="{F588FB6D-E699-408B-B86B-EB60313D5F4B}"/>
+                <a16:creationId xmlns:a16="http://schemas.microsoft.com/office/drawing/2014/main" id="{F588FB6D-E699-408B-B86B-EB60313D5F4B}"/>
               </a:ext>
             </a:extLst>
           </p:cNvPr>
@@ -23650,7 +23666,7 @@
           <p:cNvPr id="3" name="Text Placeholder 2">
             <a:extLst>
               <a:ext uri="{FF2B5EF4-FFF2-40B4-BE49-F238E27FC236}">
-                <a16:creationId xmlns:a16="http://schemas.microsoft.com/office/drawing/2014/main" xmlns="" id="{0C09042B-3F9C-46DD-95A7-7C62F24E01E1}"/>
+                <a16:creationId xmlns:a16="http://schemas.microsoft.com/office/drawing/2014/main" id="{0C09042B-3F9C-46DD-95A7-7C62F24E01E1}"/>
               </a:ext>
             </a:extLst>
           </p:cNvPr>
@@ -23758,7 +23774,7 @@
           <p:cNvPr id="4" name="Slide Number Placeholder 3">
             <a:extLst>
               <a:ext uri="{FF2B5EF4-FFF2-40B4-BE49-F238E27FC236}">
-                <a16:creationId xmlns:a16="http://schemas.microsoft.com/office/drawing/2014/main" xmlns="" id="{3C7F4D14-7C92-4080-984D-188FA19592C0}"/>
+                <a16:creationId xmlns:a16="http://schemas.microsoft.com/office/drawing/2014/main" id="{3C7F4D14-7C92-4080-984D-188FA19592C0}"/>
               </a:ext>
             </a:extLst>
           </p:cNvPr>
@@ -23818,7 +23834,7 @@
           <p:cNvPr id="2" name="Title 1">
             <a:extLst>
               <a:ext uri="{FF2B5EF4-FFF2-40B4-BE49-F238E27FC236}">
-                <a16:creationId xmlns:a16="http://schemas.microsoft.com/office/drawing/2014/main" xmlns="" id="{4E9324FF-3169-4509-92DD-171B8C41F105}"/>
+                <a16:creationId xmlns:a16="http://schemas.microsoft.com/office/drawing/2014/main" id="{4E9324FF-3169-4509-92DD-171B8C41F105}"/>
               </a:ext>
             </a:extLst>
           </p:cNvPr>
@@ -23850,7 +23866,7 @@
           <p:cNvPr id="3" name="Text Placeholder 2">
             <a:extLst>
               <a:ext uri="{FF2B5EF4-FFF2-40B4-BE49-F238E27FC236}">
-                <a16:creationId xmlns:a16="http://schemas.microsoft.com/office/drawing/2014/main" xmlns="" id="{C7AC89AB-6B3C-4CF5-A592-871F52D522E7}"/>
+                <a16:creationId xmlns:a16="http://schemas.microsoft.com/office/drawing/2014/main" id="{C7AC89AB-6B3C-4CF5-A592-871F52D522E7}"/>
               </a:ext>
             </a:extLst>
           </p:cNvPr>
@@ -24165,7 +24181,7 @@
           <p:cNvPr id="4" name="Slide Number Placeholder 3">
             <a:extLst>
               <a:ext uri="{FF2B5EF4-FFF2-40B4-BE49-F238E27FC236}">
-                <a16:creationId xmlns:a16="http://schemas.microsoft.com/office/drawing/2014/main" xmlns="" id="{B9796888-8E6E-4EE4-871C-5F5E28B370C4}"/>
+                <a16:creationId xmlns:a16="http://schemas.microsoft.com/office/drawing/2014/main" id="{B9796888-8E6E-4EE4-871C-5F5E28B370C4}"/>
               </a:ext>
             </a:extLst>
           </p:cNvPr>
@@ -24195,7 +24211,7 @@
           <p:cNvPr id="5" name="Picture 4">
             <a:extLst>
               <a:ext uri="{FF2B5EF4-FFF2-40B4-BE49-F238E27FC236}">
-                <a16:creationId xmlns:a16="http://schemas.microsoft.com/office/drawing/2014/main" xmlns="" id="{464DB212-C3D5-4077-9A57-574E63A40135}"/>
+                <a16:creationId xmlns:a16="http://schemas.microsoft.com/office/drawing/2014/main" id="{464DB212-C3D5-4077-9A57-574E63A40135}"/>
               </a:ext>
             </a:extLst>
           </p:cNvPr>
@@ -24255,7 +24271,7 @@
           <p:cNvPr id="2" name="Title 1">
             <a:extLst>
               <a:ext uri="{FF2B5EF4-FFF2-40B4-BE49-F238E27FC236}">
-                <a16:creationId xmlns:a16="http://schemas.microsoft.com/office/drawing/2014/main" xmlns="" id="{F9C2E555-C4F8-416B-97F5-83747EA92099}"/>
+                <a16:creationId xmlns:a16="http://schemas.microsoft.com/office/drawing/2014/main" id="{F9C2E555-C4F8-416B-97F5-83747EA92099}"/>
               </a:ext>
             </a:extLst>
           </p:cNvPr>
@@ -24283,7 +24299,7 @@
           <p:cNvPr id="3" name="Text Placeholder 2">
             <a:extLst>
               <a:ext uri="{FF2B5EF4-FFF2-40B4-BE49-F238E27FC236}">
-                <a16:creationId xmlns:a16="http://schemas.microsoft.com/office/drawing/2014/main" xmlns="" id="{64B0C29D-3358-4220-8E46-B9271B221756}"/>
+                <a16:creationId xmlns:a16="http://schemas.microsoft.com/office/drawing/2014/main" id="{64B0C29D-3358-4220-8E46-B9271B221756}"/>
               </a:ext>
             </a:extLst>
           </p:cNvPr>
@@ -24323,7 +24339,7 @@
           <p:cNvPr id="4" name="Content Placeholder 3">
             <a:extLst>
               <a:ext uri="{FF2B5EF4-FFF2-40B4-BE49-F238E27FC236}">
-                <a16:creationId xmlns:a16="http://schemas.microsoft.com/office/drawing/2014/main" xmlns="" id="{11E27F9E-33C9-4C70-B850-B09B1076294F}"/>
+                <a16:creationId xmlns:a16="http://schemas.microsoft.com/office/drawing/2014/main" id="{11E27F9E-33C9-4C70-B850-B09B1076294F}"/>
               </a:ext>
             </a:extLst>
           </p:cNvPr>
@@ -24463,7 +24479,7 @@
           <p:cNvPr id="5" name="Text Placeholder 4">
             <a:extLst>
               <a:ext uri="{FF2B5EF4-FFF2-40B4-BE49-F238E27FC236}">
-                <a16:creationId xmlns:a16="http://schemas.microsoft.com/office/drawing/2014/main" xmlns="" id="{A012B10C-7904-468A-A22A-1D14C33F48FA}"/>
+                <a16:creationId xmlns:a16="http://schemas.microsoft.com/office/drawing/2014/main" id="{A012B10C-7904-468A-A22A-1D14C33F48FA}"/>
               </a:ext>
             </a:extLst>
           </p:cNvPr>
@@ -24591,7 +24607,7 @@
           <p:cNvPr id="6" name="Text Placeholder 5">
             <a:extLst>
               <a:ext uri="{FF2B5EF4-FFF2-40B4-BE49-F238E27FC236}">
-                <a16:creationId xmlns:a16="http://schemas.microsoft.com/office/drawing/2014/main" xmlns="" id="{518693FA-BED4-4044-B36A-96AD1B9C2D8F}"/>
+                <a16:creationId xmlns:a16="http://schemas.microsoft.com/office/drawing/2014/main" id="{518693FA-BED4-4044-B36A-96AD1B9C2D8F}"/>
               </a:ext>
             </a:extLst>
           </p:cNvPr>
@@ -24647,7 +24663,7 @@
           <p:cNvPr id="7" name="Text Placeholder 6">
             <a:extLst>
               <a:ext uri="{FF2B5EF4-FFF2-40B4-BE49-F238E27FC236}">
-                <a16:creationId xmlns:a16="http://schemas.microsoft.com/office/drawing/2014/main" xmlns="" id="{97021492-3D66-4A17-BEA4-D53817FDA4DA}"/>
+                <a16:creationId xmlns:a16="http://schemas.microsoft.com/office/drawing/2014/main" id="{97021492-3D66-4A17-BEA4-D53817FDA4DA}"/>
               </a:ext>
             </a:extLst>
           </p:cNvPr>
@@ -24679,7 +24695,7 @@
           <p:cNvPr id="8" name="Text Placeholder 7">
             <a:extLst>
               <a:ext uri="{FF2B5EF4-FFF2-40B4-BE49-F238E27FC236}">
-                <a16:creationId xmlns:a16="http://schemas.microsoft.com/office/drawing/2014/main" xmlns="" id="{2D63F098-9700-4FB4-93B1-7DDD02462EA0}"/>
+                <a16:creationId xmlns:a16="http://schemas.microsoft.com/office/drawing/2014/main" id="{2D63F098-9700-4FB4-93B1-7DDD02462EA0}"/>
               </a:ext>
             </a:extLst>
           </p:cNvPr>
@@ -24737,7 +24753,7 @@
           <p:cNvPr id="9" name="Slide Number Placeholder 8">
             <a:extLst>
               <a:ext uri="{FF2B5EF4-FFF2-40B4-BE49-F238E27FC236}">
-                <a16:creationId xmlns:a16="http://schemas.microsoft.com/office/drawing/2014/main" xmlns="" id="{825FC9C2-149B-4EB8-A6CB-0BDEF127F2D7}"/>
+                <a16:creationId xmlns:a16="http://schemas.microsoft.com/office/drawing/2014/main" id="{825FC9C2-149B-4EB8-A6CB-0BDEF127F2D7}"/>
               </a:ext>
             </a:extLst>
           </p:cNvPr>
@@ -24767,7 +24783,7 @@
           <p:cNvPr id="12" name="Picture 11">
             <a:extLst>
               <a:ext uri="{FF2B5EF4-FFF2-40B4-BE49-F238E27FC236}">
-                <a16:creationId xmlns:a16="http://schemas.microsoft.com/office/drawing/2014/main" xmlns="" id="{D7B1F555-F58C-44FF-AF6B-86AE62A67371}"/>
+                <a16:creationId xmlns:a16="http://schemas.microsoft.com/office/drawing/2014/main" id="{D7B1F555-F58C-44FF-AF6B-86AE62A67371}"/>
               </a:ext>
             </a:extLst>
           </p:cNvPr>
@@ -24797,7 +24813,7 @@
           <p:cNvPr id="13" name="Picture 12">
             <a:extLst>
               <a:ext uri="{FF2B5EF4-FFF2-40B4-BE49-F238E27FC236}">
-                <a16:creationId xmlns:a16="http://schemas.microsoft.com/office/drawing/2014/main" xmlns="" id="{54ECD65C-D403-40AB-B58B-897A70DEA062}"/>
+                <a16:creationId xmlns:a16="http://schemas.microsoft.com/office/drawing/2014/main" id="{54ECD65C-D403-40AB-B58B-897A70DEA062}"/>
               </a:ext>
             </a:extLst>
           </p:cNvPr>
@@ -24827,7 +24843,7 @@
           <p:cNvPr id="14" name="Picture 13">
             <a:extLst>
               <a:ext uri="{FF2B5EF4-FFF2-40B4-BE49-F238E27FC236}">
-                <a16:creationId xmlns:a16="http://schemas.microsoft.com/office/drawing/2014/main" xmlns="" id="{17E90451-522C-4C9F-A2F5-634B066A309A}"/>
+                <a16:creationId xmlns:a16="http://schemas.microsoft.com/office/drawing/2014/main" id="{17E90451-522C-4C9F-A2F5-634B066A309A}"/>
               </a:ext>
             </a:extLst>
           </p:cNvPr>
@@ -24857,7 +24873,7 @@
           <p:cNvPr id="15" name="Picture 14">
             <a:extLst>
               <a:ext uri="{FF2B5EF4-FFF2-40B4-BE49-F238E27FC236}">
-                <a16:creationId xmlns:a16="http://schemas.microsoft.com/office/drawing/2014/main" xmlns="" id="{CA8062FA-B8E4-4BAC-A3C7-667461E5AC68}"/>
+                <a16:creationId xmlns:a16="http://schemas.microsoft.com/office/drawing/2014/main" id="{CA8062FA-B8E4-4BAC-A3C7-667461E5AC68}"/>
               </a:ext>
             </a:extLst>
           </p:cNvPr>
@@ -24887,7 +24903,7 @@
           <p:cNvPr id="16" name="Picture 15">
             <a:extLst>
               <a:ext uri="{FF2B5EF4-FFF2-40B4-BE49-F238E27FC236}">
-                <a16:creationId xmlns:a16="http://schemas.microsoft.com/office/drawing/2014/main" xmlns="" id="{FDFC1605-C9D2-4024-84AE-BBC2FD8ADC1E}"/>
+                <a16:creationId xmlns:a16="http://schemas.microsoft.com/office/drawing/2014/main" id="{FDFC1605-C9D2-4024-84AE-BBC2FD8ADC1E}"/>
               </a:ext>
             </a:extLst>
           </p:cNvPr>
@@ -24947,7 +24963,7 @@
           <p:cNvPr id="2" name="Title 1">
             <a:extLst>
               <a:ext uri="{FF2B5EF4-FFF2-40B4-BE49-F238E27FC236}">
-                <a16:creationId xmlns:a16="http://schemas.microsoft.com/office/drawing/2014/main" xmlns="" id="{C41ED081-0B25-47DA-9310-36F9E688D20E}"/>
+                <a16:creationId xmlns:a16="http://schemas.microsoft.com/office/drawing/2014/main" id="{C41ED081-0B25-47DA-9310-36F9E688D20E}"/>
               </a:ext>
             </a:extLst>
           </p:cNvPr>
@@ -24979,7 +24995,7 @@
           <p:cNvPr id="3" name="Text Placeholder 2">
             <a:extLst>
               <a:ext uri="{FF2B5EF4-FFF2-40B4-BE49-F238E27FC236}">
-                <a16:creationId xmlns:a16="http://schemas.microsoft.com/office/drawing/2014/main" xmlns="" id="{3B0D1A31-86E1-4294-9861-A1D99F131D76}"/>
+                <a16:creationId xmlns:a16="http://schemas.microsoft.com/office/drawing/2014/main" id="{3B0D1A31-86E1-4294-9861-A1D99F131D76}"/>
               </a:ext>
             </a:extLst>
           </p:cNvPr>
@@ -25127,7 +25143,7 @@
           <p:cNvPr id="4" name="Slide Number Placeholder 3">
             <a:extLst>
               <a:ext uri="{FF2B5EF4-FFF2-40B4-BE49-F238E27FC236}">
-                <a16:creationId xmlns:a16="http://schemas.microsoft.com/office/drawing/2014/main" xmlns="" id="{C1B3DED4-9F6C-4D0C-BFD4-9FCE68C759E1}"/>
+                <a16:creationId xmlns:a16="http://schemas.microsoft.com/office/drawing/2014/main" id="{C1B3DED4-9F6C-4D0C-BFD4-9FCE68C759E1}"/>
               </a:ext>
             </a:extLst>
           </p:cNvPr>
@@ -25187,7 +25203,7 @@
           <p:cNvPr id="2" name="Title 1">
             <a:extLst>
               <a:ext uri="{FF2B5EF4-FFF2-40B4-BE49-F238E27FC236}">
-                <a16:creationId xmlns:a16="http://schemas.microsoft.com/office/drawing/2014/main" xmlns="" id="{B0008103-48F8-4132-816D-623C10E8E6C1}"/>
+                <a16:creationId xmlns:a16="http://schemas.microsoft.com/office/drawing/2014/main" id="{B0008103-48F8-4132-816D-623C10E8E6C1}"/>
               </a:ext>
             </a:extLst>
           </p:cNvPr>
@@ -25216,7 +25232,7 @@
           <p:cNvPr id="3" name="Text Placeholder 2">
             <a:extLst>
               <a:ext uri="{FF2B5EF4-FFF2-40B4-BE49-F238E27FC236}">
-                <a16:creationId xmlns:a16="http://schemas.microsoft.com/office/drawing/2014/main" xmlns="" id="{B4D0C691-110C-469A-914C-0BCE46ECCBAA}"/>
+                <a16:creationId xmlns:a16="http://schemas.microsoft.com/office/drawing/2014/main" id="{B4D0C691-110C-469A-914C-0BCE46ECCBAA}"/>
               </a:ext>
             </a:extLst>
           </p:cNvPr>
@@ -25321,7 +25337,7 @@
           <p:cNvPr id="4" name="Slide Number Placeholder 3">
             <a:extLst>
               <a:ext uri="{FF2B5EF4-FFF2-40B4-BE49-F238E27FC236}">
-                <a16:creationId xmlns:a16="http://schemas.microsoft.com/office/drawing/2014/main" xmlns="" id="{BA7A3598-AA0F-4AE8-9CB0-8A7CA3AFBBAD}"/>
+                <a16:creationId xmlns:a16="http://schemas.microsoft.com/office/drawing/2014/main" id="{BA7A3598-AA0F-4AE8-9CB0-8A7CA3AFBBAD}"/>
               </a:ext>
             </a:extLst>
           </p:cNvPr>
@@ -25381,7 +25397,7 @@
           <p:cNvPr id="2" name="Title 1">
             <a:extLst>
               <a:ext uri="{FF2B5EF4-FFF2-40B4-BE49-F238E27FC236}">
-                <a16:creationId xmlns:a16="http://schemas.microsoft.com/office/drawing/2014/main" xmlns="" id="{BA970CA4-5B1D-405C-9D35-1DD7AA733C93}"/>
+                <a16:creationId xmlns:a16="http://schemas.microsoft.com/office/drawing/2014/main" id="{BA970CA4-5B1D-405C-9D35-1DD7AA733C93}"/>
               </a:ext>
             </a:extLst>
           </p:cNvPr>
@@ -25426,7 +25442,7 @@
           <p:cNvPr id="3" name="Text Placeholder 2">
             <a:extLst>
               <a:ext uri="{FF2B5EF4-FFF2-40B4-BE49-F238E27FC236}">
-                <a16:creationId xmlns:a16="http://schemas.microsoft.com/office/drawing/2014/main" xmlns="" id="{147C5D27-49E1-4D8D-BDC7-00AD4A214FCF}"/>
+                <a16:creationId xmlns:a16="http://schemas.microsoft.com/office/drawing/2014/main" id="{147C5D27-49E1-4D8D-BDC7-00AD4A214FCF}"/>
               </a:ext>
             </a:extLst>
           </p:cNvPr>
@@ -25703,7 +25719,7 @@
           <p:cNvPr id="4" name="Slide Number Placeholder 3">
             <a:extLst>
               <a:ext uri="{FF2B5EF4-FFF2-40B4-BE49-F238E27FC236}">
-                <a16:creationId xmlns:a16="http://schemas.microsoft.com/office/drawing/2014/main" xmlns="" id="{6B01FAEA-A0D5-408E-A12E-69B1790CA9BC}"/>
+                <a16:creationId xmlns:a16="http://schemas.microsoft.com/office/drawing/2014/main" id="{6B01FAEA-A0D5-408E-A12E-69B1790CA9BC}"/>
               </a:ext>
             </a:extLst>
           </p:cNvPr>
@@ -25763,7 +25779,7 @@
           <p:cNvPr id="8" name="Picture Placeholder 7" descr="Divider slide image">
             <a:extLst>
               <a:ext uri="{FF2B5EF4-FFF2-40B4-BE49-F238E27FC236}">
-                <a16:creationId xmlns:a16="http://schemas.microsoft.com/office/drawing/2014/main" xmlns="" id="{177FEC3E-B2FE-9045-8D49-89B1E3D20CB1}"/>
+                <a16:creationId xmlns:a16="http://schemas.microsoft.com/office/drawing/2014/main" id="{177FEC3E-B2FE-9045-8D49-89B1E3D20CB1}"/>
               </a:ext>
             </a:extLst>
           </p:cNvPr>
@@ -25794,10 +25810,10 @@
           <p:cNvPr id="24" name="TextBox 23" descr="Accent piece to title box">
             <a:extLst>
               <a:ext uri="{FF2B5EF4-FFF2-40B4-BE49-F238E27FC236}">
-                <a16:creationId xmlns:a16="http://schemas.microsoft.com/office/drawing/2014/main" xmlns="" id="{993B1474-02E3-4509-B5C5-84427653BA68}"/>
+                <a16:creationId xmlns:a16="http://schemas.microsoft.com/office/drawing/2014/main" id="{993B1474-02E3-4509-B5C5-84427653BA68}"/>
               </a:ext>
               <a:ext uri="{C183D7F6-B498-43B3-948B-1728B52AA6E4}">
-                <adec:decorative xmlns:adec="http://schemas.microsoft.com/office/drawing/2017/decorative" xmlns="" val="1"/>
+                <adec:decorative xmlns:adec="http://schemas.microsoft.com/office/drawing/2017/decorative" val="1"/>
               </a:ext>
             </a:extLst>
           </p:cNvPr>
@@ -25975,10 +25991,10 @@
           <p:cNvPr id="18" name="Isosceles Triangle 17" descr="Shadow for title box">
             <a:extLst>
               <a:ext uri="{FF2B5EF4-FFF2-40B4-BE49-F238E27FC236}">
-                <a16:creationId xmlns:a16="http://schemas.microsoft.com/office/drawing/2014/main" xmlns="" id="{FAB4748B-F532-4C70-827A-5FEA8C084327}"/>
+                <a16:creationId xmlns:a16="http://schemas.microsoft.com/office/drawing/2014/main" id="{FAB4748B-F532-4C70-827A-5FEA8C084327}"/>
               </a:ext>
               <a:ext uri="{C183D7F6-B498-43B3-948B-1728B52AA6E4}">
-                <adec:decorative xmlns:adec="http://schemas.microsoft.com/office/drawing/2017/decorative" xmlns="" val="1"/>
+                <adec:decorative xmlns:adec="http://schemas.microsoft.com/office/drawing/2017/decorative" val="1"/>
               </a:ext>
             </a:extLst>
           </p:cNvPr>
@@ -26037,7 +26053,7 @@
           <p:cNvPr id="3" name="Title 2">
             <a:extLst>
               <a:ext uri="{FF2B5EF4-FFF2-40B4-BE49-F238E27FC236}">
-                <a16:creationId xmlns:a16="http://schemas.microsoft.com/office/drawing/2014/main" xmlns="" id="{200B3D2B-613A-41BE-987D-E6A1324B456D}"/>
+                <a16:creationId xmlns:a16="http://schemas.microsoft.com/office/drawing/2014/main" id="{200B3D2B-613A-41BE-987D-E6A1324B456D}"/>
               </a:ext>
             </a:extLst>
           </p:cNvPr>
@@ -26071,10 +26087,6 @@
               <a:rPr lang="en-ZA" sz="3600" dirty="0" err="1"/>
               <a:t>Gunadarma</a:t>
             </a:r>
-            <a:r>
-              <a:rPr lang="en-ZA" sz="3600" dirty="0"/>
-              <a:t/>
-            </a:r>
             <a:br>
               <a:rPr lang="en-ZA" sz="3600" dirty="0"/>
             </a:br>
@@ -26085,10 +26097,6 @@
             <a:r>
               <a:rPr lang="en-ZA" sz="3600" dirty="0" err="1"/>
               <a:t>Informatika</a:t>
-            </a:r>
-            <a:r>
-              <a:rPr lang="en-ZA" sz="3600" dirty="0"/>
-              <a:t/>
             </a:r>
             <a:br>
               <a:rPr lang="en-ZA" sz="3600" dirty="0"/>
@@ -26102,7 +26110,7 @@
           <p:cNvPr id="4" name="Subtitle 3">
             <a:extLst>
               <a:ext uri="{FF2B5EF4-FFF2-40B4-BE49-F238E27FC236}">
-                <a16:creationId xmlns:a16="http://schemas.microsoft.com/office/drawing/2014/main" xmlns="" id="{4772945D-CA91-4CFE-8EB7-941C7618C994}"/>
+                <a16:creationId xmlns:a16="http://schemas.microsoft.com/office/drawing/2014/main" id="{4772945D-CA91-4CFE-8EB7-941C7618C994}"/>
               </a:ext>
             </a:extLst>
           </p:cNvPr>
@@ -26142,10 +26150,10 @@
           <p:cNvPr id="15" name="Freeform 5" descr="Accent block">
             <a:extLst>
               <a:ext uri="{FF2B5EF4-FFF2-40B4-BE49-F238E27FC236}">
-                <a16:creationId xmlns:a16="http://schemas.microsoft.com/office/drawing/2014/main" xmlns="" id="{7746F873-A4ED-4E4C-BB89-CA0FBB9E9582}"/>
+                <a16:creationId xmlns:a16="http://schemas.microsoft.com/office/drawing/2014/main" id="{7746F873-A4ED-4E4C-BB89-CA0FBB9E9582}"/>
               </a:ext>
               <a:ext uri="{C183D7F6-B498-43B3-948B-1728B52AA6E4}">
-                <adec:decorative xmlns:adec="http://schemas.microsoft.com/office/drawing/2017/decorative" xmlns="" val="1"/>
+                <adec:decorative xmlns:adec="http://schemas.microsoft.com/office/drawing/2017/decorative" val="1"/>
               </a:ext>
             </a:extLst>
           </p:cNvPr>
@@ -26331,10 +26339,10 @@
           <p:cNvPr id="16" name="Freeform 5" descr="Hollow accent block">
             <a:extLst>
               <a:ext uri="{FF2B5EF4-FFF2-40B4-BE49-F238E27FC236}">
-                <a16:creationId xmlns:a16="http://schemas.microsoft.com/office/drawing/2014/main" xmlns="" id="{E0D7A780-33BC-4E68-9763-AB62376D5024}"/>
+                <a16:creationId xmlns:a16="http://schemas.microsoft.com/office/drawing/2014/main" id="{E0D7A780-33BC-4E68-9763-AB62376D5024}"/>
               </a:ext>
               <a:ext uri="{C183D7F6-B498-43B3-948B-1728B52AA6E4}">
-                <adec:decorative xmlns:adec="http://schemas.microsoft.com/office/drawing/2017/decorative" xmlns="" val="1"/>
+                <adec:decorative xmlns:adec="http://schemas.microsoft.com/office/drawing/2017/decorative" val="1"/>
               </a:ext>
             </a:extLst>
           </p:cNvPr>
@@ -26521,7 +26529,7 @@
           <p:cNvPr id="5" name="Slide Number Placeholder 4">
             <a:extLst>
               <a:ext uri="{FF2B5EF4-FFF2-40B4-BE49-F238E27FC236}">
-                <a16:creationId xmlns:a16="http://schemas.microsoft.com/office/drawing/2014/main" xmlns="" id="{BDD5A594-D852-43BB-B591-E9D9027253BD}"/>
+                <a16:creationId xmlns:a16="http://schemas.microsoft.com/office/drawing/2014/main" id="{BDD5A594-D852-43BB-B591-E9D9027253BD}"/>
               </a:ext>
             </a:extLst>
           </p:cNvPr>
@@ -26581,7 +26589,7 @@
           <p:cNvPr id="2" name="Title 1">
             <a:extLst>
               <a:ext uri="{FF2B5EF4-FFF2-40B4-BE49-F238E27FC236}">
-                <a16:creationId xmlns:a16="http://schemas.microsoft.com/office/drawing/2014/main" xmlns="" id="{838D1FD7-B7E3-4A1B-A20A-EA020BBB966C}"/>
+                <a16:creationId xmlns:a16="http://schemas.microsoft.com/office/drawing/2014/main" id="{838D1FD7-B7E3-4A1B-A20A-EA020BBB966C}"/>
               </a:ext>
             </a:extLst>
           </p:cNvPr>
@@ -26614,7 +26622,7 @@
           <p:cNvPr id="3" name="Text Placeholder 2">
             <a:extLst>
               <a:ext uri="{FF2B5EF4-FFF2-40B4-BE49-F238E27FC236}">
-                <a16:creationId xmlns:a16="http://schemas.microsoft.com/office/drawing/2014/main" xmlns="" id="{BDE3314F-DF05-415E-B47F-95CBCEA58810}"/>
+                <a16:creationId xmlns:a16="http://schemas.microsoft.com/office/drawing/2014/main" id="{BDE3314F-DF05-415E-B47F-95CBCEA58810}"/>
               </a:ext>
             </a:extLst>
           </p:cNvPr>
@@ -26678,7 +26686,7 @@
           <p:cNvPr id="4" name="Content Placeholder 3">
             <a:extLst>
               <a:ext uri="{FF2B5EF4-FFF2-40B4-BE49-F238E27FC236}">
-                <a16:creationId xmlns:a16="http://schemas.microsoft.com/office/drawing/2014/main" xmlns="" id="{45D8524E-2D35-41C2-92BB-861490FEE55E}"/>
+                <a16:creationId xmlns:a16="http://schemas.microsoft.com/office/drawing/2014/main" id="{45D8524E-2D35-41C2-92BB-861490FEE55E}"/>
               </a:ext>
             </a:extLst>
           </p:cNvPr>
@@ -26747,7 +26755,7 @@
           <p:cNvPr id="5" name="Text Placeholder 4">
             <a:extLst>
               <a:ext uri="{FF2B5EF4-FFF2-40B4-BE49-F238E27FC236}">
-                <a16:creationId xmlns:a16="http://schemas.microsoft.com/office/drawing/2014/main" xmlns="" id="{D0558A24-1624-4C44-8664-A42720B2CAC8}"/>
+                <a16:creationId xmlns:a16="http://schemas.microsoft.com/office/drawing/2014/main" id="{D0558A24-1624-4C44-8664-A42720B2CAC8}"/>
               </a:ext>
             </a:extLst>
           </p:cNvPr>
@@ -26804,7 +26812,7 @@
           <p:cNvPr id="6" name="Text Placeholder 5">
             <a:extLst>
               <a:ext uri="{FF2B5EF4-FFF2-40B4-BE49-F238E27FC236}">
-                <a16:creationId xmlns:a16="http://schemas.microsoft.com/office/drawing/2014/main" xmlns="" id="{B97B8946-D1C6-446F-9FA5-B1C0AF296C21}"/>
+                <a16:creationId xmlns:a16="http://schemas.microsoft.com/office/drawing/2014/main" id="{B97B8946-D1C6-446F-9FA5-B1C0AF296C21}"/>
               </a:ext>
             </a:extLst>
           </p:cNvPr>
@@ -26934,7 +26942,7 @@
           <p:cNvPr id="7" name="Text Placeholder 6">
             <a:extLst>
               <a:ext uri="{FF2B5EF4-FFF2-40B4-BE49-F238E27FC236}">
-                <a16:creationId xmlns:a16="http://schemas.microsoft.com/office/drawing/2014/main" xmlns="" id="{1AB194F3-68E9-4907-9FC1-CC0435D02EF5}"/>
+                <a16:creationId xmlns:a16="http://schemas.microsoft.com/office/drawing/2014/main" id="{1AB194F3-68E9-4907-9FC1-CC0435D02EF5}"/>
               </a:ext>
             </a:extLst>
           </p:cNvPr>
@@ -27030,7 +27038,7 @@
           <p:cNvPr id="8" name="Text Placeholder 7">
             <a:extLst>
               <a:ext uri="{FF2B5EF4-FFF2-40B4-BE49-F238E27FC236}">
-                <a16:creationId xmlns:a16="http://schemas.microsoft.com/office/drawing/2014/main" xmlns="" id="{451B1975-7E73-4C14-97D7-EDA71C95FA33}"/>
+                <a16:creationId xmlns:a16="http://schemas.microsoft.com/office/drawing/2014/main" id="{451B1975-7E73-4C14-97D7-EDA71C95FA33}"/>
               </a:ext>
             </a:extLst>
           </p:cNvPr>
@@ -27055,7 +27063,7 @@
           <p:cNvPr id="9" name="Slide Number Placeholder 8">
             <a:extLst>
               <a:ext uri="{FF2B5EF4-FFF2-40B4-BE49-F238E27FC236}">
-                <a16:creationId xmlns:a16="http://schemas.microsoft.com/office/drawing/2014/main" xmlns="" id="{B9F5DAAB-F53D-404D-89FA-BCAB6AE1AC24}"/>
+                <a16:creationId xmlns:a16="http://schemas.microsoft.com/office/drawing/2014/main" id="{B9F5DAAB-F53D-404D-89FA-BCAB6AE1AC24}"/>
               </a:ext>
             </a:extLst>
           </p:cNvPr>
@@ -27085,7 +27093,7 @@
           <p:cNvPr id="10" name="Picture 9">
             <a:extLst>
               <a:ext uri="{FF2B5EF4-FFF2-40B4-BE49-F238E27FC236}">
-                <a16:creationId xmlns:a16="http://schemas.microsoft.com/office/drawing/2014/main" xmlns="" id="{EA9D601B-948A-4DC9-8644-70ABC26081CC}"/>
+                <a16:creationId xmlns:a16="http://schemas.microsoft.com/office/drawing/2014/main" id="{EA9D601B-948A-4DC9-8644-70ABC26081CC}"/>
               </a:ext>
             </a:extLst>
           </p:cNvPr>
@@ -27115,7 +27123,7 @@
           <p:cNvPr id="11" name="Picture 10">
             <a:extLst>
               <a:ext uri="{FF2B5EF4-FFF2-40B4-BE49-F238E27FC236}">
-                <a16:creationId xmlns:a16="http://schemas.microsoft.com/office/drawing/2014/main" xmlns="" id="{9F2D4B6C-E311-4835-9359-B7D0671CF90A}"/>
+                <a16:creationId xmlns:a16="http://schemas.microsoft.com/office/drawing/2014/main" id="{9F2D4B6C-E311-4835-9359-B7D0671CF90A}"/>
               </a:ext>
             </a:extLst>
           </p:cNvPr>
@@ -27145,7 +27153,7 @@
           <p:cNvPr id="12" name="Picture 11">
             <a:extLst>
               <a:ext uri="{FF2B5EF4-FFF2-40B4-BE49-F238E27FC236}">
-                <a16:creationId xmlns:a16="http://schemas.microsoft.com/office/drawing/2014/main" xmlns="" id="{F3092503-A5FC-4A30-987F-3B91636CC477}"/>
+                <a16:creationId xmlns:a16="http://schemas.microsoft.com/office/drawing/2014/main" id="{F3092503-A5FC-4A30-987F-3B91636CC477}"/>
               </a:ext>
             </a:extLst>
           </p:cNvPr>
@@ -27175,7 +27183,7 @@
           <p:cNvPr id="13" name="Picture 12">
             <a:extLst>
               <a:ext uri="{FF2B5EF4-FFF2-40B4-BE49-F238E27FC236}">
-                <a16:creationId xmlns:a16="http://schemas.microsoft.com/office/drawing/2014/main" xmlns="" id="{FF6A00BB-10D6-444E-A075-787E0EA38E31}"/>
+                <a16:creationId xmlns:a16="http://schemas.microsoft.com/office/drawing/2014/main" id="{FF6A00BB-10D6-444E-A075-787E0EA38E31}"/>
               </a:ext>
             </a:extLst>
           </p:cNvPr>
@@ -27205,7 +27213,7 @@
           <p:cNvPr id="14" name="Picture 13">
             <a:extLst>
               <a:ext uri="{FF2B5EF4-FFF2-40B4-BE49-F238E27FC236}">
-                <a16:creationId xmlns:a16="http://schemas.microsoft.com/office/drawing/2014/main" xmlns="" id="{2C791BC0-049B-402E-A193-F4A9FB3FEF70}"/>
+                <a16:creationId xmlns:a16="http://schemas.microsoft.com/office/drawing/2014/main" id="{2C791BC0-049B-402E-A193-F4A9FB3FEF70}"/>
               </a:ext>
             </a:extLst>
           </p:cNvPr>
@@ -27265,7 +27273,7 @@
           <p:cNvPr id="2" name="Title 1">
             <a:extLst>
               <a:ext uri="{FF2B5EF4-FFF2-40B4-BE49-F238E27FC236}">
-                <a16:creationId xmlns:a16="http://schemas.microsoft.com/office/drawing/2014/main" xmlns="" id="{96C5B40D-7263-4FA4-97FA-B82E5D5ACED7}"/>
+                <a16:creationId xmlns:a16="http://schemas.microsoft.com/office/drawing/2014/main" id="{96C5B40D-7263-4FA4-97FA-B82E5D5ACED7}"/>
               </a:ext>
             </a:extLst>
           </p:cNvPr>
@@ -27298,7 +27306,7 @@
           <p:cNvPr id="11" name="Picture 10">
             <a:extLst>
               <a:ext uri="{FF2B5EF4-FFF2-40B4-BE49-F238E27FC236}">
-                <a16:creationId xmlns:a16="http://schemas.microsoft.com/office/drawing/2014/main" xmlns="" id="{14355E7E-FD4A-40E6-8B63-0ECCC71D72DF}"/>
+                <a16:creationId xmlns:a16="http://schemas.microsoft.com/office/drawing/2014/main" id="{14355E7E-FD4A-40E6-8B63-0ECCC71D72DF}"/>
               </a:ext>
             </a:extLst>
           </p:cNvPr>
@@ -27328,7 +27336,7 @@
           <p:cNvPr id="3" name="Text Placeholder 2">
             <a:extLst>
               <a:ext uri="{FF2B5EF4-FFF2-40B4-BE49-F238E27FC236}">
-                <a16:creationId xmlns:a16="http://schemas.microsoft.com/office/drawing/2014/main" xmlns="" id="{7EB33BB0-E007-4AD8-BCB5-5F8FD5C1052E}"/>
+                <a16:creationId xmlns:a16="http://schemas.microsoft.com/office/drawing/2014/main" id="{7EB33BB0-E007-4AD8-BCB5-5F8FD5C1052E}"/>
               </a:ext>
             </a:extLst>
           </p:cNvPr>
@@ -27395,7 +27403,7 @@
           <p:cNvPr id="4" name="Content Placeholder 3">
             <a:extLst>
               <a:ext uri="{FF2B5EF4-FFF2-40B4-BE49-F238E27FC236}">
-                <a16:creationId xmlns:a16="http://schemas.microsoft.com/office/drawing/2014/main" xmlns="" id="{C75A3602-5051-4D6F-AFCC-E0E07D22FF86}"/>
+                <a16:creationId xmlns:a16="http://schemas.microsoft.com/office/drawing/2014/main" id="{C75A3602-5051-4D6F-AFCC-E0E07D22FF86}"/>
               </a:ext>
             </a:extLst>
           </p:cNvPr>
@@ -27483,7 +27491,7 @@
           <p:cNvPr id="5" name="Text Placeholder 4">
             <a:extLst>
               <a:ext uri="{FF2B5EF4-FFF2-40B4-BE49-F238E27FC236}">
-                <a16:creationId xmlns:a16="http://schemas.microsoft.com/office/drawing/2014/main" xmlns="" id="{65987576-6471-4817-9E39-C84CD82F015B}"/>
+                <a16:creationId xmlns:a16="http://schemas.microsoft.com/office/drawing/2014/main" id="{65987576-6471-4817-9E39-C84CD82F015B}"/>
               </a:ext>
             </a:extLst>
           </p:cNvPr>
@@ -27547,7 +27555,7 @@
           <p:cNvPr id="6" name="Text Placeholder 5">
             <a:extLst>
               <a:ext uri="{FF2B5EF4-FFF2-40B4-BE49-F238E27FC236}">
-                <a16:creationId xmlns:a16="http://schemas.microsoft.com/office/drawing/2014/main" xmlns="" id="{8ACC3523-8277-45CF-A3D9-16C08244E0C5}"/>
+                <a16:creationId xmlns:a16="http://schemas.microsoft.com/office/drawing/2014/main" id="{8ACC3523-8277-45CF-A3D9-16C08244E0C5}"/>
               </a:ext>
             </a:extLst>
           </p:cNvPr>
@@ -27619,7 +27627,7 @@
           <p:cNvPr id="7" name="Text Placeholder 6">
             <a:extLst>
               <a:ext uri="{FF2B5EF4-FFF2-40B4-BE49-F238E27FC236}">
-                <a16:creationId xmlns:a16="http://schemas.microsoft.com/office/drawing/2014/main" xmlns="" id="{2F29232A-2DCE-484E-845C-11C215CD985F}"/>
+                <a16:creationId xmlns:a16="http://schemas.microsoft.com/office/drawing/2014/main" id="{2F29232A-2DCE-484E-845C-11C215CD985F}"/>
               </a:ext>
             </a:extLst>
           </p:cNvPr>
@@ -27644,7 +27652,7 @@
           <p:cNvPr id="8" name="Text Placeholder 7">
             <a:extLst>
               <a:ext uri="{FF2B5EF4-FFF2-40B4-BE49-F238E27FC236}">
-                <a16:creationId xmlns:a16="http://schemas.microsoft.com/office/drawing/2014/main" xmlns="" id="{A9C3F367-D69F-4274-805C-5FA4801C8F73}"/>
+                <a16:creationId xmlns:a16="http://schemas.microsoft.com/office/drawing/2014/main" id="{A9C3F367-D69F-4274-805C-5FA4801C8F73}"/>
               </a:ext>
             </a:extLst>
           </p:cNvPr>
@@ -27669,7 +27677,7 @@
           <p:cNvPr id="9" name="Slide Number Placeholder 8">
             <a:extLst>
               <a:ext uri="{FF2B5EF4-FFF2-40B4-BE49-F238E27FC236}">
-                <a16:creationId xmlns:a16="http://schemas.microsoft.com/office/drawing/2014/main" xmlns="" id="{6EA347A6-FD12-4C9C-84ED-D6008F3E7A09}"/>
+                <a16:creationId xmlns:a16="http://schemas.microsoft.com/office/drawing/2014/main" id="{6EA347A6-FD12-4C9C-84ED-D6008F3E7A09}"/>
               </a:ext>
             </a:extLst>
           </p:cNvPr>
@@ -27699,7 +27707,7 @@
           <p:cNvPr id="12" name="Picture 11">
             <a:extLst>
               <a:ext uri="{FF2B5EF4-FFF2-40B4-BE49-F238E27FC236}">
-                <a16:creationId xmlns:a16="http://schemas.microsoft.com/office/drawing/2014/main" xmlns="" id="{E0D2B9B1-A965-4500-B9BC-F2C5230CF07A}"/>
+                <a16:creationId xmlns:a16="http://schemas.microsoft.com/office/drawing/2014/main" id="{E0D2B9B1-A965-4500-B9BC-F2C5230CF07A}"/>
               </a:ext>
             </a:extLst>
           </p:cNvPr>
@@ -27729,7 +27737,7 @@
           <p:cNvPr id="13" name="Picture 12">
             <a:extLst>
               <a:ext uri="{FF2B5EF4-FFF2-40B4-BE49-F238E27FC236}">
-                <a16:creationId xmlns:a16="http://schemas.microsoft.com/office/drawing/2014/main" xmlns="" id="{DBA37630-24B7-47F2-8017-FFC36B8F7349}"/>
+                <a16:creationId xmlns:a16="http://schemas.microsoft.com/office/drawing/2014/main" id="{DBA37630-24B7-47F2-8017-FFC36B8F7349}"/>
               </a:ext>
             </a:extLst>
           </p:cNvPr>
@@ -27789,7 +27797,7 @@
           <p:cNvPr id="2" name="Title 1">
             <a:extLst>
               <a:ext uri="{FF2B5EF4-FFF2-40B4-BE49-F238E27FC236}">
-                <a16:creationId xmlns:a16="http://schemas.microsoft.com/office/drawing/2014/main" xmlns="" id="{DE0389ED-5895-4D5B-8245-7641B4217736}"/>
+                <a16:creationId xmlns:a16="http://schemas.microsoft.com/office/drawing/2014/main" id="{DE0389ED-5895-4D5B-8245-7641B4217736}"/>
               </a:ext>
             </a:extLst>
           </p:cNvPr>
@@ -27826,7 +27834,7 @@
           <p:cNvPr id="3" name="Text Placeholder 2">
             <a:extLst>
               <a:ext uri="{FF2B5EF4-FFF2-40B4-BE49-F238E27FC236}">
-                <a16:creationId xmlns:a16="http://schemas.microsoft.com/office/drawing/2014/main" xmlns="" id="{79844BF5-5C4D-43AD-9643-7D789210A250}"/>
+                <a16:creationId xmlns:a16="http://schemas.microsoft.com/office/drawing/2014/main" id="{79844BF5-5C4D-43AD-9643-7D789210A250}"/>
               </a:ext>
             </a:extLst>
           </p:cNvPr>
@@ -28035,7 +28043,7 @@
           <p:cNvPr id="4" name="Slide Number Placeholder 3">
             <a:extLst>
               <a:ext uri="{FF2B5EF4-FFF2-40B4-BE49-F238E27FC236}">
-                <a16:creationId xmlns:a16="http://schemas.microsoft.com/office/drawing/2014/main" xmlns="" id="{4A4A36C2-68A4-4FA6-A7CF-06798D58CD21}"/>
+                <a16:creationId xmlns:a16="http://schemas.microsoft.com/office/drawing/2014/main" id="{4A4A36C2-68A4-4FA6-A7CF-06798D58CD21}"/>
               </a:ext>
             </a:extLst>
           </p:cNvPr>
@@ -28095,7 +28103,7 @@
           <p:cNvPr id="13" name="Picture Placeholder 12" descr="Picture placeholder">
             <a:extLst>
               <a:ext uri="{FF2B5EF4-FFF2-40B4-BE49-F238E27FC236}">
-                <a16:creationId xmlns:a16="http://schemas.microsoft.com/office/drawing/2014/main" xmlns="" id="{588C9C3E-7C4B-EA46-9848-A17249AC33B1}"/>
+                <a16:creationId xmlns:a16="http://schemas.microsoft.com/office/drawing/2014/main" id="{588C9C3E-7C4B-EA46-9848-A17249AC33B1}"/>
               </a:ext>
             </a:extLst>
           </p:cNvPr>
@@ -28126,10 +28134,10 @@
           <p:cNvPr id="15" name="Freeform 5" descr="Hollow accent">
             <a:extLst>
               <a:ext uri="{FF2B5EF4-FFF2-40B4-BE49-F238E27FC236}">
-                <a16:creationId xmlns:a16="http://schemas.microsoft.com/office/drawing/2014/main" xmlns="" id="{10117390-DCFE-4FAE-B3FD-DAECFE779A27}"/>
+                <a16:creationId xmlns:a16="http://schemas.microsoft.com/office/drawing/2014/main" id="{10117390-DCFE-4FAE-B3FD-DAECFE779A27}"/>
               </a:ext>
               <a:ext uri="{C183D7F6-B498-43B3-948B-1728B52AA6E4}">
-                <adec:decorative xmlns:adec="http://schemas.microsoft.com/office/drawing/2017/decorative" xmlns="" val="1"/>
+                <adec:decorative xmlns:adec="http://schemas.microsoft.com/office/drawing/2017/decorative" val="1"/>
               </a:ext>
             </a:extLst>
           </p:cNvPr>
@@ -28315,10 +28323,10 @@
           <p:cNvPr id="31" name="TextBox 30" descr="Flag accent to title">
             <a:extLst>
               <a:ext uri="{FF2B5EF4-FFF2-40B4-BE49-F238E27FC236}">
-                <a16:creationId xmlns:a16="http://schemas.microsoft.com/office/drawing/2014/main" xmlns="" id="{8FC2E368-898A-440B-A15C-4C5FB13C57D2}"/>
+                <a16:creationId xmlns:a16="http://schemas.microsoft.com/office/drawing/2014/main" id="{8FC2E368-898A-440B-A15C-4C5FB13C57D2}"/>
               </a:ext>
               <a:ext uri="{C183D7F6-B498-43B3-948B-1728B52AA6E4}">
-                <adec:decorative xmlns:adec="http://schemas.microsoft.com/office/drawing/2017/decorative" xmlns="" val="1"/>
+                <adec:decorative xmlns:adec="http://schemas.microsoft.com/office/drawing/2017/decorative" val="1"/>
               </a:ext>
             </a:extLst>
           </p:cNvPr>
@@ -28691,10 +28699,10 @@
           <p:cNvPr id="21" name="Isosceles Triangle 20" descr="Shadow accent to title">
             <a:extLst>
               <a:ext uri="{FF2B5EF4-FFF2-40B4-BE49-F238E27FC236}">
-                <a16:creationId xmlns:a16="http://schemas.microsoft.com/office/drawing/2014/main" xmlns="" id="{59A98ED3-718C-409B-BC1D-07842F9F58EB}"/>
+                <a16:creationId xmlns:a16="http://schemas.microsoft.com/office/drawing/2014/main" id="{59A98ED3-718C-409B-BC1D-07842F9F58EB}"/>
               </a:ext>
               <a:ext uri="{C183D7F6-B498-43B3-948B-1728B52AA6E4}">
-                <adec:decorative xmlns:adec="http://schemas.microsoft.com/office/drawing/2017/decorative" xmlns="" val="1"/>
+                <adec:decorative xmlns:adec="http://schemas.microsoft.com/office/drawing/2017/decorative" val="1"/>
               </a:ext>
             </a:extLst>
           </p:cNvPr>
@@ -28753,7 +28761,7 @@
           <p:cNvPr id="3" name="Title 2">
             <a:extLst>
               <a:ext uri="{FF2B5EF4-FFF2-40B4-BE49-F238E27FC236}">
-                <a16:creationId xmlns:a16="http://schemas.microsoft.com/office/drawing/2014/main" xmlns="" id="{200B3D2B-613A-41BE-987D-E6A1324B456D}"/>
+                <a16:creationId xmlns:a16="http://schemas.microsoft.com/office/drawing/2014/main" id="{200B3D2B-613A-41BE-987D-E6A1324B456D}"/>
               </a:ext>
             </a:extLst>
           </p:cNvPr>
@@ -28793,7 +28801,7 @@
           <p:cNvPr id="4" name="Subtitle 3">
             <a:extLst>
               <a:ext uri="{FF2B5EF4-FFF2-40B4-BE49-F238E27FC236}">
-                <a16:creationId xmlns:a16="http://schemas.microsoft.com/office/drawing/2014/main" xmlns="" id="{4772945D-CA91-4CFE-8EB7-941C7618C994}"/>
+                <a16:creationId xmlns:a16="http://schemas.microsoft.com/office/drawing/2014/main" id="{4772945D-CA91-4CFE-8EB7-941C7618C994}"/>
               </a:ext>
             </a:extLst>
           </p:cNvPr>
@@ -28830,7 +28838,7 @@
           <p:cNvPr id="5" name="Slide Number Placeholder 4">
             <a:extLst>
               <a:ext uri="{FF2B5EF4-FFF2-40B4-BE49-F238E27FC236}">
-                <a16:creationId xmlns:a16="http://schemas.microsoft.com/office/drawing/2014/main" xmlns="" id="{F6964141-6F81-4947-A236-746D94ED3F6F}"/>
+                <a16:creationId xmlns:a16="http://schemas.microsoft.com/office/drawing/2014/main" id="{F6964141-6F81-4947-A236-746D94ED3F6F}"/>
               </a:ext>
             </a:extLst>
           </p:cNvPr>
@@ -28895,7 +28903,7 @@
           <p:cNvPr id="2" name="Title 1">
             <a:extLst>
               <a:ext uri="{FF2B5EF4-FFF2-40B4-BE49-F238E27FC236}">
-                <a16:creationId xmlns:a16="http://schemas.microsoft.com/office/drawing/2014/main" xmlns="" id="{E8FF65B4-8EC7-4E43-B786-5E895274D24E}"/>
+                <a16:creationId xmlns:a16="http://schemas.microsoft.com/office/drawing/2014/main" id="{E8FF65B4-8EC7-4E43-B786-5E895274D24E}"/>
               </a:ext>
             </a:extLst>
           </p:cNvPr>
@@ -28931,7 +28939,7 @@
           <p:cNvPr id="3" name="Text Placeholder 2">
             <a:extLst>
               <a:ext uri="{FF2B5EF4-FFF2-40B4-BE49-F238E27FC236}">
-                <a16:creationId xmlns:a16="http://schemas.microsoft.com/office/drawing/2014/main" xmlns="" id="{59840E15-F67A-4782-BB9D-507C0DE18C8D}"/>
+                <a16:creationId xmlns:a16="http://schemas.microsoft.com/office/drawing/2014/main" id="{59840E15-F67A-4782-BB9D-507C0DE18C8D}"/>
               </a:ext>
             </a:extLst>
           </p:cNvPr>
@@ -29100,7 +29108,7 @@
           <p:cNvPr id="4" name="Slide Number Placeholder 3">
             <a:extLst>
               <a:ext uri="{FF2B5EF4-FFF2-40B4-BE49-F238E27FC236}">
-                <a16:creationId xmlns:a16="http://schemas.microsoft.com/office/drawing/2014/main" xmlns="" id="{59C6A61B-E4AE-4CFE-A707-7E7EC72B6DE7}"/>
+                <a16:creationId xmlns:a16="http://schemas.microsoft.com/office/drawing/2014/main" id="{59C6A61B-E4AE-4CFE-A707-7E7EC72B6DE7}"/>
               </a:ext>
             </a:extLst>
           </p:cNvPr>
@@ -29160,7 +29168,7 @@
           <p:cNvPr id="2" name="Title 1">
             <a:extLst>
               <a:ext uri="{FF2B5EF4-FFF2-40B4-BE49-F238E27FC236}">
-                <a16:creationId xmlns:a16="http://schemas.microsoft.com/office/drawing/2014/main" xmlns="" id="{797D2C76-8290-4F3B-8094-F70B9CBA0584}"/>
+                <a16:creationId xmlns:a16="http://schemas.microsoft.com/office/drawing/2014/main" id="{797D2C76-8290-4F3B-8094-F70B9CBA0584}"/>
               </a:ext>
             </a:extLst>
           </p:cNvPr>
@@ -29189,7 +29197,7 @@
           <p:cNvPr id="3" name="Slide Number Placeholder 2">
             <a:extLst>
               <a:ext uri="{FF2B5EF4-FFF2-40B4-BE49-F238E27FC236}">
-                <a16:creationId xmlns:a16="http://schemas.microsoft.com/office/drawing/2014/main" xmlns="" id="{77F469AA-9CED-426E-BE25-0D6430928E8A}"/>
+                <a16:creationId xmlns:a16="http://schemas.microsoft.com/office/drawing/2014/main" id="{77F469AA-9CED-426E-BE25-0D6430928E8A}"/>
               </a:ext>
             </a:extLst>
           </p:cNvPr>
@@ -29219,7 +29227,7 @@
           <p:cNvPr id="7" name="Content Placeholder 6">
             <a:extLst>
               <a:ext uri="{FF2B5EF4-FFF2-40B4-BE49-F238E27FC236}">
-                <a16:creationId xmlns:a16="http://schemas.microsoft.com/office/drawing/2014/main" xmlns="" id="{5CDF915F-21DA-4F1F-BD91-43465FE03A2C}"/>
+                <a16:creationId xmlns:a16="http://schemas.microsoft.com/office/drawing/2014/main" id="{5CDF915F-21DA-4F1F-BD91-43465FE03A2C}"/>
               </a:ext>
             </a:extLst>
           </p:cNvPr>
@@ -29251,7 +29259,7 @@
           <p:cNvPr id="6" name="Content Placeholder 7">
             <a:extLst>
               <a:ext uri="{FF2B5EF4-FFF2-40B4-BE49-F238E27FC236}">
-                <a16:creationId xmlns:a16="http://schemas.microsoft.com/office/drawing/2014/main" xmlns="" id="{B5B8B157-DDF2-49E0-AFC7-AEB94337723C}"/>
+                <a16:creationId xmlns:a16="http://schemas.microsoft.com/office/drawing/2014/main" id="{B5B8B157-DDF2-49E0-AFC7-AEB94337723C}"/>
               </a:ext>
             </a:extLst>
           </p:cNvPr>
@@ -29313,7 +29321,7 @@
           <p:cNvPr id="13" name="Picture Placeholder 12" descr="Picture placeholder">
             <a:extLst>
               <a:ext uri="{FF2B5EF4-FFF2-40B4-BE49-F238E27FC236}">
-                <a16:creationId xmlns:a16="http://schemas.microsoft.com/office/drawing/2014/main" xmlns="" id="{588C9C3E-7C4B-EA46-9848-A17249AC33B1}"/>
+                <a16:creationId xmlns:a16="http://schemas.microsoft.com/office/drawing/2014/main" id="{588C9C3E-7C4B-EA46-9848-A17249AC33B1}"/>
               </a:ext>
             </a:extLst>
           </p:cNvPr>
@@ -29344,10 +29352,10 @@
           <p:cNvPr id="15" name="Freeform 5" descr="Hollow accent">
             <a:extLst>
               <a:ext uri="{FF2B5EF4-FFF2-40B4-BE49-F238E27FC236}">
-                <a16:creationId xmlns:a16="http://schemas.microsoft.com/office/drawing/2014/main" xmlns="" id="{10117390-DCFE-4FAE-B3FD-DAECFE779A27}"/>
+                <a16:creationId xmlns:a16="http://schemas.microsoft.com/office/drawing/2014/main" id="{10117390-DCFE-4FAE-B3FD-DAECFE779A27}"/>
               </a:ext>
               <a:ext uri="{C183D7F6-B498-43B3-948B-1728B52AA6E4}">
-                <adec:decorative xmlns:adec="http://schemas.microsoft.com/office/drawing/2017/decorative" xmlns="" val="1"/>
+                <adec:decorative xmlns:adec="http://schemas.microsoft.com/office/drawing/2017/decorative" val="1"/>
               </a:ext>
             </a:extLst>
           </p:cNvPr>
@@ -29533,10 +29541,10 @@
           <p:cNvPr id="31" name="TextBox 30" descr="Flag accent to title">
             <a:extLst>
               <a:ext uri="{FF2B5EF4-FFF2-40B4-BE49-F238E27FC236}">
-                <a16:creationId xmlns:a16="http://schemas.microsoft.com/office/drawing/2014/main" xmlns="" id="{8FC2E368-898A-440B-A15C-4C5FB13C57D2}"/>
+                <a16:creationId xmlns:a16="http://schemas.microsoft.com/office/drawing/2014/main" id="{8FC2E368-898A-440B-A15C-4C5FB13C57D2}"/>
               </a:ext>
               <a:ext uri="{C183D7F6-B498-43B3-948B-1728B52AA6E4}">
-                <adec:decorative xmlns:adec="http://schemas.microsoft.com/office/drawing/2017/decorative" xmlns="" val="1"/>
+                <adec:decorative xmlns:adec="http://schemas.microsoft.com/office/drawing/2017/decorative" val="1"/>
               </a:ext>
             </a:extLst>
           </p:cNvPr>
@@ -29909,10 +29917,10 @@
           <p:cNvPr id="21" name="Isosceles Triangle 20" descr="Shadow accent to title">
             <a:extLst>
               <a:ext uri="{FF2B5EF4-FFF2-40B4-BE49-F238E27FC236}">
-                <a16:creationId xmlns:a16="http://schemas.microsoft.com/office/drawing/2014/main" xmlns="" id="{59A98ED3-718C-409B-BC1D-07842F9F58EB}"/>
+                <a16:creationId xmlns:a16="http://schemas.microsoft.com/office/drawing/2014/main" id="{59A98ED3-718C-409B-BC1D-07842F9F58EB}"/>
               </a:ext>
               <a:ext uri="{C183D7F6-B498-43B3-948B-1728B52AA6E4}">
-                <adec:decorative xmlns:adec="http://schemas.microsoft.com/office/drawing/2017/decorative" xmlns="" val="1"/>
+                <adec:decorative xmlns:adec="http://schemas.microsoft.com/office/drawing/2017/decorative" val="1"/>
               </a:ext>
             </a:extLst>
           </p:cNvPr>
@@ -29971,7 +29979,7 @@
           <p:cNvPr id="3" name="Title 2">
             <a:extLst>
               <a:ext uri="{FF2B5EF4-FFF2-40B4-BE49-F238E27FC236}">
-                <a16:creationId xmlns:a16="http://schemas.microsoft.com/office/drawing/2014/main" xmlns="" id="{200B3D2B-613A-41BE-987D-E6A1324B456D}"/>
+                <a16:creationId xmlns:a16="http://schemas.microsoft.com/office/drawing/2014/main" id="{200B3D2B-613A-41BE-987D-E6A1324B456D}"/>
               </a:ext>
             </a:extLst>
           </p:cNvPr>
@@ -30011,7 +30019,7 @@
           <p:cNvPr id="4" name="Subtitle 3">
             <a:extLst>
               <a:ext uri="{FF2B5EF4-FFF2-40B4-BE49-F238E27FC236}">
-                <a16:creationId xmlns:a16="http://schemas.microsoft.com/office/drawing/2014/main" xmlns="" id="{4772945D-CA91-4CFE-8EB7-941C7618C994}"/>
+                <a16:creationId xmlns:a16="http://schemas.microsoft.com/office/drawing/2014/main" id="{4772945D-CA91-4CFE-8EB7-941C7618C994}"/>
               </a:ext>
             </a:extLst>
           </p:cNvPr>
@@ -30053,7 +30061,7 @@
           <p:cNvPr id="5" name="Slide Number Placeholder 4">
             <a:extLst>
               <a:ext uri="{FF2B5EF4-FFF2-40B4-BE49-F238E27FC236}">
-                <a16:creationId xmlns:a16="http://schemas.microsoft.com/office/drawing/2014/main" xmlns="" id="{F6964141-6F81-4947-A236-746D94ED3F6F}"/>
+                <a16:creationId xmlns:a16="http://schemas.microsoft.com/office/drawing/2014/main" id="{F6964141-6F81-4947-A236-746D94ED3F6F}"/>
               </a:ext>
             </a:extLst>
           </p:cNvPr>
@@ -30118,7 +30126,7 @@
           <p:cNvPr id="2" name="Title 1">
             <a:extLst>
               <a:ext uri="{FF2B5EF4-FFF2-40B4-BE49-F238E27FC236}">
-                <a16:creationId xmlns:a16="http://schemas.microsoft.com/office/drawing/2014/main" xmlns="" id="{DAC0BADC-9A8D-4A22-9DBD-98B3E57AEFA6}"/>
+                <a16:creationId xmlns:a16="http://schemas.microsoft.com/office/drawing/2014/main" id="{DAC0BADC-9A8D-4A22-9DBD-98B3E57AEFA6}"/>
               </a:ext>
             </a:extLst>
           </p:cNvPr>
@@ -30150,7 +30158,7 @@
           <p:cNvPr id="3" name="Text Placeholder 2">
             <a:extLst>
               <a:ext uri="{FF2B5EF4-FFF2-40B4-BE49-F238E27FC236}">
-                <a16:creationId xmlns:a16="http://schemas.microsoft.com/office/drawing/2014/main" xmlns="" id="{4DAD23FB-FCF5-4630-BF9F-FD35D136D253}"/>
+                <a16:creationId xmlns:a16="http://schemas.microsoft.com/office/drawing/2014/main" id="{4DAD23FB-FCF5-4630-BF9F-FD35D136D253}"/>
               </a:ext>
             </a:extLst>
           </p:cNvPr>
@@ -30267,7 +30275,7 @@
           <p:cNvPr id="4" name="Slide Number Placeholder 3">
             <a:extLst>
               <a:ext uri="{FF2B5EF4-FFF2-40B4-BE49-F238E27FC236}">
-                <a16:creationId xmlns:a16="http://schemas.microsoft.com/office/drawing/2014/main" xmlns="" id="{D05E70BC-6901-4339-BBAB-5B8C6B2EBE24}"/>
+                <a16:creationId xmlns:a16="http://schemas.microsoft.com/office/drawing/2014/main" id="{D05E70BC-6901-4339-BBAB-5B8C6B2EBE24}"/>
               </a:ext>
             </a:extLst>
           </p:cNvPr>
@@ -30327,7 +30335,7 @@
           <p:cNvPr id="2" name="Title 1">
             <a:extLst>
               <a:ext uri="{FF2B5EF4-FFF2-40B4-BE49-F238E27FC236}">
-                <a16:creationId xmlns:a16="http://schemas.microsoft.com/office/drawing/2014/main" xmlns="" id="{D5FDE5FB-0E2D-4683-88EA-1596BBF6BBF7}"/>
+                <a16:creationId xmlns:a16="http://schemas.microsoft.com/office/drawing/2014/main" id="{D5FDE5FB-0E2D-4683-88EA-1596BBF6BBF7}"/>
               </a:ext>
             </a:extLst>
           </p:cNvPr>
@@ -30356,7 +30364,7 @@
           <p:cNvPr id="3" name="Text Placeholder 2">
             <a:extLst>
               <a:ext uri="{FF2B5EF4-FFF2-40B4-BE49-F238E27FC236}">
-                <a16:creationId xmlns:a16="http://schemas.microsoft.com/office/drawing/2014/main" xmlns="" id="{53B39C58-A9C3-497B-8AE8-52FEBFC9CA0E}"/>
+                <a16:creationId xmlns:a16="http://schemas.microsoft.com/office/drawing/2014/main" id="{53B39C58-A9C3-497B-8AE8-52FEBFC9CA0E}"/>
               </a:ext>
             </a:extLst>
           </p:cNvPr>
@@ -30465,7 +30473,7 @@
           <p:cNvPr id="4" name="Slide Number Placeholder 3">
             <a:extLst>
               <a:ext uri="{FF2B5EF4-FFF2-40B4-BE49-F238E27FC236}">
-                <a16:creationId xmlns:a16="http://schemas.microsoft.com/office/drawing/2014/main" xmlns="" id="{D2FBFC33-E393-48EB-AC74-EBB6A56497C7}"/>
+                <a16:creationId xmlns:a16="http://schemas.microsoft.com/office/drawing/2014/main" id="{D2FBFC33-E393-48EB-AC74-EBB6A56497C7}"/>
               </a:ext>
             </a:extLst>
           </p:cNvPr>
@@ -30525,7 +30533,7 @@
           <p:cNvPr id="2" name="Title 1">
             <a:extLst>
               <a:ext uri="{FF2B5EF4-FFF2-40B4-BE49-F238E27FC236}">
-                <a16:creationId xmlns:a16="http://schemas.microsoft.com/office/drawing/2014/main" xmlns="" id="{20D258B3-8709-4657-BF86-E4A5F1B489F2}"/>
+                <a16:creationId xmlns:a16="http://schemas.microsoft.com/office/drawing/2014/main" id="{20D258B3-8709-4657-BF86-E4A5F1B489F2}"/>
               </a:ext>
             </a:extLst>
           </p:cNvPr>
@@ -30554,7 +30562,7 @@
           <p:cNvPr id="3" name="Text Placeholder 2">
             <a:extLst>
               <a:ext uri="{FF2B5EF4-FFF2-40B4-BE49-F238E27FC236}">
-                <a16:creationId xmlns:a16="http://schemas.microsoft.com/office/drawing/2014/main" xmlns="" id="{24F8BA2E-AF5F-4155-8432-2D08FDCB1B6E}"/>
+                <a16:creationId xmlns:a16="http://schemas.microsoft.com/office/drawing/2014/main" id="{24F8BA2E-AF5F-4155-8432-2D08FDCB1B6E}"/>
               </a:ext>
             </a:extLst>
           </p:cNvPr>
@@ -30639,7 +30647,7 @@
           <p:cNvPr id="9" name="Content Placeholder 8">
             <a:extLst>
               <a:ext uri="{FF2B5EF4-FFF2-40B4-BE49-F238E27FC236}">
-                <a16:creationId xmlns:a16="http://schemas.microsoft.com/office/drawing/2014/main" xmlns="" id="{917076E9-5220-498E-87B9-5B01E61E4A14}"/>
+                <a16:creationId xmlns:a16="http://schemas.microsoft.com/office/drawing/2014/main" id="{917076E9-5220-498E-87B9-5B01E61E4A14}"/>
               </a:ext>
             </a:extLst>
           </p:cNvPr>
@@ -30671,7 +30679,7 @@
           <p:cNvPr id="5" name="Slide Number Placeholder 4">
             <a:extLst>
               <a:ext uri="{FF2B5EF4-FFF2-40B4-BE49-F238E27FC236}">
-                <a16:creationId xmlns:a16="http://schemas.microsoft.com/office/drawing/2014/main" xmlns="" id="{67BBED58-9080-426C-AFDC-0CD5F5F1FFC5}"/>
+                <a16:creationId xmlns:a16="http://schemas.microsoft.com/office/drawing/2014/main" id="{67BBED58-9080-426C-AFDC-0CD5F5F1FFC5}"/>
               </a:ext>
             </a:extLst>
           </p:cNvPr>
@@ -30701,7 +30709,7 @@
           <p:cNvPr id="10" name="Content Placeholder 9">
             <a:extLst>
               <a:ext uri="{FF2B5EF4-FFF2-40B4-BE49-F238E27FC236}">
-                <a16:creationId xmlns:a16="http://schemas.microsoft.com/office/drawing/2014/main" xmlns="" id="{0BC24ACA-0AD1-4800-80FC-F5012EA05DE2}"/>
+                <a16:creationId xmlns:a16="http://schemas.microsoft.com/office/drawing/2014/main" id="{0BC24ACA-0AD1-4800-80FC-F5012EA05DE2}"/>
               </a:ext>
             </a:extLst>
           </p:cNvPr>
@@ -30733,7 +30741,7 @@
           <p:cNvPr id="11" name="Content Placeholder 10">
             <a:extLst>
               <a:ext uri="{FF2B5EF4-FFF2-40B4-BE49-F238E27FC236}">
-                <a16:creationId xmlns:a16="http://schemas.microsoft.com/office/drawing/2014/main" xmlns="" id="{53F8B10E-AFE1-4F3E-9873-829127492236}"/>
+                <a16:creationId xmlns:a16="http://schemas.microsoft.com/office/drawing/2014/main" id="{53F8B10E-AFE1-4F3E-9873-829127492236}"/>
               </a:ext>
             </a:extLst>
           </p:cNvPr>
@@ -30765,7 +30773,7 @@
           <p:cNvPr id="12" name="Text Placeholder 2">
             <a:extLst>
               <a:ext uri="{FF2B5EF4-FFF2-40B4-BE49-F238E27FC236}">
-                <a16:creationId xmlns:a16="http://schemas.microsoft.com/office/drawing/2014/main" xmlns="" id="{2BAC9C7B-B87C-450F-8527-DF518DE21673}"/>
+                <a16:creationId xmlns:a16="http://schemas.microsoft.com/office/drawing/2014/main" id="{2BAC9C7B-B87C-450F-8527-DF518DE21673}"/>
               </a:ext>
             </a:extLst>
           </p:cNvPr>
@@ -30987,7 +30995,7 @@
           <p:cNvPr id="14" name="Text Placeholder 2">
             <a:extLst>
               <a:ext uri="{FF2B5EF4-FFF2-40B4-BE49-F238E27FC236}">
-                <a16:creationId xmlns:a16="http://schemas.microsoft.com/office/drawing/2014/main" xmlns="" id="{4A7F87C1-05E8-4B54-8F5C-4DBBC3257109}"/>
+                <a16:creationId xmlns:a16="http://schemas.microsoft.com/office/drawing/2014/main" id="{4A7F87C1-05E8-4B54-8F5C-4DBBC3257109}"/>
               </a:ext>
             </a:extLst>
           </p:cNvPr>
@@ -31225,7 +31233,7 @@
           <p:cNvPr id="15" name="Text Placeholder 2">
             <a:extLst>
               <a:ext uri="{FF2B5EF4-FFF2-40B4-BE49-F238E27FC236}">
-                <a16:creationId xmlns:a16="http://schemas.microsoft.com/office/drawing/2014/main" xmlns="" id="{72DCAEDF-60B4-4AA9-BCFC-224396895560}"/>
+                <a16:creationId xmlns:a16="http://schemas.microsoft.com/office/drawing/2014/main" id="{72DCAEDF-60B4-4AA9-BCFC-224396895560}"/>
               </a:ext>
             </a:extLst>
           </p:cNvPr>
@@ -31470,7 +31478,7 @@
           <p:cNvPr id="13" name="Picture Placeholder 12" descr="Picture placeholder">
             <a:extLst>
               <a:ext uri="{FF2B5EF4-FFF2-40B4-BE49-F238E27FC236}">
-                <a16:creationId xmlns:a16="http://schemas.microsoft.com/office/drawing/2014/main" xmlns="" id="{588C9C3E-7C4B-EA46-9848-A17249AC33B1}"/>
+                <a16:creationId xmlns:a16="http://schemas.microsoft.com/office/drawing/2014/main" id="{588C9C3E-7C4B-EA46-9848-A17249AC33B1}"/>
               </a:ext>
             </a:extLst>
           </p:cNvPr>
@@ -31501,10 +31509,10 @@
           <p:cNvPr id="15" name="Freeform 5" descr="Hollow accent">
             <a:extLst>
               <a:ext uri="{FF2B5EF4-FFF2-40B4-BE49-F238E27FC236}">
-                <a16:creationId xmlns:a16="http://schemas.microsoft.com/office/drawing/2014/main" xmlns="" id="{10117390-DCFE-4FAE-B3FD-DAECFE779A27}"/>
+                <a16:creationId xmlns:a16="http://schemas.microsoft.com/office/drawing/2014/main" id="{10117390-DCFE-4FAE-B3FD-DAECFE779A27}"/>
               </a:ext>
               <a:ext uri="{C183D7F6-B498-43B3-948B-1728B52AA6E4}">
-                <adec:decorative xmlns:adec="http://schemas.microsoft.com/office/drawing/2017/decorative" xmlns="" val="1"/>
+                <adec:decorative xmlns:adec="http://schemas.microsoft.com/office/drawing/2017/decorative" val="1"/>
               </a:ext>
             </a:extLst>
           </p:cNvPr>
@@ -31690,10 +31698,10 @@
           <p:cNvPr id="31" name="TextBox 30" descr="Flag accent to title">
             <a:extLst>
               <a:ext uri="{FF2B5EF4-FFF2-40B4-BE49-F238E27FC236}">
-                <a16:creationId xmlns:a16="http://schemas.microsoft.com/office/drawing/2014/main" xmlns="" id="{8FC2E368-898A-440B-A15C-4C5FB13C57D2}"/>
+                <a16:creationId xmlns:a16="http://schemas.microsoft.com/office/drawing/2014/main" id="{8FC2E368-898A-440B-A15C-4C5FB13C57D2}"/>
               </a:ext>
               <a:ext uri="{C183D7F6-B498-43B3-948B-1728B52AA6E4}">
-                <adec:decorative xmlns:adec="http://schemas.microsoft.com/office/drawing/2017/decorative" xmlns="" val="1"/>
+                <adec:decorative xmlns:adec="http://schemas.microsoft.com/office/drawing/2017/decorative" val="1"/>
               </a:ext>
             </a:extLst>
           </p:cNvPr>
@@ -32066,10 +32074,10 @@
           <p:cNvPr id="21" name="Isosceles Triangle 20" descr="Shadow accent to title">
             <a:extLst>
               <a:ext uri="{FF2B5EF4-FFF2-40B4-BE49-F238E27FC236}">
-                <a16:creationId xmlns:a16="http://schemas.microsoft.com/office/drawing/2014/main" xmlns="" id="{59A98ED3-718C-409B-BC1D-07842F9F58EB}"/>
+                <a16:creationId xmlns:a16="http://schemas.microsoft.com/office/drawing/2014/main" id="{59A98ED3-718C-409B-BC1D-07842F9F58EB}"/>
               </a:ext>
               <a:ext uri="{C183D7F6-B498-43B3-948B-1728B52AA6E4}">
-                <adec:decorative xmlns:adec="http://schemas.microsoft.com/office/drawing/2017/decorative" xmlns="" val="1"/>
+                <adec:decorative xmlns:adec="http://schemas.microsoft.com/office/drawing/2017/decorative" val="1"/>
               </a:ext>
             </a:extLst>
           </p:cNvPr>
@@ -32128,7 +32136,7 @@
           <p:cNvPr id="3" name="Title 2">
             <a:extLst>
               <a:ext uri="{FF2B5EF4-FFF2-40B4-BE49-F238E27FC236}">
-                <a16:creationId xmlns:a16="http://schemas.microsoft.com/office/drawing/2014/main" xmlns="" id="{200B3D2B-613A-41BE-987D-E6A1324B456D}"/>
+                <a16:creationId xmlns:a16="http://schemas.microsoft.com/office/drawing/2014/main" id="{200B3D2B-613A-41BE-987D-E6A1324B456D}"/>
               </a:ext>
             </a:extLst>
           </p:cNvPr>
@@ -32172,7 +32180,7 @@
           <p:cNvPr id="4" name="Subtitle 3">
             <a:extLst>
               <a:ext uri="{FF2B5EF4-FFF2-40B4-BE49-F238E27FC236}">
-                <a16:creationId xmlns:a16="http://schemas.microsoft.com/office/drawing/2014/main" xmlns="" id="{4772945D-CA91-4CFE-8EB7-941C7618C994}"/>
+                <a16:creationId xmlns:a16="http://schemas.microsoft.com/office/drawing/2014/main" id="{4772945D-CA91-4CFE-8EB7-941C7618C994}"/>
               </a:ext>
             </a:extLst>
           </p:cNvPr>
@@ -32205,7 +32213,7 @@
           <p:cNvPr id="5" name="Slide Number Placeholder 4">
             <a:extLst>
               <a:ext uri="{FF2B5EF4-FFF2-40B4-BE49-F238E27FC236}">
-                <a16:creationId xmlns:a16="http://schemas.microsoft.com/office/drawing/2014/main" xmlns="" id="{F6964141-6F81-4947-A236-746D94ED3F6F}"/>
+                <a16:creationId xmlns:a16="http://schemas.microsoft.com/office/drawing/2014/main" id="{F6964141-6F81-4947-A236-746D94ED3F6F}"/>
               </a:ext>
             </a:extLst>
           </p:cNvPr>
@@ -32270,7 +32278,7 @@
           <p:cNvPr id="2" name="Title 1">
             <a:extLst>
               <a:ext uri="{FF2B5EF4-FFF2-40B4-BE49-F238E27FC236}">
-                <a16:creationId xmlns:a16="http://schemas.microsoft.com/office/drawing/2014/main" xmlns="" id="{20D258B3-8709-4657-BF86-E4A5F1B489F2}"/>
+                <a16:creationId xmlns:a16="http://schemas.microsoft.com/office/drawing/2014/main" id="{20D258B3-8709-4657-BF86-E4A5F1B489F2}"/>
               </a:ext>
             </a:extLst>
           </p:cNvPr>
@@ -32299,7 +32307,7 @@
           <p:cNvPr id="3" name="Text Placeholder 2">
             <a:extLst>
               <a:ext uri="{FF2B5EF4-FFF2-40B4-BE49-F238E27FC236}">
-                <a16:creationId xmlns:a16="http://schemas.microsoft.com/office/drawing/2014/main" xmlns="" id="{24F8BA2E-AF5F-4155-8432-2D08FDCB1B6E}"/>
+                <a16:creationId xmlns:a16="http://schemas.microsoft.com/office/drawing/2014/main" id="{24F8BA2E-AF5F-4155-8432-2D08FDCB1B6E}"/>
               </a:ext>
             </a:extLst>
           </p:cNvPr>
@@ -32384,7 +32392,7 @@
           <p:cNvPr id="9" name="Content Placeholder 8">
             <a:extLst>
               <a:ext uri="{FF2B5EF4-FFF2-40B4-BE49-F238E27FC236}">
-                <a16:creationId xmlns:a16="http://schemas.microsoft.com/office/drawing/2014/main" xmlns="" id="{917076E9-5220-498E-87B9-5B01E61E4A14}"/>
+                <a16:creationId xmlns:a16="http://schemas.microsoft.com/office/drawing/2014/main" id="{917076E9-5220-498E-87B9-5B01E61E4A14}"/>
               </a:ext>
             </a:extLst>
           </p:cNvPr>
@@ -32416,7 +32424,7 @@
           <p:cNvPr id="5" name="Slide Number Placeholder 4">
             <a:extLst>
               <a:ext uri="{FF2B5EF4-FFF2-40B4-BE49-F238E27FC236}">
-                <a16:creationId xmlns:a16="http://schemas.microsoft.com/office/drawing/2014/main" xmlns="" id="{67BBED58-9080-426C-AFDC-0CD5F5F1FFC5}"/>
+                <a16:creationId xmlns:a16="http://schemas.microsoft.com/office/drawing/2014/main" id="{67BBED58-9080-426C-AFDC-0CD5F5F1FFC5}"/>
               </a:ext>
             </a:extLst>
           </p:cNvPr>
@@ -32446,7 +32454,7 @@
           <p:cNvPr id="10" name="Content Placeholder 9">
             <a:extLst>
               <a:ext uri="{FF2B5EF4-FFF2-40B4-BE49-F238E27FC236}">
-                <a16:creationId xmlns:a16="http://schemas.microsoft.com/office/drawing/2014/main" xmlns="" id="{0BC24ACA-0AD1-4800-80FC-F5012EA05DE2}"/>
+                <a16:creationId xmlns:a16="http://schemas.microsoft.com/office/drawing/2014/main" id="{0BC24ACA-0AD1-4800-80FC-F5012EA05DE2}"/>
               </a:ext>
             </a:extLst>
           </p:cNvPr>
@@ -32478,7 +32486,7 @@
           <p:cNvPr id="11" name="Content Placeholder 10">
             <a:extLst>
               <a:ext uri="{FF2B5EF4-FFF2-40B4-BE49-F238E27FC236}">
-                <a16:creationId xmlns:a16="http://schemas.microsoft.com/office/drawing/2014/main" xmlns="" id="{53F8B10E-AFE1-4F3E-9873-829127492236}"/>
+                <a16:creationId xmlns:a16="http://schemas.microsoft.com/office/drawing/2014/main" id="{53F8B10E-AFE1-4F3E-9873-829127492236}"/>
               </a:ext>
             </a:extLst>
           </p:cNvPr>
@@ -32510,7 +32518,7 @@
           <p:cNvPr id="12" name="Text Placeholder 2">
             <a:extLst>
               <a:ext uri="{FF2B5EF4-FFF2-40B4-BE49-F238E27FC236}">
-                <a16:creationId xmlns:a16="http://schemas.microsoft.com/office/drawing/2014/main" xmlns="" id="{2BAC9C7B-B87C-450F-8527-DF518DE21673}"/>
+                <a16:creationId xmlns:a16="http://schemas.microsoft.com/office/drawing/2014/main" id="{2BAC9C7B-B87C-450F-8527-DF518DE21673}"/>
               </a:ext>
             </a:extLst>
           </p:cNvPr>
@@ -32732,7 +32740,7 @@
           <p:cNvPr id="14" name="Text Placeholder 2">
             <a:extLst>
               <a:ext uri="{FF2B5EF4-FFF2-40B4-BE49-F238E27FC236}">
-                <a16:creationId xmlns:a16="http://schemas.microsoft.com/office/drawing/2014/main" xmlns="" id="{4A7F87C1-05E8-4B54-8F5C-4DBBC3257109}"/>
+                <a16:creationId xmlns:a16="http://schemas.microsoft.com/office/drawing/2014/main" id="{4A7F87C1-05E8-4B54-8F5C-4DBBC3257109}"/>
               </a:ext>
             </a:extLst>
           </p:cNvPr>
@@ -32970,7 +32978,7 @@
           <p:cNvPr id="15" name="Text Placeholder 2">
             <a:extLst>
               <a:ext uri="{FF2B5EF4-FFF2-40B4-BE49-F238E27FC236}">
-                <a16:creationId xmlns:a16="http://schemas.microsoft.com/office/drawing/2014/main" xmlns="" id="{72DCAEDF-60B4-4AA9-BCFC-224396895560}"/>
+                <a16:creationId xmlns:a16="http://schemas.microsoft.com/office/drawing/2014/main" id="{72DCAEDF-60B4-4AA9-BCFC-224396895560}"/>
               </a:ext>
             </a:extLst>
           </p:cNvPr>
@@ -33215,7 +33223,7 @@
           <p:cNvPr id="2" name="Title 1">
             <a:extLst>
               <a:ext uri="{FF2B5EF4-FFF2-40B4-BE49-F238E27FC236}">
-                <a16:creationId xmlns:a16="http://schemas.microsoft.com/office/drawing/2014/main" xmlns="" id="{CCE34912-ED8C-4352-B914-60CB7020BFAF}"/>
+                <a16:creationId xmlns:a16="http://schemas.microsoft.com/office/drawing/2014/main" id="{CCE34912-ED8C-4352-B914-60CB7020BFAF}"/>
               </a:ext>
             </a:extLst>
           </p:cNvPr>
@@ -33263,7 +33271,7 @@
           <p:cNvPr id="3" name="Slide Number Placeholder 2">
             <a:extLst>
               <a:ext uri="{FF2B5EF4-FFF2-40B4-BE49-F238E27FC236}">
-                <a16:creationId xmlns:a16="http://schemas.microsoft.com/office/drawing/2014/main" xmlns="" id="{6EFF5D8D-B96C-4C1E-AF03-5E92289C7099}"/>
+                <a16:creationId xmlns:a16="http://schemas.microsoft.com/office/drawing/2014/main" id="{6EFF5D8D-B96C-4C1E-AF03-5E92289C7099}"/>
               </a:ext>
             </a:extLst>
           </p:cNvPr>
@@ -33293,7 +33301,7 @@
           <p:cNvPr id="4" name="Text Placeholder 3">
             <a:extLst>
               <a:ext uri="{FF2B5EF4-FFF2-40B4-BE49-F238E27FC236}">
-                <a16:creationId xmlns:a16="http://schemas.microsoft.com/office/drawing/2014/main" xmlns="" id="{2658F648-7264-4DC9-9D15-5950B94C5E03}"/>
+                <a16:creationId xmlns:a16="http://schemas.microsoft.com/office/drawing/2014/main" id="{2658F648-7264-4DC9-9D15-5950B94C5E03}"/>
               </a:ext>
             </a:extLst>
           </p:cNvPr>
@@ -33331,7 +33339,7 @@
           <p:cNvPr id="6" name="Content Placeholder 15">
             <a:extLst>
               <a:ext uri="{FF2B5EF4-FFF2-40B4-BE49-F238E27FC236}">
-                <a16:creationId xmlns:a16="http://schemas.microsoft.com/office/drawing/2014/main" xmlns="" id="{FBBCC382-FA37-450F-8F2E-10578E9296AC}"/>
+                <a16:creationId xmlns:a16="http://schemas.microsoft.com/office/drawing/2014/main" id="{FBBCC382-FA37-450F-8F2E-10578E9296AC}"/>
               </a:ext>
             </a:extLst>
           </p:cNvPr>
@@ -33393,7 +33401,7 @@
           <p:cNvPr id="2" name="Title 1">
             <a:extLst>
               <a:ext uri="{FF2B5EF4-FFF2-40B4-BE49-F238E27FC236}">
-                <a16:creationId xmlns:a16="http://schemas.microsoft.com/office/drawing/2014/main" xmlns="" id="{25451383-2462-4D32-ACB2-11A62CEA0CDA}"/>
+                <a16:creationId xmlns:a16="http://schemas.microsoft.com/office/drawing/2014/main" id="{25451383-2462-4D32-ACB2-11A62CEA0CDA}"/>
               </a:ext>
             </a:extLst>
           </p:cNvPr>
@@ -33433,7 +33441,7 @@
           <p:cNvPr id="3" name="Slide Number Placeholder 2">
             <a:extLst>
               <a:ext uri="{FF2B5EF4-FFF2-40B4-BE49-F238E27FC236}">
-                <a16:creationId xmlns:a16="http://schemas.microsoft.com/office/drawing/2014/main" xmlns="" id="{991B1AB6-BF8B-499B-BC0D-400E5279974D}"/>
+                <a16:creationId xmlns:a16="http://schemas.microsoft.com/office/drawing/2014/main" id="{991B1AB6-BF8B-499B-BC0D-400E5279974D}"/>
               </a:ext>
             </a:extLst>
           </p:cNvPr>
@@ -33463,7 +33471,7 @@
           <p:cNvPr id="4" name="Text Placeholder 3">
             <a:extLst>
               <a:ext uri="{FF2B5EF4-FFF2-40B4-BE49-F238E27FC236}">
-                <a16:creationId xmlns:a16="http://schemas.microsoft.com/office/drawing/2014/main" xmlns="" id="{70AE1609-5D94-4F7D-98BF-941D9722339A}"/>
+                <a16:creationId xmlns:a16="http://schemas.microsoft.com/office/drawing/2014/main" id="{70AE1609-5D94-4F7D-98BF-941D9722339A}"/>
               </a:ext>
             </a:extLst>
           </p:cNvPr>
@@ -33575,7 +33583,7 @@
           <p:cNvPr id="6" name="Content Placeholder 5">
             <a:extLst>
               <a:ext uri="{FF2B5EF4-FFF2-40B4-BE49-F238E27FC236}">
-                <a16:creationId xmlns:a16="http://schemas.microsoft.com/office/drawing/2014/main" xmlns="" id="{FB2C834F-6A47-4090-9D69-9C2088D75F37}"/>
+                <a16:creationId xmlns:a16="http://schemas.microsoft.com/office/drawing/2014/main" id="{FB2C834F-6A47-4090-9D69-9C2088D75F37}"/>
               </a:ext>
             </a:extLst>
           </p:cNvPr>
@@ -33637,7 +33645,7 @@
           <p:cNvPr id="2" name="Title 1">
             <a:extLst>
               <a:ext uri="{FF2B5EF4-FFF2-40B4-BE49-F238E27FC236}">
-                <a16:creationId xmlns:a16="http://schemas.microsoft.com/office/drawing/2014/main" xmlns="" id="{8B09B525-6346-44C8-BF50-6096471DC3AB}"/>
+                <a16:creationId xmlns:a16="http://schemas.microsoft.com/office/drawing/2014/main" id="{8B09B525-6346-44C8-BF50-6096471DC3AB}"/>
               </a:ext>
             </a:extLst>
           </p:cNvPr>
@@ -33677,7 +33685,7 @@
           <p:cNvPr id="3" name="Slide Number Placeholder 2">
             <a:extLst>
               <a:ext uri="{FF2B5EF4-FFF2-40B4-BE49-F238E27FC236}">
-                <a16:creationId xmlns:a16="http://schemas.microsoft.com/office/drawing/2014/main" xmlns="" id="{75421D5C-2954-49E2-9B57-E8F6D1753563}"/>
+                <a16:creationId xmlns:a16="http://schemas.microsoft.com/office/drawing/2014/main" id="{75421D5C-2954-49E2-9B57-E8F6D1753563}"/>
               </a:ext>
             </a:extLst>
           </p:cNvPr>
@@ -33707,7 +33715,7 @@
           <p:cNvPr id="4" name="Text Placeholder 3">
             <a:extLst>
               <a:ext uri="{FF2B5EF4-FFF2-40B4-BE49-F238E27FC236}">
-                <a16:creationId xmlns:a16="http://schemas.microsoft.com/office/drawing/2014/main" xmlns="" id="{36B26728-2374-4F21-8127-88A03D11BB6E}"/>
+                <a16:creationId xmlns:a16="http://schemas.microsoft.com/office/drawing/2014/main" id="{36B26728-2374-4F21-8127-88A03D11BB6E}"/>
               </a:ext>
             </a:extLst>
           </p:cNvPr>
@@ -33747,7 +33755,7 @@
           <p:cNvPr id="6" name="Content Placeholder 5">
             <a:extLst>
               <a:ext uri="{FF2B5EF4-FFF2-40B4-BE49-F238E27FC236}">
-                <a16:creationId xmlns:a16="http://schemas.microsoft.com/office/drawing/2014/main" xmlns="" id="{F198C601-B51C-41F8-8D63-9F9A17BD7962}"/>
+                <a16:creationId xmlns:a16="http://schemas.microsoft.com/office/drawing/2014/main" id="{F198C601-B51C-41F8-8D63-9F9A17BD7962}"/>
               </a:ext>
             </a:extLst>
           </p:cNvPr>
@@ -33809,7 +33817,7 @@
           <p:cNvPr id="2" name="Title 1">
             <a:extLst>
               <a:ext uri="{FF2B5EF4-FFF2-40B4-BE49-F238E27FC236}">
-                <a16:creationId xmlns:a16="http://schemas.microsoft.com/office/drawing/2014/main" xmlns="" id="{CCBFB078-C7A7-48EB-A9D1-E1E0C0CA4352}"/>
+                <a16:creationId xmlns:a16="http://schemas.microsoft.com/office/drawing/2014/main" id="{CCBFB078-C7A7-48EB-A9D1-E1E0C0CA4352}"/>
               </a:ext>
             </a:extLst>
           </p:cNvPr>
@@ -33838,7 +33846,7 @@
           <p:cNvPr id="3" name="Text Placeholder 2">
             <a:extLst>
               <a:ext uri="{FF2B5EF4-FFF2-40B4-BE49-F238E27FC236}">
-                <a16:creationId xmlns:a16="http://schemas.microsoft.com/office/drawing/2014/main" xmlns="" id="{5A16A2C4-3DA2-47FA-BF35-C0270682B2CF}"/>
+                <a16:creationId xmlns:a16="http://schemas.microsoft.com/office/drawing/2014/main" id="{5A16A2C4-3DA2-47FA-BF35-C0270682B2CF}"/>
               </a:ext>
             </a:extLst>
           </p:cNvPr>
@@ -33959,7 +33967,7 @@
           <p:cNvPr id="4" name="Slide Number Placeholder 3">
             <a:extLst>
               <a:ext uri="{FF2B5EF4-FFF2-40B4-BE49-F238E27FC236}">
-                <a16:creationId xmlns:a16="http://schemas.microsoft.com/office/drawing/2014/main" xmlns="" id="{39F4F925-47D3-41FB-A71A-1661CD3497C1}"/>
+                <a16:creationId xmlns:a16="http://schemas.microsoft.com/office/drawing/2014/main" id="{39F4F925-47D3-41FB-A71A-1661CD3497C1}"/>
               </a:ext>
             </a:extLst>
           </p:cNvPr>
@@ -33989,7 +33997,7 @@
           <p:cNvPr id="5" name="Picture 4">
             <a:extLst>
               <a:ext uri="{FF2B5EF4-FFF2-40B4-BE49-F238E27FC236}">
-                <a16:creationId xmlns:a16="http://schemas.microsoft.com/office/drawing/2014/main" xmlns="" id="{932FDAF5-E12D-43BF-B6AB-C4883BD232A0}"/>
+                <a16:creationId xmlns:a16="http://schemas.microsoft.com/office/drawing/2014/main" id="{932FDAF5-E12D-43BF-B6AB-C4883BD232A0}"/>
               </a:ext>
             </a:extLst>
           </p:cNvPr>
@@ -34019,7 +34027,7 @@
           <p:cNvPr id="6" name="TextBox 5">
             <a:extLst>
               <a:ext uri="{FF2B5EF4-FFF2-40B4-BE49-F238E27FC236}">
-                <a16:creationId xmlns:a16="http://schemas.microsoft.com/office/drawing/2014/main" xmlns="" id="{3A59F385-6735-4072-A904-75B48FA89A7B}"/>
+                <a16:creationId xmlns:a16="http://schemas.microsoft.com/office/drawing/2014/main" id="{3A59F385-6735-4072-A904-75B48FA89A7B}"/>
               </a:ext>
             </a:extLst>
           </p:cNvPr>
@@ -34096,7 +34104,7 @@
           <p:cNvPr id="2" name="Title 1">
             <a:extLst>
               <a:ext uri="{FF2B5EF4-FFF2-40B4-BE49-F238E27FC236}">
-                <a16:creationId xmlns:a16="http://schemas.microsoft.com/office/drawing/2014/main" xmlns="" id="{C90A3345-0EB5-4351-A66A-915D3712D0C2}"/>
+                <a16:creationId xmlns:a16="http://schemas.microsoft.com/office/drawing/2014/main" id="{C90A3345-0EB5-4351-A66A-915D3712D0C2}"/>
               </a:ext>
             </a:extLst>
           </p:cNvPr>
@@ -34133,7 +34141,7 @@
           <p:cNvPr id="3" name="Slide Number Placeholder 2">
             <a:extLst>
               <a:ext uri="{FF2B5EF4-FFF2-40B4-BE49-F238E27FC236}">
-                <a16:creationId xmlns:a16="http://schemas.microsoft.com/office/drawing/2014/main" xmlns="" id="{D6C96993-6D45-4BDD-856A-52E257DEE139}"/>
+                <a16:creationId xmlns:a16="http://schemas.microsoft.com/office/drawing/2014/main" id="{D6C96993-6D45-4BDD-856A-52E257DEE139}"/>
               </a:ext>
             </a:extLst>
           </p:cNvPr>
@@ -34163,7 +34171,7 @@
           <p:cNvPr id="4" name="Text Placeholder 3">
             <a:extLst>
               <a:ext uri="{FF2B5EF4-FFF2-40B4-BE49-F238E27FC236}">
-                <a16:creationId xmlns:a16="http://schemas.microsoft.com/office/drawing/2014/main" xmlns="" id="{84B0D6E6-E5FB-4020-82BF-12EDA6A29199}"/>
+                <a16:creationId xmlns:a16="http://schemas.microsoft.com/office/drawing/2014/main" id="{84B0D6E6-E5FB-4020-82BF-12EDA6A29199}"/>
               </a:ext>
             </a:extLst>
           </p:cNvPr>
@@ -34319,7 +34327,7 @@
           <p:cNvPr id="7" name="Content Placeholder 6">
             <a:extLst>
               <a:ext uri="{FF2B5EF4-FFF2-40B4-BE49-F238E27FC236}">
-                <a16:creationId xmlns:a16="http://schemas.microsoft.com/office/drawing/2014/main" xmlns="" id="{C952C09D-C5FA-473C-8F0D-082D8300F206}"/>
+                <a16:creationId xmlns:a16="http://schemas.microsoft.com/office/drawing/2014/main" id="{C952C09D-C5FA-473C-8F0D-082D8300F206}"/>
               </a:ext>
             </a:extLst>
           </p:cNvPr>
@@ -34381,7 +34389,7 @@
           <p:cNvPr id="2" name="Title 1">
             <a:extLst>
               <a:ext uri="{FF2B5EF4-FFF2-40B4-BE49-F238E27FC236}">
-                <a16:creationId xmlns:a16="http://schemas.microsoft.com/office/drawing/2014/main" xmlns="" id="{8F2B7A6F-AEDC-4C75-8F8C-E759CBBF0AD6}"/>
+                <a16:creationId xmlns:a16="http://schemas.microsoft.com/office/drawing/2014/main" id="{8F2B7A6F-AEDC-4C75-8F8C-E759CBBF0AD6}"/>
               </a:ext>
             </a:extLst>
           </p:cNvPr>
@@ -34409,7 +34417,7 @@
           <p:cNvPr id="3" name="Slide Number Placeholder 2">
             <a:extLst>
               <a:ext uri="{FF2B5EF4-FFF2-40B4-BE49-F238E27FC236}">
-                <a16:creationId xmlns:a16="http://schemas.microsoft.com/office/drawing/2014/main" xmlns="" id="{9E401B51-5869-4A86-81D9-A96468C0BE65}"/>
+                <a16:creationId xmlns:a16="http://schemas.microsoft.com/office/drawing/2014/main" id="{9E401B51-5869-4A86-81D9-A96468C0BE65}"/>
               </a:ext>
             </a:extLst>
           </p:cNvPr>
@@ -34439,7 +34447,7 @@
           <p:cNvPr id="4" name="Text Placeholder 3">
             <a:extLst>
               <a:ext uri="{FF2B5EF4-FFF2-40B4-BE49-F238E27FC236}">
-                <a16:creationId xmlns:a16="http://schemas.microsoft.com/office/drawing/2014/main" xmlns="" id="{182B127B-5D6B-42C3-9FCF-79BD2341B0C2}"/>
+                <a16:creationId xmlns:a16="http://schemas.microsoft.com/office/drawing/2014/main" id="{182B127B-5D6B-42C3-9FCF-79BD2341B0C2}"/>
               </a:ext>
             </a:extLst>
           </p:cNvPr>
@@ -34543,7 +34551,7 @@
           <p:cNvPr id="6" name="Content Placeholder 5">
             <a:extLst>
               <a:ext uri="{FF2B5EF4-FFF2-40B4-BE49-F238E27FC236}">
-                <a16:creationId xmlns:a16="http://schemas.microsoft.com/office/drawing/2014/main" xmlns="" id="{8448C8CF-2388-4BAC-9B70-C5BDE40FCF15}"/>
+                <a16:creationId xmlns:a16="http://schemas.microsoft.com/office/drawing/2014/main" id="{8448C8CF-2388-4BAC-9B70-C5BDE40FCF15}"/>
               </a:ext>
             </a:extLst>
           </p:cNvPr>
@@ -34605,7 +34613,7 @@
           <p:cNvPr id="2" name="Title 1">
             <a:extLst>
               <a:ext uri="{FF2B5EF4-FFF2-40B4-BE49-F238E27FC236}">
-                <a16:creationId xmlns:a16="http://schemas.microsoft.com/office/drawing/2014/main" xmlns="" id="{ECEED35A-9476-46F9-82B7-B4CECF08E5C5}"/>
+                <a16:creationId xmlns:a16="http://schemas.microsoft.com/office/drawing/2014/main" id="{ECEED35A-9476-46F9-82B7-B4CECF08E5C5}"/>
               </a:ext>
             </a:extLst>
           </p:cNvPr>
@@ -34634,7 +34642,7 @@
           <p:cNvPr id="3" name="Text Placeholder 2">
             <a:extLst>
               <a:ext uri="{FF2B5EF4-FFF2-40B4-BE49-F238E27FC236}">
-                <a16:creationId xmlns:a16="http://schemas.microsoft.com/office/drawing/2014/main" xmlns="" id="{DEDF6F0F-E148-4339-A7CE-3C22BE7E169E}"/>
+                <a16:creationId xmlns:a16="http://schemas.microsoft.com/office/drawing/2014/main" id="{DEDF6F0F-E148-4339-A7CE-3C22BE7E169E}"/>
               </a:ext>
             </a:extLst>
           </p:cNvPr>
@@ -34786,7 +34794,7 @@
           <p:cNvPr id="4" name="Slide Number Placeholder 3">
             <a:extLst>
               <a:ext uri="{FF2B5EF4-FFF2-40B4-BE49-F238E27FC236}">
-                <a16:creationId xmlns:a16="http://schemas.microsoft.com/office/drawing/2014/main" xmlns="" id="{AC34D650-B7CE-41E2-8DF5-C51145619BC1}"/>
+                <a16:creationId xmlns:a16="http://schemas.microsoft.com/office/drawing/2014/main" id="{AC34D650-B7CE-41E2-8DF5-C51145619BC1}"/>
               </a:ext>
             </a:extLst>
           </p:cNvPr>
@@ -34816,7 +34824,7 @@
           <p:cNvPr id="5" name="Picture 4">
             <a:extLst>
               <a:ext uri="{FF2B5EF4-FFF2-40B4-BE49-F238E27FC236}">
-                <a16:creationId xmlns:a16="http://schemas.microsoft.com/office/drawing/2014/main" xmlns="" id="{185F1911-0A4F-4C74-9E96-08E4401F7417}"/>
+                <a16:creationId xmlns:a16="http://schemas.microsoft.com/office/drawing/2014/main" id="{185F1911-0A4F-4C74-9E96-08E4401F7417}"/>
               </a:ext>
             </a:extLst>
           </p:cNvPr>
@@ -34876,7 +34884,7 @@
           <p:cNvPr id="2" name="Title 1">
             <a:extLst>
               <a:ext uri="{FF2B5EF4-FFF2-40B4-BE49-F238E27FC236}">
-                <a16:creationId xmlns:a16="http://schemas.microsoft.com/office/drawing/2014/main" xmlns="" id="{4A03BCA4-52B9-47B2-86EE-E649D1501682}"/>
+                <a16:creationId xmlns:a16="http://schemas.microsoft.com/office/drawing/2014/main" id="{4A03BCA4-52B9-47B2-86EE-E649D1501682}"/>
               </a:ext>
             </a:extLst>
           </p:cNvPr>
@@ -34908,7 +34916,7 @@
           <p:cNvPr id="3" name="Slide Number Placeholder 2">
             <a:extLst>
               <a:ext uri="{FF2B5EF4-FFF2-40B4-BE49-F238E27FC236}">
-                <a16:creationId xmlns:a16="http://schemas.microsoft.com/office/drawing/2014/main" xmlns="" id="{5B1C57EE-3EBE-4734-B11A-6F13BE6C3C52}"/>
+                <a16:creationId xmlns:a16="http://schemas.microsoft.com/office/drawing/2014/main" id="{5B1C57EE-3EBE-4734-B11A-6F13BE6C3C52}"/>
               </a:ext>
             </a:extLst>
           </p:cNvPr>
@@ -34938,7 +34946,7 @@
           <p:cNvPr id="4" name="Text Placeholder 3">
             <a:extLst>
               <a:ext uri="{FF2B5EF4-FFF2-40B4-BE49-F238E27FC236}">
-                <a16:creationId xmlns:a16="http://schemas.microsoft.com/office/drawing/2014/main" xmlns="" id="{5B5B8587-4300-48B4-9D45-59C7F1277C1B}"/>
+                <a16:creationId xmlns:a16="http://schemas.microsoft.com/office/drawing/2014/main" id="{5B5B8587-4300-48B4-9D45-59C7F1277C1B}"/>
               </a:ext>
             </a:extLst>
           </p:cNvPr>
@@ -35128,7 +35136,7 @@
           <p:cNvPr id="6" name="Content Placeholder 5">
             <a:extLst>
               <a:ext uri="{FF2B5EF4-FFF2-40B4-BE49-F238E27FC236}">
-                <a16:creationId xmlns:a16="http://schemas.microsoft.com/office/drawing/2014/main" xmlns="" id="{4633B8AD-0B2B-4F2D-ACF3-A2EEF6F43599}"/>
+                <a16:creationId xmlns:a16="http://schemas.microsoft.com/office/drawing/2014/main" id="{4633B8AD-0B2B-4F2D-ACF3-A2EEF6F43599}"/>
               </a:ext>
             </a:extLst>
           </p:cNvPr>
@@ -35190,7 +35198,7 @@
           <p:cNvPr id="2" name="Title 1">
             <a:extLst>
               <a:ext uri="{FF2B5EF4-FFF2-40B4-BE49-F238E27FC236}">
-                <a16:creationId xmlns:a16="http://schemas.microsoft.com/office/drawing/2014/main" xmlns="" id="{C5CBB4E8-DECF-49F1-8801-EA38E3E40435}"/>
+                <a16:creationId xmlns:a16="http://schemas.microsoft.com/office/drawing/2014/main" id="{C5CBB4E8-DECF-49F1-8801-EA38E3E40435}"/>
               </a:ext>
             </a:extLst>
           </p:cNvPr>
@@ -35222,7 +35230,7 @@
           <p:cNvPr id="3" name="Slide Number Placeholder 2">
             <a:extLst>
               <a:ext uri="{FF2B5EF4-FFF2-40B4-BE49-F238E27FC236}">
-                <a16:creationId xmlns:a16="http://schemas.microsoft.com/office/drawing/2014/main" xmlns="" id="{0696729A-C1CF-4850-8414-FBCCBF055800}"/>
+                <a16:creationId xmlns:a16="http://schemas.microsoft.com/office/drawing/2014/main" id="{0696729A-C1CF-4850-8414-FBCCBF055800}"/>
               </a:ext>
             </a:extLst>
           </p:cNvPr>
@@ -35252,7 +35260,7 @@
           <p:cNvPr id="4" name="Text Placeholder 3">
             <a:extLst>
               <a:ext uri="{FF2B5EF4-FFF2-40B4-BE49-F238E27FC236}">
-                <a16:creationId xmlns:a16="http://schemas.microsoft.com/office/drawing/2014/main" xmlns="" id="{94B159CD-5450-45F2-8E22-B57ACF1DB5DD}"/>
+                <a16:creationId xmlns:a16="http://schemas.microsoft.com/office/drawing/2014/main" id="{94B159CD-5450-45F2-8E22-B57ACF1DB5DD}"/>
               </a:ext>
             </a:extLst>
           </p:cNvPr>
@@ -35376,7 +35384,7 @@
           <p:cNvPr id="6" name="Content Placeholder 5">
             <a:extLst>
               <a:ext uri="{FF2B5EF4-FFF2-40B4-BE49-F238E27FC236}">
-                <a16:creationId xmlns:a16="http://schemas.microsoft.com/office/drawing/2014/main" xmlns="" id="{9B029116-7CB3-40E9-B453-6C4A1A5D08C2}"/>
+                <a16:creationId xmlns:a16="http://schemas.microsoft.com/office/drawing/2014/main" id="{9B029116-7CB3-40E9-B453-6C4A1A5D08C2}"/>
               </a:ext>
             </a:extLst>
           </p:cNvPr>
@@ -35438,7 +35446,7 @@
           <p:cNvPr id="2" name="Title 1">
             <a:extLst>
               <a:ext uri="{FF2B5EF4-FFF2-40B4-BE49-F238E27FC236}">
-                <a16:creationId xmlns:a16="http://schemas.microsoft.com/office/drawing/2014/main" xmlns="" id="{B898E480-ECEE-4502-B54F-D05B5E73D137}"/>
+                <a16:creationId xmlns:a16="http://schemas.microsoft.com/office/drawing/2014/main" id="{B898E480-ECEE-4502-B54F-D05B5E73D137}"/>
               </a:ext>
             </a:extLst>
           </p:cNvPr>
@@ -35471,7 +35479,7 @@
           <p:cNvPr id="3" name="Slide Number Placeholder 2">
             <a:extLst>
               <a:ext uri="{FF2B5EF4-FFF2-40B4-BE49-F238E27FC236}">
-                <a16:creationId xmlns:a16="http://schemas.microsoft.com/office/drawing/2014/main" xmlns="" id="{9FA66E44-CBE2-4E7B-906A-48AF5FE66790}"/>
+                <a16:creationId xmlns:a16="http://schemas.microsoft.com/office/drawing/2014/main" id="{9FA66E44-CBE2-4E7B-906A-48AF5FE66790}"/>
               </a:ext>
             </a:extLst>
           </p:cNvPr>
@@ -35501,7 +35509,7 @@
           <p:cNvPr id="4" name="Text Placeholder 3">
             <a:extLst>
               <a:ext uri="{FF2B5EF4-FFF2-40B4-BE49-F238E27FC236}">
-                <a16:creationId xmlns:a16="http://schemas.microsoft.com/office/drawing/2014/main" xmlns="" id="{690C6547-0E5B-4C31-96C0-A34124FF42C4}"/>
+                <a16:creationId xmlns:a16="http://schemas.microsoft.com/office/drawing/2014/main" id="{690C6547-0E5B-4C31-96C0-A34124FF42C4}"/>
               </a:ext>
             </a:extLst>
           </p:cNvPr>
@@ -35610,7 +35618,7 @@
           <p:cNvPr id="7" name="Content Placeholder 6">
             <a:extLst>
               <a:ext uri="{FF2B5EF4-FFF2-40B4-BE49-F238E27FC236}">
-                <a16:creationId xmlns:a16="http://schemas.microsoft.com/office/drawing/2014/main" xmlns="" id="{AE3ECF30-29E2-4BF0-83CA-643B39645C44}"/>
+                <a16:creationId xmlns:a16="http://schemas.microsoft.com/office/drawing/2014/main" id="{AE3ECF30-29E2-4BF0-83CA-643B39645C44}"/>
               </a:ext>
             </a:extLst>
           </p:cNvPr>
@@ -36145,10 +36153,4367 @@
       </p:grpSpPr>
       <p:pic>
         <p:nvPicPr>
+          <p:cNvPr id="13" name="Picture Placeholder 12" descr="Picture placeholder">
+            <a:extLst>
+              <a:ext uri="{FF2B5EF4-FFF2-40B4-BE49-F238E27FC236}">
+                <a16:creationId xmlns:a16="http://schemas.microsoft.com/office/drawing/2014/main" id="{588C9C3E-7C4B-EA46-9848-A17249AC33B1}"/>
+              </a:ext>
+            </a:extLst>
+          </p:cNvPr>
+          <p:cNvPicPr>
+            <a:picLocks noGrp="1" noChangeAspect="1"/>
+          </p:cNvPicPr>
+          <p:nvPr>
+            <p:ph type="pic" sz="quarter" idx="13"/>
+          </p:nvPr>
+        </p:nvPicPr>
+        <p:blipFill>
+          <a:blip r:embed="rId2" cstate="screen">
+            <a:extLst>
+              <a:ext uri="{28A0092B-C50C-407E-A947-70E740481C1C}">
+                <a14:useLocalDpi xmlns:a14="http://schemas.microsoft.com/office/drawing/2010/main"/>
+              </a:ext>
+            </a:extLst>
+          </a:blip>
+          <a:srcRect/>
+          <a:stretch>
+            <a:fillRect/>
+          </a:stretch>
+        </p:blipFill>
+        <p:spPr/>
+      </p:pic>
+      <p:sp>
+        <p:nvSpPr>
+          <p:cNvPr id="15" name="Freeform 5" descr="Hollow accent">
+            <a:extLst>
+              <a:ext uri="{FF2B5EF4-FFF2-40B4-BE49-F238E27FC236}">
+                <a16:creationId xmlns:a16="http://schemas.microsoft.com/office/drawing/2014/main" id="{10117390-DCFE-4FAE-B3FD-DAECFE779A27}"/>
+              </a:ext>
+              <a:ext uri="{C183D7F6-B498-43B3-948B-1728B52AA6E4}">
+                <adec:decorative xmlns:adec="http://schemas.microsoft.com/office/drawing/2017/decorative" val="1"/>
+              </a:ext>
+            </a:extLst>
+          </p:cNvPr>
+          <p:cNvSpPr>
+            <a:spLocks noChangeAspect="1"/>
+          </p:cNvSpPr>
+          <p:nvPr/>
+        </p:nvSpPr>
+        <p:spPr bwMode="auto">
+          <a:xfrm>
+            <a:off x="8713227" y="2049174"/>
+            <a:ext cx="1838651" cy="1613506"/>
+          </a:xfrm>
+          <a:custGeom>
+            <a:avLst/>
+            <a:gdLst>
+              <a:gd name="T0" fmla="*/ 781 w 1099"/>
+              <a:gd name="T1" fmla="*/ 0 h 968"/>
+              <a:gd name="T2" fmla="*/ 318 w 1099"/>
+              <a:gd name="T3" fmla="*/ 0 h 968"/>
+              <a:gd name="T4" fmla="*/ 246 w 1099"/>
+              <a:gd name="T5" fmla="*/ 42 h 968"/>
+              <a:gd name="T6" fmla="*/ 15 w 1099"/>
+              <a:gd name="T7" fmla="*/ 443 h 968"/>
+              <a:gd name="T8" fmla="*/ 15 w 1099"/>
+              <a:gd name="T9" fmla="*/ 525 h 968"/>
+              <a:gd name="T10" fmla="*/ 246 w 1099"/>
+              <a:gd name="T11" fmla="*/ 926 h 968"/>
+              <a:gd name="T12" fmla="*/ 318 w 1099"/>
+              <a:gd name="T13" fmla="*/ 968 h 968"/>
+              <a:gd name="T14" fmla="*/ 781 w 1099"/>
+              <a:gd name="T15" fmla="*/ 968 h 968"/>
+              <a:gd name="T16" fmla="*/ 852 w 1099"/>
+              <a:gd name="T17" fmla="*/ 926 h 968"/>
+              <a:gd name="T18" fmla="*/ 1084 w 1099"/>
+              <a:gd name="T19" fmla="*/ 525 h 968"/>
+              <a:gd name="T20" fmla="*/ 1084 w 1099"/>
+              <a:gd name="T21" fmla="*/ 443 h 968"/>
+              <a:gd name="T22" fmla="*/ 852 w 1099"/>
+              <a:gd name="T23" fmla="*/ 42 h 968"/>
+              <a:gd name="T24" fmla="*/ 781 w 1099"/>
+              <a:gd name="T25" fmla="*/ 0 h 968"/>
+            </a:gdLst>
+            <a:ahLst/>
+            <a:cxnLst>
+              <a:cxn ang="0">
+                <a:pos x="T0" y="T1"/>
+              </a:cxn>
+              <a:cxn ang="0">
+                <a:pos x="T2" y="T3"/>
+              </a:cxn>
+              <a:cxn ang="0">
+                <a:pos x="T4" y="T5"/>
+              </a:cxn>
+              <a:cxn ang="0">
+                <a:pos x="T6" y="T7"/>
+              </a:cxn>
+              <a:cxn ang="0">
+                <a:pos x="T8" y="T9"/>
+              </a:cxn>
+              <a:cxn ang="0">
+                <a:pos x="T10" y="T11"/>
+              </a:cxn>
+              <a:cxn ang="0">
+                <a:pos x="T12" y="T13"/>
+              </a:cxn>
+              <a:cxn ang="0">
+                <a:pos x="T14" y="T15"/>
+              </a:cxn>
+              <a:cxn ang="0">
+                <a:pos x="T16" y="T17"/>
+              </a:cxn>
+              <a:cxn ang="0">
+                <a:pos x="T18" y="T19"/>
+              </a:cxn>
+              <a:cxn ang="0">
+                <a:pos x="T20" y="T21"/>
+              </a:cxn>
+              <a:cxn ang="0">
+                <a:pos x="T22" y="T23"/>
+              </a:cxn>
+              <a:cxn ang="0">
+                <a:pos x="T24" y="T25"/>
+              </a:cxn>
+            </a:cxnLst>
+            <a:rect l="0" t="0" r="r" b="b"/>
+            <a:pathLst>
+              <a:path w="1099" h="968">
+                <a:moveTo>
+                  <a:pt x="781" y="0"/>
+                </a:moveTo>
+                <a:cubicBezTo>
+                  <a:pt x="318" y="0"/>
+                  <a:pt x="318" y="0"/>
+                  <a:pt x="318" y="0"/>
+                </a:cubicBezTo>
+                <a:cubicBezTo>
+                  <a:pt x="288" y="0"/>
+                  <a:pt x="261" y="16"/>
+                  <a:pt x="246" y="42"/>
+                </a:cubicBezTo>
+                <a:cubicBezTo>
+                  <a:pt x="15" y="443"/>
+                  <a:pt x="15" y="443"/>
+                  <a:pt x="15" y="443"/>
+                </a:cubicBezTo>
+                <a:cubicBezTo>
+                  <a:pt x="0" y="468"/>
+                  <a:pt x="0" y="500"/>
+                  <a:pt x="15" y="525"/>
+                </a:cubicBezTo>
+                <a:cubicBezTo>
+                  <a:pt x="246" y="926"/>
+                  <a:pt x="246" y="926"/>
+                  <a:pt x="246" y="926"/>
+                </a:cubicBezTo>
+                <a:cubicBezTo>
+                  <a:pt x="261" y="952"/>
+                  <a:pt x="288" y="968"/>
+                  <a:pt x="318" y="968"/>
+                </a:cubicBezTo>
+                <a:cubicBezTo>
+                  <a:pt x="781" y="968"/>
+                  <a:pt x="781" y="968"/>
+                  <a:pt x="781" y="968"/>
+                </a:cubicBezTo>
+                <a:cubicBezTo>
+                  <a:pt x="810" y="968"/>
+                  <a:pt x="838" y="952"/>
+                  <a:pt x="852" y="926"/>
+                </a:cubicBezTo>
+                <a:cubicBezTo>
+                  <a:pt x="1084" y="525"/>
+                  <a:pt x="1084" y="525"/>
+                  <a:pt x="1084" y="525"/>
+                </a:cubicBezTo>
+                <a:cubicBezTo>
+                  <a:pt x="1099" y="500"/>
+                  <a:pt x="1099" y="468"/>
+                  <a:pt x="1084" y="443"/>
+                </a:cubicBezTo>
+                <a:cubicBezTo>
+                  <a:pt x="852" y="42"/>
+                  <a:pt x="852" y="42"/>
+                  <a:pt x="852" y="42"/>
+                </a:cubicBezTo>
+                <a:cubicBezTo>
+                  <a:pt x="838" y="16"/>
+                  <a:pt x="810" y="0"/>
+                  <a:pt x="781" y="0"/>
+                </a:cubicBezTo>
+                <a:close/>
+              </a:path>
+            </a:pathLst>
+          </a:custGeom>
+          <a:noFill/>
+          <a:ln w="63500" cap="flat">
+            <a:solidFill>
+              <a:schemeClr val="bg1">
+                <a:lumMod val="95000"/>
+              </a:schemeClr>
+            </a:solidFill>
+            <a:prstDash val="solid"/>
+            <a:miter lim="800000"/>
+            <a:headEnd/>
+            <a:tailEnd/>
+          </a:ln>
+        </p:spPr>
+        <p:txBody>
+          <a:bodyPr vert="horz" wrap="square" lIns="91440" tIns="45720" rIns="91440" bIns="45720" numCol="1" anchor="t" anchorCtr="0" compatLnSpc="1">
+            <a:prstTxWarp prst="textNoShape">
+              <a:avLst/>
+            </a:prstTxWarp>
+          </a:bodyPr>
+          <a:lstStyle/>
+          <a:p>
+            <a:endParaRPr lang="en-ZA" dirty="0"/>
+          </a:p>
+        </p:txBody>
+      </p:sp>
+      <p:sp>
+        <p:nvSpPr>
+          <p:cNvPr id="31" name="TextBox 30" descr="Flag accent to title">
+            <a:extLst>
+              <a:ext uri="{FF2B5EF4-FFF2-40B4-BE49-F238E27FC236}">
+                <a16:creationId xmlns:a16="http://schemas.microsoft.com/office/drawing/2014/main" id="{8FC2E368-898A-440B-A15C-4C5FB13C57D2}"/>
+              </a:ext>
+              <a:ext uri="{C183D7F6-B498-43B3-948B-1728B52AA6E4}">
+                <adec:decorative xmlns:adec="http://schemas.microsoft.com/office/drawing/2017/decorative" val="1"/>
+              </a:ext>
+            </a:extLst>
+          </p:cNvPr>
+          <p:cNvSpPr txBox="1">
+            <a:spLocks/>
+          </p:cNvSpPr>
+          <p:nvPr/>
+        </p:nvSpPr>
+        <p:spPr>
+          <a:xfrm flipH="1">
+            <a:off x="1897242" y="2364840"/>
+            <a:ext cx="2494930" cy="3139768"/>
+          </a:xfrm>
+          <a:custGeom>
+            <a:avLst/>
+            <a:gdLst>
+              <a:gd name="connsiteX0" fmla="*/ 2000924 w 2494930"/>
+              <a:gd name="connsiteY0" fmla="*/ 1087415 h 3139768"/>
+              <a:gd name="connsiteX1" fmla="*/ 2072963 w 2494930"/>
+              <a:gd name="connsiteY1" fmla="*/ 1129282 h 3139768"/>
+              <a:gd name="connsiteX2" fmla="*/ 2304085 w 2494930"/>
+              <a:gd name="connsiteY2" fmla="*/ 1529014 h 3139768"/>
+              <a:gd name="connsiteX3" fmla="*/ 2304085 w 2494930"/>
+              <a:gd name="connsiteY3" fmla="*/ 1610754 h 3139768"/>
+              <a:gd name="connsiteX4" fmla="*/ 2072963 w 2494930"/>
+              <a:gd name="connsiteY4" fmla="*/ 2010486 h 3139768"/>
+              <a:gd name="connsiteX5" fmla="*/ 2000924 w 2494930"/>
+              <a:gd name="connsiteY5" fmla="*/ 2052353 h 3139768"/>
+              <a:gd name="connsiteX6" fmla="*/ 1537679 w 2494930"/>
+              <a:gd name="connsiteY6" fmla="*/ 2052353 h 3139768"/>
+              <a:gd name="connsiteX7" fmla="*/ 1466641 w 2494930"/>
+              <a:gd name="connsiteY7" fmla="*/ 2010486 h 3139768"/>
+              <a:gd name="connsiteX8" fmla="*/ 1234518 w 2494930"/>
+              <a:gd name="connsiteY8" fmla="*/ 1610754 h 3139768"/>
+              <a:gd name="connsiteX9" fmla="*/ 1234518 w 2494930"/>
+              <a:gd name="connsiteY9" fmla="*/ 1529014 h 3139768"/>
+              <a:gd name="connsiteX10" fmla="*/ 1466641 w 2494930"/>
+              <a:gd name="connsiteY10" fmla="*/ 1129282 h 3139768"/>
+              <a:gd name="connsiteX11" fmla="*/ 1537679 w 2494930"/>
+              <a:gd name="connsiteY11" fmla="*/ 1087415 h 3139768"/>
+              <a:gd name="connsiteX12" fmla="*/ 2000924 w 2494930"/>
+              <a:gd name="connsiteY12" fmla="*/ 1087415 h 3139768"/>
+              <a:gd name="connsiteX13" fmla="*/ 1516872 w 2494930"/>
+              <a:gd name="connsiteY13" fmla="*/ 0 h 3139768"/>
+              <a:gd name="connsiteX14" fmla="*/ 1481849 w 2494930"/>
+              <a:gd name="connsiteY14" fmla="*/ 0 h 3139768"/>
+              <a:gd name="connsiteX15" fmla="*/ 1237282 w 2494930"/>
+              <a:gd name="connsiteY15" fmla="*/ 0 h 3139768"/>
+              <a:gd name="connsiteX16" fmla="*/ 99481 w 2494930"/>
+              <a:gd name="connsiteY16" fmla="*/ 0 h 3139768"/>
+              <a:gd name="connsiteX17" fmla="*/ 0 w 2494930"/>
+              <a:gd name="connsiteY17" fmla="*/ 100333 h 3139768"/>
+              <a:gd name="connsiteX18" fmla="*/ 0 w 2494930"/>
+              <a:gd name="connsiteY18" fmla="*/ 1039826 h 3139768"/>
+              <a:gd name="connsiteX19" fmla="*/ 0 w 2494930"/>
+              <a:gd name="connsiteY19" fmla="*/ 2099942 h 3139768"/>
+              <a:gd name="connsiteX20" fmla="*/ 0 w 2494930"/>
+              <a:gd name="connsiteY20" fmla="*/ 3039435 h 3139768"/>
+              <a:gd name="connsiteX21" fmla="*/ 99481 w 2494930"/>
+              <a:gd name="connsiteY21" fmla="*/ 3139768 h 3139768"/>
+              <a:gd name="connsiteX22" fmla="*/ 1237282 w 2494930"/>
+              <a:gd name="connsiteY22" fmla="*/ 3139768 h 3139768"/>
+              <a:gd name="connsiteX23" fmla="*/ 1481849 w 2494930"/>
+              <a:gd name="connsiteY23" fmla="*/ 3139768 h 3139768"/>
+              <a:gd name="connsiteX24" fmla="*/ 1556045 w 2494930"/>
+              <a:gd name="connsiteY24" fmla="*/ 3139768 h 3139768"/>
+              <a:gd name="connsiteX25" fmla="*/ 1600213 w 2494930"/>
+              <a:gd name="connsiteY25" fmla="*/ 3121251 h 3139768"/>
+              <a:gd name="connsiteX26" fmla="*/ 1699900 w 2494930"/>
+              <a:gd name="connsiteY26" fmla="*/ 3020706 h 3139768"/>
+              <a:gd name="connsiteX27" fmla="*/ 2458009 w 2494930"/>
+              <a:gd name="connsiteY27" fmla="*/ 1709539 h 3139768"/>
+              <a:gd name="connsiteX28" fmla="*/ 2458009 w 2494930"/>
+              <a:gd name="connsiteY28" fmla="*/ 1441420 h 3139768"/>
+              <a:gd name="connsiteX29" fmla="*/ 1699900 w 2494930"/>
+              <a:gd name="connsiteY29" fmla="*/ 130253 h 3139768"/>
+              <a:gd name="connsiteX30" fmla="*/ 1535140 w 2494930"/>
+              <a:gd name="connsiteY30" fmla="*/ 2427 h 3139768"/>
+            </a:gdLst>
+            <a:ahLst/>
+            <a:cxnLst>
+              <a:cxn ang="0">
+                <a:pos x="connsiteX0" y="connsiteY0"/>
+              </a:cxn>
+              <a:cxn ang="0">
+                <a:pos x="connsiteX1" y="connsiteY1"/>
+              </a:cxn>
+              <a:cxn ang="0">
+                <a:pos x="connsiteX2" y="connsiteY2"/>
+              </a:cxn>
+              <a:cxn ang="0">
+                <a:pos x="connsiteX3" y="connsiteY3"/>
+              </a:cxn>
+              <a:cxn ang="0">
+                <a:pos x="connsiteX4" y="connsiteY4"/>
+              </a:cxn>
+              <a:cxn ang="0">
+                <a:pos x="connsiteX5" y="connsiteY5"/>
+              </a:cxn>
+              <a:cxn ang="0">
+                <a:pos x="connsiteX6" y="connsiteY6"/>
+              </a:cxn>
+              <a:cxn ang="0">
+                <a:pos x="connsiteX7" y="connsiteY7"/>
+              </a:cxn>
+              <a:cxn ang="0">
+                <a:pos x="connsiteX8" y="connsiteY8"/>
+              </a:cxn>
+              <a:cxn ang="0">
+                <a:pos x="connsiteX9" y="connsiteY9"/>
+              </a:cxn>
+              <a:cxn ang="0">
+                <a:pos x="connsiteX10" y="connsiteY10"/>
+              </a:cxn>
+              <a:cxn ang="0">
+                <a:pos x="connsiteX11" y="connsiteY11"/>
+              </a:cxn>
+              <a:cxn ang="0">
+                <a:pos x="connsiteX12" y="connsiteY12"/>
+              </a:cxn>
+              <a:cxn ang="0">
+                <a:pos x="connsiteX13" y="connsiteY13"/>
+              </a:cxn>
+              <a:cxn ang="0">
+                <a:pos x="connsiteX14" y="connsiteY14"/>
+              </a:cxn>
+              <a:cxn ang="0">
+                <a:pos x="connsiteX15" y="connsiteY15"/>
+              </a:cxn>
+              <a:cxn ang="0">
+                <a:pos x="connsiteX16" y="connsiteY16"/>
+              </a:cxn>
+              <a:cxn ang="0">
+                <a:pos x="connsiteX17" y="connsiteY17"/>
+              </a:cxn>
+              <a:cxn ang="0">
+                <a:pos x="connsiteX18" y="connsiteY18"/>
+              </a:cxn>
+              <a:cxn ang="0">
+                <a:pos x="connsiteX19" y="connsiteY19"/>
+              </a:cxn>
+              <a:cxn ang="0">
+                <a:pos x="connsiteX20" y="connsiteY20"/>
+              </a:cxn>
+              <a:cxn ang="0">
+                <a:pos x="connsiteX21" y="connsiteY21"/>
+              </a:cxn>
+              <a:cxn ang="0">
+                <a:pos x="connsiteX22" y="connsiteY22"/>
+              </a:cxn>
+              <a:cxn ang="0">
+                <a:pos x="connsiteX23" y="connsiteY23"/>
+              </a:cxn>
+              <a:cxn ang="0">
+                <a:pos x="connsiteX24" y="connsiteY24"/>
+              </a:cxn>
+              <a:cxn ang="0">
+                <a:pos x="connsiteX25" y="connsiteY25"/>
+              </a:cxn>
+              <a:cxn ang="0">
+                <a:pos x="connsiteX26" y="connsiteY26"/>
+              </a:cxn>
+              <a:cxn ang="0">
+                <a:pos x="connsiteX27" y="connsiteY27"/>
+              </a:cxn>
+              <a:cxn ang="0">
+                <a:pos x="connsiteX28" y="connsiteY28"/>
+              </a:cxn>
+              <a:cxn ang="0">
+                <a:pos x="connsiteX29" y="connsiteY29"/>
+              </a:cxn>
+              <a:cxn ang="0">
+                <a:pos x="connsiteX30" y="connsiteY30"/>
+              </a:cxn>
+            </a:cxnLst>
+            <a:rect l="l" t="t" r="r" b="b"/>
+            <a:pathLst>
+              <a:path w="2494930" h="3139768">
+                <a:moveTo>
+                  <a:pt x="2000924" y="1087415"/>
+                </a:moveTo>
+                <a:cubicBezTo>
+                  <a:pt x="2030940" y="1087415"/>
+                  <a:pt x="2057955" y="1103365"/>
+                  <a:pt x="2072963" y="1129282"/>
+                </a:cubicBezTo>
+                <a:cubicBezTo>
+                  <a:pt x="2304085" y="1529014"/>
+                  <a:pt x="2304085" y="1529014"/>
+                  <a:pt x="2304085" y="1529014"/>
+                </a:cubicBezTo>
+                <a:cubicBezTo>
+                  <a:pt x="2319093" y="1553935"/>
+                  <a:pt x="2319093" y="1585834"/>
+                  <a:pt x="2304085" y="1610754"/>
+                </a:cubicBezTo>
+                <a:cubicBezTo>
+                  <a:pt x="2072963" y="2010486"/>
+                  <a:pt x="2072963" y="2010486"/>
+                  <a:pt x="2072963" y="2010486"/>
+                </a:cubicBezTo>
+                <a:cubicBezTo>
+                  <a:pt x="2057955" y="2036404"/>
+                  <a:pt x="2030940" y="2052353"/>
+                  <a:pt x="2000924" y="2052353"/>
+                </a:cubicBezTo>
+                <a:cubicBezTo>
+                  <a:pt x="1537679" y="2052353"/>
+                  <a:pt x="1537679" y="2052353"/>
+                  <a:pt x="1537679" y="2052353"/>
+                </a:cubicBezTo>
+                <a:cubicBezTo>
+                  <a:pt x="1508663" y="2052353"/>
+                  <a:pt x="1480649" y="2036404"/>
+                  <a:pt x="1466641" y="2010486"/>
+                </a:cubicBezTo>
+                <a:cubicBezTo>
+                  <a:pt x="1234518" y="1610754"/>
+                  <a:pt x="1234518" y="1610754"/>
+                  <a:pt x="1234518" y="1610754"/>
+                </a:cubicBezTo>
+                <a:cubicBezTo>
+                  <a:pt x="1219510" y="1585834"/>
+                  <a:pt x="1219510" y="1553935"/>
+                  <a:pt x="1234518" y="1529014"/>
+                </a:cubicBezTo>
+                <a:cubicBezTo>
+                  <a:pt x="1466641" y="1129282"/>
+                  <a:pt x="1466641" y="1129282"/>
+                  <a:pt x="1466641" y="1129282"/>
+                </a:cubicBezTo>
+                <a:cubicBezTo>
+                  <a:pt x="1480649" y="1103365"/>
+                  <a:pt x="1508663" y="1087415"/>
+                  <a:pt x="1537679" y="1087415"/>
+                </a:cubicBezTo>
+                <a:cubicBezTo>
+                  <a:pt x="2000924" y="1087415"/>
+                  <a:pt x="2000924" y="1087415"/>
+                  <a:pt x="2000924" y="1087415"/>
+                </a:cubicBezTo>
+                <a:close/>
+                <a:moveTo>
+                  <a:pt x="1516872" y="0"/>
+                </a:moveTo>
+                <a:lnTo>
+                  <a:pt x="1481849" y="0"/>
+                </a:lnTo>
+                <a:lnTo>
+                  <a:pt x="1237282" y="0"/>
+                </a:lnTo>
+                <a:lnTo>
+                  <a:pt x="99481" y="0"/>
+                </a:lnTo>
+                <a:cubicBezTo>
+                  <a:pt x="44540" y="0"/>
+                  <a:pt x="0" y="44921"/>
+                  <a:pt x="0" y="100333"/>
+                </a:cubicBezTo>
+                <a:lnTo>
+                  <a:pt x="0" y="1039826"/>
+                </a:lnTo>
+                <a:lnTo>
+                  <a:pt x="0" y="2099942"/>
+                </a:lnTo>
+                <a:lnTo>
+                  <a:pt x="0" y="3039435"/>
+                </a:lnTo>
+                <a:cubicBezTo>
+                  <a:pt x="0" y="3094847"/>
+                  <a:pt x="44540" y="3139768"/>
+                  <a:pt x="99481" y="3139768"/>
+                </a:cubicBezTo>
+                <a:lnTo>
+                  <a:pt x="1237282" y="3139768"/>
+                </a:lnTo>
+                <a:lnTo>
+                  <a:pt x="1481849" y="3139768"/>
+                </a:lnTo>
+                <a:lnTo>
+                  <a:pt x="1556045" y="3139768"/>
+                </a:lnTo>
+                <a:lnTo>
+                  <a:pt x="1600213" y="3121251"/>
+                </a:lnTo>
+                <a:cubicBezTo>
+                  <a:pt x="1640826" y="3097545"/>
+                  <a:pt x="1675286" y="3063213"/>
+                  <a:pt x="1699900" y="3020706"/>
+                </a:cubicBezTo>
+                <a:cubicBezTo>
+                  <a:pt x="1699900" y="3020706"/>
+                  <a:pt x="1699900" y="3020706"/>
+                  <a:pt x="2458009" y="1709539"/>
+                </a:cubicBezTo>
+                <a:cubicBezTo>
+                  <a:pt x="2507237" y="1627796"/>
+                  <a:pt x="2507237" y="1523164"/>
+                  <a:pt x="2458009" y="1441420"/>
+                </a:cubicBezTo>
+                <a:cubicBezTo>
+                  <a:pt x="2458009" y="1441420"/>
+                  <a:pt x="2458009" y="1441420"/>
+                  <a:pt x="1699900" y="130253"/>
+                </a:cubicBezTo>
+                <a:cubicBezTo>
+                  <a:pt x="1662979" y="66493"/>
+                  <a:pt x="1603905" y="21126"/>
+                  <a:pt x="1535140" y="2427"/>
+                </a:cubicBezTo>
+                <a:close/>
+              </a:path>
+            </a:pathLst>
+          </a:custGeom>
+          <a:gradFill>
+            <a:gsLst>
+              <a:gs pos="100000">
+                <a:schemeClr val="tx1">
+                  <a:lumMod val="75000"/>
+                  <a:lumOff val="25000"/>
+                </a:schemeClr>
+              </a:gs>
+              <a:gs pos="0">
+                <a:schemeClr val="tx1"/>
+              </a:gs>
+            </a:gsLst>
+            <a:lin ang="0" scaled="0"/>
+          </a:gradFill>
+          <a:ln w="3175">
+            <a:solidFill>
+              <a:schemeClr val="tx1">
+                <a:lumMod val="85000"/>
+                <a:lumOff val="15000"/>
+              </a:schemeClr>
+            </a:solidFill>
+          </a:ln>
+        </p:spPr>
+        <p:txBody>
+          <a:bodyPr vert="horz" wrap="square" lIns="180000" tIns="288000" rIns="180000" bIns="180000" rtlCol="0" anchor="t">
+            <a:noAutofit/>
+          </a:bodyPr>
+          <a:lstStyle>
+            <a:lvl1pPr algn="l" defTabSz="914400" rtl="0" eaLnBrk="1" latinLnBrk="0" hangingPunct="1">
+              <a:lnSpc>
+                <a:spcPts val="4000"/>
+              </a:lnSpc>
+              <a:spcBef>
+                <a:spcPct val="0"/>
+              </a:spcBef>
+              <a:buNone/>
+              <a:defRPr sz="5000" b="1" kern="1200" spc="-300">
+                <a:solidFill>
+                  <a:schemeClr val="bg1">
+                    <a:lumMod val="95000"/>
+                  </a:schemeClr>
+                </a:solidFill>
+                <a:latin typeface="+mj-lt"/>
+                <a:ea typeface="+mj-ea"/>
+                <a:cs typeface="+mj-cs"/>
+              </a:defRPr>
+            </a:lvl1pPr>
+          </a:lstStyle>
+          <a:p>
+            <a:endParaRPr lang="en-ZA" dirty="0"/>
+          </a:p>
+        </p:txBody>
+      </p:sp>
+      <p:sp>
+        <p:nvSpPr>
+          <p:cNvPr id="21" name="Isosceles Triangle 20" descr="Shadow accent to title">
+            <a:extLst>
+              <a:ext uri="{FF2B5EF4-FFF2-40B4-BE49-F238E27FC236}">
+                <a16:creationId xmlns:a16="http://schemas.microsoft.com/office/drawing/2014/main" id="{59A98ED3-718C-409B-BC1D-07842F9F58EB}"/>
+              </a:ext>
+              <a:ext uri="{C183D7F6-B498-43B3-948B-1728B52AA6E4}">
+                <adec:decorative xmlns:adec="http://schemas.microsoft.com/office/drawing/2017/decorative" val="1"/>
+              </a:ext>
+            </a:extLst>
+          </p:cNvPr>
+          <p:cNvSpPr/>
+          <p:nvPr/>
+        </p:nvSpPr>
+        <p:spPr>
+          <a:xfrm rot="10800000" flipH="1">
+            <a:off x="3915924" y="4962520"/>
+            <a:ext cx="476249" cy="424971"/>
+          </a:xfrm>
+          <a:prstGeom prst="triangle">
+            <a:avLst>
+              <a:gd name="adj" fmla="val 100000"/>
+            </a:avLst>
+          </a:prstGeom>
+          <a:solidFill>
+            <a:schemeClr val="accent1"/>
+          </a:solidFill>
+          <a:ln w="3175">
+            <a:solidFill>
+              <a:schemeClr val="tx1">
+                <a:lumMod val="65000"/>
+                <a:lumOff val="35000"/>
+              </a:schemeClr>
+            </a:solidFill>
+          </a:ln>
+        </p:spPr>
+        <p:style>
+          <a:lnRef idx="2">
+            <a:schemeClr val="accent1">
+              <a:shade val="50000"/>
+            </a:schemeClr>
+          </a:lnRef>
+          <a:fillRef idx="1">
+            <a:schemeClr val="accent1"/>
+          </a:fillRef>
+          <a:effectRef idx="0">
+            <a:schemeClr val="accent1"/>
+          </a:effectRef>
+          <a:fontRef idx="minor">
+            <a:schemeClr val="lt1"/>
+          </a:fontRef>
+        </p:style>
+        <p:txBody>
+          <a:bodyPr rtlCol="0" anchor="ctr"/>
+          <a:lstStyle/>
+          <a:p>
+            <a:pPr algn="ctr"/>
+            <a:endParaRPr lang="en-ZA" dirty="0"/>
+          </a:p>
+        </p:txBody>
+      </p:sp>
+      <p:sp>
+        <p:nvSpPr>
+          <p:cNvPr id="3" name="Title 2">
+            <a:extLst>
+              <a:ext uri="{FF2B5EF4-FFF2-40B4-BE49-F238E27FC236}">
+                <a16:creationId xmlns:a16="http://schemas.microsoft.com/office/drawing/2014/main" id="{200B3D2B-613A-41BE-987D-E6A1324B456D}"/>
+              </a:ext>
+            </a:extLst>
+          </p:cNvPr>
+          <p:cNvSpPr>
+            <a:spLocks noGrp="1"/>
+          </p:cNvSpPr>
+          <p:nvPr>
+            <p:ph type="ctrTitle"/>
+          </p:nvPr>
+        </p:nvSpPr>
+        <p:spPr>
+          <a:xfrm>
+            <a:off x="3866117" y="1816509"/>
+            <a:ext cx="4459766" cy="3146839"/>
+          </a:xfrm>
+        </p:spPr>
+        <p:txBody>
+          <a:bodyPr/>
+          <a:lstStyle/>
+          <a:p>
+            <a:r>
+              <a:rPr lang="en-ZA" dirty="0"/>
+              <a:t>2</a:t>
+            </a:r>
+            <a:br>
+              <a:rPr lang="en-ZA" dirty="0"/>
+            </a:br>
+            <a:r>
+              <a:rPr lang="en-ZA" dirty="0" err="1"/>
+              <a:t>Tentang</a:t>
+            </a:r>
+            <a:r>
+              <a:rPr lang="en-ZA" dirty="0"/>
+              <a:t> </a:t>
+            </a:r>
+            <a:r>
+              <a:rPr lang="en-ZA" dirty="0" err="1"/>
+              <a:t>Jupyter</a:t>
+            </a:r>
+            <a:endParaRPr lang="en-ZA" dirty="0"/>
+          </a:p>
+        </p:txBody>
+      </p:sp>
+      <p:sp>
+        <p:nvSpPr>
+          <p:cNvPr id="4" name="Subtitle 3">
+            <a:extLst>
+              <a:ext uri="{FF2B5EF4-FFF2-40B4-BE49-F238E27FC236}">
+                <a16:creationId xmlns:a16="http://schemas.microsoft.com/office/drawing/2014/main" id="{4772945D-CA91-4CFE-8EB7-941C7618C994}"/>
+              </a:ext>
+            </a:extLst>
+          </p:cNvPr>
+          <p:cNvSpPr>
+            <a:spLocks noGrp="1"/>
+          </p:cNvSpPr>
+          <p:nvPr>
+            <p:ph type="subTitle" idx="1"/>
+          </p:nvPr>
+        </p:nvSpPr>
+        <p:spPr>
+          <a:xfrm>
+            <a:off x="4048124" y="3795246"/>
+            <a:ext cx="4000500" cy="997905"/>
+          </a:xfrm>
+        </p:spPr>
+        <p:txBody>
+          <a:bodyPr/>
+          <a:lstStyle/>
+          <a:p>
+            <a:r>
+              <a:rPr lang="en-ZA" dirty="0"/>
+              <a:t>Cara Install </a:t>
+            </a:r>
+            <a:r>
+              <a:rPr lang="en-ZA" dirty="0" err="1"/>
+              <a:t>Jupyter</a:t>
+            </a:r>
+            <a:r>
+              <a:rPr lang="en-ZA" dirty="0"/>
+              <a:t> di Windows</a:t>
+            </a:r>
+          </a:p>
+        </p:txBody>
+      </p:sp>
+      <p:sp>
+        <p:nvSpPr>
+          <p:cNvPr id="5" name="Slide Number Placeholder 4">
+            <a:extLst>
+              <a:ext uri="{FF2B5EF4-FFF2-40B4-BE49-F238E27FC236}">
+                <a16:creationId xmlns:a16="http://schemas.microsoft.com/office/drawing/2014/main" id="{F6964141-6F81-4947-A236-746D94ED3F6F}"/>
+              </a:ext>
+            </a:extLst>
+          </p:cNvPr>
+          <p:cNvSpPr>
+            <a:spLocks noGrp="1"/>
+          </p:cNvSpPr>
+          <p:nvPr>
+            <p:ph type="sldNum" sz="quarter" idx="12"/>
+          </p:nvPr>
+        </p:nvSpPr>
+        <p:spPr>
+          <a:xfrm>
+            <a:off x="11727656" y="6277243"/>
+            <a:ext cx="464344" cy="400188"/>
+          </a:xfrm>
+        </p:spPr>
+        <p:txBody>
+          <a:bodyPr/>
+          <a:lstStyle/>
+          <a:p>
+            <a:fld id="{19B51A1E-902D-48AF-9020-955120F399B6}" type="slidenum">
+              <a:rPr lang="en-ZA" smtClean="0"/>
+              <a:pPr/>
+              <a:t>44</a:t>
+            </a:fld>
+            <a:endParaRPr lang="en-ZA" dirty="0"/>
+          </a:p>
+        </p:txBody>
+      </p:sp>
+    </p:spTree>
+    <p:extLst>
+      <p:ext uri="{BB962C8B-B14F-4D97-AF65-F5344CB8AC3E}">
+        <p14:creationId xmlns:p14="http://schemas.microsoft.com/office/powerpoint/2010/main" val="1198302307"/>
+      </p:ext>
+    </p:extLst>
+  </p:cSld>
+  <p:clrMapOvr>
+    <a:masterClrMapping/>
+  </p:clrMapOvr>
+</p:sld>
+</file>
+
+<file path=ppt/slides/slide45.xml><?xml version="1.0" encoding="utf-8"?>
+<p:sld xmlns:a="http://schemas.openxmlformats.org/drawingml/2006/main" xmlns:r="http://schemas.openxmlformats.org/officeDocument/2006/relationships" xmlns:p="http://schemas.openxmlformats.org/presentationml/2006/main">
+  <p:cSld>
+    <p:spTree>
+      <p:nvGrpSpPr>
+        <p:cNvPr id="1" name=""/>
+        <p:cNvGrpSpPr/>
+        <p:nvPr/>
+      </p:nvGrpSpPr>
+      <p:grpSpPr>
+        <a:xfrm>
+          <a:off x="0" y="0"/>
+          <a:ext cx="0" cy="0"/>
+          <a:chOff x="0" y="0"/>
+          <a:chExt cx="0" cy="0"/>
+        </a:xfrm>
+      </p:grpSpPr>
+      <p:sp>
+        <p:nvSpPr>
+          <p:cNvPr id="2" name="Title 1">
+            <a:extLst>
+              <a:ext uri="{FF2B5EF4-FFF2-40B4-BE49-F238E27FC236}">
+                <a16:creationId xmlns:a16="http://schemas.microsoft.com/office/drawing/2014/main" id="{80F931BA-3DAE-483C-B601-45F041CBD67F}"/>
+              </a:ext>
+            </a:extLst>
+          </p:cNvPr>
+          <p:cNvSpPr>
+            <a:spLocks noGrp="1"/>
+          </p:cNvSpPr>
+          <p:nvPr>
+            <p:ph type="title"/>
+          </p:nvPr>
+        </p:nvSpPr>
+        <p:spPr/>
+        <p:txBody>
+          <a:bodyPr/>
+          <a:lstStyle/>
+          <a:p>
+            <a:r>
+              <a:rPr lang="en-US" dirty="0" err="1"/>
+              <a:t>Jupyter</a:t>
+            </a:r>
+            <a:endParaRPr lang="en-US" dirty="0"/>
+          </a:p>
+        </p:txBody>
+      </p:sp>
+      <p:sp>
+        <p:nvSpPr>
+          <p:cNvPr id="3" name="Text Placeholder 2">
+            <a:extLst>
+              <a:ext uri="{FF2B5EF4-FFF2-40B4-BE49-F238E27FC236}">
+                <a16:creationId xmlns:a16="http://schemas.microsoft.com/office/drawing/2014/main" id="{603E6974-DDC4-43EC-ADF4-F70469E9AB7C}"/>
+              </a:ext>
+            </a:extLst>
+          </p:cNvPr>
+          <p:cNvSpPr>
+            <a:spLocks noGrp="1"/>
+          </p:cNvSpPr>
+          <p:nvPr>
+            <p:ph type="body" sz="quarter" idx="32"/>
+          </p:nvPr>
+        </p:nvSpPr>
+        <p:spPr>
+          <a:xfrm>
+            <a:off x="431800" y="1007999"/>
+            <a:ext cx="11339513" cy="5269243"/>
+          </a:xfrm>
+        </p:spPr>
+        <p:txBody>
+          <a:bodyPr/>
+          <a:lstStyle/>
+          <a:p>
+            <a:r>
+              <a:rPr lang="en-US" dirty="0"/>
+              <a:t>The </a:t>
+            </a:r>
+            <a:r>
+              <a:rPr lang="en-US" dirty="0" err="1"/>
+              <a:t>Jupyter</a:t>
+            </a:r>
+            <a:r>
+              <a:rPr lang="en-US" dirty="0"/>
+              <a:t> Notebook App </a:t>
+            </a:r>
+            <a:r>
+              <a:rPr lang="en-US" dirty="0" err="1"/>
+              <a:t>adalah</a:t>
+            </a:r>
+            <a:r>
+              <a:rPr lang="en-US" dirty="0"/>
+              <a:t> aplikasi server-</a:t>
+            </a:r>
+            <a:r>
+              <a:rPr lang="en-US" dirty="0" err="1"/>
+              <a:t>klien</a:t>
+            </a:r>
+            <a:r>
+              <a:rPr lang="en-US" dirty="0"/>
+              <a:t> yang </a:t>
+            </a:r>
+            <a:r>
+              <a:rPr lang="en-US" dirty="0" err="1"/>
+              <a:t>memungkinkan</a:t>
+            </a:r>
+            <a:r>
+              <a:rPr lang="en-US" dirty="0"/>
+              <a:t> </a:t>
+            </a:r>
+            <a:r>
+              <a:rPr lang="en-US" dirty="0" err="1"/>
+              <a:t>pengeditan</a:t>
+            </a:r>
+            <a:r>
+              <a:rPr lang="en-US" dirty="0"/>
+              <a:t> dan </a:t>
+            </a:r>
+            <a:r>
+              <a:rPr lang="en-US" dirty="0" err="1"/>
+              <a:t>menjalankan</a:t>
+            </a:r>
+            <a:r>
+              <a:rPr lang="en-US" dirty="0"/>
+              <a:t> </a:t>
+            </a:r>
+            <a:r>
+              <a:rPr lang="en-US" dirty="0" err="1"/>
+              <a:t>dokumen</a:t>
+            </a:r>
+            <a:r>
+              <a:rPr lang="en-US" dirty="0"/>
+              <a:t> notebook </a:t>
+            </a:r>
+            <a:r>
+              <a:rPr lang="en-US" dirty="0" err="1"/>
+              <a:t>melalui</a:t>
+            </a:r>
+            <a:r>
+              <a:rPr lang="en-US" dirty="0"/>
+              <a:t> browser web. Aplikasi Notebook </a:t>
+            </a:r>
+            <a:r>
+              <a:rPr lang="en-US" dirty="0" err="1"/>
+              <a:t>Jupyter</a:t>
+            </a:r>
+            <a:r>
+              <a:rPr lang="en-US" dirty="0"/>
+              <a:t> dapat </a:t>
+            </a:r>
+            <a:r>
+              <a:rPr lang="en-US" dirty="0" err="1"/>
+              <a:t>dijalankan</a:t>
+            </a:r>
+            <a:r>
+              <a:rPr lang="en-US" dirty="0"/>
+              <a:t> pada desktop </a:t>
+            </a:r>
+            <a:r>
+              <a:rPr lang="en-US" dirty="0" err="1"/>
+              <a:t>lokal</a:t>
+            </a:r>
+            <a:r>
+              <a:rPr lang="en-US" dirty="0"/>
+              <a:t> yang tidak </a:t>
+            </a:r>
+            <a:r>
+              <a:rPr lang="en-US" dirty="0" err="1"/>
+              <a:t>memerlukan</a:t>
+            </a:r>
+            <a:r>
+              <a:rPr lang="en-US" dirty="0"/>
+              <a:t> </a:t>
+            </a:r>
+            <a:r>
+              <a:rPr lang="en-US" dirty="0" err="1"/>
+              <a:t>akses</a:t>
+            </a:r>
+            <a:r>
+              <a:rPr lang="en-US" dirty="0"/>
+              <a:t> internet (</a:t>
+            </a:r>
+            <a:r>
+              <a:rPr lang="en-US" dirty="0" err="1"/>
+              <a:t>seperti</a:t>
+            </a:r>
+            <a:r>
+              <a:rPr lang="en-US" dirty="0"/>
+              <a:t> </a:t>
+            </a:r>
+            <a:r>
+              <a:rPr lang="en-US" dirty="0" err="1"/>
+              <a:t>dijelaskan</a:t>
+            </a:r>
+            <a:r>
+              <a:rPr lang="en-US" dirty="0"/>
+              <a:t> dalam </a:t>
+            </a:r>
+            <a:r>
+              <a:rPr lang="en-US" dirty="0" err="1"/>
+              <a:t>dokumen</a:t>
+            </a:r>
+            <a:r>
+              <a:rPr lang="en-US" dirty="0"/>
+              <a:t> ini) atau dapat </a:t>
+            </a:r>
+            <a:r>
+              <a:rPr lang="en-US" dirty="0" err="1"/>
+              <a:t>diinstal</a:t>
+            </a:r>
+            <a:r>
+              <a:rPr lang="en-US" dirty="0"/>
+              <a:t> pada server </a:t>
+            </a:r>
+            <a:r>
+              <a:rPr lang="en-US" dirty="0" err="1"/>
+              <a:t>jarak</a:t>
+            </a:r>
+            <a:r>
+              <a:rPr lang="en-US" dirty="0"/>
+              <a:t> jauh dan </a:t>
+            </a:r>
+            <a:r>
+              <a:rPr lang="en-US" dirty="0" err="1"/>
+              <a:t>diakses</a:t>
+            </a:r>
+            <a:r>
+              <a:rPr lang="en-US" dirty="0"/>
+              <a:t> </a:t>
+            </a:r>
+            <a:r>
+              <a:rPr lang="en-US" dirty="0" err="1"/>
+              <a:t>melalui</a:t>
+            </a:r>
+            <a:r>
+              <a:rPr lang="en-US" dirty="0"/>
+              <a:t> internet.</a:t>
+            </a:r>
+          </a:p>
+          <a:p>
+            <a:endParaRPr lang="en-US" dirty="0"/>
+          </a:p>
+          <a:p>
+            <a:r>
+              <a:rPr lang="en-US" dirty="0" err="1"/>
+              <a:t>Selain</a:t>
+            </a:r>
+            <a:r>
+              <a:rPr lang="en-US" dirty="0"/>
+              <a:t> </a:t>
+            </a:r>
+            <a:r>
+              <a:rPr lang="en-US" dirty="0" err="1"/>
+              <a:t>menampilkan</a:t>
+            </a:r>
+            <a:r>
+              <a:rPr lang="en-US" dirty="0"/>
+              <a:t> / </a:t>
+            </a:r>
+            <a:r>
+              <a:rPr lang="en-US" dirty="0" err="1"/>
+              <a:t>mengedit</a:t>
+            </a:r>
+            <a:r>
+              <a:rPr lang="en-US" dirty="0"/>
+              <a:t> / </a:t>
+            </a:r>
+            <a:r>
+              <a:rPr lang="en-US" dirty="0" err="1"/>
+              <a:t>menjalankan</a:t>
+            </a:r>
+            <a:r>
+              <a:rPr lang="en-US" dirty="0"/>
+              <a:t> </a:t>
+            </a:r>
+            <a:r>
+              <a:rPr lang="en-US" dirty="0" err="1"/>
+              <a:t>dokumen</a:t>
+            </a:r>
+            <a:r>
+              <a:rPr lang="en-US" dirty="0"/>
+              <a:t> notebook, Aplikasi Notebook </a:t>
+            </a:r>
+            <a:r>
+              <a:rPr lang="en-US" dirty="0" err="1"/>
+              <a:t>Jupyter</a:t>
+            </a:r>
+            <a:r>
+              <a:rPr lang="en-US" dirty="0"/>
+              <a:t> </a:t>
+            </a:r>
+            <a:r>
+              <a:rPr lang="en-US" dirty="0" err="1"/>
+              <a:t>memiliki</a:t>
+            </a:r>
+            <a:r>
+              <a:rPr lang="en-US" dirty="0"/>
+              <a:t> "</a:t>
+            </a:r>
+            <a:r>
+              <a:rPr lang="en-US" dirty="0" err="1"/>
+              <a:t>Dasbor</a:t>
+            </a:r>
+            <a:r>
+              <a:rPr lang="en-US" dirty="0"/>
+              <a:t>" ( </a:t>
+            </a:r>
+            <a:r>
+              <a:rPr lang="en-US" dirty="0" err="1"/>
+              <a:t>Dasbor</a:t>
+            </a:r>
+            <a:r>
+              <a:rPr lang="en-US" dirty="0"/>
+              <a:t> Notebook ), "panel </a:t>
+            </a:r>
+            <a:r>
+              <a:rPr lang="en-US" dirty="0" err="1"/>
+              <a:t>kontrol</a:t>
+            </a:r>
+            <a:r>
+              <a:rPr lang="en-US" dirty="0"/>
+              <a:t>" yang </a:t>
+            </a:r>
+            <a:r>
+              <a:rPr lang="en-US" dirty="0" err="1"/>
+              <a:t>memperlihatkan</a:t>
+            </a:r>
+            <a:r>
+              <a:rPr lang="en-US" dirty="0"/>
+              <a:t> file-file </a:t>
+            </a:r>
+            <a:r>
+              <a:rPr lang="en-US" dirty="0" err="1"/>
+              <a:t>lokal</a:t>
+            </a:r>
+            <a:r>
+              <a:rPr lang="en-US" dirty="0"/>
+              <a:t> dan </a:t>
+            </a:r>
+            <a:r>
+              <a:rPr lang="en-US" dirty="0" err="1"/>
+              <a:t>memungkinkan</a:t>
+            </a:r>
+            <a:r>
+              <a:rPr lang="en-US" dirty="0"/>
+              <a:t> untuk </a:t>
+            </a:r>
+            <a:r>
+              <a:rPr lang="en-US" dirty="0" err="1"/>
+              <a:t>membuka</a:t>
+            </a:r>
+            <a:r>
+              <a:rPr lang="en-US" dirty="0"/>
+              <a:t> </a:t>
+            </a:r>
+            <a:r>
+              <a:rPr lang="en-US" dirty="0" err="1"/>
+              <a:t>dokumen</a:t>
+            </a:r>
+            <a:r>
+              <a:rPr lang="en-US" dirty="0"/>
+              <a:t> notebook atau </a:t>
+            </a:r>
+            <a:r>
+              <a:rPr lang="en-US" dirty="0" err="1"/>
+              <a:t>mematikan</a:t>
+            </a:r>
+            <a:r>
+              <a:rPr lang="en-US" dirty="0"/>
+              <a:t> kernel </a:t>
+            </a:r>
+            <a:r>
+              <a:rPr lang="en-US" dirty="0" err="1"/>
+              <a:t>mereka</a:t>
+            </a:r>
+            <a:r>
+              <a:rPr lang="en-US" dirty="0"/>
+              <a:t>.</a:t>
+            </a:r>
+          </a:p>
+        </p:txBody>
+      </p:sp>
+      <p:sp>
+        <p:nvSpPr>
+          <p:cNvPr id="4" name="Slide Number Placeholder 3">
+            <a:extLst>
+              <a:ext uri="{FF2B5EF4-FFF2-40B4-BE49-F238E27FC236}">
+                <a16:creationId xmlns:a16="http://schemas.microsoft.com/office/drawing/2014/main" id="{D8459788-E80A-4422-952F-AD3A7E8040DD}"/>
+              </a:ext>
+            </a:extLst>
+          </p:cNvPr>
+          <p:cNvSpPr>
+            <a:spLocks noGrp="1"/>
+          </p:cNvSpPr>
+          <p:nvPr>
+            <p:ph type="sldNum" sz="quarter" idx="33"/>
+          </p:nvPr>
+        </p:nvSpPr>
+        <p:spPr/>
+        <p:txBody>
+          <a:bodyPr/>
+          <a:lstStyle/>
+          <a:p>
+            <a:fld id="{19B51A1E-902D-48AF-9020-955120F399B6}" type="slidenum">
+              <a:rPr lang="en-ZA" smtClean="0"/>
+              <a:pPr/>
+              <a:t>45</a:t>
+            </a:fld>
+            <a:endParaRPr lang="en-ZA" dirty="0"/>
+          </a:p>
+        </p:txBody>
+      </p:sp>
+    </p:spTree>
+    <p:extLst>
+      <p:ext uri="{BB962C8B-B14F-4D97-AF65-F5344CB8AC3E}">
+        <p14:creationId xmlns:p14="http://schemas.microsoft.com/office/powerpoint/2010/main" val="1989015360"/>
+      </p:ext>
+    </p:extLst>
+  </p:cSld>
+  <p:clrMapOvr>
+    <a:masterClrMapping/>
+  </p:clrMapOvr>
+</p:sld>
+</file>
+
+<file path=ppt/slides/slide46.xml><?xml version="1.0" encoding="utf-8"?>
+<p:sld xmlns:a="http://schemas.openxmlformats.org/drawingml/2006/main" xmlns:r="http://schemas.openxmlformats.org/officeDocument/2006/relationships" xmlns:p="http://schemas.openxmlformats.org/presentationml/2006/main">
+  <p:cSld>
+    <p:spTree>
+      <p:nvGrpSpPr>
+        <p:cNvPr id="1" name=""/>
+        <p:cNvGrpSpPr/>
+        <p:nvPr/>
+      </p:nvGrpSpPr>
+      <p:grpSpPr>
+        <a:xfrm>
+          <a:off x="0" y="0"/>
+          <a:ext cx="0" cy="0"/>
+          <a:chOff x="0" y="0"/>
+          <a:chExt cx="0" cy="0"/>
+        </a:xfrm>
+      </p:grpSpPr>
+      <p:sp>
+        <p:nvSpPr>
+          <p:cNvPr id="2" name="Title 1">
+            <a:extLst>
+              <a:ext uri="{FF2B5EF4-FFF2-40B4-BE49-F238E27FC236}">
+                <a16:creationId xmlns:a16="http://schemas.microsoft.com/office/drawing/2014/main" id="{7A779178-E6FD-4E8C-895E-A7E20145ADA2}"/>
+              </a:ext>
+            </a:extLst>
+          </p:cNvPr>
+          <p:cNvSpPr>
+            <a:spLocks noGrp="1"/>
+          </p:cNvSpPr>
+          <p:nvPr>
+            <p:ph type="title"/>
+          </p:nvPr>
+        </p:nvSpPr>
+        <p:spPr/>
+        <p:txBody>
+          <a:bodyPr/>
+          <a:lstStyle/>
+          <a:p>
+            <a:r>
+              <a:rPr lang="en-US" dirty="0"/>
+              <a:t>1</a:t>
+            </a:r>
+          </a:p>
+        </p:txBody>
+      </p:sp>
+      <p:sp>
+        <p:nvSpPr>
+          <p:cNvPr id="3" name="Slide Number Placeholder 2">
+            <a:extLst>
+              <a:ext uri="{FF2B5EF4-FFF2-40B4-BE49-F238E27FC236}">
+                <a16:creationId xmlns:a16="http://schemas.microsoft.com/office/drawing/2014/main" id="{E313753E-841F-4964-96B3-A8EF1B723F49}"/>
+              </a:ext>
+            </a:extLst>
+          </p:cNvPr>
+          <p:cNvSpPr>
+            <a:spLocks noGrp="1"/>
+          </p:cNvSpPr>
+          <p:nvPr>
+            <p:ph type="sldNum" sz="quarter" idx="33"/>
+          </p:nvPr>
+        </p:nvSpPr>
+        <p:spPr/>
+        <p:txBody>
+          <a:bodyPr/>
+          <a:lstStyle/>
+          <a:p>
+            <a:fld id="{19B51A1E-902D-48AF-9020-955120F399B6}" type="slidenum">
+              <a:rPr lang="en-ZA" smtClean="0"/>
+              <a:pPr/>
+              <a:t>46</a:t>
+            </a:fld>
+            <a:endParaRPr lang="en-ZA" dirty="0"/>
+          </a:p>
+        </p:txBody>
+      </p:sp>
+      <p:sp>
+        <p:nvSpPr>
+          <p:cNvPr id="4" name="Text Placeholder 3">
+            <a:extLst>
+              <a:ext uri="{FF2B5EF4-FFF2-40B4-BE49-F238E27FC236}">
+                <a16:creationId xmlns:a16="http://schemas.microsoft.com/office/drawing/2014/main" id="{FFBDD66F-0F4C-46B5-B6EA-E71651825367}"/>
+              </a:ext>
+            </a:extLst>
+          </p:cNvPr>
+          <p:cNvSpPr>
+            <a:spLocks noGrp="1"/>
+          </p:cNvSpPr>
+          <p:nvPr>
+            <p:ph type="body" sz="half" idx="2"/>
+          </p:nvPr>
+        </p:nvSpPr>
+        <p:spPr/>
+        <p:txBody>
+          <a:bodyPr/>
+          <a:lstStyle/>
+          <a:p>
+            <a:r>
+              <a:rPr lang="en-US" dirty="0" err="1"/>
+              <a:t>buka</a:t>
+            </a:r>
+            <a:r>
+              <a:rPr lang="en-US" dirty="0"/>
+              <a:t> browser, dalam </a:t>
+            </a:r>
+            <a:r>
+              <a:rPr lang="en-US" dirty="0" err="1"/>
+              <a:t>hal</a:t>
+            </a:r>
+            <a:r>
+              <a:rPr lang="en-US" dirty="0"/>
+              <a:t> ini yang </a:t>
+            </a:r>
+            <a:r>
+              <a:rPr lang="en-US" dirty="0" err="1"/>
+              <a:t>digunakan</a:t>
+            </a:r>
+            <a:r>
+              <a:rPr lang="en-US" dirty="0"/>
+              <a:t> </a:t>
+            </a:r>
+            <a:r>
+              <a:rPr lang="en-US" dirty="0" err="1"/>
+              <a:t>adalah</a:t>
+            </a:r>
+            <a:r>
+              <a:rPr lang="en-US" dirty="0"/>
+              <a:t> </a:t>
+            </a:r>
+            <a:r>
+              <a:rPr lang="en-US" dirty="0" err="1"/>
+              <a:t>firefox</a:t>
+            </a:r>
+            <a:r>
+              <a:rPr lang="en-US" dirty="0"/>
+              <a:t>, dan </a:t>
+            </a:r>
+            <a:r>
+              <a:rPr lang="en-US" dirty="0" err="1"/>
+              <a:t>arahkan</a:t>
+            </a:r>
+            <a:r>
+              <a:rPr lang="en-US" dirty="0"/>
+              <a:t> ke situs https://software.opensuse.org/search, </a:t>
+            </a:r>
+            <a:r>
+              <a:rPr lang="en-US" dirty="0" err="1"/>
+              <a:t>kemudian</a:t>
+            </a:r>
+            <a:r>
+              <a:rPr lang="en-US" dirty="0"/>
+              <a:t> </a:t>
+            </a:r>
+            <a:r>
+              <a:rPr lang="en-US" dirty="0" err="1"/>
+              <a:t>isi</a:t>
+            </a:r>
+            <a:r>
+              <a:rPr lang="en-US" dirty="0"/>
+              <a:t> dengan </a:t>
+            </a:r>
+            <a:r>
+              <a:rPr lang="en-US" dirty="0" err="1"/>
+              <a:t>jupyter</a:t>
+            </a:r>
+            <a:r>
+              <a:rPr lang="en-US" dirty="0"/>
+              <a:t> pada textbox yang </a:t>
+            </a:r>
+            <a:r>
+              <a:rPr lang="en-US" dirty="0" err="1"/>
+              <a:t>tersedia</a:t>
+            </a:r>
+            <a:r>
+              <a:rPr lang="en-US" dirty="0"/>
+              <a:t> dan </a:t>
+            </a:r>
+            <a:r>
+              <a:rPr lang="en-US" dirty="0" err="1"/>
+              <a:t>tekan</a:t>
+            </a:r>
+            <a:r>
+              <a:rPr lang="en-US" dirty="0"/>
+              <a:t> enter</a:t>
+            </a:r>
+          </a:p>
+        </p:txBody>
+      </p:sp>
+      <p:pic>
+        <p:nvPicPr>
+          <p:cNvPr id="7" name="Content Placeholder 6">
+            <a:extLst>
+              <a:ext uri="{FF2B5EF4-FFF2-40B4-BE49-F238E27FC236}">
+                <a16:creationId xmlns:a16="http://schemas.microsoft.com/office/drawing/2014/main" id="{2DFBAD06-14C1-4CC9-9CF4-DB74227873AA}"/>
+              </a:ext>
+            </a:extLst>
+          </p:cNvPr>
+          <p:cNvPicPr>
+            <a:picLocks noGrp="1" noChangeAspect="1"/>
+          </p:cNvPicPr>
+          <p:nvPr>
+            <p:ph idx="1"/>
+          </p:nvPr>
+        </p:nvPicPr>
+        <p:blipFill>
+          <a:blip r:embed="rId2"/>
+          <a:stretch>
+            <a:fillRect/>
+          </a:stretch>
+        </p:blipFill>
+        <p:spPr>
+          <a:xfrm>
+            <a:off x="5183188" y="1348984"/>
+            <a:ext cx="6543675" cy="3679020"/>
+          </a:xfrm>
+        </p:spPr>
+      </p:pic>
+    </p:spTree>
+    <p:extLst>
+      <p:ext uri="{BB962C8B-B14F-4D97-AF65-F5344CB8AC3E}">
+        <p14:creationId xmlns:p14="http://schemas.microsoft.com/office/powerpoint/2010/main" val="664608168"/>
+      </p:ext>
+    </p:extLst>
+  </p:cSld>
+  <p:clrMapOvr>
+    <a:masterClrMapping/>
+  </p:clrMapOvr>
+</p:sld>
+</file>
+
+<file path=ppt/slides/slide47.xml><?xml version="1.0" encoding="utf-8"?>
+<p:sld xmlns:a="http://schemas.openxmlformats.org/drawingml/2006/main" xmlns:r="http://schemas.openxmlformats.org/officeDocument/2006/relationships" xmlns:p="http://schemas.openxmlformats.org/presentationml/2006/main">
+  <p:cSld>
+    <p:spTree>
+      <p:nvGrpSpPr>
+        <p:cNvPr id="1" name=""/>
+        <p:cNvGrpSpPr/>
+        <p:nvPr/>
+      </p:nvGrpSpPr>
+      <p:grpSpPr>
+        <a:xfrm>
+          <a:off x="0" y="0"/>
+          <a:ext cx="0" cy="0"/>
+          <a:chOff x="0" y="0"/>
+          <a:chExt cx="0" cy="0"/>
+        </a:xfrm>
+      </p:grpSpPr>
+      <p:sp>
+        <p:nvSpPr>
+          <p:cNvPr id="2" name="Title 1">
+            <a:extLst>
+              <a:ext uri="{FF2B5EF4-FFF2-40B4-BE49-F238E27FC236}">
+                <a16:creationId xmlns:a16="http://schemas.microsoft.com/office/drawing/2014/main" id="{590FEF35-CB37-4A15-8D0C-7A2A101BC1A3}"/>
+              </a:ext>
+            </a:extLst>
+          </p:cNvPr>
+          <p:cNvSpPr>
+            <a:spLocks noGrp="1"/>
+          </p:cNvSpPr>
+          <p:nvPr>
+            <p:ph type="title"/>
+          </p:nvPr>
+        </p:nvSpPr>
+        <p:spPr/>
+        <p:txBody>
+          <a:bodyPr/>
+          <a:lstStyle/>
+          <a:p>
+            <a:r>
+              <a:rPr lang="en-US" dirty="0"/>
+              <a:t>2</a:t>
+            </a:r>
+          </a:p>
+        </p:txBody>
+      </p:sp>
+      <p:sp>
+        <p:nvSpPr>
+          <p:cNvPr id="3" name="Slide Number Placeholder 2">
+            <a:extLst>
+              <a:ext uri="{FF2B5EF4-FFF2-40B4-BE49-F238E27FC236}">
+                <a16:creationId xmlns:a16="http://schemas.microsoft.com/office/drawing/2014/main" id="{28035682-E1E9-4C8C-9047-7A11C7142032}"/>
+              </a:ext>
+            </a:extLst>
+          </p:cNvPr>
+          <p:cNvSpPr>
+            <a:spLocks noGrp="1"/>
+          </p:cNvSpPr>
+          <p:nvPr>
+            <p:ph type="sldNum" sz="quarter" idx="33"/>
+          </p:nvPr>
+        </p:nvSpPr>
+        <p:spPr/>
+        <p:txBody>
+          <a:bodyPr/>
+          <a:lstStyle/>
+          <a:p>
+            <a:fld id="{19B51A1E-902D-48AF-9020-955120F399B6}" type="slidenum">
+              <a:rPr lang="en-ZA" smtClean="0"/>
+              <a:pPr/>
+              <a:t>47</a:t>
+            </a:fld>
+            <a:endParaRPr lang="en-ZA" dirty="0"/>
+          </a:p>
+        </p:txBody>
+      </p:sp>
+      <p:sp>
+        <p:nvSpPr>
+          <p:cNvPr id="4" name="Text Placeholder 3">
+            <a:extLst>
+              <a:ext uri="{FF2B5EF4-FFF2-40B4-BE49-F238E27FC236}">
+                <a16:creationId xmlns:a16="http://schemas.microsoft.com/office/drawing/2014/main" id="{8B57FF0F-FB61-4C5E-96BD-074BF0D3D02A}"/>
+              </a:ext>
+            </a:extLst>
+          </p:cNvPr>
+          <p:cNvSpPr>
+            <a:spLocks noGrp="1"/>
+          </p:cNvSpPr>
+          <p:nvPr>
+            <p:ph type="body" sz="half" idx="2"/>
+          </p:nvPr>
+        </p:nvSpPr>
+        <p:spPr/>
+        <p:txBody>
+          <a:bodyPr/>
+          <a:lstStyle/>
+          <a:p>
+            <a:r>
+              <a:rPr lang="en-US" dirty="0" err="1"/>
+              <a:t>pilih</a:t>
+            </a:r>
+            <a:r>
+              <a:rPr lang="en-US" dirty="0"/>
+              <a:t> python-</a:t>
+            </a:r>
+            <a:r>
+              <a:rPr lang="en-US" dirty="0" err="1"/>
+              <a:t>jupyter</a:t>
+            </a:r>
+            <a:r>
+              <a:rPr lang="en-US" dirty="0"/>
+              <a:t> </a:t>
+            </a:r>
+            <a:r>
+              <a:rPr lang="en-US" dirty="0" err="1"/>
+              <a:t>seperti</a:t>
+            </a:r>
+            <a:r>
+              <a:rPr lang="en-US" dirty="0"/>
+              <a:t> pada gambar yang </a:t>
+            </a:r>
+            <a:r>
+              <a:rPr lang="en-US" dirty="0" err="1"/>
+              <a:t>ditandai</a:t>
+            </a:r>
+            <a:endParaRPr lang="en-US" dirty="0"/>
+          </a:p>
+        </p:txBody>
+      </p:sp>
+      <p:pic>
+        <p:nvPicPr>
+          <p:cNvPr id="9" name="Content Placeholder 8">
+            <a:extLst>
+              <a:ext uri="{FF2B5EF4-FFF2-40B4-BE49-F238E27FC236}">
+                <a16:creationId xmlns:a16="http://schemas.microsoft.com/office/drawing/2014/main" id="{522276D7-0EA1-4BDB-BA6E-85BC1AEC15C5}"/>
+              </a:ext>
+            </a:extLst>
+          </p:cNvPr>
+          <p:cNvPicPr>
+            <a:picLocks noGrp="1" noChangeAspect="1"/>
+          </p:cNvPicPr>
+          <p:nvPr>
+            <p:ph idx="1"/>
+          </p:nvPr>
+        </p:nvPicPr>
+        <p:blipFill>
+          <a:blip r:embed="rId2"/>
+          <a:stretch>
+            <a:fillRect/>
+          </a:stretch>
+        </p:blipFill>
+        <p:spPr>
+          <a:xfrm>
+            <a:off x="5183188" y="1348984"/>
+            <a:ext cx="6543675" cy="3679020"/>
+          </a:xfrm>
+        </p:spPr>
+      </p:pic>
+    </p:spTree>
+    <p:extLst>
+      <p:ext uri="{BB962C8B-B14F-4D97-AF65-F5344CB8AC3E}">
+        <p14:creationId xmlns:p14="http://schemas.microsoft.com/office/powerpoint/2010/main" val="1774935027"/>
+      </p:ext>
+    </p:extLst>
+  </p:cSld>
+  <p:clrMapOvr>
+    <a:masterClrMapping/>
+  </p:clrMapOvr>
+</p:sld>
+</file>
+
+<file path=ppt/slides/slide48.xml><?xml version="1.0" encoding="utf-8"?>
+<p:sld xmlns:a="http://schemas.openxmlformats.org/drawingml/2006/main" xmlns:r="http://schemas.openxmlformats.org/officeDocument/2006/relationships" xmlns:p="http://schemas.openxmlformats.org/presentationml/2006/main">
+  <p:cSld>
+    <p:spTree>
+      <p:nvGrpSpPr>
+        <p:cNvPr id="1" name=""/>
+        <p:cNvGrpSpPr/>
+        <p:nvPr/>
+      </p:nvGrpSpPr>
+      <p:grpSpPr>
+        <a:xfrm>
+          <a:off x="0" y="0"/>
+          <a:ext cx="0" cy="0"/>
+          <a:chOff x="0" y="0"/>
+          <a:chExt cx="0" cy="0"/>
+        </a:xfrm>
+      </p:grpSpPr>
+      <p:sp>
+        <p:nvSpPr>
+          <p:cNvPr id="2" name="Title 1">
+            <a:extLst>
+              <a:ext uri="{FF2B5EF4-FFF2-40B4-BE49-F238E27FC236}">
+                <a16:creationId xmlns:a16="http://schemas.microsoft.com/office/drawing/2014/main" id="{590FEF35-CB37-4A15-8D0C-7A2A101BC1A3}"/>
+              </a:ext>
+            </a:extLst>
+          </p:cNvPr>
+          <p:cNvSpPr>
+            <a:spLocks noGrp="1"/>
+          </p:cNvSpPr>
+          <p:nvPr>
+            <p:ph type="title"/>
+          </p:nvPr>
+        </p:nvSpPr>
+        <p:spPr/>
+        <p:txBody>
+          <a:bodyPr/>
+          <a:lstStyle/>
+          <a:p>
+            <a:r>
+              <a:rPr lang="en-US" dirty="0"/>
+              <a:t>3</a:t>
+            </a:r>
+          </a:p>
+        </p:txBody>
+      </p:sp>
+      <p:sp>
+        <p:nvSpPr>
+          <p:cNvPr id="3" name="Slide Number Placeholder 2">
+            <a:extLst>
+              <a:ext uri="{FF2B5EF4-FFF2-40B4-BE49-F238E27FC236}">
+                <a16:creationId xmlns:a16="http://schemas.microsoft.com/office/drawing/2014/main" id="{28035682-E1E9-4C8C-9047-7A11C7142032}"/>
+              </a:ext>
+            </a:extLst>
+          </p:cNvPr>
+          <p:cNvSpPr>
+            <a:spLocks noGrp="1"/>
+          </p:cNvSpPr>
+          <p:nvPr>
+            <p:ph type="sldNum" sz="quarter" idx="33"/>
+          </p:nvPr>
+        </p:nvSpPr>
+        <p:spPr/>
+        <p:txBody>
+          <a:bodyPr/>
+          <a:lstStyle/>
+          <a:p>
+            <a:fld id="{19B51A1E-902D-48AF-9020-955120F399B6}" type="slidenum">
+              <a:rPr lang="en-ZA" smtClean="0"/>
+              <a:pPr/>
+              <a:t>48</a:t>
+            </a:fld>
+            <a:endParaRPr lang="en-ZA" dirty="0"/>
+          </a:p>
+        </p:txBody>
+      </p:sp>
+      <p:sp>
+        <p:nvSpPr>
+          <p:cNvPr id="4" name="Text Placeholder 3">
+            <a:extLst>
+              <a:ext uri="{FF2B5EF4-FFF2-40B4-BE49-F238E27FC236}">
+                <a16:creationId xmlns:a16="http://schemas.microsoft.com/office/drawing/2014/main" id="{8B57FF0F-FB61-4C5E-96BD-074BF0D3D02A}"/>
+              </a:ext>
+            </a:extLst>
+          </p:cNvPr>
+          <p:cNvSpPr>
+            <a:spLocks noGrp="1"/>
+          </p:cNvSpPr>
+          <p:nvPr>
+            <p:ph type="body" sz="half" idx="2"/>
+          </p:nvPr>
+        </p:nvSpPr>
+        <p:spPr/>
+        <p:txBody>
+          <a:bodyPr/>
+          <a:lstStyle/>
+          <a:p>
+            <a:r>
+              <a:rPr lang="en-US" dirty="0" err="1"/>
+              <a:t>kemudian</a:t>
+            </a:r>
+            <a:r>
+              <a:rPr lang="en-US" dirty="0"/>
+              <a:t> </a:t>
+            </a:r>
+            <a:r>
+              <a:rPr lang="en-US" dirty="0" err="1"/>
+              <a:t>pilih</a:t>
+            </a:r>
+            <a:r>
+              <a:rPr lang="en-US" dirty="0"/>
+              <a:t> </a:t>
+            </a:r>
+            <a:r>
+              <a:rPr lang="en-US" dirty="0" err="1"/>
+              <a:t>sistem</a:t>
+            </a:r>
+            <a:r>
+              <a:rPr lang="en-US" dirty="0"/>
+              <a:t> </a:t>
+            </a:r>
+            <a:r>
+              <a:rPr lang="en-US" dirty="0" err="1"/>
+              <a:t>operasi</a:t>
+            </a:r>
+            <a:r>
+              <a:rPr lang="en-US" dirty="0"/>
+              <a:t> yang </a:t>
+            </a:r>
+            <a:r>
+              <a:rPr lang="en-US" dirty="0" err="1"/>
+              <a:t>sesuai</a:t>
+            </a:r>
+            <a:r>
+              <a:rPr lang="en-US" dirty="0"/>
+              <a:t> (openSUSE Leap 42.3), dan </a:t>
+            </a:r>
+            <a:r>
+              <a:rPr lang="en-US" dirty="0" err="1"/>
+              <a:t>klik</a:t>
+            </a:r>
+            <a:r>
+              <a:rPr lang="en-US" dirty="0"/>
+              <a:t> </a:t>
+            </a:r>
+            <a:r>
+              <a:rPr lang="en-US" dirty="0" err="1"/>
+              <a:t>tanda</a:t>
+            </a:r>
+            <a:r>
+              <a:rPr lang="en-US" dirty="0"/>
+              <a:t> </a:t>
+            </a:r>
+            <a:r>
+              <a:rPr lang="en-US" dirty="0" err="1"/>
+              <a:t>panah</a:t>
+            </a:r>
+            <a:r>
+              <a:rPr lang="en-US" dirty="0"/>
+              <a:t> </a:t>
+            </a:r>
+            <a:r>
+              <a:rPr lang="en-US" dirty="0" err="1"/>
+              <a:t>dikanan</a:t>
+            </a:r>
+            <a:r>
+              <a:rPr lang="en-US" dirty="0"/>
+              <a:t> (</a:t>
+            </a:r>
+            <a:r>
+              <a:rPr lang="en-US" dirty="0" err="1"/>
+              <a:t>dilingkari</a:t>
+            </a:r>
+            <a:r>
+              <a:rPr lang="en-US" dirty="0"/>
+              <a:t>), </a:t>
+            </a:r>
+            <a:r>
+              <a:rPr lang="en-US" dirty="0" err="1"/>
+              <a:t>kemudian</a:t>
+            </a:r>
+            <a:r>
+              <a:rPr lang="en-US" dirty="0"/>
+              <a:t> </a:t>
+            </a:r>
+            <a:r>
+              <a:rPr lang="en-US" dirty="0" err="1"/>
+              <a:t>pilih</a:t>
+            </a:r>
+            <a:r>
+              <a:rPr lang="en-US" dirty="0"/>
+              <a:t> </a:t>
+            </a:r>
+            <a:r>
+              <a:rPr lang="en-US" dirty="0" err="1"/>
+              <a:t>opsi</a:t>
+            </a:r>
+            <a:r>
+              <a:rPr lang="en-US" dirty="0"/>
+              <a:t> Show unstable packages</a:t>
+            </a:r>
+          </a:p>
+        </p:txBody>
+      </p:sp>
+      <p:pic>
+        <p:nvPicPr>
+          <p:cNvPr id="7" name="Content Placeholder 6">
+            <a:extLst>
+              <a:ext uri="{FF2B5EF4-FFF2-40B4-BE49-F238E27FC236}">
+                <a16:creationId xmlns:a16="http://schemas.microsoft.com/office/drawing/2014/main" id="{C20EFD4D-1D24-4DC6-8CD5-0C8EA597406D}"/>
+              </a:ext>
+            </a:extLst>
+          </p:cNvPr>
+          <p:cNvPicPr>
+            <a:picLocks noGrp="1" noChangeAspect="1"/>
+          </p:cNvPicPr>
+          <p:nvPr>
+            <p:ph idx="1"/>
+          </p:nvPr>
+        </p:nvPicPr>
+        <p:blipFill>
+          <a:blip r:embed="rId2"/>
+          <a:stretch>
+            <a:fillRect/>
+          </a:stretch>
+        </p:blipFill>
+        <p:spPr>
+          <a:xfrm>
+            <a:off x="5183188" y="1348984"/>
+            <a:ext cx="6543675" cy="3679020"/>
+          </a:xfrm>
+        </p:spPr>
+      </p:pic>
+    </p:spTree>
+    <p:extLst>
+      <p:ext uri="{BB962C8B-B14F-4D97-AF65-F5344CB8AC3E}">
+        <p14:creationId xmlns:p14="http://schemas.microsoft.com/office/powerpoint/2010/main" val="3894017000"/>
+      </p:ext>
+    </p:extLst>
+  </p:cSld>
+  <p:clrMapOvr>
+    <a:masterClrMapping/>
+  </p:clrMapOvr>
+</p:sld>
+</file>
+
+<file path=ppt/slides/slide49.xml><?xml version="1.0" encoding="utf-8"?>
+<p:sld xmlns:a="http://schemas.openxmlformats.org/drawingml/2006/main" xmlns:r="http://schemas.openxmlformats.org/officeDocument/2006/relationships" xmlns:p="http://schemas.openxmlformats.org/presentationml/2006/main">
+  <p:cSld>
+    <p:spTree>
+      <p:nvGrpSpPr>
+        <p:cNvPr id="1" name=""/>
+        <p:cNvGrpSpPr/>
+        <p:nvPr/>
+      </p:nvGrpSpPr>
+      <p:grpSpPr>
+        <a:xfrm>
+          <a:off x="0" y="0"/>
+          <a:ext cx="0" cy="0"/>
+          <a:chOff x="0" y="0"/>
+          <a:chExt cx="0" cy="0"/>
+        </a:xfrm>
+      </p:grpSpPr>
+      <p:sp>
+        <p:nvSpPr>
+          <p:cNvPr id="2" name="Title 1">
+            <a:extLst>
+              <a:ext uri="{FF2B5EF4-FFF2-40B4-BE49-F238E27FC236}">
+                <a16:creationId xmlns:a16="http://schemas.microsoft.com/office/drawing/2014/main" id="{590FEF35-CB37-4A15-8D0C-7A2A101BC1A3}"/>
+              </a:ext>
+            </a:extLst>
+          </p:cNvPr>
+          <p:cNvSpPr>
+            <a:spLocks noGrp="1"/>
+          </p:cNvSpPr>
+          <p:nvPr>
+            <p:ph type="title"/>
+          </p:nvPr>
+        </p:nvSpPr>
+        <p:spPr/>
+        <p:txBody>
+          <a:bodyPr/>
+          <a:lstStyle/>
+          <a:p>
+            <a:r>
+              <a:rPr lang="en-US" dirty="0"/>
+              <a:t>4</a:t>
+            </a:r>
+          </a:p>
+        </p:txBody>
+      </p:sp>
+      <p:sp>
+        <p:nvSpPr>
+          <p:cNvPr id="3" name="Slide Number Placeholder 2">
+            <a:extLst>
+              <a:ext uri="{FF2B5EF4-FFF2-40B4-BE49-F238E27FC236}">
+                <a16:creationId xmlns:a16="http://schemas.microsoft.com/office/drawing/2014/main" id="{28035682-E1E9-4C8C-9047-7A11C7142032}"/>
+              </a:ext>
+            </a:extLst>
+          </p:cNvPr>
+          <p:cNvSpPr>
+            <a:spLocks noGrp="1"/>
+          </p:cNvSpPr>
+          <p:nvPr>
+            <p:ph type="sldNum" sz="quarter" idx="33"/>
+          </p:nvPr>
+        </p:nvSpPr>
+        <p:spPr/>
+        <p:txBody>
+          <a:bodyPr/>
+          <a:lstStyle/>
+          <a:p>
+            <a:fld id="{19B51A1E-902D-48AF-9020-955120F399B6}" type="slidenum">
+              <a:rPr lang="en-ZA" smtClean="0"/>
+              <a:pPr/>
+              <a:t>49</a:t>
+            </a:fld>
+            <a:endParaRPr lang="en-ZA" dirty="0"/>
+          </a:p>
+        </p:txBody>
+      </p:sp>
+      <p:sp>
+        <p:nvSpPr>
+          <p:cNvPr id="4" name="Text Placeholder 3">
+            <a:extLst>
+              <a:ext uri="{FF2B5EF4-FFF2-40B4-BE49-F238E27FC236}">
+                <a16:creationId xmlns:a16="http://schemas.microsoft.com/office/drawing/2014/main" id="{8B57FF0F-FB61-4C5E-96BD-074BF0D3D02A}"/>
+              </a:ext>
+            </a:extLst>
+          </p:cNvPr>
+          <p:cNvSpPr>
+            <a:spLocks noGrp="1"/>
+          </p:cNvSpPr>
+          <p:nvPr>
+            <p:ph type="body" sz="half" idx="2"/>
+          </p:nvPr>
+        </p:nvSpPr>
+        <p:spPr/>
+        <p:txBody>
+          <a:bodyPr/>
+          <a:lstStyle/>
+          <a:p>
+            <a:r>
+              <a:rPr lang="en-US" dirty="0" err="1"/>
+              <a:t>apabila</a:t>
+            </a:r>
+            <a:r>
+              <a:rPr lang="en-US" dirty="0"/>
+              <a:t> </a:t>
+            </a:r>
+            <a:r>
+              <a:rPr lang="en-US" dirty="0" err="1"/>
+              <a:t>ada</a:t>
+            </a:r>
+            <a:r>
+              <a:rPr lang="en-US" dirty="0"/>
+              <a:t> </a:t>
+            </a:r>
+            <a:r>
+              <a:rPr lang="en-US" dirty="0" err="1"/>
+              <a:t>peringatan</a:t>
+            </a:r>
+            <a:r>
+              <a:rPr lang="en-US" dirty="0"/>
+              <a:t> </a:t>
+            </a:r>
+            <a:r>
+              <a:rPr lang="en-US" dirty="0" err="1"/>
+              <a:t>seperti</a:t>
+            </a:r>
+            <a:r>
+              <a:rPr lang="en-US" dirty="0"/>
+              <a:t> dibawah, </a:t>
+            </a:r>
+            <a:r>
+              <a:rPr lang="en-US" dirty="0" err="1"/>
+              <a:t>klik</a:t>
+            </a:r>
+            <a:r>
+              <a:rPr lang="en-US" dirty="0"/>
+              <a:t> pada </a:t>
+            </a:r>
+            <a:r>
+              <a:rPr lang="en-US" dirty="0" err="1"/>
+              <a:t>tombol</a:t>
+            </a:r>
+            <a:r>
+              <a:rPr lang="en-US" dirty="0"/>
+              <a:t> continue</a:t>
+            </a:r>
+          </a:p>
+        </p:txBody>
+      </p:sp>
+      <p:pic>
+        <p:nvPicPr>
+          <p:cNvPr id="7" name="Content Placeholder 6">
+            <a:extLst>
+              <a:ext uri="{FF2B5EF4-FFF2-40B4-BE49-F238E27FC236}">
+                <a16:creationId xmlns:a16="http://schemas.microsoft.com/office/drawing/2014/main" id="{026B5150-0754-4270-B759-E7D9211C400C}"/>
+              </a:ext>
+            </a:extLst>
+          </p:cNvPr>
+          <p:cNvPicPr>
+            <a:picLocks noGrp="1" noChangeAspect="1"/>
+          </p:cNvPicPr>
+          <p:nvPr>
+            <p:ph idx="1"/>
+          </p:nvPr>
+        </p:nvPicPr>
+        <p:blipFill>
+          <a:blip r:embed="rId2"/>
+          <a:stretch>
+            <a:fillRect/>
+          </a:stretch>
+        </p:blipFill>
+        <p:spPr>
+          <a:xfrm>
+            <a:off x="5183188" y="1348085"/>
+            <a:ext cx="6543675" cy="3680817"/>
+          </a:xfrm>
+        </p:spPr>
+      </p:pic>
+    </p:spTree>
+    <p:extLst>
+      <p:ext uri="{BB962C8B-B14F-4D97-AF65-F5344CB8AC3E}">
+        <p14:creationId xmlns:p14="http://schemas.microsoft.com/office/powerpoint/2010/main" val="1759717023"/>
+      </p:ext>
+    </p:extLst>
+  </p:cSld>
+  <p:clrMapOvr>
+    <a:masterClrMapping/>
+  </p:clrMapOvr>
+</p:sld>
+</file>
+
+<file path=ppt/slides/slide5.xml><?xml version="1.0" encoding="utf-8"?>
+<p:sld xmlns:a="http://schemas.openxmlformats.org/drawingml/2006/main" xmlns:r="http://schemas.openxmlformats.org/officeDocument/2006/relationships" xmlns:p="http://schemas.openxmlformats.org/presentationml/2006/main">
+  <p:cSld>
+    <p:spTree>
+      <p:nvGrpSpPr>
+        <p:cNvPr id="1" name=""/>
+        <p:cNvGrpSpPr/>
+        <p:nvPr/>
+      </p:nvGrpSpPr>
+      <p:grpSpPr>
+        <a:xfrm>
+          <a:off x="0" y="0"/>
+          <a:ext cx="0" cy="0"/>
+          <a:chOff x="0" y="0"/>
+          <a:chExt cx="0" cy="0"/>
+        </a:xfrm>
+      </p:grpSpPr>
+      <p:sp>
+        <p:nvSpPr>
+          <p:cNvPr id="2" name="Title 1">
+            <a:extLst>
+              <a:ext uri="{FF2B5EF4-FFF2-40B4-BE49-F238E27FC236}">
+                <a16:creationId xmlns:a16="http://schemas.microsoft.com/office/drawing/2014/main" id="{A8359FD9-0B08-4153-881C-1C1368D10EDE}"/>
+              </a:ext>
+            </a:extLst>
+          </p:cNvPr>
+          <p:cNvSpPr>
+            <a:spLocks noGrp="1"/>
+          </p:cNvSpPr>
+          <p:nvPr>
+            <p:ph type="title"/>
+          </p:nvPr>
+        </p:nvSpPr>
+        <p:spPr/>
+        <p:txBody>
+          <a:bodyPr/>
+          <a:lstStyle/>
+          <a:p>
+            <a:r>
+              <a:rPr lang="en-US" dirty="0"/>
+              <a:t>2. </a:t>
+            </a:r>
+            <a:r>
+              <a:rPr lang="en-US" dirty="0" err="1"/>
+              <a:t>Pilih</a:t>
+            </a:r>
+            <a:r>
+              <a:rPr lang="en-US" dirty="0"/>
+              <a:t> </a:t>
+            </a:r>
+            <a:r>
+              <a:rPr lang="en-US" dirty="0" err="1"/>
+              <a:t>Pengguna</a:t>
+            </a:r>
+            <a:endParaRPr lang="en-US" dirty="0"/>
+          </a:p>
+        </p:txBody>
+      </p:sp>
+      <p:sp>
+        <p:nvSpPr>
+          <p:cNvPr id="3" name="Slide Number Placeholder 2">
+            <a:extLst>
+              <a:ext uri="{FF2B5EF4-FFF2-40B4-BE49-F238E27FC236}">
+                <a16:creationId xmlns:a16="http://schemas.microsoft.com/office/drawing/2014/main" id="{5F3EC4AA-110E-4B04-973B-BC488BCA0250}"/>
+              </a:ext>
+            </a:extLst>
+          </p:cNvPr>
+          <p:cNvSpPr>
+            <a:spLocks noGrp="1"/>
+          </p:cNvSpPr>
+          <p:nvPr>
+            <p:ph type="sldNum" sz="quarter" idx="33"/>
+          </p:nvPr>
+        </p:nvSpPr>
+        <p:spPr/>
+        <p:txBody>
+          <a:bodyPr/>
+          <a:lstStyle/>
+          <a:p>
+            <a:fld id="{19B51A1E-902D-48AF-9020-955120F399B6}" type="slidenum">
+              <a:rPr lang="en-ZA" smtClean="0"/>
+              <a:pPr/>
+              <a:t>5</a:t>
+            </a:fld>
+            <a:endParaRPr lang="en-ZA" dirty="0"/>
+          </a:p>
+        </p:txBody>
+      </p:sp>
+      <p:sp>
+        <p:nvSpPr>
+          <p:cNvPr id="4" name="Text Placeholder 3">
+            <a:extLst>
+              <a:ext uri="{FF2B5EF4-FFF2-40B4-BE49-F238E27FC236}">
+                <a16:creationId xmlns:a16="http://schemas.microsoft.com/office/drawing/2014/main" id="{60AB45CA-101F-4073-BAA5-A1069F151827}"/>
+              </a:ext>
+            </a:extLst>
+          </p:cNvPr>
+          <p:cNvSpPr>
+            <a:spLocks noGrp="1"/>
+          </p:cNvSpPr>
+          <p:nvPr>
+            <p:ph type="body" sz="half" idx="2"/>
+          </p:nvPr>
+        </p:nvSpPr>
+        <p:spPr/>
+        <p:txBody>
+          <a:bodyPr/>
+          <a:lstStyle/>
+          <a:p>
+            <a:r>
+              <a:rPr lang="en-US" dirty="0" err="1"/>
+              <a:t>Pilih</a:t>
+            </a:r>
+            <a:r>
+              <a:rPr lang="en-US" dirty="0"/>
+              <a:t> </a:t>
+            </a:r>
+            <a:r>
+              <a:rPr lang="en-US" dirty="0" err="1"/>
+              <a:t>saja</a:t>
+            </a:r>
+            <a:r>
+              <a:rPr lang="en-US" dirty="0"/>
+              <a:t> ‘Install for all users’ agar bisa </a:t>
+            </a:r>
+            <a:r>
+              <a:rPr lang="en-US" dirty="0" err="1"/>
+              <a:t>dipakai</a:t>
+            </a:r>
+            <a:r>
+              <a:rPr lang="en-US" dirty="0"/>
+              <a:t> untuk semua user di </a:t>
+            </a:r>
+            <a:r>
+              <a:rPr lang="en-US" dirty="0" err="1"/>
+              <a:t>komputernya</a:t>
+            </a:r>
+            <a:r>
+              <a:rPr lang="en-US" dirty="0"/>
+              <a:t>.</a:t>
+            </a:r>
+          </a:p>
+        </p:txBody>
+      </p:sp>
+      <p:pic>
+        <p:nvPicPr>
+          <p:cNvPr id="7" name="Content Placeholder 6">
+            <a:extLst>
+              <a:ext uri="{FF2B5EF4-FFF2-40B4-BE49-F238E27FC236}">
+                <a16:creationId xmlns:a16="http://schemas.microsoft.com/office/drawing/2014/main" id="{25C1E5BA-DAFF-483A-820F-228057CF7494}"/>
+              </a:ext>
+            </a:extLst>
+          </p:cNvPr>
+          <p:cNvPicPr>
+            <a:picLocks noGrp="1" noChangeAspect="1"/>
+          </p:cNvPicPr>
+          <p:nvPr>
+            <p:ph idx="1"/>
+          </p:nvPr>
+        </p:nvPicPr>
+        <p:blipFill>
+          <a:blip r:embed="rId2"/>
+          <a:stretch>
+            <a:fillRect/>
+          </a:stretch>
+        </p:blipFill>
+        <p:spPr>
+          <a:xfrm>
+            <a:off x="6016625" y="1088231"/>
+            <a:ext cx="4876800" cy="4200525"/>
+          </a:xfrm>
+        </p:spPr>
+      </p:pic>
+    </p:spTree>
+    <p:extLst>
+      <p:ext uri="{BB962C8B-B14F-4D97-AF65-F5344CB8AC3E}">
+        <p14:creationId xmlns:p14="http://schemas.microsoft.com/office/powerpoint/2010/main" val="2892185862"/>
+      </p:ext>
+    </p:extLst>
+  </p:cSld>
+  <p:clrMapOvr>
+    <a:masterClrMapping/>
+  </p:clrMapOvr>
+</p:sld>
+</file>
+
+<file path=ppt/slides/slide50.xml><?xml version="1.0" encoding="utf-8"?>
+<p:sld xmlns:a="http://schemas.openxmlformats.org/drawingml/2006/main" xmlns:r="http://schemas.openxmlformats.org/officeDocument/2006/relationships" xmlns:p="http://schemas.openxmlformats.org/presentationml/2006/main">
+  <p:cSld>
+    <p:spTree>
+      <p:nvGrpSpPr>
+        <p:cNvPr id="1" name=""/>
+        <p:cNvGrpSpPr/>
+        <p:nvPr/>
+      </p:nvGrpSpPr>
+      <p:grpSpPr>
+        <a:xfrm>
+          <a:off x="0" y="0"/>
+          <a:ext cx="0" cy="0"/>
+          <a:chOff x="0" y="0"/>
+          <a:chExt cx="0" cy="0"/>
+        </a:xfrm>
+      </p:grpSpPr>
+      <p:sp>
+        <p:nvSpPr>
+          <p:cNvPr id="2" name="Title 1">
+            <a:extLst>
+              <a:ext uri="{FF2B5EF4-FFF2-40B4-BE49-F238E27FC236}">
+                <a16:creationId xmlns:a16="http://schemas.microsoft.com/office/drawing/2014/main" id="{590FEF35-CB37-4A15-8D0C-7A2A101BC1A3}"/>
+              </a:ext>
+            </a:extLst>
+          </p:cNvPr>
+          <p:cNvSpPr>
+            <a:spLocks noGrp="1"/>
+          </p:cNvSpPr>
+          <p:nvPr>
+            <p:ph type="title"/>
+          </p:nvPr>
+        </p:nvSpPr>
+        <p:spPr/>
+        <p:txBody>
+          <a:bodyPr/>
+          <a:lstStyle/>
+          <a:p>
+            <a:r>
+              <a:rPr lang="en-US" dirty="0"/>
+              <a:t>5</a:t>
+            </a:r>
+          </a:p>
+        </p:txBody>
+      </p:sp>
+      <p:sp>
+        <p:nvSpPr>
+          <p:cNvPr id="3" name="Slide Number Placeholder 2">
+            <a:extLst>
+              <a:ext uri="{FF2B5EF4-FFF2-40B4-BE49-F238E27FC236}">
+                <a16:creationId xmlns:a16="http://schemas.microsoft.com/office/drawing/2014/main" id="{28035682-E1E9-4C8C-9047-7A11C7142032}"/>
+              </a:ext>
+            </a:extLst>
+          </p:cNvPr>
+          <p:cNvSpPr>
+            <a:spLocks noGrp="1"/>
+          </p:cNvSpPr>
+          <p:nvPr>
+            <p:ph type="sldNum" sz="quarter" idx="33"/>
+          </p:nvPr>
+        </p:nvSpPr>
+        <p:spPr/>
+        <p:txBody>
+          <a:bodyPr/>
+          <a:lstStyle/>
+          <a:p>
+            <a:fld id="{19B51A1E-902D-48AF-9020-955120F399B6}" type="slidenum">
+              <a:rPr lang="en-ZA" smtClean="0"/>
+              <a:pPr/>
+              <a:t>50</a:t>
+            </a:fld>
+            <a:endParaRPr lang="en-ZA" dirty="0"/>
+          </a:p>
+        </p:txBody>
+      </p:sp>
+      <p:sp>
+        <p:nvSpPr>
+          <p:cNvPr id="4" name="Text Placeholder 3">
+            <a:extLst>
+              <a:ext uri="{FF2B5EF4-FFF2-40B4-BE49-F238E27FC236}">
+                <a16:creationId xmlns:a16="http://schemas.microsoft.com/office/drawing/2014/main" id="{8B57FF0F-FB61-4C5E-96BD-074BF0D3D02A}"/>
+              </a:ext>
+            </a:extLst>
+          </p:cNvPr>
+          <p:cNvSpPr>
+            <a:spLocks noGrp="1"/>
+          </p:cNvSpPr>
+          <p:nvPr>
+            <p:ph type="body" sz="half" idx="2"/>
+          </p:nvPr>
+        </p:nvSpPr>
+        <p:spPr/>
+        <p:txBody>
+          <a:bodyPr/>
+          <a:lstStyle/>
+          <a:p>
+            <a:r>
+              <a:rPr lang="en-US" dirty="0" err="1"/>
+              <a:t>pilih</a:t>
+            </a:r>
+            <a:r>
+              <a:rPr lang="en-US" dirty="0"/>
+              <a:t> </a:t>
+            </a:r>
+            <a:r>
+              <a:rPr lang="en-US" dirty="0" err="1"/>
+              <a:t>opsi</a:t>
+            </a:r>
+            <a:r>
+              <a:rPr lang="en-US" dirty="0"/>
+              <a:t> paling </a:t>
+            </a:r>
+            <a:r>
+              <a:rPr lang="en-US" dirty="0" err="1"/>
+              <a:t>atas</a:t>
+            </a:r>
+            <a:r>
+              <a:rPr lang="en-US" dirty="0"/>
+              <a:t>, </a:t>
+            </a:r>
+            <a:r>
+              <a:rPr lang="en-US" dirty="0" err="1"/>
+              <a:t>kemudian</a:t>
+            </a:r>
+            <a:r>
+              <a:rPr lang="en-US" dirty="0"/>
+              <a:t> </a:t>
+            </a:r>
+            <a:r>
+              <a:rPr lang="en-US" dirty="0" err="1"/>
+              <a:t>klik</a:t>
+            </a:r>
+            <a:r>
+              <a:rPr lang="en-US" dirty="0"/>
+              <a:t> 1 Click Install</a:t>
+            </a:r>
+          </a:p>
+        </p:txBody>
+      </p:sp>
+      <p:pic>
+        <p:nvPicPr>
+          <p:cNvPr id="7" name="Content Placeholder 6">
+            <a:extLst>
+              <a:ext uri="{FF2B5EF4-FFF2-40B4-BE49-F238E27FC236}">
+                <a16:creationId xmlns:a16="http://schemas.microsoft.com/office/drawing/2014/main" id="{4B4FEEF1-E4F6-4427-83B6-BEA5B84BDC0F}"/>
+              </a:ext>
+            </a:extLst>
+          </p:cNvPr>
+          <p:cNvPicPr>
+            <a:picLocks noGrp="1" noChangeAspect="1"/>
+          </p:cNvPicPr>
+          <p:nvPr>
+            <p:ph idx="1"/>
+          </p:nvPr>
+        </p:nvPicPr>
+        <p:blipFill>
+          <a:blip r:embed="rId2"/>
+          <a:stretch>
+            <a:fillRect/>
+          </a:stretch>
+        </p:blipFill>
+        <p:spPr>
+          <a:xfrm>
+            <a:off x="5183188" y="1348085"/>
+            <a:ext cx="6543675" cy="3680817"/>
+          </a:xfrm>
+        </p:spPr>
+      </p:pic>
+    </p:spTree>
+    <p:extLst>
+      <p:ext uri="{BB962C8B-B14F-4D97-AF65-F5344CB8AC3E}">
+        <p14:creationId xmlns:p14="http://schemas.microsoft.com/office/powerpoint/2010/main" val="3518693606"/>
+      </p:ext>
+    </p:extLst>
+  </p:cSld>
+  <p:clrMapOvr>
+    <a:masterClrMapping/>
+  </p:clrMapOvr>
+</p:sld>
+</file>
+
+<file path=ppt/slides/slide51.xml><?xml version="1.0" encoding="utf-8"?>
+<p:sld xmlns:a="http://schemas.openxmlformats.org/drawingml/2006/main" xmlns:r="http://schemas.openxmlformats.org/officeDocument/2006/relationships" xmlns:p="http://schemas.openxmlformats.org/presentationml/2006/main">
+  <p:cSld>
+    <p:spTree>
+      <p:nvGrpSpPr>
+        <p:cNvPr id="1" name=""/>
+        <p:cNvGrpSpPr/>
+        <p:nvPr/>
+      </p:nvGrpSpPr>
+      <p:grpSpPr>
+        <a:xfrm>
+          <a:off x="0" y="0"/>
+          <a:ext cx="0" cy="0"/>
+          <a:chOff x="0" y="0"/>
+          <a:chExt cx="0" cy="0"/>
+        </a:xfrm>
+      </p:grpSpPr>
+      <p:sp>
+        <p:nvSpPr>
+          <p:cNvPr id="2" name="Title 1">
+            <a:extLst>
+              <a:ext uri="{FF2B5EF4-FFF2-40B4-BE49-F238E27FC236}">
+                <a16:creationId xmlns:a16="http://schemas.microsoft.com/office/drawing/2014/main" id="{590FEF35-CB37-4A15-8D0C-7A2A101BC1A3}"/>
+              </a:ext>
+            </a:extLst>
+          </p:cNvPr>
+          <p:cNvSpPr>
+            <a:spLocks noGrp="1"/>
+          </p:cNvSpPr>
+          <p:nvPr>
+            <p:ph type="title"/>
+          </p:nvPr>
+        </p:nvSpPr>
+        <p:spPr/>
+        <p:txBody>
+          <a:bodyPr/>
+          <a:lstStyle/>
+          <a:p>
+            <a:r>
+              <a:rPr lang="en-US" dirty="0"/>
+              <a:t>6</a:t>
+            </a:r>
+          </a:p>
+        </p:txBody>
+      </p:sp>
+      <p:sp>
+        <p:nvSpPr>
+          <p:cNvPr id="3" name="Slide Number Placeholder 2">
+            <a:extLst>
+              <a:ext uri="{FF2B5EF4-FFF2-40B4-BE49-F238E27FC236}">
+                <a16:creationId xmlns:a16="http://schemas.microsoft.com/office/drawing/2014/main" id="{28035682-E1E9-4C8C-9047-7A11C7142032}"/>
+              </a:ext>
+            </a:extLst>
+          </p:cNvPr>
+          <p:cNvSpPr>
+            <a:spLocks noGrp="1"/>
+          </p:cNvSpPr>
+          <p:nvPr>
+            <p:ph type="sldNum" sz="quarter" idx="33"/>
+          </p:nvPr>
+        </p:nvSpPr>
+        <p:spPr/>
+        <p:txBody>
+          <a:bodyPr/>
+          <a:lstStyle/>
+          <a:p>
+            <a:fld id="{19B51A1E-902D-48AF-9020-955120F399B6}" type="slidenum">
+              <a:rPr lang="en-ZA" smtClean="0"/>
+              <a:pPr/>
+              <a:t>51</a:t>
+            </a:fld>
+            <a:endParaRPr lang="en-ZA" dirty="0"/>
+          </a:p>
+        </p:txBody>
+      </p:sp>
+      <p:sp>
+        <p:nvSpPr>
+          <p:cNvPr id="4" name="Text Placeholder 3">
+            <a:extLst>
+              <a:ext uri="{FF2B5EF4-FFF2-40B4-BE49-F238E27FC236}">
+                <a16:creationId xmlns:a16="http://schemas.microsoft.com/office/drawing/2014/main" id="{8B57FF0F-FB61-4C5E-96BD-074BF0D3D02A}"/>
+              </a:ext>
+            </a:extLst>
+          </p:cNvPr>
+          <p:cNvSpPr>
+            <a:spLocks noGrp="1"/>
+          </p:cNvSpPr>
+          <p:nvPr>
+            <p:ph type="body" sz="half" idx="2"/>
+          </p:nvPr>
+        </p:nvSpPr>
+        <p:spPr/>
+        <p:txBody>
+          <a:bodyPr/>
+          <a:lstStyle/>
+          <a:p>
+            <a:r>
+              <a:rPr lang="en-US" dirty="0" err="1"/>
+              <a:t>kemudian</a:t>
+            </a:r>
+            <a:r>
+              <a:rPr lang="en-US" dirty="0"/>
+              <a:t>, </a:t>
+            </a:r>
+            <a:r>
+              <a:rPr lang="en-US" dirty="0" err="1"/>
+              <a:t>pilih</a:t>
+            </a:r>
+            <a:r>
+              <a:rPr lang="en-US" dirty="0"/>
+              <a:t> </a:t>
+            </a:r>
+            <a:r>
+              <a:rPr lang="en-US" dirty="0" err="1"/>
+              <a:t>opsi</a:t>
+            </a:r>
+            <a:r>
+              <a:rPr lang="en-US" dirty="0"/>
+              <a:t> open with </a:t>
+            </a:r>
+            <a:r>
+              <a:rPr lang="en-US" dirty="0" err="1"/>
+              <a:t>YaST</a:t>
+            </a:r>
+            <a:r>
+              <a:rPr lang="en-US" dirty="0"/>
+              <a:t> 1-Click Install</a:t>
+            </a:r>
+          </a:p>
+        </p:txBody>
+      </p:sp>
+      <p:pic>
+        <p:nvPicPr>
+          <p:cNvPr id="7" name="Content Placeholder 6">
+            <a:extLst>
+              <a:ext uri="{FF2B5EF4-FFF2-40B4-BE49-F238E27FC236}">
+                <a16:creationId xmlns:a16="http://schemas.microsoft.com/office/drawing/2014/main" id="{AD5C7C1A-A179-467D-B1B4-7D7F667BC2DD}"/>
+              </a:ext>
+            </a:extLst>
+          </p:cNvPr>
+          <p:cNvPicPr>
+            <a:picLocks noGrp="1" noChangeAspect="1"/>
+          </p:cNvPicPr>
+          <p:nvPr>
+            <p:ph idx="1"/>
+          </p:nvPr>
+        </p:nvPicPr>
+        <p:blipFill>
+          <a:blip r:embed="rId2"/>
+          <a:stretch>
+            <a:fillRect/>
+          </a:stretch>
+        </p:blipFill>
+        <p:spPr>
+          <a:xfrm>
+            <a:off x="5183188" y="1348085"/>
+            <a:ext cx="6543675" cy="3680817"/>
+          </a:xfrm>
+        </p:spPr>
+      </p:pic>
+    </p:spTree>
+    <p:extLst>
+      <p:ext uri="{BB962C8B-B14F-4D97-AF65-F5344CB8AC3E}">
+        <p14:creationId xmlns:p14="http://schemas.microsoft.com/office/powerpoint/2010/main" val="2888212834"/>
+      </p:ext>
+    </p:extLst>
+  </p:cSld>
+  <p:clrMapOvr>
+    <a:masterClrMapping/>
+  </p:clrMapOvr>
+</p:sld>
+</file>
+
+<file path=ppt/slides/slide52.xml><?xml version="1.0" encoding="utf-8"?>
+<p:sld xmlns:a="http://schemas.openxmlformats.org/drawingml/2006/main" xmlns:r="http://schemas.openxmlformats.org/officeDocument/2006/relationships" xmlns:p="http://schemas.openxmlformats.org/presentationml/2006/main">
+  <p:cSld>
+    <p:spTree>
+      <p:nvGrpSpPr>
+        <p:cNvPr id="1" name=""/>
+        <p:cNvGrpSpPr/>
+        <p:nvPr/>
+      </p:nvGrpSpPr>
+      <p:grpSpPr>
+        <a:xfrm>
+          <a:off x="0" y="0"/>
+          <a:ext cx="0" cy="0"/>
+          <a:chOff x="0" y="0"/>
+          <a:chExt cx="0" cy="0"/>
+        </a:xfrm>
+      </p:grpSpPr>
+      <p:sp>
+        <p:nvSpPr>
+          <p:cNvPr id="2" name="Title 1">
+            <a:extLst>
+              <a:ext uri="{FF2B5EF4-FFF2-40B4-BE49-F238E27FC236}">
+                <a16:creationId xmlns:a16="http://schemas.microsoft.com/office/drawing/2014/main" id="{590FEF35-CB37-4A15-8D0C-7A2A101BC1A3}"/>
+              </a:ext>
+            </a:extLst>
+          </p:cNvPr>
+          <p:cNvSpPr>
+            <a:spLocks noGrp="1"/>
+          </p:cNvSpPr>
+          <p:nvPr>
+            <p:ph type="title"/>
+          </p:nvPr>
+        </p:nvSpPr>
+        <p:spPr/>
+        <p:txBody>
+          <a:bodyPr/>
+          <a:lstStyle/>
+          <a:p>
+            <a:r>
+              <a:rPr lang="en-US" dirty="0"/>
+              <a:t>7</a:t>
+            </a:r>
+          </a:p>
+        </p:txBody>
+      </p:sp>
+      <p:sp>
+        <p:nvSpPr>
+          <p:cNvPr id="3" name="Slide Number Placeholder 2">
+            <a:extLst>
+              <a:ext uri="{FF2B5EF4-FFF2-40B4-BE49-F238E27FC236}">
+                <a16:creationId xmlns:a16="http://schemas.microsoft.com/office/drawing/2014/main" id="{28035682-E1E9-4C8C-9047-7A11C7142032}"/>
+              </a:ext>
+            </a:extLst>
+          </p:cNvPr>
+          <p:cNvSpPr>
+            <a:spLocks noGrp="1"/>
+          </p:cNvSpPr>
+          <p:nvPr>
+            <p:ph type="sldNum" sz="quarter" idx="33"/>
+          </p:nvPr>
+        </p:nvSpPr>
+        <p:spPr/>
+        <p:txBody>
+          <a:bodyPr/>
+          <a:lstStyle/>
+          <a:p>
+            <a:fld id="{19B51A1E-902D-48AF-9020-955120F399B6}" type="slidenum">
+              <a:rPr lang="en-ZA" smtClean="0"/>
+              <a:pPr/>
+              <a:t>52</a:t>
+            </a:fld>
+            <a:endParaRPr lang="en-ZA" dirty="0"/>
+          </a:p>
+        </p:txBody>
+      </p:sp>
+      <p:sp>
+        <p:nvSpPr>
+          <p:cNvPr id="4" name="Text Placeholder 3">
+            <a:extLst>
+              <a:ext uri="{FF2B5EF4-FFF2-40B4-BE49-F238E27FC236}">
+                <a16:creationId xmlns:a16="http://schemas.microsoft.com/office/drawing/2014/main" id="{8B57FF0F-FB61-4C5E-96BD-074BF0D3D02A}"/>
+              </a:ext>
+            </a:extLst>
+          </p:cNvPr>
+          <p:cNvSpPr>
+            <a:spLocks noGrp="1"/>
+          </p:cNvSpPr>
+          <p:nvPr>
+            <p:ph type="body" sz="half" idx="2"/>
+          </p:nvPr>
+        </p:nvSpPr>
+        <p:spPr/>
+        <p:txBody>
+          <a:bodyPr/>
+          <a:lstStyle/>
+          <a:p>
+            <a:r>
+              <a:rPr lang="en-US" dirty="0"/>
+              <a:t>pada </a:t>
+            </a:r>
+            <a:r>
+              <a:rPr lang="en-US" dirty="0" err="1"/>
+              <a:t>bagian</a:t>
+            </a:r>
+            <a:r>
+              <a:rPr lang="en-US" dirty="0"/>
+              <a:t> Additional Software Repository, </a:t>
+            </a:r>
+            <a:r>
+              <a:rPr lang="en-US" dirty="0" err="1"/>
+              <a:t>klik</a:t>
+            </a:r>
+            <a:r>
+              <a:rPr lang="en-US" dirty="0"/>
+              <a:t> next</a:t>
+            </a:r>
+          </a:p>
+        </p:txBody>
+      </p:sp>
+      <p:pic>
+        <p:nvPicPr>
+          <p:cNvPr id="7" name="Content Placeholder 6">
+            <a:extLst>
+              <a:ext uri="{FF2B5EF4-FFF2-40B4-BE49-F238E27FC236}">
+                <a16:creationId xmlns:a16="http://schemas.microsoft.com/office/drawing/2014/main" id="{6353C11D-D9B6-4562-B731-B6B5E2E7B9BC}"/>
+              </a:ext>
+            </a:extLst>
+          </p:cNvPr>
+          <p:cNvPicPr>
+            <a:picLocks noGrp="1" noChangeAspect="1"/>
+          </p:cNvPicPr>
+          <p:nvPr>
+            <p:ph idx="1"/>
+          </p:nvPr>
+        </p:nvPicPr>
+        <p:blipFill>
+          <a:blip r:embed="rId2"/>
+          <a:stretch>
+            <a:fillRect/>
+          </a:stretch>
+        </p:blipFill>
+        <p:spPr>
+          <a:xfrm>
+            <a:off x="5183188" y="1348085"/>
+            <a:ext cx="6543675" cy="3680817"/>
+          </a:xfrm>
+        </p:spPr>
+      </p:pic>
+    </p:spTree>
+    <p:extLst>
+      <p:ext uri="{BB962C8B-B14F-4D97-AF65-F5344CB8AC3E}">
+        <p14:creationId xmlns:p14="http://schemas.microsoft.com/office/powerpoint/2010/main" val="3026592866"/>
+      </p:ext>
+    </p:extLst>
+  </p:cSld>
+  <p:clrMapOvr>
+    <a:masterClrMapping/>
+  </p:clrMapOvr>
+</p:sld>
+</file>
+
+<file path=ppt/slides/slide53.xml><?xml version="1.0" encoding="utf-8"?>
+<p:sld xmlns:a="http://schemas.openxmlformats.org/drawingml/2006/main" xmlns:r="http://schemas.openxmlformats.org/officeDocument/2006/relationships" xmlns:p="http://schemas.openxmlformats.org/presentationml/2006/main">
+  <p:cSld>
+    <p:spTree>
+      <p:nvGrpSpPr>
+        <p:cNvPr id="1" name=""/>
+        <p:cNvGrpSpPr/>
+        <p:nvPr/>
+      </p:nvGrpSpPr>
+      <p:grpSpPr>
+        <a:xfrm>
+          <a:off x="0" y="0"/>
+          <a:ext cx="0" cy="0"/>
+          <a:chOff x="0" y="0"/>
+          <a:chExt cx="0" cy="0"/>
+        </a:xfrm>
+      </p:grpSpPr>
+      <p:sp>
+        <p:nvSpPr>
+          <p:cNvPr id="2" name="Title 1">
+            <a:extLst>
+              <a:ext uri="{FF2B5EF4-FFF2-40B4-BE49-F238E27FC236}">
+                <a16:creationId xmlns:a16="http://schemas.microsoft.com/office/drawing/2014/main" id="{590FEF35-CB37-4A15-8D0C-7A2A101BC1A3}"/>
+              </a:ext>
+            </a:extLst>
+          </p:cNvPr>
+          <p:cNvSpPr>
+            <a:spLocks noGrp="1"/>
+          </p:cNvSpPr>
+          <p:nvPr>
+            <p:ph type="title"/>
+          </p:nvPr>
+        </p:nvSpPr>
+        <p:spPr/>
+        <p:txBody>
+          <a:bodyPr/>
+          <a:lstStyle/>
+          <a:p>
+            <a:r>
+              <a:rPr lang="en-US" dirty="0"/>
+              <a:t>8</a:t>
+            </a:r>
+          </a:p>
+        </p:txBody>
+      </p:sp>
+      <p:sp>
+        <p:nvSpPr>
+          <p:cNvPr id="3" name="Slide Number Placeholder 2">
+            <a:extLst>
+              <a:ext uri="{FF2B5EF4-FFF2-40B4-BE49-F238E27FC236}">
+                <a16:creationId xmlns:a16="http://schemas.microsoft.com/office/drawing/2014/main" id="{28035682-E1E9-4C8C-9047-7A11C7142032}"/>
+              </a:ext>
+            </a:extLst>
+          </p:cNvPr>
+          <p:cNvSpPr>
+            <a:spLocks noGrp="1"/>
+          </p:cNvSpPr>
+          <p:nvPr>
+            <p:ph type="sldNum" sz="quarter" idx="33"/>
+          </p:nvPr>
+        </p:nvSpPr>
+        <p:spPr/>
+        <p:txBody>
+          <a:bodyPr/>
+          <a:lstStyle/>
+          <a:p>
+            <a:fld id="{19B51A1E-902D-48AF-9020-955120F399B6}" type="slidenum">
+              <a:rPr lang="en-ZA" smtClean="0"/>
+              <a:pPr/>
+              <a:t>53</a:t>
+            </a:fld>
+            <a:endParaRPr lang="en-ZA" dirty="0"/>
+          </a:p>
+        </p:txBody>
+      </p:sp>
+      <p:sp>
+        <p:nvSpPr>
+          <p:cNvPr id="4" name="Text Placeholder 3">
+            <a:extLst>
+              <a:ext uri="{FF2B5EF4-FFF2-40B4-BE49-F238E27FC236}">
+                <a16:creationId xmlns:a16="http://schemas.microsoft.com/office/drawing/2014/main" id="{8B57FF0F-FB61-4C5E-96BD-074BF0D3D02A}"/>
+              </a:ext>
+            </a:extLst>
+          </p:cNvPr>
+          <p:cNvSpPr>
+            <a:spLocks noGrp="1"/>
+          </p:cNvSpPr>
+          <p:nvPr>
+            <p:ph type="body" sz="half" idx="2"/>
+          </p:nvPr>
+        </p:nvSpPr>
+        <p:spPr/>
+        <p:txBody>
+          <a:bodyPr/>
+          <a:lstStyle/>
+          <a:p>
+            <a:r>
+              <a:rPr lang="en-US" dirty="0"/>
+              <a:t>pada </a:t>
+            </a:r>
+            <a:r>
+              <a:rPr lang="en-US" dirty="0" err="1"/>
+              <a:t>bagian</a:t>
+            </a:r>
+            <a:r>
+              <a:rPr lang="en-US" dirty="0"/>
+              <a:t> Software to Be Installed, </a:t>
+            </a:r>
+            <a:r>
+              <a:rPr lang="en-US" dirty="0" err="1"/>
+              <a:t>pastikan</a:t>
+            </a:r>
+            <a:r>
+              <a:rPr lang="en-US" dirty="0"/>
+              <a:t> </a:t>
+            </a:r>
+            <a:r>
+              <a:rPr lang="en-US" dirty="0" err="1"/>
+              <a:t>opsi</a:t>
+            </a:r>
+            <a:r>
+              <a:rPr lang="en-US" dirty="0"/>
+              <a:t> python-</a:t>
+            </a:r>
+            <a:r>
+              <a:rPr lang="en-US" dirty="0" err="1"/>
+              <a:t>jupyter</a:t>
+            </a:r>
+            <a:r>
+              <a:rPr lang="en-US" dirty="0"/>
+              <a:t> </a:t>
+            </a:r>
+            <a:r>
+              <a:rPr lang="en-US" dirty="0" err="1"/>
+              <a:t>tercentang</a:t>
+            </a:r>
+            <a:r>
+              <a:rPr lang="en-US" dirty="0"/>
+              <a:t>, </a:t>
+            </a:r>
+            <a:r>
+              <a:rPr lang="en-US" dirty="0" err="1"/>
+              <a:t>kemudian</a:t>
+            </a:r>
+            <a:r>
+              <a:rPr lang="en-US" dirty="0"/>
+              <a:t> </a:t>
+            </a:r>
+            <a:r>
+              <a:rPr lang="en-US" dirty="0" err="1"/>
+              <a:t>klik</a:t>
+            </a:r>
+            <a:r>
+              <a:rPr lang="en-US" dirty="0"/>
+              <a:t> next</a:t>
+            </a:r>
+          </a:p>
+        </p:txBody>
+      </p:sp>
+      <p:pic>
+        <p:nvPicPr>
+          <p:cNvPr id="7" name="Content Placeholder 6">
+            <a:extLst>
+              <a:ext uri="{FF2B5EF4-FFF2-40B4-BE49-F238E27FC236}">
+                <a16:creationId xmlns:a16="http://schemas.microsoft.com/office/drawing/2014/main" id="{6339FDDC-DF9B-43EC-964D-0E3C2DA6E6F9}"/>
+              </a:ext>
+            </a:extLst>
+          </p:cNvPr>
+          <p:cNvPicPr>
+            <a:picLocks noGrp="1" noChangeAspect="1"/>
+          </p:cNvPicPr>
+          <p:nvPr>
+            <p:ph idx="1"/>
+          </p:nvPr>
+        </p:nvPicPr>
+        <p:blipFill>
+          <a:blip r:embed="rId2"/>
+          <a:stretch>
+            <a:fillRect/>
+          </a:stretch>
+        </p:blipFill>
+        <p:spPr>
+          <a:xfrm>
+            <a:off x="5183188" y="1348085"/>
+            <a:ext cx="6543675" cy="3680817"/>
+          </a:xfrm>
+        </p:spPr>
+      </p:pic>
+    </p:spTree>
+    <p:extLst>
+      <p:ext uri="{BB962C8B-B14F-4D97-AF65-F5344CB8AC3E}">
+        <p14:creationId xmlns:p14="http://schemas.microsoft.com/office/powerpoint/2010/main" val="1759880716"/>
+      </p:ext>
+    </p:extLst>
+  </p:cSld>
+  <p:clrMapOvr>
+    <a:masterClrMapping/>
+  </p:clrMapOvr>
+</p:sld>
+</file>
+
+<file path=ppt/slides/slide54.xml><?xml version="1.0" encoding="utf-8"?>
+<p:sld xmlns:a="http://schemas.openxmlformats.org/drawingml/2006/main" xmlns:r="http://schemas.openxmlformats.org/officeDocument/2006/relationships" xmlns:p="http://schemas.openxmlformats.org/presentationml/2006/main">
+  <p:cSld>
+    <p:spTree>
+      <p:nvGrpSpPr>
+        <p:cNvPr id="1" name=""/>
+        <p:cNvGrpSpPr/>
+        <p:nvPr/>
+      </p:nvGrpSpPr>
+      <p:grpSpPr>
+        <a:xfrm>
+          <a:off x="0" y="0"/>
+          <a:ext cx="0" cy="0"/>
+          <a:chOff x="0" y="0"/>
+          <a:chExt cx="0" cy="0"/>
+        </a:xfrm>
+      </p:grpSpPr>
+      <p:sp>
+        <p:nvSpPr>
+          <p:cNvPr id="2" name="Title 1">
+            <a:extLst>
+              <a:ext uri="{FF2B5EF4-FFF2-40B4-BE49-F238E27FC236}">
+                <a16:creationId xmlns:a16="http://schemas.microsoft.com/office/drawing/2014/main" id="{590FEF35-CB37-4A15-8D0C-7A2A101BC1A3}"/>
+              </a:ext>
+            </a:extLst>
+          </p:cNvPr>
+          <p:cNvSpPr>
+            <a:spLocks noGrp="1"/>
+          </p:cNvSpPr>
+          <p:nvPr>
+            <p:ph type="title"/>
+          </p:nvPr>
+        </p:nvSpPr>
+        <p:spPr/>
+        <p:txBody>
+          <a:bodyPr/>
+          <a:lstStyle/>
+          <a:p>
+            <a:r>
+              <a:rPr lang="en-US" dirty="0"/>
+              <a:t>9</a:t>
+            </a:r>
+          </a:p>
+        </p:txBody>
+      </p:sp>
+      <p:sp>
+        <p:nvSpPr>
+          <p:cNvPr id="3" name="Slide Number Placeholder 2">
+            <a:extLst>
+              <a:ext uri="{FF2B5EF4-FFF2-40B4-BE49-F238E27FC236}">
+                <a16:creationId xmlns:a16="http://schemas.microsoft.com/office/drawing/2014/main" id="{28035682-E1E9-4C8C-9047-7A11C7142032}"/>
+              </a:ext>
+            </a:extLst>
+          </p:cNvPr>
+          <p:cNvSpPr>
+            <a:spLocks noGrp="1"/>
+          </p:cNvSpPr>
+          <p:nvPr>
+            <p:ph type="sldNum" sz="quarter" idx="33"/>
+          </p:nvPr>
+        </p:nvSpPr>
+        <p:spPr/>
+        <p:txBody>
+          <a:bodyPr/>
+          <a:lstStyle/>
+          <a:p>
+            <a:fld id="{19B51A1E-902D-48AF-9020-955120F399B6}" type="slidenum">
+              <a:rPr lang="en-ZA" smtClean="0"/>
+              <a:pPr/>
+              <a:t>54</a:t>
+            </a:fld>
+            <a:endParaRPr lang="en-ZA" dirty="0"/>
+          </a:p>
+        </p:txBody>
+      </p:sp>
+      <p:sp>
+        <p:nvSpPr>
+          <p:cNvPr id="4" name="Text Placeholder 3">
+            <a:extLst>
+              <a:ext uri="{FF2B5EF4-FFF2-40B4-BE49-F238E27FC236}">
+                <a16:creationId xmlns:a16="http://schemas.microsoft.com/office/drawing/2014/main" id="{8B57FF0F-FB61-4C5E-96BD-074BF0D3D02A}"/>
+              </a:ext>
+            </a:extLst>
+          </p:cNvPr>
+          <p:cNvSpPr>
+            <a:spLocks noGrp="1"/>
+          </p:cNvSpPr>
+          <p:nvPr>
+            <p:ph type="body" sz="half" idx="2"/>
+          </p:nvPr>
+        </p:nvSpPr>
+        <p:spPr/>
+        <p:txBody>
+          <a:bodyPr/>
+          <a:lstStyle/>
+          <a:p>
+            <a:r>
+              <a:rPr lang="en-US" dirty="0" err="1"/>
+              <a:t>kemudian</a:t>
+            </a:r>
+            <a:r>
+              <a:rPr lang="en-US" dirty="0"/>
+              <a:t> </a:t>
+            </a:r>
+            <a:r>
+              <a:rPr lang="en-US" dirty="0" err="1"/>
+              <a:t>klik</a:t>
+            </a:r>
+            <a:r>
+              <a:rPr lang="en-US" dirty="0"/>
+              <a:t> next untuk </a:t>
+            </a:r>
+            <a:r>
+              <a:rPr lang="en-US" dirty="0" err="1"/>
+              <a:t>melanjutkan</a:t>
+            </a:r>
+            <a:r>
+              <a:rPr lang="en-US" dirty="0"/>
+              <a:t> proses</a:t>
+            </a:r>
+          </a:p>
+        </p:txBody>
+      </p:sp>
+      <p:pic>
+        <p:nvPicPr>
+          <p:cNvPr id="7" name="Content Placeholder 6">
+            <a:extLst>
+              <a:ext uri="{FF2B5EF4-FFF2-40B4-BE49-F238E27FC236}">
+                <a16:creationId xmlns:a16="http://schemas.microsoft.com/office/drawing/2014/main" id="{9955A392-A079-40FD-AF04-EA8093C5BE2D}"/>
+              </a:ext>
+            </a:extLst>
+          </p:cNvPr>
+          <p:cNvPicPr>
+            <a:picLocks noGrp="1" noChangeAspect="1"/>
+          </p:cNvPicPr>
+          <p:nvPr>
+            <p:ph idx="1"/>
+          </p:nvPr>
+        </p:nvPicPr>
+        <p:blipFill>
+          <a:blip r:embed="rId2"/>
+          <a:stretch>
+            <a:fillRect/>
+          </a:stretch>
+        </p:blipFill>
+        <p:spPr>
+          <a:xfrm>
+            <a:off x="5183188" y="1348085"/>
+            <a:ext cx="6543675" cy="3680817"/>
+          </a:xfrm>
+        </p:spPr>
+      </p:pic>
+    </p:spTree>
+    <p:extLst>
+      <p:ext uri="{BB962C8B-B14F-4D97-AF65-F5344CB8AC3E}">
+        <p14:creationId xmlns:p14="http://schemas.microsoft.com/office/powerpoint/2010/main" val="4161722394"/>
+      </p:ext>
+    </p:extLst>
+  </p:cSld>
+  <p:clrMapOvr>
+    <a:masterClrMapping/>
+  </p:clrMapOvr>
+</p:sld>
+</file>
+
+<file path=ppt/slides/slide55.xml><?xml version="1.0" encoding="utf-8"?>
+<p:sld xmlns:a="http://schemas.openxmlformats.org/drawingml/2006/main" xmlns:r="http://schemas.openxmlformats.org/officeDocument/2006/relationships" xmlns:p="http://schemas.openxmlformats.org/presentationml/2006/main">
+  <p:cSld>
+    <p:spTree>
+      <p:nvGrpSpPr>
+        <p:cNvPr id="1" name=""/>
+        <p:cNvGrpSpPr/>
+        <p:nvPr/>
+      </p:nvGrpSpPr>
+      <p:grpSpPr>
+        <a:xfrm>
+          <a:off x="0" y="0"/>
+          <a:ext cx="0" cy="0"/>
+          <a:chOff x="0" y="0"/>
+          <a:chExt cx="0" cy="0"/>
+        </a:xfrm>
+      </p:grpSpPr>
+      <p:sp>
+        <p:nvSpPr>
+          <p:cNvPr id="2" name="Title 1">
+            <a:extLst>
+              <a:ext uri="{FF2B5EF4-FFF2-40B4-BE49-F238E27FC236}">
+                <a16:creationId xmlns:a16="http://schemas.microsoft.com/office/drawing/2014/main" id="{590FEF35-CB37-4A15-8D0C-7A2A101BC1A3}"/>
+              </a:ext>
+            </a:extLst>
+          </p:cNvPr>
+          <p:cNvSpPr>
+            <a:spLocks noGrp="1"/>
+          </p:cNvSpPr>
+          <p:nvPr>
+            <p:ph type="title"/>
+          </p:nvPr>
+        </p:nvSpPr>
+        <p:spPr/>
+        <p:txBody>
+          <a:bodyPr/>
+          <a:lstStyle/>
+          <a:p>
+            <a:r>
+              <a:rPr lang="en-US" dirty="0"/>
+              <a:t>10</a:t>
+            </a:r>
+          </a:p>
+        </p:txBody>
+      </p:sp>
+      <p:sp>
+        <p:nvSpPr>
+          <p:cNvPr id="3" name="Slide Number Placeholder 2">
+            <a:extLst>
+              <a:ext uri="{FF2B5EF4-FFF2-40B4-BE49-F238E27FC236}">
+                <a16:creationId xmlns:a16="http://schemas.microsoft.com/office/drawing/2014/main" id="{28035682-E1E9-4C8C-9047-7A11C7142032}"/>
+              </a:ext>
+            </a:extLst>
+          </p:cNvPr>
+          <p:cNvSpPr>
+            <a:spLocks noGrp="1"/>
+          </p:cNvSpPr>
+          <p:nvPr>
+            <p:ph type="sldNum" sz="quarter" idx="33"/>
+          </p:nvPr>
+        </p:nvSpPr>
+        <p:spPr/>
+        <p:txBody>
+          <a:bodyPr/>
+          <a:lstStyle/>
+          <a:p>
+            <a:fld id="{19B51A1E-902D-48AF-9020-955120F399B6}" type="slidenum">
+              <a:rPr lang="en-ZA" smtClean="0"/>
+              <a:pPr/>
+              <a:t>55</a:t>
+            </a:fld>
+            <a:endParaRPr lang="en-ZA" dirty="0"/>
+          </a:p>
+        </p:txBody>
+      </p:sp>
+      <p:sp>
+        <p:nvSpPr>
+          <p:cNvPr id="4" name="Text Placeholder 3">
+            <a:extLst>
+              <a:ext uri="{FF2B5EF4-FFF2-40B4-BE49-F238E27FC236}">
+                <a16:creationId xmlns:a16="http://schemas.microsoft.com/office/drawing/2014/main" id="{8B57FF0F-FB61-4C5E-96BD-074BF0D3D02A}"/>
+              </a:ext>
+            </a:extLst>
+          </p:cNvPr>
+          <p:cNvSpPr>
+            <a:spLocks noGrp="1"/>
+          </p:cNvSpPr>
+          <p:nvPr>
+            <p:ph type="body" sz="half" idx="2"/>
+          </p:nvPr>
+        </p:nvSpPr>
+        <p:spPr/>
+        <p:txBody>
+          <a:bodyPr/>
+          <a:lstStyle/>
+          <a:p>
+            <a:r>
+              <a:rPr lang="en-US" dirty="0" err="1"/>
+              <a:t>klik</a:t>
+            </a:r>
+            <a:r>
+              <a:rPr lang="en-US" dirty="0"/>
+              <a:t> yes untuk </a:t>
+            </a:r>
+            <a:r>
+              <a:rPr lang="en-US" dirty="0" err="1"/>
+              <a:t>menlanjutkan</a:t>
+            </a:r>
+            <a:r>
+              <a:rPr lang="en-US" dirty="0"/>
+              <a:t>, </a:t>
+            </a:r>
+            <a:r>
+              <a:rPr lang="en-US" dirty="0" err="1"/>
+              <a:t>kemudian</a:t>
+            </a:r>
+            <a:r>
+              <a:rPr lang="en-US" dirty="0"/>
+              <a:t> </a:t>
+            </a:r>
+            <a:r>
+              <a:rPr lang="en-US" dirty="0" err="1"/>
+              <a:t>isikan</a:t>
+            </a:r>
+            <a:r>
+              <a:rPr lang="en-US" dirty="0"/>
+              <a:t> password root </a:t>
+            </a:r>
+            <a:r>
+              <a:rPr lang="en-US" dirty="0" err="1"/>
+              <a:t>apabila</a:t>
+            </a:r>
+            <a:r>
+              <a:rPr lang="en-US" dirty="0"/>
+              <a:t> </a:t>
+            </a:r>
+            <a:r>
+              <a:rPr lang="en-US" dirty="0" err="1"/>
+              <a:t>diminta</a:t>
+            </a:r>
+            <a:endParaRPr lang="en-US" dirty="0"/>
+          </a:p>
+        </p:txBody>
+      </p:sp>
+      <p:pic>
+        <p:nvPicPr>
+          <p:cNvPr id="7" name="Content Placeholder 6">
+            <a:extLst>
+              <a:ext uri="{FF2B5EF4-FFF2-40B4-BE49-F238E27FC236}">
+                <a16:creationId xmlns:a16="http://schemas.microsoft.com/office/drawing/2014/main" id="{594F2D10-262A-4714-BF6D-932527AF3216}"/>
+              </a:ext>
+            </a:extLst>
+          </p:cNvPr>
+          <p:cNvPicPr>
+            <a:picLocks noGrp="1" noChangeAspect="1"/>
+          </p:cNvPicPr>
+          <p:nvPr>
+            <p:ph idx="1"/>
+          </p:nvPr>
+        </p:nvPicPr>
+        <p:blipFill>
+          <a:blip r:embed="rId2"/>
+          <a:stretch>
+            <a:fillRect/>
+          </a:stretch>
+        </p:blipFill>
+        <p:spPr>
+          <a:xfrm>
+            <a:off x="6622473" y="172034"/>
+            <a:ext cx="5135464" cy="2888699"/>
+          </a:xfrm>
+        </p:spPr>
+      </p:pic>
+      <p:pic>
+        <p:nvPicPr>
+          <p:cNvPr id="9" name="Picture 8">
+            <a:extLst>
+              <a:ext uri="{FF2B5EF4-FFF2-40B4-BE49-F238E27FC236}">
+                <a16:creationId xmlns:a16="http://schemas.microsoft.com/office/drawing/2014/main" id="{F28215EA-7EC8-45C9-9E4C-3AE3ED482A8A}"/>
+              </a:ext>
+            </a:extLst>
+          </p:cNvPr>
+          <p:cNvPicPr>
+            <a:picLocks noChangeAspect="1"/>
+          </p:cNvPicPr>
+          <p:nvPr/>
+        </p:nvPicPr>
+        <p:blipFill>
+          <a:blip r:embed="rId3"/>
+          <a:stretch>
+            <a:fillRect/>
+          </a:stretch>
+        </p:blipFill>
+        <p:spPr>
+          <a:xfrm>
+            <a:off x="6622473" y="3588638"/>
+            <a:ext cx="5135464" cy="2888699"/>
+          </a:xfrm>
+          <a:prstGeom prst="rect">
+            <a:avLst/>
+          </a:prstGeom>
+        </p:spPr>
+      </p:pic>
+    </p:spTree>
+    <p:extLst>
+      <p:ext uri="{BB962C8B-B14F-4D97-AF65-F5344CB8AC3E}">
+        <p14:creationId xmlns:p14="http://schemas.microsoft.com/office/powerpoint/2010/main" val="2124780617"/>
+      </p:ext>
+    </p:extLst>
+  </p:cSld>
+  <p:clrMapOvr>
+    <a:masterClrMapping/>
+  </p:clrMapOvr>
+</p:sld>
+</file>
+
+<file path=ppt/slides/slide56.xml><?xml version="1.0" encoding="utf-8"?>
+<p:sld xmlns:a="http://schemas.openxmlformats.org/drawingml/2006/main" xmlns:r="http://schemas.openxmlformats.org/officeDocument/2006/relationships" xmlns:p="http://schemas.openxmlformats.org/presentationml/2006/main">
+  <p:cSld>
+    <p:spTree>
+      <p:nvGrpSpPr>
+        <p:cNvPr id="1" name=""/>
+        <p:cNvGrpSpPr/>
+        <p:nvPr/>
+      </p:nvGrpSpPr>
+      <p:grpSpPr>
+        <a:xfrm>
+          <a:off x="0" y="0"/>
+          <a:ext cx="0" cy="0"/>
+          <a:chOff x="0" y="0"/>
+          <a:chExt cx="0" cy="0"/>
+        </a:xfrm>
+      </p:grpSpPr>
+      <p:sp>
+        <p:nvSpPr>
+          <p:cNvPr id="2" name="Title 1">
+            <a:extLst>
+              <a:ext uri="{FF2B5EF4-FFF2-40B4-BE49-F238E27FC236}">
+                <a16:creationId xmlns:a16="http://schemas.microsoft.com/office/drawing/2014/main" id="{590FEF35-CB37-4A15-8D0C-7A2A101BC1A3}"/>
+              </a:ext>
+            </a:extLst>
+          </p:cNvPr>
+          <p:cNvSpPr>
+            <a:spLocks noGrp="1"/>
+          </p:cNvSpPr>
+          <p:nvPr>
+            <p:ph type="title"/>
+          </p:nvPr>
+        </p:nvSpPr>
+        <p:spPr/>
+        <p:txBody>
+          <a:bodyPr/>
+          <a:lstStyle/>
+          <a:p>
+            <a:r>
+              <a:rPr lang="en-US" dirty="0"/>
+              <a:t>11</a:t>
+            </a:r>
+          </a:p>
+        </p:txBody>
+      </p:sp>
+      <p:sp>
+        <p:nvSpPr>
+          <p:cNvPr id="3" name="Slide Number Placeholder 2">
+            <a:extLst>
+              <a:ext uri="{FF2B5EF4-FFF2-40B4-BE49-F238E27FC236}">
+                <a16:creationId xmlns:a16="http://schemas.microsoft.com/office/drawing/2014/main" id="{28035682-E1E9-4C8C-9047-7A11C7142032}"/>
+              </a:ext>
+            </a:extLst>
+          </p:cNvPr>
+          <p:cNvSpPr>
+            <a:spLocks noGrp="1"/>
+          </p:cNvSpPr>
+          <p:nvPr>
+            <p:ph type="sldNum" sz="quarter" idx="33"/>
+          </p:nvPr>
+        </p:nvSpPr>
+        <p:spPr/>
+        <p:txBody>
+          <a:bodyPr/>
+          <a:lstStyle/>
+          <a:p>
+            <a:fld id="{19B51A1E-902D-48AF-9020-955120F399B6}" type="slidenum">
+              <a:rPr lang="en-ZA" smtClean="0"/>
+              <a:pPr/>
+              <a:t>56</a:t>
+            </a:fld>
+            <a:endParaRPr lang="en-ZA" dirty="0"/>
+          </a:p>
+        </p:txBody>
+      </p:sp>
+      <p:sp>
+        <p:nvSpPr>
+          <p:cNvPr id="4" name="Text Placeholder 3">
+            <a:extLst>
+              <a:ext uri="{FF2B5EF4-FFF2-40B4-BE49-F238E27FC236}">
+                <a16:creationId xmlns:a16="http://schemas.microsoft.com/office/drawing/2014/main" id="{8B57FF0F-FB61-4C5E-96BD-074BF0D3D02A}"/>
+              </a:ext>
+            </a:extLst>
+          </p:cNvPr>
+          <p:cNvSpPr>
+            <a:spLocks noGrp="1"/>
+          </p:cNvSpPr>
+          <p:nvPr>
+            <p:ph type="body" sz="half" idx="2"/>
+          </p:nvPr>
+        </p:nvSpPr>
+        <p:spPr/>
+        <p:txBody>
+          <a:bodyPr/>
+          <a:lstStyle/>
+          <a:p>
+            <a:r>
+              <a:rPr lang="en-US" dirty="0" err="1"/>
+              <a:t>klik</a:t>
+            </a:r>
+            <a:r>
+              <a:rPr lang="en-US" dirty="0"/>
+              <a:t> Trust untuk Import Untrusted </a:t>
+            </a:r>
+            <a:r>
+              <a:rPr lang="en-US" dirty="0" err="1"/>
+              <a:t>GnuPG</a:t>
+            </a:r>
+            <a:r>
+              <a:rPr lang="en-US" dirty="0"/>
+              <a:t> Key</a:t>
+            </a:r>
+          </a:p>
+        </p:txBody>
+      </p:sp>
+      <p:pic>
+        <p:nvPicPr>
+          <p:cNvPr id="7" name="Content Placeholder 6">
+            <a:extLst>
+              <a:ext uri="{FF2B5EF4-FFF2-40B4-BE49-F238E27FC236}">
+                <a16:creationId xmlns:a16="http://schemas.microsoft.com/office/drawing/2014/main" id="{DDB9DE38-22CF-4538-9343-124795FF0E90}"/>
+              </a:ext>
+            </a:extLst>
+          </p:cNvPr>
+          <p:cNvPicPr>
+            <a:picLocks noGrp="1" noChangeAspect="1"/>
+          </p:cNvPicPr>
+          <p:nvPr>
+            <p:ph idx="1"/>
+          </p:nvPr>
+        </p:nvPicPr>
+        <p:blipFill>
+          <a:blip r:embed="rId2"/>
+          <a:stretch>
+            <a:fillRect/>
+          </a:stretch>
+        </p:blipFill>
+        <p:spPr>
+          <a:xfrm>
+            <a:off x="5183188" y="1348085"/>
+            <a:ext cx="6543675" cy="3680817"/>
+          </a:xfrm>
+        </p:spPr>
+      </p:pic>
+    </p:spTree>
+    <p:extLst>
+      <p:ext uri="{BB962C8B-B14F-4D97-AF65-F5344CB8AC3E}">
+        <p14:creationId xmlns:p14="http://schemas.microsoft.com/office/powerpoint/2010/main" val="2539475418"/>
+      </p:ext>
+    </p:extLst>
+  </p:cSld>
+  <p:clrMapOvr>
+    <a:masterClrMapping/>
+  </p:clrMapOvr>
+</p:sld>
+</file>
+
+<file path=ppt/slides/slide57.xml><?xml version="1.0" encoding="utf-8"?>
+<p:sld xmlns:a="http://schemas.openxmlformats.org/drawingml/2006/main" xmlns:r="http://schemas.openxmlformats.org/officeDocument/2006/relationships" xmlns:p="http://schemas.openxmlformats.org/presentationml/2006/main">
+  <p:cSld>
+    <p:spTree>
+      <p:nvGrpSpPr>
+        <p:cNvPr id="1" name=""/>
+        <p:cNvGrpSpPr/>
+        <p:nvPr/>
+      </p:nvGrpSpPr>
+      <p:grpSpPr>
+        <a:xfrm>
+          <a:off x="0" y="0"/>
+          <a:ext cx="0" cy="0"/>
+          <a:chOff x="0" y="0"/>
+          <a:chExt cx="0" cy="0"/>
+        </a:xfrm>
+      </p:grpSpPr>
+      <p:sp>
+        <p:nvSpPr>
+          <p:cNvPr id="2" name="Title 1">
+            <a:extLst>
+              <a:ext uri="{FF2B5EF4-FFF2-40B4-BE49-F238E27FC236}">
+                <a16:creationId xmlns:a16="http://schemas.microsoft.com/office/drawing/2014/main" id="{590FEF35-CB37-4A15-8D0C-7A2A101BC1A3}"/>
+              </a:ext>
+            </a:extLst>
+          </p:cNvPr>
+          <p:cNvSpPr>
+            <a:spLocks noGrp="1"/>
+          </p:cNvSpPr>
+          <p:nvPr>
+            <p:ph type="title"/>
+          </p:nvPr>
+        </p:nvSpPr>
+        <p:spPr/>
+        <p:txBody>
+          <a:bodyPr/>
+          <a:lstStyle/>
+          <a:p>
+            <a:r>
+              <a:rPr lang="en-US" dirty="0"/>
+              <a:t>12</a:t>
+            </a:r>
+          </a:p>
+        </p:txBody>
+      </p:sp>
+      <p:sp>
+        <p:nvSpPr>
+          <p:cNvPr id="3" name="Slide Number Placeholder 2">
+            <a:extLst>
+              <a:ext uri="{FF2B5EF4-FFF2-40B4-BE49-F238E27FC236}">
+                <a16:creationId xmlns:a16="http://schemas.microsoft.com/office/drawing/2014/main" id="{28035682-E1E9-4C8C-9047-7A11C7142032}"/>
+              </a:ext>
+            </a:extLst>
+          </p:cNvPr>
+          <p:cNvSpPr>
+            <a:spLocks noGrp="1"/>
+          </p:cNvSpPr>
+          <p:nvPr>
+            <p:ph type="sldNum" sz="quarter" idx="33"/>
+          </p:nvPr>
+        </p:nvSpPr>
+        <p:spPr/>
+        <p:txBody>
+          <a:bodyPr/>
+          <a:lstStyle/>
+          <a:p>
+            <a:fld id="{19B51A1E-902D-48AF-9020-955120F399B6}" type="slidenum">
+              <a:rPr lang="en-ZA" smtClean="0"/>
+              <a:pPr/>
+              <a:t>57</a:t>
+            </a:fld>
+            <a:endParaRPr lang="en-ZA" dirty="0"/>
+          </a:p>
+        </p:txBody>
+      </p:sp>
+      <p:sp>
+        <p:nvSpPr>
+          <p:cNvPr id="4" name="Text Placeholder 3">
+            <a:extLst>
+              <a:ext uri="{FF2B5EF4-FFF2-40B4-BE49-F238E27FC236}">
+                <a16:creationId xmlns:a16="http://schemas.microsoft.com/office/drawing/2014/main" id="{8B57FF0F-FB61-4C5E-96BD-074BF0D3D02A}"/>
+              </a:ext>
+            </a:extLst>
+          </p:cNvPr>
+          <p:cNvSpPr>
+            <a:spLocks noGrp="1"/>
+          </p:cNvSpPr>
+          <p:nvPr>
+            <p:ph type="body" sz="half" idx="2"/>
+          </p:nvPr>
+        </p:nvSpPr>
+        <p:spPr/>
+        <p:txBody>
+          <a:bodyPr/>
+          <a:lstStyle/>
+          <a:p>
+            <a:r>
+              <a:rPr lang="en-US" dirty="0" err="1"/>
+              <a:t>Klik</a:t>
+            </a:r>
+            <a:r>
+              <a:rPr lang="en-US" dirty="0"/>
+              <a:t> Finish </a:t>
+            </a:r>
+            <a:r>
+              <a:rPr lang="en-US" dirty="0" err="1"/>
+              <a:t>ketika</a:t>
+            </a:r>
+            <a:r>
+              <a:rPr lang="en-US" dirty="0"/>
+              <a:t> </a:t>
+            </a:r>
+            <a:r>
+              <a:rPr lang="en-US" dirty="0" err="1"/>
+              <a:t>instalasi</a:t>
+            </a:r>
+            <a:r>
+              <a:rPr lang="en-US" dirty="0"/>
+              <a:t> selesai</a:t>
+            </a:r>
+          </a:p>
+        </p:txBody>
+      </p:sp>
+      <p:pic>
+        <p:nvPicPr>
+          <p:cNvPr id="7" name="Content Placeholder 6">
+            <a:extLst>
+              <a:ext uri="{FF2B5EF4-FFF2-40B4-BE49-F238E27FC236}">
+                <a16:creationId xmlns:a16="http://schemas.microsoft.com/office/drawing/2014/main" id="{EF27B142-DB5D-4AF4-BD17-092BCB8B3387}"/>
+              </a:ext>
+            </a:extLst>
+          </p:cNvPr>
+          <p:cNvPicPr>
+            <a:picLocks noGrp="1" noChangeAspect="1"/>
+          </p:cNvPicPr>
+          <p:nvPr>
+            <p:ph idx="1"/>
+          </p:nvPr>
+        </p:nvPicPr>
+        <p:blipFill>
+          <a:blip r:embed="rId2"/>
+          <a:stretch>
+            <a:fillRect/>
+          </a:stretch>
+        </p:blipFill>
+        <p:spPr>
+          <a:xfrm>
+            <a:off x="5183188" y="1348085"/>
+            <a:ext cx="6543675" cy="3680817"/>
+          </a:xfrm>
+        </p:spPr>
+      </p:pic>
+    </p:spTree>
+    <p:extLst>
+      <p:ext uri="{BB962C8B-B14F-4D97-AF65-F5344CB8AC3E}">
+        <p14:creationId xmlns:p14="http://schemas.microsoft.com/office/powerpoint/2010/main" val="1339943465"/>
+      </p:ext>
+    </p:extLst>
+  </p:cSld>
+  <p:clrMapOvr>
+    <a:masterClrMapping/>
+  </p:clrMapOvr>
+</p:sld>
+</file>
+
+<file path=ppt/slides/slide58.xml><?xml version="1.0" encoding="utf-8"?>
+<p:sld xmlns:a="http://schemas.openxmlformats.org/drawingml/2006/main" xmlns:r="http://schemas.openxmlformats.org/officeDocument/2006/relationships" xmlns:p="http://schemas.openxmlformats.org/presentationml/2006/main">
+  <p:cSld>
+    <p:spTree>
+      <p:nvGrpSpPr>
+        <p:cNvPr id="1" name=""/>
+        <p:cNvGrpSpPr/>
+        <p:nvPr/>
+      </p:nvGrpSpPr>
+      <p:grpSpPr>
+        <a:xfrm>
+          <a:off x="0" y="0"/>
+          <a:ext cx="0" cy="0"/>
+          <a:chOff x="0" y="0"/>
+          <a:chExt cx="0" cy="0"/>
+        </a:xfrm>
+      </p:grpSpPr>
+      <p:sp>
+        <p:nvSpPr>
+          <p:cNvPr id="2" name="Title 1">
+            <a:extLst>
+              <a:ext uri="{FF2B5EF4-FFF2-40B4-BE49-F238E27FC236}">
+                <a16:creationId xmlns:a16="http://schemas.microsoft.com/office/drawing/2014/main" id="{89F6C9B2-6334-41A1-B4D6-300BBC496091}"/>
+              </a:ext>
+            </a:extLst>
+          </p:cNvPr>
+          <p:cNvSpPr>
+            <a:spLocks noGrp="1"/>
+          </p:cNvSpPr>
+          <p:nvPr>
+            <p:ph type="title"/>
+          </p:nvPr>
+        </p:nvSpPr>
+        <p:spPr/>
+        <p:txBody>
+          <a:bodyPr/>
+          <a:lstStyle/>
+          <a:p>
+            <a:r>
+              <a:rPr lang="en-US" dirty="0"/>
+              <a:t>Seaborn</a:t>
+            </a:r>
+          </a:p>
+        </p:txBody>
+      </p:sp>
+      <p:sp>
+        <p:nvSpPr>
+          <p:cNvPr id="3" name="Text Placeholder 2">
+            <a:extLst>
+              <a:ext uri="{FF2B5EF4-FFF2-40B4-BE49-F238E27FC236}">
+                <a16:creationId xmlns:a16="http://schemas.microsoft.com/office/drawing/2014/main" id="{033DB0B0-3E15-4089-A7C2-E2D5BFCE328E}"/>
+              </a:ext>
+            </a:extLst>
+          </p:cNvPr>
+          <p:cNvSpPr>
+            <a:spLocks noGrp="1"/>
+          </p:cNvSpPr>
+          <p:nvPr>
+            <p:ph type="body" sz="quarter" idx="32"/>
+          </p:nvPr>
+        </p:nvSpPr>
+        <p:spPr>
+          <a:xfrm>
+            <a:off x="431800" y="1007999"/>
+            <a:ext cx="11339513" cy="5269243"/>
+          </a:xfrm>
+        </p:spPr>
+        <p:txBody>
+          <a:bodyPr/>
+          <a:lstStyle/>
+          <a:p>
+            <a:r>
+              <a:rPr lang="en-US" dirty="0"/>
+              <a:t>Seaborn </a:t>
+            </a:r>
+            <a:r>
+              <a:rPr lang="en-US" dirty="0" err="1"/>
+              <a:t>adalah</a:t>
+            </a:r>
+            <a:r>
+              <a:rPr lang="en-US" dirty="0"/>
+              <a:t> </a:t>
+            </a:r>
+            <a:r>
+              <a:rPr lang="en-US" dirty="0" err="1"/>
+              <a:t>perpustakaan</a:t>
+            </a:r>
+            <a:r>
+              <a:rPr lang="en-US" dirty="0"/>
+              <a:t> </a:t>
+            </a:r>
+            <a:r>
+              <a:rPr lang="en-US" dirty="0" err="1"/>
+              <a:t>grafis</a:t>
+            </a:r>
+            <a:r>
+              <a:rPr lang="en-US" dirty="0"/>
+              <a:t> yang </a:t>
+            </a:r>
+            <a:r>
+              <a:rPr lang="en-US" dirty="0" err="1"/>
+              <a:t>dibangun</a:t>
+            </a:r>
+            <a:r>
+              <a:rPr lang="en-US" dirty="0"/>
+              <a:t> di </a:t>
+            </a:r>
+            <a:r>
+              <a:rPr lang="en-US" dirty="0" err="1"/>
+              <a:t>atas</a:t>
+            </a:r>
+            <a:r>
+              <a:rPr lang="en-US" dirty="0"/>
+              <a:t> Matplotlib. </a:t>
+            </a:r>
+            <a:r>
+              <a:rPr lang="en-US" dirty="0" err="1"/>
+              <a:t>Memungkinkan</a:t>
+            </a:r>
+            <a:r>
+              <a:rPr lang="en-US" dirty="0"/>
+              <a:t> untuk </a:t>
+            </a:r>
+            <a:r>
+              <a:rPr lang="en-US" dirty="0" err="1"/>
+              <a:t>membuat</a:t>
+            </a:r>
+            <a:r>
+              <a:rPr lang="en-US" dirty="0"/>
+              <a:t> </a:t>
+            </a:r>
+            <a:r>
+              <a:rPr lang="en-US" dirty="0" err="1"/>
+              <a:t>bagan</a:t>
+            </a:r>
+            <a:r>
+              <a:rPr lang="en-US" dirty="0"/>
+              <a:t> Anda </a:t>
+            </a:r>
+            <a:r>
+              <a:rPr lang="en-US" dirty="0" err="1"/>
+              <a:t>lebih</a:t>
+            </a:r>
+            <a:r>
+              <a:rPr lang="en-US" dirty="0"/>
+              <a:t> </a:t>
+            </a:r>
+            <a:r>
+              <a:rPr lang="en-US" dirty="0" err="1"/>
+              <a:t>cantik</a:t>
+            </a:r>
+            <a:r>
+              <a:rPr lang="en-US" dirty="0"/>
+              <a:t>, dan </a:t>
+            </a:r>
+            <a:r>
+              <a:rPr lang="en-US" dirty="0" err="1"/>
+              <a:t>memfasilitasi</a:t>
+            </a:r>
+            <a:r>
+              <a:rPr lang="en-US" dirty="0"/>
+              <a:t> </a:t>
+            </a:r>
+            <a:r>
+              <a:rPr lang="en-US" dirty="0" err="1"/>
+              <a:t>beberapa</a:t>
+            </a:r>
+            <a:r>
+              <a:rPr lang="en-US" dirty="0"/>
+              <a:t> </a:t>
+            </a:r>
+            <a:r>
+              <a:rPr lang="en-US" dirty="0" err="1"/>
+              <a:t>kebutuhan</a:t>
+            </a:r>
+            <a:r>
+              <a:rPr lang="en-US" dirty="0"/>
+              <a:t> </a:t>
+            </a:r>
+            <a:r>
+              <a:rPr lang="en-US" dirty="0" err="1"/>
+              <a:t>visualisasi</a:t>
+            </a:r>
+            <a:r>
+              <a:rPr lang="en-US" dirty="0"/>
+              <a:t> data </a:t>
+            </a:r>
+            <a:r>
+              <a:rPr lang="en-US" dirty="0" err="1"/>
+              <a:t>umum</a:t>
+            </a:r>
+            <a:r>
+              <a:rPr lang="en-US" dirty="0"/>
+              <a:t> (</a:t>
+            </a:r>
+            <a:r>
+              <a:rPr lang="en-US" dirty="0" err="1"/>
+              <a:t>seperti</a:t>
+            </a:r>
+            <a:r>
+              <a:rPr lang="en-US" dirty="0"/>
+              <a:t> </a:t>
+            </a:r>
+            <a:r>
+              <a:rPr lang="en-US" dirty="0" err="1"/>
+              <a:t>memetakan</a:t>
+            </a:r>
+            <a:r>
+              <a:rPr lang="en-US" dirty="0"/>
+              <a:t> warna ke </a:t>
+            </a:r>
+            <a:r>
+              <a:rPr lang="en-US" dirty="0" err="1"/>
+              <a:t>variabel</a:t>
+            </a:r>
+            <a:r>
+              <a:rPr lang="en-US" dirty="0"/>
+              <a:t> atau </a:t>
+            </a:r>
+            <a:r>
+              <a:rPr lang="en-US" dirty="0" err="1"/>
+              <a:t>menggunakan</a:t>
+            </a:r>
+            <a:r>
+              <a:rPr lang="en-US" dirty="0"/>
+              <a:t> faceting ).</a:t>
+            </a:r>
+          </a:p>
+        </p:txBody>
+      </p:sp>
+      <p:sp>
+        <p:nvSpPr>
+          <p:cNvPr id="4" name="Slide Number Placeholder 3">
+            <a:extLst>
+              <a:ext uri="{FF2B5EF4-FFF2-40B4-BE49-F238E27FC236}">
+                <a16:creationId xmlns:a16="http://schemas.microsoft.com/office/drawing/2014/main" id="{1A688BFB-1DD9-4464-9826-F1D1ACACF5DF}"/>
+              </a:ext>
+            </a:extLst>
+          </p:cNvPr>
+          <p:cNvSpPr>
+            <a:spLocks noGrp="1"/>
+          </p:cNvSpPr>
+          <p:nvPr>
+            <p:ph type="sldNum" sz="quarter" idx="33"/>
+          </p:nvPr>
+        </p:nvSpPr>
+        <p:spPr/>
+        <p:txBody>
+          <a:bodyPr/>
+          <a:lstStyle/>
+          <a:p>
+            <a:fld id="{19B51A1E-902D-48AF-9020-955120F399B6}" type="slidenum">
+              <a:rPr lang="en-ZA" smtClean="0"/>
+              <a:pPr/>
+              <a:t>58</a:t>
+            </a:fld>
+            <a:endParaRPr lang="en-ZA" dirty="0"/>
+          </a:p>
+        </p:txBody>
+      </p:sp>
+    </p:spTree>
+    <p:extLst>
+      <p:ext uri="{BB962C8B-B14F-4D97-AF65-F5344CB8AC3E}">
+        <p14:creationId xmlns:p14="http://schemas.microsoft.com/office/powerpoint/2010/main" val="3437837680"/>
+      </p:ext>
+    </p:extLst>
+  </p:cSld>
+  <p:clrMapOvr>
+    <a:masterClrMapping/>
+  </p:clrMapOvr>
+</p:sld>
+</file>
+
+<file path=ppt/slides/slide59.xml><?xml version="1.0" encoding="utf-8"?>
+<p:sld xmlns:a="http://schemas.openxmlformats.org/drawingml/2006/main" xmlns:r="http://schemas.openxmlformats.org/officeDocument/2006/relationships" xmlns:p="http://schemas.openxmlformats.org/presentationml/2006/main">
+  <p:cSld>
+    <p:spTree>
+      <p:nvGrpSpPr>
+        <p:cNvPr id="1" name=""/>
+        <p:cNvGrpSpPr/>
+        <p:nvPr/>
+      </p:nvGrpSpPr>
+      <p:grpSpPr>
+        <a:xfrm>
+          <a:off x="0" y="0"/>
+          <a:ext cx="0" cy="0"/>
+          <a:chOff x="0" y="0"/>
+          <a:chExt cx="0" cy="0"/>
+        </a:xfrm>
+      </p:grpSpPr>
+      <p:sp>
+        <p:nvSpPr>
+          <p:cNvPr id="2" name="Title 1">
+            <a:extLst>
+              <a:ext uri="{FF2B5EF4-FFF2-40B4-BE49-F238E27FC236}">
+                <a16:creationId xmlns:a16="http://schemas.microsoft.com/office/drawing/2014/main" id="{63B56A16-3555-4863-A494-0FE0299A0C75}"/>
+              </a:ext>
+            </a:extLst>
+          </p:cNvPr>
+          <p:cNvSpPr>
+            <a:spLocks noGrp="1"/>
+          </p:cNvSpPr>
+          <p:nvPr>
+            <p:ph type="title"/>
+          </p:nvPr>
+        </p:nvSpPr>
+        <p:spPr/>
+        <p:txBody>
+          <a:bodyPr/>
+          <a:lstStyle/>
+          <a:p>
+            <a:r>
+              <a:rPr lang="en-US" dirty="0" err="1"/>
+              <a:t>Menginstall</a:t>
+            </a:r>
+            <a:r>
+              <a:rPr lang="en-US" dirty="0"/>
+              <a:t> Seaborn</a:t>
+            </a:r>
+          </a:p>
+        </p:txBody>
+      </p:sp>
+      <p:sp>
+        <p:nvSpPr>
+          <p:cNvPr id="3" name="Slide Number Placeholder 2">
+            <a:extLst>
+              <a:ext uri="{FF2B5EF4-FFF2-40B4-BE49-F238E27FC236}">
+                <a16:creationId xmlns:a16="http://schemas.microsoft.com/office/drawing/2014/main" id="{98DF1AC0-7253-4A9B-80AF-0905A8DA48AA}"/>
+              </a:ext>
+            </a:extLst>
+          </p:cNvPr>
+          <p:cNvSpPr>
+            <a:spLocks noGrp="1"/>
+          </p:cNvSpPr>
+          <p:nvPr>
+            <p:ph type="sldNum" sz="quarter" idx="33"/>
+          </p:nvPr>
+        </p:nvSpPr>
+        <p:spPr/>
+        <p:txBody>
+          <a:bodyPr/>
+          <a:lstStyle/>
+          <a:p>
+            <a:fld id="{19B51A1E-902D-48AF-9020-955120F399B6}" type="slidenum">
+              <a:rPr lang="en-ZA" smtClean="0"/>
+              <a:pPr/>
+              <a:t>59</a:t>
+            </a:fld>
+            <a:endParaRPr lang="en-ZA" dirty="0"/>
+          </a:p>
+        </p:txBody>
+      </p:sp>
+      <p:sp>
+        <p:nvSpPr>
+          <p:cNvPr id="4" name="Text Placeholder 3">
+            <a:extLst>
+              <a:ext uri="{FF2B5EF4-FFF2-40B4-BE49-F238E27FC236}">
+                <a16:creationId xmlns:a16="http://schemas.microsoft.com/office/drawing/2014/main" id="{F288F8B2-8425-401A-BAD2-29B0F1ABBEF5}"/>
+              </a:ext>
+            </a:extLst>
+          </p:cNvPr>
+          <p:cNvSpPr>
+            <a:spLocks noGrp="1"/>
+          </p:cNvSpPr>
+          <p:nvPr>
+            <p:ph type="body" sz="half" idx="2"/>
+          </p:nvPr>
+        </p:nvSpPr>
+        <p:spPr/>
+        <p:txBody>
+          <a:bodyPr/>
+          <a:lstStyle/>
+          <a:p>
+            <a:r>
+              <a:rPr lang="en-US" dirty="0"/>
+              <a:t>Untuk </a:t>
+            </a:r>
+            <a:r>
+              <a:rPr lang="en-US" dirty="0" err="1"/>
+              <a:t>menginstal</a:t>
+            </a:r>
+            <a:r>
+              <a:rPr lang="en-US" dirty="0"/>
+              <a:t> </a:t>
+            </a:r>
+            <a:r>
+              <a:rPr lang="en-US" dirty="0" err="1"/>
+              <a:t>rilis</a:t>
+            </a:r>
+            <a:r>
+              <a:rPr lang="en-US" dirty="0"/>
+              <a:t> seaborn </a:t>
+            </a:r>
+            <a:r>
+              <a:rPr lang="en-US" dirty="0" err="1"/>
+              <a:t>terbaru</a:t>
+            </a:r>
+            <a:r>
+              <a:rPr lang="en-US" dirty="0"/>
+              <a:t>, Anda dapat </a:t>
+            </a:r>
+            <a:r>
+              <a:rPr lang="en-US" dirty="0" err="1"/>
+              <a:t>menggunakan</a:t>
+            </a:r>
+            <a:r>
+              <a:rPr lang="en-US" dirty="0"/>
+              <a:t> pip atau </a:t>
+            </a:r>
+            <a:r>
+              <a:rPr lang="en-US" dirty="0" err="1"/>
+              <a:t>conda</a:t>
+            </a:r>
+            <a:endParaRPr lang="en-US" dirty="0"/>
+          </a:p>
+          <a:p>
+            <a:endParaRPr lang="en-US" dirty="0"/>
+          </a:p>
+        </p:txBody>
+      </p:sp>
+      <p:pic>
+        <p:nvPicPr>
+          <p:cNvPr id="6" name="Content Placeholder 5">
+            <a:extLst>
+              <a:ext uri="{FF2B5EF4-FFF2-40B4-BE49-F238E27FC236}">
+                <a16:creationId xmlns:a16="http://schemas.microsoft.com/office/drawing/2014/main" id="{D9D710BD-0302-407E-90A0-2BAD8AA5465B}"/>
+              </a:ext>
+            </a:extLst>
+          </p:cNvPr>
+          <p:cNvPicPr>
+            <a:picLocks noGrp="1" noChangeAspect="1"/>
+          </p:cNvPicPr>
+          <p:nvPr>
+            <p:ph idx="1"/>
+          </p:nvPr>
+        </p:nvPicPr>
+        <p:blipFill>
+          <a:blip r:embed="rId2"/>
+          <a:stretch>
+            <a:fillRect/>
+          </a:stretch>
+        </p:blipFill>
+        <p:spPr>
+          <a:xfrm>
+            <a:off x="5183188" y="1708523"/>
+            <a:ext cx="6543675" cy="2959942"/>
+          </a:xfrm>
+          <a:prstGeom prst="rect">
+            <a:avLst/>
+          </a:prstGeom>
+        </p:spPr>
+      </p:pic>
+    </p:spTree>
+    <p:extLst>
+      <p:ext uri="{BB962C8B-B14F-4D97-AF65-F5344CB8AC3E}">
+        <p14:creationId xmlns:p14="http://schemas.microsoft.com/office/powerpoint/2010/main" val="890987795"/>
+      </p:ext>
+    </p:extLst>
+  </p:cSld>
+  <p:clrMapOvr>
+    <a:masterClrMapping/>
+  </p:clrMapOvr>
+</p:sld>
+</file>
+
+<file path=ppt/slides/slide6.xml><?xml version="1.0" encoding="utf-8"?>
+<p:sld xmlns:a="http://schemas.openxmlformats.org/drawingml/2006/main" xmlns:r="http://schemas.openxmlformats.org/officeDocument/2006/relationships" xmlns:p="http://schemas.openxmlformats.org/presentationml/2006/main">
+  <p:cSld>
+    <p:spTree>
+      <p:nvGrpSpPr>
+        <p:cNvPr id="1" name=""/>
+        <p:cNvGrpSpPr/>
+        <p:nvPr/>
+      </p:nvGrpSpPr>
+      <p:grpSpPr>
+        <a:xfrm>
+          <a:off x="0" y="0"/>
+          <a:ext cx="0" cy="0"/>
+          <a:chOff x="0" y="0"/>
+          <a:chExt cx="0" cy="0"/>
+        </a:xfrm>
+      </p:grpSpPr>
+      <p:sp>
+        <p:nvSpPr>
+          <p:cNvPr id="2" name="Title 1">
+            <a:extLst>
+              <a:ext uri="{FF2B5EF4-FFF2-40B4-BE49-F238E27FC236}">
+                <a16:creationId xmlns:a16="http://schemas.microsoft.com/office/drawing/2014/main" id="{4FDB3768-F831-4582-8D59-4B9754DB2911}"/>
+              </a:ext>
+            </a:extLst>
+          </p:cNvPr>
+          <p:cNvSpPr>
+            <a:spLocks noGrp="1"/>
+          </p:cNvSpPr>
+          <p:nvPr>
+            <p:ph type="title"/>
+          </p:nvPr>
+        </p:nvSpPr>
+        <p:spPr/>
+        <p:txBody>
+          <a:bodyPr/>
+          <a:lstStyle/>
+          <a:p>
+            <a:r>
+              <a:rPr lang="en-US" dirty="0"/>
+              <a:t>3. </a:t>
+            </a:r>
+            <a:r>
+              <a:rPr lang="en-US" dirty="0" err="1"/>
+              <a:t>Lokasi</a:t>
+            </a:r>
+            <a:r>
+              <a:rPr lang="en-US" dirty="0"/>
+              <a:t> </a:t>
+            </a:r>
+            <a:r>
+              <a:rPr lang="en-US" dirty="0" err="1"/>
+              <a:t>Instalasi</a:t>
+            </a:r>
+            <a:endParaRPr lang="en-US" dirty="0"/>
+          </a:p>
+        </p:txBody>
+      </p:sp>
+      <p:sp>
+        <p:nvSpPr>
+          <p:cNvPr id="3" name="Slide Number Placeholder 2">
+            <a:extLst>
+              <a:ext uri="{FF2B5EF4-FFF2-40B4-BE49-F238E27FC236}">
+                <a16:creationId xmlns:a16="http://schemas.microsoft.com/office/drawing/2014/main" id="{74551937-D7AC-491D-8A6A-4D1914CCCB55}"/>
+              </a:ext>
+            </a:extLst>
+          </p:cNvPr>
+          <p:cNvSpPr>
+            <a:spLocks noGrp="1"/>
+          </p:cNvSpPr>
+          <p:nvPr>
+            <p:ph type="sldNum" sz="quarter" idx="33"/>
+          </p:nvPr>
+        </p:nvSpPr>
+        <p:spPr/>
+        <p:txBody>
+          <a:bodyPr/>
+          <a:lstStyle/>
+          <a:p>
+            <a:fld id="{19B51A1E-902D-48AF-9020-955120F399B6}" type="slidenum">
+              <a:rPr lang="en-ZA" smtClean="0"/>
+              <a:pPr/>
+              <a:t>6</a:t>
+            </a:fld>
+            <a:endParaRPr lang="en-ZA" dirty="0"/>
+          </a:p>
+        </p:txBody>
+      </p:sp>
+      <p:sp>
+        <p:nvSpPr>
+          <p:cNvPr id="4" name="Text Placeholder 3">
+            <a:extLst>
+              <a:ext uri="{FF2B5EF4-FFF2-40B4-BE49-F238E27FC236}">
+                <a16:creationId xmlns:a16="http://schemas.microsoft.com/office/drawing/2014/main" id="{972F7118-16DD-43BD-98F4-5E582404ABAE}"/>
+              </a:ext>
+            </a:extLst>
+          </p:cNvPr>
+          <p:cNvSpPr>
+            <a:spLocks noGrp="1"/>
+          </p:cNvSpPr>
+          <p:nvPr>
+            <p:ph type="body" sz="half" idx="2"/>
+          </p:nvPr>
+        </p:nvSpPr>
+        <p:spPr/>
+        <p:txBody>
+          <a:bodyPr/>
+          <a:lstStyle/>
+          <a:p>
+            <a:r>
+              <a:rPr lang="en-US" dirty="0" err="1"/>
+              <a:t>Tentukan</a:t>
+            </a:r>
+            <a:r>
+              <a:rPr lang="en-US" dirty="0"/>
+              <a:t> </a:t>
+            </a:r>
+            <a:r>
+              <a:rPr lang="en-US" dirty="0" err="1"/>
+              <a:t>lokasi</a:t>
+            </a:r>
+            <a:r>
+              <a:rPr lang="en-US" dirty="0"/>
+              <a:t> python </a:t>
+            </a:r>
+            <a:r>
+              <a:rPr lang="en-US" dirty="0" err="1"/>
+              <a:t>akan</a:t>
+            </a:r>
+            <a:r>
+              <a:rPr lang="en-US" dirty="0"/>
+              <a:t> </a:t>
+            </a:r>
+            <a:r>
+              <a:rPr lang="en-US" dirty="0" err="1"/>
+              <a:t>diinstal</a:t>
+            </a:r>
+            <a:r>
+              <a:rPr lang="en-US" dirty="0"/>
+              <a:t>. </a:t>
+            </a:r>
+            <a:r>
+              <a:rPr lang="en-US" dirty="0" err="1"/>
+              <a:t>Biarkan</a:t>
+            </a:r>
+            <a:r>
+              <a:rPr lang="en-US" dirty="0"/>
+              <a:t> </a:t>
+            </a:r>
+            <a:r>
+              <a:rPr lang="en-US" dirty="0" err="1"/>
+              <a:t>saja</a:t>
+            </a:r>
+            <a:r>
+              <a:rPr lang="en-US" dirty="0"/>
+              <a:t> di C:\python34\, </a:t>
+            </a:r>
+            <a:r>
+              <a:rPr lang="en-US" dirty="0" err="1"/>
+              <a:t>kemudian</a:t>
+            </a:r>
+            <a:r>
+              <a:rPr lang="en-US" dirty="0"/>
+              <a:t> </a:t>
+            </a:r>
+            <a:r>
+              <a:rPr lang="en-US" dirty="0" err="1"/>
+              <a:t>klik</a:t>
+            </a:r>
+            <a:r>
+              <a:rPr lang="en-US" dirty="0"/>
+              <a:t> next.</a:t>
+            </a:r>
+          </a:p>
+        </p:txBody>
+      </p:sp>
+      <p:pic>
+        <p:nvPicPr>
+          <p:cNvPr id="7" name="Content Placeholder 6">
+            <a:extLst>
+              <a:ext uri="{FF2B5EF4-FFF2-40B4-BE49-F238E27FC236}">
+                <a16:creationId xmlns:a16="http://schemas.microsoft.com/office/drawing/2014/main" id="{4C4FD06F-2D08-4264-B9BC-ABB5B0DC9C01}"/>
+              </a:ext>
+            </a:extLst>
+          </p:cNvPr>
+          <p:cNvPicPr>
+            <a:picLocks noGrp="1" noChangeAspect="1"/>
+          </p:cNvPicPr>
+          <p:nvPr>
+            <p:ph idx="1"/>
+          </p:nvPr>
+        </p:nvPicPr>
+        <p:blipFill>
+          <a:blip r:embed="rId2"/>
+          <a:stretch>
+            <a:fillRect/>
+          </a:stretch>
+        </p:blipFill>
+        <p:spPr>
+          <a:xfrm>
+            <a:off x="6026150" y="1092994"/>
+            <a:ext cx="4857750" cy="4191000"/>
+          </a:xfrm>
+        </p:spPr>
+      </p:pic>
+    </p:spTree>
+    <p:extLst>
+      <p:ext uri="{BB962C8B-B14F-4D97-AF65-F5344CB8AC3E}">
+        <p14:creationId xmlns:p14="http://schemas.microsoft.com/office/powerpoint/2010/main" val="1717303785"/>
+      </p:ext>
+    </p:extLst>
+  </p:cSld>
+  <p:clrMapOvr>
+    <a:masterClrMapping/>
+  </p:clrMapOvr>
+</p:sld>
+</file>
+
+<file path=ppt/slides/slide60.xml><?xml version="1.0" encoding="utf-8"?>
+<p:sld xmlns:a="http://schemas.openxmlformats.org/drawingml/2006/main" xmlns:r="http://schemas.openxmlformats.org/officeDocument/2006/relationships" xmlns:p="http://schemas.openxmlformats.org/presentationml/2006/main">
+  <p:cSld>
+    <p:spTree>
+      <p:nvGrpSpPr>
+        <p:cNvPr id="1" name=""/>
+        <p:cNvGrpSpPr/>
+        <p:nvPr/>
+      </p:nvGrpSpPr>
+      <p:grpSpPr>
+        <a:xfrm>
+          <a:off x="0" y="0"/>
+          <a:ext cx="0" cy="0"/>
+          <a:chOff x="0" y="0"/>
+          <a:chExt cx="0" cy="0"/>
+        </a:xfrm>
+      </p:grpSpPr>
+      <p:pic>
+        <p:nvPicPr>
           <p:cNvPr id="5" name="Picture Placeholder 4" descr="Large image placeholder">
             <a:extLst>
               <a:ext uri="{FF2B5EF4-FFF2-40B4-BE49-F238E27FC236}">
-                <a16:creationId xmlns:a16="http://schemas.microsoft.com/office/drawing/2014/main" xmlns="" id="{FB15BC12-29C3-3D4B-805A-8A860D70CA67}"/>
+                <a16:creationId xmlns:a16="http://schemas.microsoft.com/office/drawing/2014/main" id="{FB15BC12-29C3-3D4B-805A-8A860D70CA67}"/>
               </a:ext>
             </a:extLst>
           </p:cNvPr>
@@ -36179,7 +40544,7 @@
           <p:cNvPr id="6" name="Slide Number Placeholder 5">
             <a:extLst>
               <a:ext uri="{FF2B5EF4-FFF2-40B4-BE49-F238E27FC236}">
-                <a16:creationId xmlns:a16="http://schemas.microsoft.com/office/drawing/2014/main" xmlns="" id="{70202D98-AA1E-41BB-B94E-180311759C13}"/>
+                <a16:creationId xmlns:a16="http://schemas.microsoft.com/office/drawing/2014/main" id="{70202D98-AA1E-41BB-B94E-180311759C13}"/>
               </a:ext>
             </a:extLst>
           </p:cNvPr>
@@ -36198,7 +40563,7 @@
             <a:fld id="{19B51A1E-902D-48AF-9020-955120F399B6}" type="slidenum">
               <a:rPr lang="en-ZA" smtClean="0"/>
               <a:pPr/>
-              <a:t>44</a:t>
+              <a:t>60</a:t>
             </a:fld>
             <a:endParaRPr lang="en-ZA" dirty="0"/>
           </a:p>
@@ -36209,10 +40574,10 @@
           <p:cNvPr id="16" name="TextBox 15" descr="Accent design to caption block">
             <a:extLst>
               <a:ext uri="{FF2B5EF4-FFF2-40B4-BE49-F238E27FC236}">
-                <a16:creationId xmlns:a16="http://schemas.microsoft.com/office/drawing/2014/main" xmlns="" id="{03888866-542D-43D4-BFE1-045D36351922}"/>
+                <a16:creationId xmlns:a16="http://schemas.microsoft.com/office/drawing/2014/main" id="{03888866-542D-43D4-BFE1-045D36351922}"/>
               </a:ext>
               <a:ext uri="{C183D7F6-B498-43B3-948B-1728B52AA6E4}">
-                <adec:decorative xmlns:adec="http://schemas.microsoft.com/office/drawing/2017/decorative" xmlns="" val="1"/>
+                <adec:decorative xmlns:adec="http://schemas.microsoft.com/office/drawing/2017/decorative" val="1"/>
               </a:ext>
             </a:extLst>
           </p:cNvPr>
@@ -36350,10 +40715,10 @@
           <p:cNvPr id="17" name="Isosceles Triangle 16" descr="Shadow accent to title">
             <a:extLst>
               <a:ext uri="{FF2B5EF4-FFF2-40B4-BE49-F238E27FC236}">
-                <a16:creationId xmlns:a16="http://schemas.microsoft.com/office/drawing/2014/main" xmlns="" id="{667AA2A8-C66E-4F4C-A6E7-E7ABCE7E9EC3}"/>
+                <a16:creationId xmlns:a16="http://schemas.microsoft.com/office/drawing/2014/main" id="{667AA2A8-C66E-4F4C-A6E7-E7ABCE7E9EC3}"/>
               </a:ext>
               <a:ext uri="{C183D7F6-B498-43B3-948B-1728B52AA6E4}">
-                <adec:decorative xmlns:adec="http://schemas.microsoft.com/office/drawing/2017/decorative" xmlns="" val="1"/>
+                <adec:decorative xmlns:adec="http://schemas.microsoft.com/office/drawing/2017/decorative" val="1"/>
               </a:ext>
             </a:extLst>
           </p:cNvPr>
@@ -36412,7 +40777,7 @@
           <p:cNvPr id="12" name="Title 11">
             <a:extLst>
               <a:ext uri="{FF2B5EF4-FFF2-40B4-BE49-F238E27FC236}">
-                <a16:creationId xmlns:a16="http://schemas.microsoft.com/office/drawing/2014/main" xmlns="" id="{D8744987-7958-44D9-AE6F-009CA4C08875}"/>
+                <a16:creationId xmlns:a16="http://schemas.microsoft.com/office/drawing/2014/main" id="{D8744987-7958-44D9-AE6F-009CA4C08875}"/>
               </a:ext>
             </a:extLst>
           </p:cNvPr>
@@ -36445,10 +40810,10 @@
           <p:cNvPr id="19" name="Isosceles Triangle 18" descr="To shadow accent to title">
             <a:extLst>
               <a:ext uri="{FF2B5EF4-FFF2-40B4-BE49-F238E27FC236}">
-                <a16:creationId xmlns:a16="http://schemas.microsoft.com/office/drawing/2014/main" xmlns="" id="{ABF5B12D-6F10-4377-9094-B3E79ECB1B94}"/>
+                <a16:creationId xmlns:a16="http://schemas.microsoft.com/office/drawing/2014/main" id="{ABF5B12D-6F10-4377-9094-B3E79ECB1B94}"/>
               </a:ext>
               <a:ext uri="{C183D7F6-B498-43B3-948B-1728B52AA6E4}">
-                <adec:decorative xmlns:adec="http://schemas.microsoft.com/office/drawing/2017/decorative" xmlns="" val="1"/>
+                <adec:decorative xmlns:adec="http://schemas.microsoft.com/office/drawing/2017/decorative" val="1"/>
               </a:ext>
             </a:extLst>
           </p:cNvPr>
@@ -36515,7 +40880,7 @@
 </p:sld>
 </file>
 
-<file path=ppt/slides/slide45.xml><?xml version="1.0" encoding="utf-8"?>
+<file path=ppt/slides/slide61.xml><?xml version="1.0" encoding="utf-8"?>
 <p:sld xmlns:a="http://schemas.openxmlformats.org/drawingml/2006/main" xmlns:r="http://schemas.openxmlformats.org/officeDocument/2006/relationships" xmlns:p="http://schemas.openxmlformats.org/presentationml/2006/main">
   <p:cSld>
     <p:spTree>
@@ -36537,7 +40902,7 @@
           <p:cNvPr id="12" name="Picture Placeholder 11" descr="Image placeholder">
             <a:extLst>
               <a:ext uri="{FF2B5EF4-FFF2-40B4-BE49-F238E27FC236}">
-                <a16:creationId xmlns:a16="http://schemas.microsoft.com/office/drawing/2014/main" xmlns="" id="{C4330FBA-FEA8-B941-8864-B3DEDDE80404}"/>
+                <a16:creationId xmlns:a16="http://schemas.microsoft.com/office/drawing/2014/main" id="{C4330FBA-FEA8-B941-8864-B3DEDDE80404}"/>
               </a:ext>
             </a:extLst>
           </p:cNvPr>
@@ -36568,10 +40933,10 @@
           <p:cNvPr id="38" name="TextBox 37" descr="Accent to title block">
             <a:extLst>
               <a:ext uri="{FF2B5EF4-FFF2-40B4-BE49-F238E27FC236}">
-                <a16:creationId xmlns:a16="http://schemas.microsoft.com/office/drawing/2014/main" xmlns="" id="{B231FB9C-F234-41D0-A4CE-8C29A5F2F553}"/>
+                <a16:creationId xmlns:a16="http://schemas.microsoft.com/office/drawing/2014/main" id="{B231FB9C-F234-41D0-A4CE-8C29A5F2F553}"/>
               </a:ext>
               <a:ext uri="{C183D7F6-B498-43B3-948B-1728B52AA6E4}">
-                <adec:decorative xmlns:adec="http://schemas.microsoft.com/office/drawing/2017/decorative" xmlns="" val="1"/>
+                <adec:decorative xmlns:adec="http://schemas.microsoft.com/office/drawing/2017/decorative" val="1"/>
               </a:ext>
             </a:extLst>
           </p:cNvPr>
@@ -36717,10 +41082,10 @@
           <p:cNvPr id="35" name="Isosceles Triangle 34" descr="Shadow to title block">
             <a:extLst>
               <a:ext uri="{FF2B5EF4-FFF2-40B4-BE49-F238E27FC236}">
-                <a16:creationId xmlns:a16="http://schemas.microsoft.com/office/drawing/2014/main" xmlns="" id="{FE193317-B8BD-46CA-B0A6-8A7511B086D9}"/>
+                <a16:creationId xmlns:a16="http://schemas.microsoft.com/office/drawing/2014/main" id="{FE193317-B8BD-46CA-B0A6-8A7511B086D9}"/>
               </a:ext>
               <a:ext uri="{C183D7F6-B498-43B3-948B-1728B52AA6E4}">
-                <adec:decorative xmlns:adec="http://schemas.microsoft.com/office/drawing/2017/decorative" xmlns="" val="1"/>
+                <adec:decorative xmlns:adec="http://schemas.microsoft.com/office/drawing/2017/decorative" val="1"/>
               </a:ext>
             </a:extLst>
           </p:cNvPr>
@@ -36779,10 +41144,10 @@
           <p:cNvPr id="32" name="Freeform 5" descr="Solid accent block">
             <a:extLst>
               <a:ext uri="{FF2B5EF4-FFF2-40B4-BE49-F238E27FC236}">
-                <a16:creationId xmlns:a16="http://schemas.microsoft.com/office/drawing/2014/main" xmlns="" id="{85E0D4E1-E389-4671-B0E7-165A10A05425}"/>
+                <a16:creationId xmlns:a16="http://schemas.microsoft.com/office/drawing/2014/main" id="{85E0D4E1-E389-4671-B0E7-165A10A05425}"/>
               </a:ext>
               <a:ext uri="{C183D7F6-B498-43B3-948B-1728B52AA6E4}">
-                <adec:decorative xmlns:adec="http://schemas.microsoft.com/office/drawing/2017/decorative" xmlns="" val="1"/>
+                <adec:decorative xmlns:adec="http://schemas.microsoft.com/office/drawing/2017/decorative" val="1"/>
               </a:ext>
             </a:extLst>
           </p:cNvPr>
@@ -36968,10 +41333,10 @@
           <p:cNvPr id="33" name="Freeform 5" descr="Hollow accent block">
             <a:extLst>
               <a:ext uri="{FF2B5EF4-FFF2-40B4-BE49-F238E27FC236}">
-                <a16:creationId xmlns:a16="http://schemas.microsoft.com/office/drawing/2014/main" xmlns="" id="{8186FEAF-6E1E-4258-94C3-5C589D4B5ADE}"/>
+                <a16:creationId xmlns:a16="http://schemas.microsoft.com/office/drawing/2014/main" id="{8186FEAF-6E1E-4258-94C3-5C589D4B5ADE}"/>
               </a:ext>
               <a:ext uri="{C183D7F6-B498-43B3-948B-1728B52AA6E4}">
-                <adec:decorative xmlns:adec="http://schemas.microsoft.com/office/drawing/2017/decorative" xmlns="" val="1"/>
+                <adec:decorative xmlns:adec="http://schemas.microsoft.com/office/drawing/2017/decorative" val="1"/>
               </a:ext>
             </a:extLst>
           </p:cNvPr>
@@ -37157,7 +41522,7 @@
           <p:cNvPr id="20" name="Title 19">
             <a:extLst>
               <a:ext uri="{FF2B5EF4-FFF2-40B4-BE49-F238E27FC236}">
-                <a16:creationId xmlns:a16="http://schemas.microsoft.com/office/drawing/2014/main" xmlns="" id="{7C11A64B-7EA5-442C-8405-73273A5331D1}"/>
+                <a16:creationId xmlns:a16="http://schemas.microsoft.com/office/drawing/2014/main" id="{7C11A64B-7EA5-442C-8405-73273A5331D1}"/>
               </a:ext>
             </a:extLst>
           </p:cNvPr>
@@ -37186,7 +41551,7 @@
           <p:cNvPr id="8" name="Graphic 7" descr="User" title="Icon - Presenter Name">
             <a:extLst>
               <a:ext uri="{FF2B5EF4-FFF2-40B4-BE49-F238E27FC236}">
-                <a16:creationId xmlns:a16="http://schemas.microsoft.com/office/drawing/2014/main" xmlns="" id="{111541C4-DB03-4E53-994D-499C7D73C4DF}"/>
+                <a16:creationId xmlns:a16="http://schemas.microsoft.com/office/drawing/2014/main" id="{111541C4-DB03-4E53-994D-499C7D73C4DF}"/>
               </a:ext>
             </a:extLst>
           </p:cNvPr>
@@ -37202,7 +41567,7 @@
                 <a14:useLocalDpi xmlns:a14="http://schemas.microsoft.com/office/drawing/2010/main"/>
               </a:ext>
               <a:ext uri="{96DAC541-7B7A-43D3-8B79-37D633B846F1}">
-                <asvg:svgBlip xmlns:asvg="http://schemas.microsoft.com/office/drawing/2016/SVG/main" xmlns="" r:embed="rId4"/>
+                <asvg:svgBlip xmlns:asvg="http://schemas.microsoft.com/office/drawing/2016/SVG/main" r:embed="rId4"/>
               </a:ext>
             </a:extLst>
           </a:blip>
@@ -37225,7 +41590,7 @@
           <p:cNvPr id="4" name="Text Placeholder 3">
             <a:extLst>
               <a:ext uri="{FF2B5EF4-FFF2-40B4-BE49-F238E27FC236}">
-                <a16:creationId xmlns:a16="http://schemas.microsoft.com/office/drawing/2014/main" xmlns="" id="{60828E04-9C2A-4859-8050-C2DF67A249CB}"/>
+                <a16:creationId xmlns:a16="http://schemas.microsoft.com/office/drawing/2014/main" id="{60828E04-9C2A-4859-8050-C2DF67A249CB}"/>
               </a:ext>
             </a:extLst>
           </p:cNvPr>
@@ -37253,7 +41618,7 @@
           <p:cNvPr id="10" name="Graphic 9">
             <a:extLst>
               <a:ext uri="{FF2B5EF4-FFF2-40B4-BE49-F238E27FC236}">
-                <a16:creationId xmlns:a16="http://schemas.microsoft.com/office/drawing/2014/main" xmlns="" id="{A29DE31C-E099-4579-BB03-675E0A40C5F2}"/>
+                <a16:creationId xmlns:a16="http://schemas.microsoft.com/office/drawing/2014/main" id="{A29DE31C-E099-4579-BB03-675E0A40C5F2}"/>
               </a:ext>
             </a:extLst>
           </p:cNvPr>
@@ -37291,7 +41656,7 @@
           <p:cNvPr id="5" name="Text Placeholder 4">
             <a:extLst>
               <a:ext uri="{FF2B5EF4-FFF2-40B4-BE49-F238E27FC236}">
-                <a16:creationId xmlns:a16="http://schemas.microsoft.com/office/drawing/2014/main" xmlns="" id="{11265965-2271-4C1C-BD0A-6F85F80FF9A6}"/>
+                <a16:creationId xmlns:a16="http://schemas.microsoft.com/office/drawing/2014/main" id="{11265965-2271-4C1C-BD0A-6F85F80FF9A6}"/>
               </a:ext>
             </a:extLst>
           </p:cNvPr>
@@ -37324,7 +41689,7 @@
           <p:cNvPr id="9" name="Graphic 8" descr="Envelope" title="Icon Presenter Email">
             <a:extLst>
               <a:ext uri="{FF2B5EF4-FFF2-40B4-BE49-F238E27FC236}">
-                <a16:creationId xmlns:a16="http://schemas.microsoft.com/office/drawing/2014/main" xmlns="" id="{773C1382-ACE1-460F-A1B6-AB761A7D2E6B}"/>
+                <a16:creationId xmlns:a16="http://schemas.microsoft.com/office/drawing/2014/main" id="{773C1382-ACE1-460F-A1B6-AB761A7D2E6B}"/>
               </a:ext>
             </a:extLst>
           </p:cNvPr>
@@ -37340,7 +41705,7 @@
                 <a14:useLocalDpi xmlns:a14="http://schemas.microsoft.com/office/drawing/2010/main"/>
               </a:ext>
               <a:ext uri="{96DAC541-7B7A-43D3-8B79-37D633B846F1}">
-                <asvg:svgBlip xmlns:asvg="http://schemas.microsoft.com/office/drawing/2016/SVG/main" xmlns="" r:embed="rId7"/>
+                <asvg:svgBlip xmlns:asvg="http://schemas.microsoft.com/office/drawing/2016/SVG/main" r:embed="rId7"/>
               </a:ext>
             </a:extLst>
           </a:blip>
@@ -37363,7 +41728,7 @@
           <p:cNvPr id="6" name="Text Placeholder 5">
             <a:extLst>
               <a:ext uri="{FF2B5EF4-FFF2-40B4-BE49-F238E27FC236}">
-                <a16:creationId xmlns:a16="http://schemas.microsoft.com/office/drawing/2014/main" xmlns="" id="{50A3BCC3-A277-4C0B-9EBA-EB53990D8EBD}"/>
+                <a16:creationId xmlns:a16="http://schemas.microsoft.com/office/drawing/2014/main" id="{50A3BCC3-A277-4C0B-9EBA-EB53990D8EBD}"/>
               </a:ext>
             </a:extLst>
           </p:cNvPr>
@@ -37391,7 +41756,7 @@
           <p:cNvPr id="13" name="Text Placeholder 12">
             <a:extLst>
               <a:ext uri="{FF2B5EF4-FFF2-40B4-BE49-F238E27FC236}">
-                <a16:creationId xmlns:a16="http://schemas.microsoft.com/office/drawing/2014/main" xmlns="" id="{959D0BDF-4F28-48CC-8EAA-FEC4290B7D18}"/>
+                <a16:creationId xmlns:a16="http://schemas.microsoft.com/office/drawing/2014/main" id="{959D0BDF-4F28-48CC-8EAA-FEC4290B7D18}"/>
               </a:ext>
             </a:extLst>
           </p:cNvPr>
@@ -37415,410 +41780,6 @@
     <p:extLst>
       <p:ext uri="{BB962C8B-B14F-4D97-AF65-F5344CB8AC3E}">
         <p14:creationId xmlns:p14="http://schemas.microsoft.com/office/powerpoint/2010/main" val="4153678306"/>
-      </p:ext>
-    </p:extLst>
-  </p:cSld>
-  <p:clrMapOvr>
-    <a:masterClrMapping/>
-  </p:clrMapOvr>
-</p:sld>
-</file>
-
-<file path=ppt/slides/slide5.xml><?xml version="1.0" encoding="utf-8"?>
-<p:sld xmlns:a="http://schemas.openxmlformats.org/drawingml/2006/main" xmlns:r="http://schemas.openxmlformats.org/officeDocument/2006/relationships" xmlns:p="http://schemas.openxmlformats.org/presentationml/2006/main">
-  <p:cSld>
-    <p:spTree>
-      <p:nvGrpSpPr>
-        <p:cNvPr id="1" name=""/>
-        <p:cNvGrpSpPr/>
-        <p:nvPr/>
-      </p:nvGrpSpPr>
-      <p:grpSpPr>
-        <a:xfrm>
-          <a:off x="0" y="0"/>
-          <a:ext cx="0" cy="0"/>
-          <a:chOff x="0" y="0"/>
-          <a:chExt cx="0" cy="0"/>
-        </a:xfrm>
-      </p:grpSpPr>
-      <p:sp>
-        <p:nvSpPr>
-          <p:cNvPr id="2" name="Title 1">
-            <a:extLst>
-              <a:ext uri="{FF2B5EF4-FFF2-40B4-BE49-F238E27FC236}">
-                <a16:creationId xmlns:a16="http://schemas.microsoft.com/office/drawing/2014/main" xmlns="" id="{A8359FD9-0B08-4153-881C-1C1368D10EDE}"/>
-              </a:ext>
-            </a:extLst>
-          </p:cNvPr>
-          <p:cNvSpPr>
-            <a:spLocks noGrp="1"/>
-          </p:cNvSpPr>
-          <p:nvPr>
-            <p:ph type="title"/>
-          </p:nvPr>
-        </p:nvSpPr>
-        <p:spPr/>
-        <p:txBody>
-          <a:bodyPr/>
-          <a:lstStyle/>
-          <a:p>
-            <a:r>
-              <a:rPr lang="en-US" dirty="0"/>
-              <a:t>2. </a:t>
-            </a:r>
-            <a:r>
-              <a:rPr lang="en-US" dirty="0" err="1"/>
-              <a:t>Pilih</a:t>
-            </a:r>
-            <a:r>
-              <a:rPr lang="en-US" dirty="0"/>
-              <a:t> </a:t>
-            </a:r>
-            <a:r>
-              <a:rPr lang="en-US" dirty="0" err="1"/>
-              <a:t>Pengguna</a:t>
-            </a:r>
-            <a:endParaRPr lang="en-US" dirty="0"/>
-          </a:p>
-        </p:txBody>
-      </p:sp>
-      <p:sp>
-        <p:nvSpPr>
-          <p:cNvPr id="3" name="Slide Number Placeholder 2">
-            <a:extLst>
-              <a:ext uri="{FF2B5EF4-FFF2-40B4-BE49-F238E27FC236}">
-                <a16:creationId xmlns:a16="http://schemas.microsoft.com/office/drawing/2014/main" xmlns="" id="{5F3EC4AA-110E-4B04-973B-BC488BCA0250}"/>
-              </a:ext>
-            </a:extLst>
-          </p:cNvPr>
-          <p:cNvSpPr>
-            <a:spLocks noGrp="1"/>
-          </p:cNvSpPr>
-          <p:nvPr>
-            <p:ph type="sldNum" sz="quarter" idx="33"/>
-          </p:nvPr>
-        </p:nvSpPr>
-        <p:spPr/>
-        <p:txBody>
-          <a:bodyPr/>
-          <a:lstStyle/>
-          <a:p>
-            <a:fld id="{19B51A1E-902D-48AF-9020-955120F399B6}" type="slidenum">
-              <a:rPr lang="en-ZA" smtClean="0"/>
-              <a:pPr/>
-              <a:t>5</a:t>
-            </a:fld>
-            <a:endParaRPr lang="en-ZA" dirty="0"/>
-          </a:p>
-        </p:txBody>
-      </p:sp>
-      <p:sp>
-        <p:nvSpPr>
-          <p:cNvPr id="4" name="Text Placeholder 3">
-            <a:extLst>
-              <a:ext uri="{FF2B5EF4-FFF2-40B4-BE49-F238E27FC236}">
-                <a16:creationId xmlns:a16="http://schemas.microsoft.com/office/drawing/2014/main" xmlns="" id="{60AB45CA-101F-4073-BAA5-A1069F151827}"/>
-              </a:ext>
-            </a:extLst>
-          </p:cNvPr>
-          <p:cNvSpPr>
-            <a:spLocks noGrp="1"/>
-          </p:cNvSpPr>
-          <p:nvPr>
-            <p:ph type="body" sz="half" idx="2"/>
-          </p:nvPr>
-        </p:nvSpPr>
-        <p:spPr/>
-        <p:txBody>
-          <a:bodyPr/>
-          <a:lstStyle/>
-          <a:p>
-            <a:r>
-              <a:rPr lang="en-US" dirty="0" err="1"/>
-              <a:t>Pilih</a:t>
-            </a:r>
-            <a:r>
-              <a:rPr lang="en-US" dirty="0"/>
-              <a:t> </a:t>
-            </a:r>
-            <a:r>
-              <a:rPr lang="en-US" dirty="0" err="1"/>
-              <a:t>saja</a:t>
-            </a:r>
-            <a:r>
-              <a:rPr lang="en-US" dirty="0"/>
-              <a:t> ‘Install for all users’ agar bisa </a:t>
-            </a:r>
-            <a:r>
-              <a:rPr lang="en-US" dirty="0" err="1"/>
-              <a:t>dipakai</a:t>
-            </a:r>
-            <a:r>
-              <a:rPr lang="en-US" dirty="0"/>
-              <a:t> untuk semua user di </a:t>
-            </a:r>
-            <a:r>
-              <a:rPr lang="en-US" dirty="0" err="1"/>
-              <a:t>komputernya</a:t>
-            </a:r>
-            <a:r>
-              <a:rPr lang="en-US" dirty="0"/>
-              <a:t>.</a:t>
-            </a:r>
-          </a:p>
-        </p:txBody>
-      </p:sp>
-      <p:pic>
-        <p:nvPicPr>
-          <p:cNvPr id="7" name="Content Placeholder 6">
-            <a:extLst>
-              <a:ext uri="{FF2B5EF4-FFF2-40B4-BE49-F238E27FC236}">
-                <a16:creationId xmlns:a16="http://schemas.microsoft.com/office/drawing/2014/main" xmlns="" id="{25C1E5BA-DAFF-483A-820F-228057CF7494}"/>
-              </a:ext>
-            </a:extLst>
-          </p:cNvPr>
-          <p:cNvPicPr>
-            <a:picLocks noGrp="1" noChangeAspect="1"/>
-          </p:cNvPicPr>
-          <p:nvPr>
-            <p:ph idx="1"/>
-          </p:nvPr>
-        </p:nvPicPr>
-        <p:blipFill>
-          <a:blip r:embed="rId2"/>
-          <a:stretch>
-            <a:fillRect/>
-          </a:stretch>
-        </p:blipFill>
-        <p:spPr>
-          <a:xfrm>
-            <a:off x="6016625" y="1088231"/>
-            <a:ext cx="4876800" cy="4200525"/>
-          </a:xfrm>
-        </p:spPr>
-      </p:pic>
-    </p:spTree>
-    <p:extLst>
-      <p:ext uri="{BB962C8B-B14F-4D97-AF65-F5344CB8AC3E}">
-        <p14:creationId xmlns:p14="http://schemas.microsoft.com/office/powerpoint/2010/main" val="2892185862"/>
-      </p:ext>
-    </p:extLst>
-  </p:cSld>
-  <p:clrMapOvr>
-    <a:masterClrMapping/>
-  </p:clrMapOvr>
-</p:sld>
-</file>
-
-<file path=ppt/slides/slide6.xml><?xml version="1.0" encoding="utf-8"?>
-<p:sld xmlns:a="http://schemas.openxmlformats.org/drawingml/2006/main" xmlns:r="http://schemas.openxmlformats.org/officeDocument/2006/relationships" xmlns:p="http://schemas.openxmlformats.org/presentationml/2006/main">
-  <p:cSld>
-    <p:spTree>
-      <p:nvGrpSpPr>
-        <p:cNvPr id="1" name=""/>
-        <p:cNvGrpSpPr/>
-        <p:nvPr/>
-      </p:nvGrpSpPr>
-      <p:grpSpPr>
-        <a:xfrm>
-          <a:off x="0" y="0"/>
-          <a:ext cx="0" cy="0"/>
-          <a:chOff x="0" y="0"/>
-          <a:chExt cx="0" cy="0"/>
-        </a:xfrm>
-      </p:grpSpPr>
-      <p:sp>
-        <p:nvSpPr>
-          <p:cNvPr id="2" name="Title 1">
-            <a:extLst>
-              <a:ext uri="{FF2B5EF4-FFF2-40B4-BE49-F238E27FC236}">
-                <a16:creationId xmlns:a16="http://schemas.microsoft.com/office/drawing/2014/main" xmlns="" id="{4FDB3768-F831-4582-8D59-4B9754DB2911}"/>
-              </a:ext>
-            </a:extLst>
-          </p:cNvPr>
-          <p:cNvSpPr>
-            <a:spLocks noGrp="1"/>
-          </p:cNvSpPr>
-          <p:nvPr>
-            <p:ph type="title"/>
-          </p:nvPr>
-        </p:nvSpPr>
-        <p:spPr/>
-        <p:txBody>
-          <a:bodyPr/>
-          <a:lstStyle/>
-          <a:p>
-            <a:r>
-              <a:rPr lang="en-US" dirty="0"/>
-              <a:t>3. </a:t>
-            </a:r>
-            <a:r>
-              <a:rPr lang="en-US" dirty="0" err="1"/>
-              <a:t>Lokasi</a:t>
-            </a:r>
-            <a:r>
-              <a:rPr lang="en-US" dirty="0"/>
-              <a:t> </a:t>
-            </a:r>
-            <a:r>
-              <a:rPr lang="en-US" dirty="0" err="1"/>
-              <a:t>Instalasi</a:t>
-            </a:r>
-            <a:endParaRPr lang="en-US" dirty="0"/>
-          </a:p>
-        </p:txBody>
-      </p:sp>
-      <p:sp>
-        <p:nvSpPr>
-          <p:cNvPr id="3" name="Slide Number Placeholder 2">
-            <a:extLst>
-              <a:ext uri="{FF2B5EF4-FFF2-40B4-BE49-F238E27FC236}">
-                <a16:creationId xmlns:a16="http://schemas.microsoft.com/office/drawing/2014/main" xmlns="" id="{74551937-D7AC-491D-8A6A-4D1914CCCB55}"/>
-              </a:ext>
-            </a:extLst>
-          </p:cNvPr>
-          <p:cNvSpPr>
-            <a:spLocks noGrp="1"/>
-          </p:cNvSpPr>
-          <p:nvPr>
-            <p:ph type="sldNum" sz="quarter" idx="33"/>
-          </p:nvPr>
-        </p:nvSpPr>
-        <p:spPr/>
-        <p:txBody>
-          <a:bodyPr/>
-          <a:lstStyle/>
-          <a:p>
-            <a:fld id="{19B51A1E-902D-48AF-9020-955120F399B6}" type="slidenum">
-              <a:rPr lang="en-ZA" smtClean="0"/>
-              <a:pPr/>
-              <a:t>6</a:t>
-            </a:fld>
-            <a:endParaRPr lang="en-ZA" dirty="0"/>
-          </a:p>
-        </p:txBody>
-      </p:sp>
-      <p:sp>
-        <p:nvSpPr>
-          <p:cNvPr id="4" name="Text Placeholder 3">
-            <a:extLst>
-              <a:ext uri="{FF2B5EF4-FFF2-40B4-BE49-F238E27FC236}">
-                <a16:creationId xmlns:a16="http://schemas.microsoft.com/office/drawing/2014/main" xmlns="" id="{972F7118-16DD-43BD-98F4-5E582404ABAE}"/>
-              </a:ext>
-            </a:extLst>
-          </p:cNvPr>
-          <p:cNvSpPr>
-            <a:spLocks noGrp="1"/>
-          </p:cNvSpPr>
-          <p:nvPr>
-            <p:ph type="body" sz="half" idx="2"/>
-          </p:nvPr>
-        </p:nvSpPr>
-        <p:spPr/>
-        <p:txBody>
-          <a:bodyPr/>
-          <a:lstStyle/>
-          <a:p>
-            <a:r>
-              <a:rPr lang="en-US" dirty="0" err="1"/>
-              <a:t>Tentukan</a:t>
-            </a:r>
-            <a:r>
-              <a:rPr lang="en-US" dirty="0"/>
-              <a:t> </a:t>
-            </a:r>
-            <a:r>
-              <a:rPr lang="en-US" dirty="0" err="1"/>
-              <a:t>lokasi</a:t>
-            </a:r>
-            <a:r>
-              <a:rPr lang="en-US" dirty="0"/>
-              <a:t> python </a:t>
-            </a:r>
-            <a:r>
-              <a:rPr lang="en-US" dirty="0" err="1"/>
-              <a:t>akan</a:t>
-            </a:r>
-            <a:r>
-              <a:rPr lang="en-US" dirty="0"/>
-              <a:t> </a:t>
-            </a:r>
-            <a:r>
-              <a:rPr lang="en-US" dirty="0" err="1"/>
-              <a:t>diinstal</a:t>
-            </a:r>
-            <a:r>
-              <a:rPr lang="en-US" dirty="0"/>
-              <a:t>. </a:t>
-            </a:r>
-            <a:r>
-              <a:rPr lang="en-US" dirty="0" err="1"/>
-              <a:t>Biarkan</a:t>
-            </a:r>
-            <a:r>
-              <a:rPr lang="en-US" dirty="0"/>
-              <a:t> </a:t>
-            </a:r>
-            <a:r>
-              <a:rPr lang="en-US" dirty="0" err="1"/>
-              <a:t>saja</a:t>
-            </a:r>
-            <a:r>
-              <a:rPr lang="en-US" dirty="0"/>
-              <a:t> di C:\python34\, </a:t>
-            </a:r>
-            <a:r>
-              <a:rPr lang="en-US" dirty="0" err="1"/>
-              <a:t>kemudian</a:t>
-            </a:r>
-            <a:r>
-              <a:rPr lang="en-US" dirty="0"/>
-              <a:t> </a:t>
-            </a:r>
-            <a:r>
-              <a:rPr lang="en-US" dirty="0" err="1"/>
-              <a:t>klik</a:t>
-            </a:r>
-            <a:r>
-              <a:rPr lang="en-US" dirty="0"/>
-              <a:t> next.</a:t>
-            </a:r>
-          </a:p>
-        </p:txBody>
-      </p:sp>
-      <p:pic>
-        <p:nvPicPr>
-          <p:cNvPr id="7" name="Content Placeholder 6">
-            <a:extLst>
-              <a:ext uri="{FF2B5EF4-FFF2-40B4-BE49-F238E27FC236}">
-                <a16:creationId xmlns:a16="http://schemas.microsoft.com/office/drawing/2014/main" xmlns="" id="{4C4FD06F-2D08-4264-B9BC-ABB5B0DC9C01}"/>
-              </a:ext>
-            </a:extLst>
-          </p:cNvPr>
-          <p:cNvPicPr>
-            <a:picLocks noGrp="1" noChangeAspect="1"/>
-          </p:cNvPicPr>
-          <p:nvPr>
-            <p:ph idx="1"/>
-          </p:nvPr>
-        </p:nvPicPr>
-        <p:blipFill>
-          <a:blip r:embed="rId2"/>
-          <a:stretch>
-            <a:fillRect/>
-          </a:stretch>
-        </p:blipFill>
-        <p:spPr>
-          <a:xfrm>
-            <a:off x="6026150" y="1092994"/>
-            <a:ext cx="4857750" cy="4191000"/>
-          </a:xfrm>
-        </p:spPr>
-      </p:pic>
-    </p:spTree>
-    <p:extLst>
-      <p:ext uri="{BB962C8B-B14F-4D97-AF65-F5344CB8AC3E}">
-        <p14:creationId xmlns:p14="http://schemas.microsoft.com/office/powerpoint/2010/main" val="1717303785"/>
       </p:ext>
     </p:extLst>
   </p:cSld>
@@ -37850,7 +41811,7 @@
           <p:cNvPr id="2" name="Title 1">
             <a:extLst>
               <a:ext uri="{FF2B5EF4-FFF2-40B4-BE49-F238E27FC236}">
-                <a16:creationId xmlns:a16="http://schemas.microsoft.com/office/drawing/2014/main" xmlns="" id="{9BF2A42D-E7E4-48B7-BEC5-F7E1F8B5B63F}"/>
+                <a16:creationId xmlns:a16="http://schemas.microsoft.com/office/drawing/2014/main" id="{9BF2A42D-E7E4-48B7-BEC5-F7E1F8B5B63F}"/>
               </a:ext>
             </a:extLst>
           </p:cNvPr>
@@ -37883,7 +41844,7 @@
           <p:cNvPr id="3" name="Slide Number Placeholder 2">
             <a:extLst>
               <a:ext uri="{FF2B5EF4-FFF2-40B4-BE49-F238E27FC236}">
-                <a16:creationId xmlns:a16="http://schemas.microsoft.com/office/drawing/2014/main" xmlns="" id="{FB6F1506-9284-46A7-B82F-8238A4927C9C}"/>
+                <a16:creationId xmlns:a16="http://schemas.microsoft.com/office/drawing/2014/main" id="{FB6F1506-9284-46A7-B82F-8238A4927C9C}"/>
               </a:ext>
             </a:extLst>
           </p:cNvPr>
@@ -37913,7 +41874,7 @@
           <p:cNvPr id="4" name="Text Placeholder 3">
             <a:extLst>
               <a:ext uri="{FF2B5EF4-FFF2-40B4-BE49-F238E27FC236}">
-                <a16:creationId xmlns:a16="http://schemas.microsoft.com/office/drawing/2014/main" xmlns="" id="{BD37D9F1-F3C3-4379-B7CF-B49ABFC00111}"/>
+                <a16:creationId xmlns:a16="http://schemas.microsoft.com/office/drawing/2014/main" id="{BD37D9F1-F3C3-4379-B7CF-B49ABFC00111}"/>
               </a:ext>
             </a:extLst>
           </p:cNvPr>
@@ -37989,7 +41950,7 @@
           <p:cNvPr id="7" name="Content Placeholder 6">
             <a:extLst>
               <a:ext uri="{FF2B5EF4-FFF2-40B4-BE49-F238E27FC236}">
-                <a16:creationId xmlns:a16="http://schemas.microsoft.com/office/drawing/2014/main" xmlns="" id="{DE0764A4-C6AC-487B-BD86-4190996EFA65}"/>
+                <a16:creationId xmlns:a16="http://schemas.microsoft.com/office/drawing/2014/main" id="{DE0764A4-C6AC-487B-BD86-4190996EFA65}"/>
               </a:ext>
             </a:extLst>
           </p:cNvPr>
@@ -38048,7 +42009,7 @@
           <p:cNvPr id="2" name="Title 1">
             <a:extLst>
               <a:ext uri="{FF2B5EF4-FFF2-40B4-BE49-F238E27FC236}">
-                <a16:creationId xmlns:a16="http://schemas.microsoft.com/office/drawing/2014/main" xmlns="" id="{2E8E32D2-169D-4B2B-84FA-44E4D31A4D75}"/>
+                <a16:creationId xmlns:a16="http://schemas.microsoft.com/office/drawing/2014/main" id="{2E8E32D2-169D-4B2B-84FA-44E4D31A4D75}"/>
               </a:ext>
             </a:extLst>
           </p:cNvPr>
@@ -38081,7 +42042,7 @@
           <p:cNvPr id="3" name="Slide Number Placeholder 2">
             <a:extLst>
               <a:ext uri="{FF2B5EF4-FFF2-40B4-BE49-F238E27FC236}">
-                <a16:creationId xmlns:a16="http://schemas.microsoft.com/office/drawing/2014/main" xmlns="" id="{35974D08-C97D-4273-86F6-3D666E9E4437}"/>
+                <a16:creationId xmlns:a16="http://schemas.microsoft.com/office/drawing/2014/main" id="{35974D08-C97D-4273-86F6-3D666E9E4437}"/>
               </a:ext>
             </a:extLst>
           </p:cNvPr>
@@ -38111,7 +42072,7 @@
           <p:cNvPr id="4" name="Text Placeholder 3">
             <a:extLst>
               <a:ext uri="{FF2B5EF4-FFF2-40B4-BE49-F238E27FC236}">
-                <a16:creationId xmlns:a16="http://schemas.microsoft.com/office/drawing/2014/main" xmlns="" id="{1FFFDFD7-B88C-480C-94F0-AD4F0D3A0671}"/>
+                <a16:creationId xmlns:a16="http://schemas.microsoft.com/office/drawing/2014/main" id="{1FFFDFD7-B88C-480C-94F0-AD4F0D3A0671}"/>
               </a:ext>
             </a:extLst>
           </p:cNvPr>
@@ -38166,7 +42127,7 @@
           <p:cNvPr id="7" name="Content Placeholder 6">
             <a:extLst>
               <a:ext uri="{FF2B5EF4-FFF2-40B4-BE49-F238E27FC236}">
-                <a16:creationId xmlns:a16="http://schemas.microsoft.com/office/drawing/2014/main" xmlns="" id="{573E0A1B-4EFA-4857-B84D-D27BB5EA2090}"/>
+                <a16:creationId xmlns:a16="http://schemas.microsoft.com/office/drawing/2014/main" id="{573E0A1B-4EFA-4857-B84D-D27BB5EA2090}"/>
               </a:ext>
             </a:extLst>
           </p:cNvPr>
@@ -38225,7 +42186,7 @@
           <p:cNvPr id="2" name="Title 1">
             <a:extLst>
               <a:ext uri="{FF2B5EF4-FFF2-40B4-BE49-F238E27FC236}">
-                <a16:creationId xmlns:a16="http://schemas.microsoft.com/office/drawing/2014/main" xmlns="" id="{99B9E4E2-4463-4A53-87FE-7504337B4824}"/>
+                <a16:creationId xmlns:a16="http://schemas.microsoft.com/office/drawing/2014/main" id="{99B9E4E2-4463-4A53-87FE-7504337B4824}"/>
               </a:ext>
             </a:extLst>
           </p:cNvPr>
@@ -38253,7 +42214,7 @@
           <p:cNvPr id="3" name="Slide Number Placeholder 2">
             <a:extLst>
               <a:ext uri="{FF2B5EF4-FFF2-40B4-BE49-F238E27FC236}">
-                <a16:creationId xmlns:a16="http://schemas.microsoft.com/office/drawing/2014/main" xmlns="" id="{EAA93132-BE7F-4866-BFF7-BD7CDB89B56F}"/>
+                <a16:creationId xmlns:a16="http://schemas.microsoft.com/office/drawing/2014/main" id="{EAA93132-BE7F-4866-BFF7-BD7CDB89B56F}"/>
               </a:ext>
             </a:extLst>
           </p:cNvPr>
@@ -38283,7 +42244,7 @@
           <p:cNvPr id="4" name="Text Placeholder 3">
             <a:extLst>
               <a:ext uri="{FF2B5EF4-FFF2-40B4-BE49-F238E27FC236}">
-                <a16:creationId xmlns:a16="http://schemas.microsoft.com/office/drawing/2014/main" xmlns="" id="{BB09854C-5195-49B8-9822-0F7B5871BB16}"/>
+                <a16:creationId xmlns:a16="http://schemas.microsoft.com/office/drawing/2014/main" id="{BB09854C-5195-49B8-9822-0F7B5871BB16}"/>
               </a:ext>
             </a:extLst>
           </p:cNvPr>
@@ -38331,7 +42292,7 @@
           <p:cNvPr id="7" name="Content Placeholder 6">
             <a:extLst>
               <a:ext uri="{FF2B5EF4-FFF2-40B4-BE49-F238E27FC236}">
-                <a16:creationId xmlns:a16="http://schemas.microsoft.com/office/drawing/2014/main" xmlns="" id="{D028B256-EDF2-45CA-817A-5820699D23E3}"/>
+                <a16:creationId xmlns:a16="http://schemas.microsoft.com/office/drawing/2014/main" id="{D028B256-EDF2-45CA-817A-5820699D23E3}"/>
               </a:ext>
             </a:extLst>
           </p:cNvPr>
